--- a/Publikációs listák szinkronizálása.pptx
+++ b/Publikációs listák szinkronizálása.pptx
@@ -3359,7 +3359,7 @@
                 </a:solidFill>
               </a:rPr>
               <a:pPr algn="r" rtl="0"/>
-              <a:t>2021. 03. 23.</a:t>
+              <a:t>2021. 03. 24.</a:t>
             </a:fld>
             <a:endParaRPr lang="hu-HU" dirty="0">
               <a:solidFill>
@@ -3553,7 +3553,7 @@
             <a:fld id="{6648EB40-417A-43B6-8398-70047EA5A74C}" type="datetime1">
               <a:rPr lang="hu-HU" smtClean="0"/>
               <a:pPr/>
-              <a:t>2021. 03. 23.</a:t>
+              <a:t>2021. 03. 24.</a:t>
             </a:fld>
             <a:endParaRPr lang="hu-HU" dirty="0"/>
           </a:p>
@@ -4252,7 +4252,7 @@
             <a:fld id="{56E2763D-E032-4DFF-B0B3-3D8422FFCF0E}" type="datetime1">
               <a:rPr lang="hu-HU" smtClean="0"/>
               <a:pPr/>
-              <a:t>2021. 03. 23.</a:t>
+              <a:t>2021. 03. 24.</a:t>
             </a:fld>
             <a:endParaRPr lang="hu-HU" dirty="0"/>
           </a:p>
@@ -4456,7 +4456,7 @@
             <a:fld id="{457ABD3E-B90B-44E6-BFFE-432971789295}" type="datetime1">
               <a:rPr lang="hu-HU" smtClean="0"/>
               <a:pPr/>
-              <a:t>2021. 03. 23.</a:t>
+              <a:t>2021. 03. 24.</a:t>
             </a:fld>
             <a:endParaRPr lang="hu-HU" dirty="0"/>
           </a:p>
@@ -4666,7 +4666,7 @@
             <a:fld id="{116C6E60-1866-4758-8791-4C4E45C36254}" type="datetime1">
               <a:rPr lang="hu-HU" smtClean="0"/>
               <a:pPr/>
-              <a:t>2021. 03. 23.</a:t>
+              <a:t>2021. 03. 24.</a:t>
             </a:fld>
             <a:endParaRPr lang="hu-HU" dirty="0"/>
           </a:p>
@@ -5195,7 +5195,7 @@
             <a:fld id="{3A8FF994-63F4-4649-B3EC-87876C8F5873}" type="datetime1">
               <a:rPr lang="hu-HU" smtClean="0"/>
               <a:pPr/>
-              <a:t>2021. 03. 23.</a:t>
+              <a:t>2021. 03. 24.</a:t>
             </a:fld>
             <a:endParaRPr lang="hu-HU" dirty="0"/>
           </a:p>
@@ -5647,7 +5647,7 @@
             <a:fld id="{DBE2DD76-DA38-4175-BA3B-63CD08093EE0}" type="datetime1">
               <a:rPr lang="hu-HU" smtClean="0"/>
               <a:pPr/>
-              <a:t>2021. 03. 23.</a:t>
+              <a:t>2021. 03. 24.</a:t>
             </a:fld>
             <a:endParaRPr lang="hu-HU" dirty="0"/>
           </a:p>
@@ -5789,7 +5789,7 @@
             <a:fld id="{7A77CE3F-4691-403E-A0B4-65592C908B08}" type="datetime1">
               <a:rPr lang="hu-HU" smtClean="0"/>
               <a:pPr/>
-              <a:t>2021. 03. 23.</a:t>
+              <a:t>2021. 03. 24.</a:t>
             </a:fld>
             <a:endParaRPr lang="hu-HU" dirty="0"/>
           </a:p>
@@ -5903,7 +5903,7 @@
             <a:fld id="{24C7133D-4DC0-4E2A-8D81-F8B473E814B4}" type="datetime1">
               <a:rPr lang="hu-HU" smtClean="0"/>
               <a:pPr/>
-              <a:t>2021. 03. 23.</a:t>
+              <a:t>2021. 03. 24.</a:t>
             </a:fld>
             <a:endParaRPr lang="hu-HU" dirty="0"/>
           </a:p>
@@ -6268,7 +6268,7 @@
             <a:fld id="{D378BBDA-88A6-480E-A129-7B2F79ABA348}" type="datetime1">
               <a:rPr lang="hu-HU" smtClean="0"/>
               <a:pPr/>
-              <a:t>2021. 03. 23.</a:t>
+              <a:t>2021. 03. 24.</a:t>
             </a:fld>
             <a:endParaRPr lang="hu-HU" dirty="0"/>
           </a:p>
@@ -6614,7 +6614,7 @@
             <a:fld id="{9A81C038-294F-4567-9ADB-CFB54F107354}" type="datetime1">
               <a:rPr lang="hu-HU" smtClean="0"/>
               <a:pPr/>
-              <a:t>2021. 03. 23.</a:t>
+              <a:t>2021. 03. 24.</a:t>
             </a:fld>
             <a:endParaRPr lang="hu-HU" dirty="0"/>
           </a:p>
@@ -6910,7 +6910,7 @@
             <a:fld id="{982AADB5-EBED-4173-BC4E-244A8186BD03}" type="datetime1">
               <a:rPr lang="hu-HU" smtClean="0"/>
               <a:pPr/>
-              <a:t>2021. 03. 23.</a:t>
+              <a:t>2021. 03. 24.</a:t>
             </a:fld>
             <a:endParaRPr lang="hu-HU" dirty="0"/>
           </a:p>
@@ -6995,54 +6995,6 @@
               <a:t>‹#›</a:t>
             </a:fld>
             <a:endParaRPr lang="hu-HU" dirty="0"/>
-          </a:p>
-        </p:txBody>
-      </p:sp>
-      <p:sp>
-        <p:nvSpPr>
-          <p:cNvPr id="8" name="MSIPCMContentMarking" descr="{&quot;HashCode&quot;:-1739798571,&quot;Placement&quot;:&quot;Footer&quot;,&quot;Top&quot;:519.343,&quot;Left&quot;:430.9267,&quot;SlideWidth&quot;:959,&quot;SlideHeight&quot;:540}">
-            <a:extLst>
-              <a:ext uri="{FF2B5EF4-FFF2-40B4-BE49-F238E27FC236}">
-                <a16:creationId xmlns:a16="http://schemas.microsoft.com/office/drawing/2014/main" id="{48E21E14-F531-4AF6-9B7C-6879FBB6B53B}"/>
-              </a:ext>
-            </a:extLst>
-          </p:cNvPr>
-          <p:cNvSpPr txBox="1"/>
-          <p:nvPr userDrawn="1"/>
-        </p:nvSpPr>
-        <p:spPr>
-          <a:xfrm>
-            <a:off x="5472769" y="6595656"/>
-            <a:ext cx="1243287" cy="262344"/>
-          </a:xfrm>
-          <a:prstGeom prst="rect">
-            <a:avLst/>
-          </a:prstGeom>
-          <a:noFill/>
-        </p:spPr>
-        <p:txBody>
-          <a:bodyPr vert="horz" wrap="square" lIns="0" tIns="0" rIns="0" bIns="0" rtlCol="0" anchor="ctr" anchorCtr="1">
-            <a:spAutoFit/>
-          </a:bodyPr>
-          <a:lstStyle/>
-          <a:p>
-            <a:pPr algn="ctr">
-              <a:spcBef>
-                <a:spcPts val="0"/>
-              </a:spcBef>
-              <a:spcAft>
-                <a:spcPts val="0"/>
-              </a:spcAft>
-            </a:pPr>
-            <a:r>
-              <a:rPr lang="hu-HU" sz="1000">
-                <a:solidFill>
-                  <a:srgbClr val="000000"/>
-                </a:solidFill>
-                <a:latin typeface="Calibri" panose="020F0502020204030204" pitchFamily="34" charset="0"/>
-              </a:rPr>
-              <a:t>Adient - INTERNAL</a:t>
-            </a:r>
           </a:p>
         </p:txBody>
       </p:sp>
@@ -8181,7 +8133,7 @@
         </p:blipFill>
         <p:spPr bwMode="auto">
           <a:xfrm>
-            <a:off x="7174532" y="1701800"/>
+            <a:off x="5950396" y="3014945"/>
             <a:ext cx="3220085" cy="2414270"/>
           </a:xfrm>
           <a:prstGeom prst="rect">
@@ -8800,7 +8752,7 @@
         <p:spPr>
           <a:xfrm>
             <a:off x="1117309" y="76200"/>
-            <a:ext cx="10157354" cy="760512"/>
+            <a:ext cx="10157354" cy="1552600"/>
           </a:xfrm>
         </p:spPr>
         <p:txBody>
@@ -8809,7 +8761,7 @@
           <a:p>
             <a:r>
               <a:rPr lang="hu-HU" dirty="0"/>
-              <a:t>Hátralévő feladatok</a:t>
+              <a:t>Főbb feladatok amin dolgozunk</a:t>
             </a:r>
           </a:p>
         </p:txBody>
@@ -8832,8 +8784,8 @@
         </p:nvSpPr>
         <p:spPr>
           <a:xfrm>
-            <a:off x="1117309" y="1052736"/>
-            <a:ext cx="10157354" cy="5119464"/>
+            <a:off x="1117309" y="2420888"/>
+            <a:ext cx="10157354" cy="3751312"/>
           </a:xfrm>
         </p:spPr>
         <p:txBody>
@@ -9808,12 +9760,139 @@
 </file>
 
 <file path=customXml/item1.xml><?xml version="1.0" encoding="utf-8"?>
-<?mso-contentType ?>
-<FormTemplates xmlns="http://schemas.microsoft.com/sharepoint/v3/contenttype/forms">
-  <Display>DocumentLibraryForm</Display>
-  <Edit>AssetEditForm</Edit>
-  <New>DocumentLibraryForm</New>
-</FormTemplates>
+<p:properties xmlns:p="http://schemas.microsoft.com/office/2006/metadata/properties" xmlns:xsi="http://www.w3.org/2001/XMLSchema-instance" xmlns:pc="http://schemas.microsoft.com/office/infopath/2007/PartnerControls">
+  <documentManagement>
+    <LocPublishedLinkedAssetsLookup xmlns="4873beb7-5857-4685-be1f-d57550cc96cc" xsi:nil="true"/>
+    <ApprovalStatus xmlns="4873beb7-5857-4685-be1f-d57550cc96cc">InProgress</ApprovalStatus>
+    <MarketSpecific xmlns="4873beb7-5857-4685-be1f-d57550cc96cc">false</MarketSpecific>
+    <LocComments xmlns="4873beb7-5857-4685-be1f-d57550cc96cc" xsi:nil="true"/>
+    <LocLastLocAttemptVersionTypeLookup xmlns="4873beb7-5857-4685-be1f-d57550cc96cc" xsi:nil="true"/>
+    <DirectSourceMarket xmlns="4873beb7-5857-4685-be1f-d57550cc96cc" xsi:nil="true"/>
+    <ThumbnailAssetId xmlns="4873beb7-5857-4685-be1f-d57550cc96cc" xsi:nil="true"/>
+    <PrimaryImageGen xmlns="4873beb7-5857-4685-be1f-d57550cc96cc">false</PrimaryImageGen>
+    <LocNewPublishedVersionLookup xmlns="4873beb7-5857-4685-be1f-d57550cc96cc" xsi:nil="true"/>
+    <LegacyData xmlns="4873beb7-5857-4685-be1f-d57550cc96cc" xsi:nil="true"/>
+    <LocRecommendedHandoff xmlns="4873beb7-5857-4685-be1f-d57550cc96cc" xsi:nil="true"/>
+    <BusinessGroup xmlns="4873beb7-5857-4685-be1f-d57550cc96cc" xsi:nil="true"/>
+    <BlockPublish xmlns="4873beb7-5857-4685-be1f-d57550cc96cc">false</BlockPublish>
+    <TPFriendlyName xmlns="4873beb7-5857-4685-be1f-d57550cc96cc" xsi:nil="true"/>
+    <LocOverallPublishStatusLookup xmlns="4873beb7-5857-4685-be1f-d57550cc96cc" xsi:nil="true"/>
+    <NumericId xmlns="4873beb7-5857-4685-be1f-d57550cc96cc" xsi:nil="true"/>
+    <APEditor xmlns="4873beb7-5857-4685-be1f-d57550cc96cc">
+      <UserInfo>
+        <DisplayName/>
+        <AccountId xsi:nil="true"/>
+        <AccountType/>
+      </UserInfo>
+    </APEditor>
+    <SourceTitle xmlns="4873beb7-5857-4685-be1f-d57550cc96cc" xsi:nil="true"/>
+    <OpenTemplate xmlns="4873beb7-5857-4685-be1f-d57550cc96cc">true</OpenTemplate>
+    <LocOverallLocStatusLookup xmlns="4873beb7-5857-4685-be1f-d57550cc96cc" xsi:nil="true"/>
+    <UALocComments xmlns="4873beb7-5857-4685-be1f-d57550cc96cc" xsi:nil="true"/>
+    <ParentAssetId xmlns="4873beb7-5857-4685-be1f-d57550cc96cc" xsi:nil="true"/>
+    <IntlLangReviewDate xmlns="4873beb7-5857-4685-be1f-d57550cc96cc" xsi:nil="true"/>
+    <FeatureTagsTaxHTField0 xmlns="4873beb7-5857-4685-be1f-d57550cc96cc">
+      <Terms xmlns="http://schemas.microsoft.com/office/infopath/2007/PartnerControls"/>
+    </FeatureTagsTaxHTField0>
+    <PublishStatusLookup xmlns="4873beb7-5857-4685-be1f-d57550cc96cc">
+      <Value>1345039</Value>
+    </PublishStatusLookup>
+    <Providers xmlns="4873beb7-5857-4685-be1f-d57550cc96cc" xsi:nil="true"/>
+    <MachineTranslated xmlns="4873beb7-5857-4685-be1f-d57550cc96cc">false</MachineTranslated>
+    <OriginalSourceMarket xmlns="4873beb7-5857-4685-be1f-d57550cc96cc" xsi:nil="true"/>
+    <APDescription xmlns="4873beb7-5857-4685-be1f-d57550cc96cc">The bookstacks present on most slides  make this a good choice for students, teachers, reading enthusiasts, and others in education. This presentation template contains multiple slide layouts in widescreen format (16x9) and includes a sample table and chart that you can easily  modify.</APDescription>
+    <ClipArtFilename xmlns="4873beb7-5857-4685-be1f-d57550cc96cc" xsi:nil="true"/>
+    <ContentItem xmlns="4873beb7-5857-4685-be1f-d57550cc96cc" xsi:nil="true"/>
+    <TPInstallLocation xmlns="4873beb7-5857-4685-be1f-d57550cc96cc" xsi:nil="true"/>
+    <PublishTargets xmlns="4873beb7-5857-4685-be1f-d57550cc96cc">OfficeOnlineVNext</PublishTargets>
+    <TimesCloned xmlns="4873beb7-5857-4685-be1f-d57550cc96cc" xsi:nil="true"/>
+    <AssetStart xmlns="4873beb7-5857-4685-be1f-d57550cc96cc">2011-11-26T00:00:00+00:00</AssetStart>
+    <Provider xmlns="4873beb7-5857-4685-be1f-d57550cc96cc" xsi:nil="true"/>
+    <AcquiredFrom xmlns="4873beb7-5857-4685-be1f-d57550cc96cc">Internal MS</AcquiredFrom>
+    <FriendlyTitle xmlns="4873beb7-5857-4685-be1f-d57550cc96cc" xsi:nil="true"/>
+    <LastHandOff xmlns="4873beb7-5857-4685-be1f-d57550cc96cc" xsi:nil="true"/>
+    <TPClientViewer xmlns="4873beb7-5857-4685-be1f-d57550cc96cc" xsi:nil="true"/>
+    <TemplateStatus xmlns="4873beb7-5857-4685-be1f-d57550cc96cc">Complete</TemplateStatus>
+    <Downloads xmlns="4873beb7-5857-4685-be1f-d57550cc96cc">0</Downloads>
+    <OOCacheId xmlns="4873beb7-5857-4685-be1f-d57550cc96cc" xsi:nil="true"/>
+    <IsDeleted xmlns="4873beb7-5857-4685-be1f-d57550cc96cc">false</IsDeleted>
+    <LocPublishedDependentAssetsLookup xmlns="4873beb7-5857-4685-be1f-d57550cc96cc" xsi:nil="true"/>
+    <AssetExpire xmlns="4873beb7-5857-4685-be1f-d57550cc96cc">2029-05-12T07:00:00+00:00</AssetExpire>
+    <DSATActionTaken xmlns="4873beb7-5857-4685-be1f-d57550cc96cc" xsi:nil="true"/>
+    <CSXSubmissionMarket xmlns="4873beb7-5857-4685-be1f-d57550cc96cc" xsi:nil="true"/>
+    <TPExecutable xmlns="4873beb7-5857-4685-be1f-d57550cc96cc" xsi:nil="true"/>
+    <EditorialTags xmlns="4873beb7-5857-4685-be1f-d57550cc96cc" xsi:nil="true"/>
+    <SubmitterId xmlns="4873beb7-5857-4685-be1f-d57550cc96cc" xsi:nil="true"/>
+    <ApprovalLog xmlns="4873beb7-5857-4685-be1f-d57550cc96cc" xsi:nil="true"/>
+    <AssetType xmlns="4873beb7-5857-4685-be1f-d57550cc96cc">TP</AssetType>
+    <BugNumber xmlns="4873beb7-5857-4685-be1f-d57550cc96cc" xsi:nil="true"/>
+    <CSXSubmissionDate xmlns="4873beb7-5857-4685-be1f-d57550cc96cc" xsi:nil="true"/>
+    <CSXUpdate xmlns="4873beb7-5857-4685-be1f-d57550cc96cc">false</CSXUpdate>
+    <Milestone xmlns="4873beb7-5857-4685-be1f-d57550cc96cc" xsi:nil="true"/>
+    <RecommendationsModifier xmlns="4873beb7-5857-4685-be1f-d57550cc96cc" xsi:nil="true"/>
+    <OriginAsset xmlns="4873beb7-5857-4685-be1f-d57550cc96cc" xsi:nil="true"/>
+    <TPComponent xmlns="4873beb7-5857-4685-be1f-d57550cc96cc" xsi:nil="true"/>
+    <AssetId xmlns="4873beb7-5857-4685-be1f-d57550cc96cc">TP102787939</AssetId>
+    <IntlLocPriority xmlns="4873beb7-5857-4685-be1f-d57550cc96cc" xsi:nil="true"/>
+    <PolicheckWords xmlns="4873beb7-5857-4685-be1f-d57550cc96cc" xsi:nil="true"/>
+    <TPLaunchHelpLink xmlns="4873beb7-5857-4685-be1f-d57550cc96cc" xsi:nil="true"/>
+    <TPApplication xmlns="4873beb7-5857-4685-be1f-d57550cc96cc" xsi:nil="true"/>
+    <CrawlForDependencies xmlns="4873beb7-5857-4685-be1f-d57550cc96cc">false</CrawlForDependencies>
+    <HandoffToMSDN xmlns="4873beb7-5857-4685-be1f-d57550cc96cc" xsi:nil="true"/>
+    <PlannedPubDate xmlns="4873beb7-5857-4685-be1f-d57550cc96cc" xsi:nil="true"/>
+    <IntlLangReviewer xmlns="4873beb7-5857-4685-be1f-d57550cc96cc" xsi:nil="true"/>
+    <TrustLevel xmlns="4873beb7-5857-4685-be1f-d57550cc96cc">1 Microsoft Managed Content</TrustLevel>
+    <LocLastLocAttemptVersionLookup xmlns="4873beb7-5857-4685-be1f-d57550cc96cc">694216</LocLastLocAttemptVersionLookup>
+    <LocProcessedForHandoffsLookup xmlns="4873beb7-5857-4685-be1f-d57550cc96cc" xsi:nil="true"/>
+    <IsSearchable xmlns="4873beb7-5857-4685-be1f-d57550cc96cc">true</IsSearchable>
+    <TemplateTemplateType xmlns="4873beb7-5857-4685-be1f-d57550cc96cc">PowerPoint Presentation Template</TemplateTemplateType>
+    <CampaignTagsTaxHTField0 xmlns="4873beb7-5857-4685-be1f-d57550cc96cc">
+      <Terms xmlns="http://schemas.microsoft.com/office/infopath/2007/PartnerControls"/>
+    </CampaignTagsTaxHTField0>
+    <TPNamespace xmlns="4873beb7-5857-4685-be1f-d57550cc96cc" xsi:nil="true"/>
+    <LocOverallPreviewStatusLookup xmlns="4873beb7-5857-4685-be1f-d57550cc96cc" xsi:nil="true"/>
+    <TaxCatchAll xmlns="4873beb7-5857-4685-be1f-d57550cc96cc"/>
+    <Markets xmlns="4873beb7-5857-4685-be1f-d57550cc96cc"/>
+    <UAProjectedTotalWords xmlns="4873beb7-5857-4685-be1f-d57550cc96cc" xsi:nil="true"/>
+    <IntlLangReview xmlns="4873beb7-5857-4685-be1f-d57550cc96cc" xsi:nil="true"/>
+    <OutputCachingOn xmlns="4873beb7-5857-4685-be1f-d57550cc96cc">false</OutputCachingOn>
+    <AverageRating xmlns="4873beb7-5857-4685-be1f-d57550cc96cc" xsi:nil="true"/>
+    <APAuthor xmlns="4873beb7-5857-4685-be1f-d57550cc96cc">
+      <UserInfo>
+        <DisplayName>REDMOND\kristaa</DisplayName>
+        <AccountId>136</AccountId>
+        <AccountType/>
+      </UserInfo>
+    </APAuthor>
+    <LocManualTestRequired xmlns="4873beb7-5857-4685-be1f-d57550cc96cc">false</LocManualTestRequired>
+    <TPCommandLine xmlns="4873beb7-5857-4685-be1f-d57550cc96cc" xsi:nil="true"/>
+    <TPAppVersion xmlns="4873beb7-5857-4685-be1f-d57550cc96cc" xsi:nil="true"/>
+    <EditorialStatus xmlns="4873beb7-5857-4685-be1f-d57550cc96cc">Complete</EditorialStatus>
+    <LastModifiedDateTime xmlns="4873beb7-5857-4685-be1f-d57550cc96cc" xsi:nil="true"/>
+    <ScenarioTagsTaxHTField0 xmlns="4873beb7-5857-4685-be1f-d57550cc96cc">
+      <Terms xmlns="http://schemas.microsoft.com/office/infopath/2007/PartnerControls"/>
+    </ScenarioTagsTaxHTField0>
+    <LocProcessedForMarketsLookup xmlns="4873beb7-5857-4685-be1f-d57550cc96cc" xsi:nil="true"/>
+    <TPLaunchHelpLinkType xmlns="4873beb7-5857-4685-be1f-d57550cc96cc">Template</TPLaunchHelpLinkType>
+    <OriginalRelease xmlns="4873beb7-5857-4685-be1f-d57550cc96cc">15</OriginalRelease>
+    <LocalizationTagsTaxHTField0 xmlns="4873beb7-5857-4685-be1f-d57550cc96cc">
+      <Terms xmlns="http://schemas.microsoft.com/office/infopath/2007/PartnerControls"/>
+    </LocalizationTagsTaxHTField0>
+    <UACurrentWords xmlns="4873beb7-5857-4685-be1f-d57550cc96cc" xsi:nil="true"/>
+    <ArtSampleDocs xmlns="4873beb7-5857-4685-be1f-d57550cc96cc" xsi:nil="true"/>
+    <UALocRecommendation xmlns="4873beb7-5857-4685-be1f-d57550cc96cc">Localize</UALocRecommendation>
+    <Manager xmlns="4873beb7-5857-4685-be1f-d57550cc96cc" xsi:nil="true"/>
+    <LocOverallHandbackStatusLookup xmlns="4873beb7-5857-4685-be1f-d57550cc96cc" xsi:nil="true"/>
+    <ShowIn xmlns="4873beb7-5857-4685-be1f-d57550cc96cc">Show everywhere</ShowIn>
+    <UANotes xmlns="4873beb7-5857-4685-be1f-d57550cc96cc" xsi:nil="true"/>
+    <InternalTagsTaxHTField0 xmlns="4873beb7-5857-4685-be1f-d57550cc96cc">
+      <Terms xmlns="http://schemas.microsoft.com/office/infopath/2007/PartnerControls"/>
+    </InternalTagsTaxHTField0>
+    <CSXHash xmlns="4873beb7-5857-4685-be1f-d57550cc96cc" xsi:nil="true"/>
+    <VoteCount xmlns="4873beb7-5857-4685-be1f-d57550cc96cc" xsi:nil="true"/>
+    <LocMarketGroupTiers2 xmlns="4873beb7-5857-4685-be1f-d57550cc96cc" xsi:nil="true"/>
+  </documentManagement>
+</p:properties>
 </file>
 
 <file path=customXml/item2.xml><?xml version="1.0" encoding="utf-8"?>
@@ -10857,145 +10936,20 @@
 </file>
 
 <file path=customXml/item3.xml><?xml version="1.0" encoding="utf-8"?>
-<p:properties xmlns:p="http://schemas.microsoft.com/office/2006/metadata/properties" xmlns:xsi="http://www.w3.org/2001/XMLSchema-instance" xmlns:pc="http://schemas.microsoft.com/office/infopath/2007/PartnerControls">
-  <documentManagement>
-    <LocPublishedLinkedAssetsLookup xmlns="4873beb7-5857-4685-be1f-d57550cc96cc" xsi:nil="true"/>
-    <ApprovalStatus xmlns="4873beb7-5857-4685-be1f-d57550cc96cc">InProgress</ApprovalStatus>
-    <MarketSpecific xmlns="4873beb7-5857-4685-be1f-d57550cc96cc">false</MarketSpecific>
-    <LocComments xmlns="4873beb7-5857-4685-be1f-d57550cc96cc" xsi:nil="true"/>
-    <LocLastLocAttemptVersionTypeLookup xmlns="4873beb7-5857-4685-be1f-d57550cc96cc" xsi:nil="true"/>
-    <DirectSourceMarket xmlns="4873beb7-5857-4685-be1f-d57550cc96cc" xsi:nil="true"/>
-    <ThumbnailAssetId xmlns="4873beb7-5857-4685-be1f-d57550cc96cc" xsi:nil="true"/>
-    <PrimaryImageGen xmlns="4873beb7-5857-4685-be1f-d57550cc96cc">false</PrimaryImageGen>
-    <LocNewPublishedVersionLookup xmlns="4873beb7-5857-4685-be1f-d57550cc96cc" xsi:nil="true"/>
-    <LegacyData xmlns="4873beb7-5857-4685-be1f-d57550cc96cc" xsi:nil="true"/>
-    <LocRecommendedHandoff xmlns="4873beb7-5857-4685-be1f-d57550cc96cc" xsi:nil="true"/>
-    <BusinessGroup xmlns="4873beb7-5857-4685-be1f-d57550cc96cc" xsi:nil="true"/>
-    <BlockPublish xmlns="4873beb7-5857-4685-be1f-d57550cc96cc">false</BlockPublish>
-    <TPFriendlyName xmlns="4873beb7-5857-4685-be1f-d57550cc96cc" xsi:nil="true"/>
-    <LocOverallPublishStatusLookup xmlns="4873beb7-5857-4685-be1f-d57550cc96cc" xsi:nil="true"/>
-    <NumericId xmlns="4873beb7-5857-4685-be1f-d57550cc96cc" xsi:nil="true"/>
-    <APEditor xmlns="4873beb7-5857-4685-be1f-d57550cc96cc">
-      <UserInfo>
-        <DisplayName/>
-        <AccountId xsi:nil="true"/>
-        <AccountType/>
-      </UserInfo>
-    </APEditor>
-    <SourceTitle xmlns="4873beb7-5857-4685-be1f-d57550cc96cc" xsi:nil="true"/>
-    <OpenTemplate xmlns="4873beb7-5857-4685-be1f-d57550cc96cc">true</OpenTemplate>
-    <LocOverallLocStatusLookup xmlns="4873beb7-5857-4685-be1f-d57550cc96cc" xsi:nil="true"/>
-    <UALocComments xmlns="4873beb7-5857-4685-be1f-d57550cc96cc" xsi:nil="true"/>
-    <ParentAssetId xmlns="4873beb7-5857-4685-be1f-d57550cc96cc" xsi:nil="true"/>
-    <IntlLangReviewDate xmlns="4873beb7-5857-4685-be1f-d57550cc96cc" xsi:nil="true"/>
-    <FeatureTagsTaxHTField0 xmlns="4873beb7-5857-4685-be1f-d57550cc96cc">
-      <Terms xmlns="http://schemas.microsoft.com/office/infopath/2007/PartnerControls"/>
-    </FeatureTagsTaxHTField0>
-    <PublishStatusLookup xmlns="4873beb7-5857-4685-be1f-d57550cc96cc">
-      <Value>1345039</Value>
-    </PublishStatusLookup>
-    <Providers xmlns="4873beb7-5857-4685-be1f-d57550cc96cc" xsi:nil="true"/>
-    <MachineTranslated xmlns="4873beb7-5857-4685-be1f-d57550cc96cc">false</MachineTranslated>
-    <OriginalSourceMarket xmlns="4873beb7-5857-4685-be1f-d57550cc96cc" xsi:nil="true"/>
-    <APDescription xmlns="4873beb7-5857-4685-be1f-d57550cc96cc">The bookstacks present on most slides  make this a good choice for students, teachers, reading enthusiasts, and others in education. This presentation template contains multiple slide layouts in widescreen format (16x9) and includes a sample table and chart that you can easily  modify.</APDescription>
-    <ClipArtFilename xmlns="4873beb7-5857-4685-be1f-d57550cc96cc" xsi:nil="true"/>
-    <ContentItem xmlns="4873beb7-5857-4685-be1f-d57550cc96cc" xsi:nil="true"/>
-    <TPInstallLocation xmlns="4873beb7-5857-4685-be1f-d57550cc96cc" xsi:nil="true"/>
-    <PublishTargets xmlns="4873beb7-5857-4685-be1f-d57550cc96cc">OfficeOnlineVNext</PublishTargets>
-    <TimesCloned xmlns="4873beb7-5857-4685-be1f-d57550cc96cc" xsi:nil="true"/>
-    <AssetStart xmlns="4873beb7-5857-4685-be1f-d57550cc96cc">2011-11-26T00:00:00+00:00</AssetStart>
-    <Provider xmlns="4873beb7-5857-4685-be1f-d57550cc96cc" xsi:nil="true"/>
-    <AcquiredFrom xmlns="4873beb7-5857-4685-be1f-d57550cc96cc">Internal MS</AcquiredFrom>
-    <FriendlyTitle xmlns="4873beb7-5857-4685-be1f-d57550cc96cc" xsi:nil="true"/>
-    <LastHandOff xmlns="4873beb7-5857-4685-be1f-d57550cc96cc" xsi:nil="true"/>
-    <TPClientViewer xmlns="4873beb7-5857-4685-be1f-d57550cc96cc" xsi:nil="true"/>
-    <TemplateStatus xmlns="4873beb7-5857-4685-be1f-d57550cc96cc">Complete</TemplateStatus>
-    <Downloads xmlns="4873beb7-5857-4685-be1f-d57550cc96cc">0</Downloads>
-    <OOCacheId xmlns="4873beb7-5857-4685-be1f-d57550cc96cc" xsi:nil="true"/>
-    <IsDeleted xmlns="4873beb7-5857-4685-be1f-d57550cc96cc">false</IsDeleted>
-    <LocPublishedDependentAssetsLookup xmlns="4873beb7-5857-4685-be1f-d57550cc96cc" xsi:nil="true"/>
-    <AssetExpire xmlns="4873beb7-5857-4685-be1f-d57550cc96cc">2029-05-12T07:00:00+00:00</AssetExpire>
-    <DSATActionTaken xmlns="4873beb7-5857-4685-be1f-d57550cc96cc" xsi:nil="true"/>
-    <CSXSubmissionMarket xmlns="4873beb7-5857-4685-be1f-d57550cc96cc" xsi:nil="true"/>
-    <TPExecutable xmlns="4873beb7-5857-4685-be1f-d57550cc96cc" xsi:nil="true"/>
-    <EditorialTags xmlns="4873beb7-5857-4685-be1f-d57550cc96cc" xsi:nil="true"/>
-    <SubmitterId xmlns="4873beb7-5857-4685-be1f-d57550cc96cc" xsi:nil="true"/>
-    <ApprovalLog xmlns="4873beb7-5857-4685-be1f-d57550cc96cc" xsi:nil="true"/>
-    <AssetType xmlns="4873beb7-5857-4685-be1f-d57550cc96cc">TP</AssetType>
-    <BugNumber xmlns="4873beb7-5857-4685-be1f-d57550cc96cc" xsi:nil="true"/>
-    <CSXSubmissionDate xmlns="4873beb7-5857-4685-be1f-d57550cc96cc" xsi:nil="true"/>
-    <CSXUpdate xmlns="4873beb7-5857-4685-be1f-d57550cc96cc">false</CSXUpdate>
-    <Milestone xmlns="4873beb7-5857-4685-be1f-d57550cc96cc" xsi:nil="true"/>
-    <RecommendationsModifier xmlns="4873beb7-5857-4685-be1f-d57550cc96cc" xsi:nil="true"/>
-    <OriginAsset xmlns="4873beb7-5857-4685-be1f-d57550cc96cc" xsi:nil="true"/>
-    <TPComponent xmlns="4873beb7-5857-4685-be1f-d57550cc96cc" xsi:nil="true"/>
-    <AssetId xmlns="4873beb7-5857-4685-be1f-d57550cc96cc">TP102787939</AssetId>
-    <IntlLocPriority xmlns="4873beb7-5857-4685-be1f-d57550cc96cc" xsi:nil="true"/>
-    <PolicheckWords xmlns="4873beb7-5857-4685-be1f-d57550cc96cc" xsi:nil="true"/>
-    <TPLaunchHelpLink xmlns="4873beb7-5857-4685-be1f-d57550cc96cc" xsi:nil="true"/>
-    <TPApplication xmlns="4873beb7-5857-4685-be1f-d57550cc96cc" xsi:nil="true"/>
-    <CrawlForDependencies xmlns="4873beb7-5857-4685-be1f-d57550cc96cc">false</CrawlForDependencies>
-    <HandoffToMSDN xmlns="4873beb7-5857-4685-be1f-d57550cc96cc" xsi:nil="true"/>
-    <PlannedPubDate xmlns="4873beb7-5857-4685-be1f-d57550cc96cc" xsi:nil="true"/>
-    <IntlLangReviewer xmlns="4873beb7-5857-4685-be1f-d57550cc96cc" xsi:nil="true"/>
-    <TrustLevel xmlns="4873beb7-5857-4685-be1f-d57550cc96cc">1 Microsoft Managed Content</TrustLevel>
-    <LocLastLocAttemptVersionLookup xmlns="4873beb7-5857-4685-be1f-d57550cc96cc">694216</LocLastLocAttemptVersionLookup>
-    <LocProcessedForHandoffsLookup xmlns="4873beb7-5857-4685-be1f-d57550cc96cc" xsi:nil="true"/>
-    <IsSearchable xmlns="4873beb7-5857-4685-be1f-d57550cc96cc">true</IsSearchable>
-    <TemplateTemplateType xmlns="4873beb7-5857-4685-be1f-d57550cc96cc">PowerPoint Presentation Template</TemplateTemplateType>
-    <CampaignTagsTaxHTField0 xmlns="4873beb7-5857-4685-be1f-d57550cc96cc">
-      <Terms xmlns="http://schemas.microsoft.com/office/infopath/2007/PartnerControls"/>
-    </CampaignTagsTaxHTField0>
-    <TPNamespace xmlns="4873beb7-5857-4685-be1f-d57550cc96cc" xsi:nil="true"/>
-    <LocOverallPreviewStatusLookup xmlns="4873beb7-5857-4685-be1f-d57550cc96cc" xsi:nil="true"/>
-    <TaxCatchAll xmlns="4873beb7-5857-4685-be1f-d57550cc96cc"/>
-    <Markets xmlns="4873beb7-5857-4685-be1f-d57550cc96cc"/>
-    <UAProjectedTotalWords xmlns="4873beb7-5857-4685-be1f-d57550cc96cc" xsi:nil="true"/>
-    <IntlLangReview xmlns="4873beb7-5857-4685-be1f-d57550cc96cc" xsi:nil="true"/>
-    <OutputCachingOn xmlns="4873beb7-5857-4685-be1f-d57550cc96cc">false</OutputCachingOn>
-    <AverageRating xmlns="4873beb7-5857-4685-be1f-d57550cc96cc" xsi:nil="true"/>
-    <APAuthor xmlns="4873beb7-5857-4685-be1f-d57550cc96cc">
-      <UserInfo>
-        <DisplayName>REDMOND\kristaa</DisplayName>
-        <AccountId>136</AccountId>
-        <AccountType/>
-      </UserInfo>
-    </APAuthor>
-    <LocManualTestRequired xmlns="4873beb7-5857-4685-be1f-d57550cc96cc">false</LocManualTestRequired>
-    <TPCommandLine xmlns="4873beb7-5857-4685-be1f-d57550cc96cc" xsi:nil="true"/>
-    <TPAppVersion xmlns="4873beb7-5857-4685-be1f-d57550cc96cc" xsi:nil="true"/>
-    <EditorialStatus xmlns="4873beb7-5857-4685-be1f-d57550cc96cc">Complete</EditorialStatus>
-    <LastModifiedDateTime xmlns="4873beb7-5857-4685-be1f-d57550cc96cc" xsi:nil="true"/>
-    <ScenarioTagsTaxHTField0 xmlns="4873beb7-5857-4685-be1f-d57550cc96cc">
-      <Terms xmlns="http://schemas.microsoft.com/office/infopath/2007/PartnerControls"/>
-    </ScenarioTagsTaxHTField0>
-    <LocProcessedForMarketsLookup xmlns="4873beb7-5857-4685-be1f-d57550cc96cc" xsi:nil="true"/>
-    <TPLaunchHelpLinkType xmlns="4873beb7-5857-4685-be1f-d57550cc96cc">Template</TPLaunchHelpLinkType>
-    <OriginalRelease xmlns="4873beb7-5857-4685-be1f-d57550cc96cc">15</OriginalRelease>
-    <LocalizationTagsTaxHTField0 xmlns="4873beb7-5857-4685-be1f-d57550cc96cc">
-      <Terms xmlns="http://schemas.microsoft.com/office/infopath/2007/PartnerControls"/>
-    </LocalizationTagsTaxHTField0>
-    <UACurrentWords xmlns="4873beb7-5857-4685-be1f-d57550cc96cc" xsi:nil="true"/>
-    <ArtSampleDocs xmlns="4873beb7-5857-4685-be1f-d57550cc96cc" xsi:nil="true"/>
-    <UALocRecommendation xmlns="4873beb7-5857-4685-be1f-d57550cc96cc">Localize</UALocRecommendation>
-    <Manager xmlns="4873beb7-5857-4685-be1f-d57550cc96cc" xsi:nil="true"/>
-    <LocOverallHandbackStatusLookup xmlns="4873beb7-5857-4685-be1f-d57550cc96cc" xsi:nil="true"/>
-    <ShowIn xmlns="4873beb7-5857-4685-be1f-d57550cc96cc">Show everywhere</ShowIn>
-    <UANotes xmlns="4873beb7-5857-4685-be1f-d57550cc96cc" xsi:nil="true"/>
-    <InternalTagsTaxHTField0 xmlns="4873beb7-5857-4685-be1f-d57550cc96cc">
-      <Terms xmlns="http://schemas.microsoft.com/office/infopath/2007/PartnerControls"/>
-    </InternalTagsTaxHTField0>
-    <CSXHash xmlns="4873beb7-5857-4685-be1f-d57550cc96cc" xsi:nil="true"/>
-    <VoteCount xmlns="4873beb7-5857-4685-be1f-d57550cc96cc" xsi:nil="true"/>
-    <LocMarketGroupTiers2 xmlns="4873beb7-5857-4685-be1f-d57550cc96cc" xsi:nil="true"/>
-  </documentManagement>
-</p:properties>
+<?mso-contentType ?>
+<FormTemplates xmlns="http://schemas.microsoft.com/sharepoint/v3/contenttype/forms">
+  <Display>DocumentLibraryForm</Display>
+  <Edit>AssetEditForm</Edit>
+  <New>DocumentLibraryForm</New>
+</FormTemplates>
 </file>
 
 <file path=customXml/itemProps1.xml><?xml version="1.0" encoding="utf-8"?>
-<ds:datastoreItem xmlns:ds="http://schemas.openxmlformats.org/officeDocument/2006/customXml" ds:itemID="{E1B558C7-619B-49BE-9097-7FCBDADD4ECE}">
+<ds:datastoreItem xmlns:ds="http://schemas.openxmlformats.org/officeDocument/2006/customXml" ds:itemID="{F301D382-32B0-43EE-932C-28906AF37617}">
   <ds:schemaRefs>
-    <ds:schemaRef ds:uri="http://schemas.microsoft.com/sharepoint/v3/contenttype/forms"/>
+    <ds:schemaRef ds:uri="http://schemas.microsoft.com/office/2006/metadata/properties"/>
+    <ds:schemaRef ds:uri="http://schemas.microsoft.com/office/infopath/2007/PartnerControls"/>
+    <ds:schemaRef ds:uri="4873beb7-5857-4685-be1f-d57550cc96cc"/>
   </ds:schemaRefs>
 </ds:datastoreItem>
 </file>
@@ -11019,11 +10973,9 @@
 </file>
 
 <file path=customXml/itemProps3.xml><?xml version="1.0" encoding="utf-8"?>
-<ds:datastoreItem xmlns:ds="http://schemas.openxmlformats.org/officeDocument/2006/customXml" ds:itemID="{F301D382-32B0-43EE-932C-28906AF37617}">
+<ds:datastoreItem xmlns:ds="http://schemas.openxmlformats.org/officeDocument/2006/customXml" ds:itemID="{E1B558C7-619B-49BE-9097-7FCBDADD4ECE}">
   <ds:schemaRefs>
-    <ds:schemaRef ds:uri="http://schemas.microsoft.com/office/2006/metadata/properties"/>
-    <ds:schemaRef ds:uri="http://schemas.microsoft.com/office/infopath/2007/PartnerControls"/>
-    <ds:schemaRef ds:uri="4873beb7-5857-4685-be1f-d57550cc96cc"/>
+    <ds:schemaRef ds:uri="http://schemas.microsoft.com/sharepoint/v3/contenttype/forms"/>
   </ds:schemaRefs>
 </ds:datastoreItem>
 </file>
--- a/Publikációs listák szinkronizálása.pptx
+++ b/Publikációs listák szinkronizálása.pptx
@@ -6998,6 +6998,94 @@
           </a:p>
         </p:txBody>
       </p:sp>
+      <p:sp>
+        <p:nvSpPr>
+          <p:cNvPr id="7" name="Szövegdoboz 6">
+            <a:extLst>
+              <a:ext uri="{FF2B5EF4-FFF2-40B4-BE49-F238E27FC236}">
+                <a16:creationId xmlns:a16="http://schemas.microsoft.com/office/drawing/2014/main" id="{8D3FEDC7-F449-4195-9B8B-2E0D059D5C06}"/>
+              </a:ext>
+            </a:extLst>
+          </p:cNvPr>
+          <p:cNvSpPr txBox="1"/>
+          <p:nvPr userDrawn="1"/>
+        </p:nvSpPr>
+        <p:spPr>
+          <a:xfrm>
+            <a:off x="10342883" y="6400801"/>
+            <a:ext cx="931779" cy="461665"/>
+          </a:xfrm>
+          <a:prstGeom prst="rect">
+            <a:avLst/>
+          </a:prstGeom>
+          <a:noFill/>
+        </p:spPr>
+        <p:txBody>
+          <a:bodyPr wrap="square" rtlCol="0">
+            <a:spAutoFit/>
+          </a:bodyPr>
+          <a:lstStyle/>
+          <a:p>
+            <a:r>
+              <a:rPr lang="hu-HU" dirty="0"/>
+              <a:t>9/</a:t>
+            </a:r>
+            <a:fld id="{A7E5F6A5-11E8-4435-8552-4908EFD1040B}" type="slidenum">
+              <a:rPr lang="hu-HU" smtClean="0"/>
+              <a:t>‹#›</a:t>
+            </a:fld>
+            <a:endParaRPr lang="hu-HU" dirty="0"/>
+          </a:p>
+        </p:txBody>
+      </p:sp>
+      <p:sp>
+        <p:nvSpPr>
+          <p:cNvPr id="8" name="MSIPCMContentMarking" descr="{&quot;HashCode&quot;:-1739798571,&quot;Placement&quot;:&quot;Footer&quot;,&quot;Top&quot;:519.343,&quot;Left&quot;:430.9267,&quot;SlideWidth&quot;:959,&quot;SlideHeight&quot;:540}">
+            <a:extLst>
+              <a:ext uri="{FF2B5EF4-FFF2-40B4-BE49-F238E27FC236}">
+                <a16:creationId xmlns:a16="http://schemas.microsoft.com/office/drawing/2014/main" id="{A8EE68D2-56C2-45F2-9F0F-B9D9BBADC6F0}"/>
+              </a:ext>
+            </a:extLst>
+          </p:cNvPr>
+          <p:cNvSpPr txBox="1"/>
+          <p:nvPr userDrawn="1"/>
+        </p:nvSpPr>
+        <p:spPr>
+          <a:xfrm>
+            <a:off x="5472769" y="6595656"/>
+            <a:ext cx="1243287" cy="262344"/>
+          </a:xfrm>
+          <a:prstGeom prst="rect">
+            <a:avLst/>
+          </a:prstGeom>
+          <a:noFill/>
+        </p:spPr>
+        <p:txBody>
+          <a:bodyPr vert="horz" wrap="square" lIns="0" tIns="0" rIns="0" bIns="0" rtlCol="0" anchor="ctr" anchorCtr="1">
+            <a:spAutoFit/>
+          </a:bodyPr>
+          <a:lstStyle/>
+          <a:p>
+            <a:pPr algn="ctr">
+              <a:spcBef>
+                <a:spcPts val="0"/>
+              </a:spcBef>
+              <a:spcAft>
+                <a:spcPts val="0"/>
+              </a:spcAft>
+            </a:pPr>
+            <a:r>
+              <a:rPr lang="hu-HU" sz="1000">
+                <a:solidFill>
+                  <a:srgbClr val="000000"/>
+                </a:solidFill>
+                <a:latin typeface="Calibri" panose="020F0502020204030204" pitchFamily="34" charset="0"/>
+              </a:rPr>
+              <a:t>Adient - INTERNAL</a:t>
+            </a:r>
+          </a:p>
+        </p:txBody>
+      </p:sp>
     </p:spTree>
     <p:extLst>
       <p:ext uri="{BB962C8B-B14F-4D97-AF65-F5344CB8AC3E}">
@@ -7453,21 +7541,21 @@
             <a:pPr algn="r"/>
             <a:r>
               <a:rPr lang="hu-HU" dirty="0"/>
-              <a:t>	Szászfai Júlia</a:t>
+              <a:t>	Szászfai Júlia (GO45XL)</a:t>
             </a:r>
           </a:p>
           <a:p>
             <a:pPr algn="r"/>
             <a:r>
               <a:rPr lang="hu-HU" dirty="0"/>
-              <a:t>	Csizmazia Máté</a:t>
+              <a:t>	Csizmazia Máté (XI32IS)</a:t>
             </a:r>
           </a:p>
           <a:p>
             <a:pPr algn="r"/>
             <a:r>
               <a:rPr lang="hu-HU" dirty="0"/>
-              <a:t>	Pataki Miklós</a:t>
+              <a:t>	Pataki Miklós (BQPM6L)</a:t>
             </a:r>
           </a:p>
           <a:p>
@@ -7653,8 +7741,8 @@
         </p:nvSpPr>
         <p:spPr>
           <a:xfrm>
-            <a:off x="2205980" y="474388"/>
-            <a:ext cx="7313295" cy="460685"/>
+            <a:off x="1117309" y="76200"/>
+            <a:ext cx="10157354" cy="760512"/>
           </a:xfrm>
         </p:spPr>
         <p:txBody>
@@ -7683,13 +7771,13 @@
             <a:spLocks noGrp="1"/>
           </p:cNvSpPr>
           <p:nvPr>
-            <p:ph type="body" sz="half" idx="2"/>
+            <p:ph idx="1"/>
           </p:nvPr>
         </p:nvSpPr>
         <p:spPr>
           <a:xfrm>
-            <a:off x="2349996" y="1145275"/>
-            <a:ext cx="7313295" cy="812800"/>
+            <a:off x="1117309" y="857300"/>
+            <a:ext cx="10157354" cy="4470400"/>
           </a:xfrm>
         </p:spPr>
         <p:txBody>
@@ -7794,8 +7882,8 @@
         </p:nvSpPr>
         <p:spPr>
           <a:xfrm>
-            <a:off x="2205980" y="297782"/>
-            <a:ext cx="7313295" cy="637291"/>
+            <a:off x="1117309" y="76200"/>
+            <a:ext cx="10157354" cy="832520"/>
           </a:xfrm>
         </p:spPr>
         <p:txBody>
@@ -7829,13 +7917,13 @@
             <a:spLocks noGrp="1"/>
           </p:cNvSpPr>
           <p:nvPr>
-            <p:ph type="body" sz="half" idx="2"/>
+            <p:ph idx="1"/>
           </p:nvPr>
         </p:nvSpPr>
         <p:spPr>
           <a:xfrm>
-            <a:off x="2349996" y="1145275"/>
-            <a:ext cx="7313295" cy="812800"/>
+            <a:off x="1145402" y="942775"/>
+            <a:ext cx="10157354" cy="4470400"/>
           </a:xfrm>
         </p:spPr>
         <p:txBody>
@@ -7880,8 +7968,8 @@
         </p:blipFill>
         <p:spPr>
           <a:xfrm>
-            <a:off x="2084248" y="1484783"/>
-            <a:ext cx="8042612" cy="5075435"/>
+            <a:off x="2061964" y="1412776"/>
+            <a:ext cx="7754581" cy="4893668"/>
           </a:xfrm>
           <a:prstGeom prst="rect">
             <a:avLst/>
@@ -8325,101 +8413,6 @@
       </p:pic>
       <p:sp>
         <p:nvSpPr>
-          <p:cNvPr id="15" name="Szabadkézi sokszög: alakzat 14">
-            <a:extLst>
-              <a:ext uri="{FF2B5EF4-FFF2-40B4-BE49-F238E27FC236}">
-                <a16:creationId xmlns:a16="http://schemas.microsoft.com/office/drawing/2014/main" id="{62E19233-8A38-4CD5-9EAD-4AFE9359AFA6}"/>
-              </a:ext>
-            </a:extLst>
-          </p:cNvPr>
-          <p:cNvSpPr/>
-          <p:nvPr/>
-        </p:nvSpPr>
-        <p:spPr>
-          <a:xfrm>
-            <a:off x="3013166" y="2786030"/>
-            <a:ext cx="5372513" cy="967364"/>
-          </a:xfrm>
-          <a:custGeom>
-            <a:avLst/>
-            <a:gdLst>
-              <a:gd name="connsiteX0" fmla="*/ 0 w 5372513"/>
-              <a:gd name="connsiteY0" fmla="*/ 967364 h 967364"/>
-              <a:gd name="connsiteX1" fmla="*/ 2560320 w 5372513"/>
-              <a:gd name="connsiteY1" fmla="*/ 713 h 967364"/>
-              <a:gd name="connsiteX2" fmla="*/ 5164183 w 5372513"/>
-              <a:gd name="connsiteY2" fmla="*/ 810610 h 967364"/>
-              <a:gd name="connsiteX3" fmla="*/ 5233851 w 5372513"/>
-              <a:gd name="connsiteY3" fmla="*/ 819319 h 967364"/>
-            </a:gdLst>
-            <a:ahLst/>
-            <a:cxnLst>
-              <a:cxn ang="0">
-                <a:pos x="connsiteX0" y="connsiteY0"/>
-              </a:cxn>
-              <a:cxn ang="0">
-                <a:pos x="connsiteX1" y="connsiteY1"/>
-              </a:cxn>
-              <a:cxn ang="0">
-                <a:pos x="connsiteX2" y="connsiteY2"/>
-              </a:cxn>
-              <a:cxn ang="0">
-                <a:pos x="connsiteX3" y="connsiteY3"/>
-              </a:cxn>
-            </a:cxnLst>
-            <a:rect l="l" t="t" r="r" b="b"/>
-            <a:pathLst>
-              <a:path w="5372513" h="967364">
-                <a:moveTo>
-                  <a:pt x="0" y="967364"/>
-                </a:moveTo>
-                <a:cubicBezTo>
-                  <a:pt x="849811" y="497101"/>
-                  <a:pt x="1699623" y="26839"/>
-                  <a:pt x="2560320" y="713"/>
-                </a:cubicBezTo>
-                <a:cubicBezTo>
-                  <a:pt x="3421017" y="-25413"/>
-                  <a:pt x="4718595" y="674176"/>
-                  <a:pt x="5164183" y="810610"/>
-                </a:cubicBezTo>
-                <a:cubicBezTo>
-                  <a:pt x="5609772" y="947044"/>
-                  <a:pt x="5196114" y="841090"/>
-                  <a:pt x="5233851" y="819319"/>
-                </a:cubicBezTo>
-              </a:path>
-            </a:pathLst>
-          </a:custGeom>
-          <a:noFill/>
-        </p:spPr>
-        <p:style>
-          <a:lnRef idx="2">
-            <a:schemeClr val="accent1">
-              <a:shade val="50000"/>
-            </a:schemeClr>
-          </a:lnRef>
-          <a:fillRef idx="1">
-            <a:schemeClr val="accent1"/>
-          </a:fillRef>
-          <a:effectRef idx="0">
-            <a:schemeClr val="accent1"/>
-          </a:effectRef>
-          <a:fontRef idx="minor">
-            <a:schemeClr val="lt1"/>
-          </a:fontRef>
-        </p:style>
-        <p:txBody>
-          <a:bodyPr rtlCol="0" anchor="ctr"/>
-          <a:lstStyle/>
-          <a:p>
-            <a:pPr algn="ctr"/>
-            <a:endParaRPr lang="hu-HU"/>
-          </a:p>
-        </p:txBody>
-      </p:sp>
-      <p:sp>
-        <p:nvSpPr>
           <p:cNvPr id="21" name="Szabadkézi sokszög: alakzat 20">
             <a:extLst>
               <a:ext uri="{FF2B5EF4-FFF2-40B4-BE49-F238E27FC236}">
@@ -8660,6 +8653,91 @@
                   <a:pt x="5863772" y="458652"/>
                   <a:pt x="7381967" y="88537"/>
                   <a:pt x="7942218" y="0"/>
+                </a:cubicBezTo>
+              </a:path>
+            </a:pathLst>
+          </a:custGeom>
+          <a:noFill/>
+        </p:spPr>
+        <p:style>
+          <a:lnRef idx="2">
+            <a:schemeClr val="accent1">
+              <a:shade val="50000"/>
+            </a:schemeClr>
+          </a:lnRef>
+          <a:fillRef idx="1">
+            <a:schemeClr val="accent1"/>
+          </a:fillRef>
+          <a:effectRef idx="0">
+            <a:schemeClr val="accent1"/>
+          </a:effectRef>
+          <a:fontRef idx="minor">
+            <a:schemeClr val="lt1"/>
+          </a:fontRef>
+        </p:style>
+        <p:txBody>
+          <a:bodyPr rtlCol="0" anchor="ctr"/>
+          <a:lstStyle/>
+          <a:p>
+            <a:pPr algn="ctr"/>
+            <a:endParaRPr lang="hu-HU"/>
+          </a:p>
+        </p:txBody>
+      </p:sp>
+      <p:sp>
+        <p:nvSpPr>
+          <p:cNvPr id="2" name="Szabadkézi sokszög: alakzat 1">
+            <a:extLst>
+              <a:ext uri="{FF2B5EF4-FFF2-40B4-BE49-F238E27FC236}">
+                <a16:creationId xmlns:a16="http://schemas.microsoft.com/office/drawing/2014/main" id="{506A44D8-8355-4C95-AC4A-9871BDFE5475}"/>
+              </a:ext>
+            </a:extLst>
+          </p:cNvPr>
+          <p:cNvSpPr/>
+          <p:nvPr/>
+        </p:nvSpPr>
+        <p:spPr>
+          <a:xfrm>
+            <a:off x="3181739" y="2835186"/>
+            <a:ext cx="5001208" cy="943712"/>
+          </a:xfrm>
+          <a:custGeom>
+            <a:avLst/>
+            <a:gdLst>
+              <a:gd name="connsiteX0" fmla="*/ 0 w 5001208"/>
+              <a:gd name="connsiteY0" fmla="*/ 943712 h 943712"/>
+              <a:gd name="connsiteX1" fmla="*/ 2174032 w 5001208"/>
+              <a:gd name="connsiteY1" fmla="*/ 1320 h 943712"/>
+              <a:gd name="connsiteX2" fmla="*/ 5001208 w 5001208"/>
+              <a:gd name="connsiteY2" fmla="*/ 738438 h 943712"/>
+            </a:gdLst>
+            <a:ahLst/>
+            <a:cxnLst>
+              <a:cxn ang="0">
+                <a:pos x="connsiteX0" y="connsiteY0"/>
+              </a:cxn>
+              <a:cxn ang="0">
+                <a:pos x="connsiteX1" y="connsiteY1"/>
+              </a:cxn>
+              <a:cxn ang="0">
+                <a:pos x="connsiteX2" y="connsiteY2"/>
+              </a:cxn>
+            </a:cxnLst>
+            <a:rect l="l" t="t" r="r" b="b"/>
+            <a:pathLst>
+              <a:path w="5001208" h="943712">
+                <a:moveTo>
+                  <a:pt x="0" y="943712"/>
+                </a:moveTo>
+                <a:cubicBezTo>
+                  <a:pt x="670248" y="489622"/>
+                  <a:pt x="1340497" y="35532"/>
+                  <a:pt x="2174032" y="1320"/>
+                </a:cubicBezTo>
+                <a:cubicBezTo>
+                  <a:pt x="3007567" y="-32892"/>
+                  <a:pt x="4481804" y="607809"/>
+                  <a:pt x="5001208" y="738438"/>
                 </a:cubicBezTo>
               </a:path>
             </a:pathLst>
@@ -9760,139 +9838,12 @@
 </file>
 
 <file path=customXml/item1.xml><?xml version="1.0" encoding="utf-8"?>
-<p:properties xmlns:p="http://schemas.microsoft.com/office/2006/metadata/properties" xmlns:xsi="http://www.w3.org/2001/XMLSchema-instance" xmlns:pc="http://schemas.microsoft.com/office/infopath/2007/PartnerControls">
-  <documentManagement>
-    <LocPublishedLinkedAssetsLookup xmlns="4873beb7-5857-4685-be1f-d57550cc96cc" xsi:nil="true"/>
-    <ApprovalStatus xmlns="4873beb7-5857-4685-be1f-d57550cc96cc">InProgress</ApprovalStatus>
-    <MarketSpecific xmlns="4873beb7-5857-4685-be1f-d57550cc96cc">false</MarketSpecific>
-    <LocComments xmlns="4873beb7-5857-4685-be1f-d57550cc96cc" xsi:nil="true"/>
-    <LocLastLocAttemptVersionTypeLookup xmlns="4873beb7-5857-4685-be1f-d57550cc96cc" xsi:nil="true"/>
-    <DirectSourceMarket xmlns="4873beb7-5857-4685-be1f-d57550cc96cc" xsi:nil="true"/>
-    <ThumbnailAssetId xmlns="4873beb7-5857-4685-be1f-d57550cc96cc" xsi:nil="true"/>
-    <PrimaryImageGen xmlns="4873beb7-5857-4685-be1f-d57550cc96cc">false</PrimaryImageGen>
-    <LocNewPublishedVersionLookup xmlns="4873beb7-5857-4685-be1f-d57550cc96cc" xsi:nil="true"/>
-    <LegacyData xmlns="4873beb7-5857-4685-be1f-d57550cc96cc" xsi:nil="true"/>
-    <LocRecommendedHandoff xmlns="4873beb7-5857-4685-be1f-d57550cc96cc" xsi:nil="true"/>
-    <BusinessGroup xmlns="4873beb7-5857-4685-be1f-d57550cc96cc" xsi:nil="true"/>
-    <BlockPublish xmlns="4873beb7-5857-4685-be1f-d57550cc96cc">false</BlockPublish>
-    <TPFriendlyName xmlns="4873beb7-5857-4685-be1f-d57550cc96cc" xsi:nil="true"/>
-    <LocOverallPublishStatusLookup xmlns="4873beb7-5857-4685-be1f-d57550cc96cc" xsi:nil="true"/>
-    <NumericId xmlns="4873beb7-5857-4685-be1f-d57550cc96cc" xsi:nil="true"/>
-    <APEditor xmlns="4873beb7-5857-4685-be1f-d57550cc96cc">
-      <UserInfo>
-        <DisplayName/>
-        <AccountId xsi:nil="true"/>
-        <AccountType/>
-      </UserInfo>
-    </APEditor>
-    <SourceTitle xmlns="4873beb7-5857-4685-be1f-d57550cc96cc" xsi:nil="true"/>
-    <OpenTemplate xmlns="4873beb7-5857-4685-be1f-d57550cc96cc">true</OpenTemplate>
-    <LocOverallLocStatusLookup xmlns="4873beb7-5857-4685-be1f-d57550cc96cc" xsi:nil="true"/>
-    <UALocComments xmlns="4873beb7-5857-4685-be1f-d57550cc96cc" xsi:nil="true"/>
-    <ParentAssetId xmlns="4873beb7-5857-4685-be1f-d57550cc96cc" xsi:nil="true"/>
-    <IntlLangReviewDate xmlns="4873beb7-5857-4685-be1f-d57550cc96cc" xsi:nil="true"/>
-    <FeatureTagsTaxHTField0 xmlns="4873beb7-5857-4685-be1f-d57550cc96cc">
-      <Terms xmlns="http://schemas.microsoft.com/office/infopath/2007/PartnerControls"/>
-    </FeatureTagsTaxHTField0>
-    <PublishStatusLookup xmlns="4873beb7-5857-4685-be1f-d57550cc96cc">
-      <Value>1345039</Value>
-    </PublishStatusLookup>
-    <Providers xmlns="4873beb7-5857-4685-be1f-d57550cc96cc" xsi:nil="true"/>
-    <MachineTranslated xmlns="4873beb7-5857-4685-be1f-d57550cc96cc">false</MachineTranslated>
-    <OriginalSourceMarket xmlns="4873beb7-5857-4685-be1f-d57550cc96cc" xsi:nil="true"/>
-    <APDescription xmlns="4873beb7-5857-4685-be1f-d57550cc96cc">The bookstacks present on most slides  make this a good choice for students, teachers, reading enthusiasts, and others in education. This presentation template contains multiple slide layouts in widescreen format (16x9) and includes a sample table and chart that you can easily  modify.</APDescription>
-    <ClipArtFilename xmlns="4873beb7-5857-4685-be1f-d57550cc96cc" xsi:nil="true"/>
-    <ContentItem xmlns="4873beb7-5857-4685-be1f-d57550cc96cc" xsi:nil="true"/>
-    <TPInstallLocation xmlns="4873beb7-5857-4685-be1f-d57550cc96cc" xsi:nil="true"/>
-    <PublishTargets xmlns="4873beb7-5857-4685-be1f-d57550cc96cc">OfficeOnlineVNext</PublishTargets>
-    <TimesCloned xmlns="4873beb7-5857-4685-be1f-d57550cc96cc" xsi:nil="true"/>
-    <AssetStart xmlns="4873beb7-5857-4685-be1f-d57550cc96cc">2011-11-26T00:00:00+00:00</AssetStart>
-    <Provider xmlns="4873beb7-5857-4685-be1f-d57550cc96cc" xsi:nil="true"/>
-    <AcquiredFrom xmlns="4873beb7-5857-4685-be1f-d57550cc96cc">Internal MS</AcquiredFrom>
-    <FriendlyTitle xmlns="4873beb7-5857-4685-be1f-d57550cc96cc" xsi:nil="true"/>
-    <LastHandOff xmlns="4873beb7-5857-4685-be1f-d57550cc96cc" xsi:nil="true"/>
-    <TPClientViewer xmlns="4873beb7-5857-4685-be1f-d57550cc96cc" xsi:nil="true"/>
-    <TemplateStatus xmlns="4873beb7-5857-4685-be1f-d57550cc96cc">Complete</TemplateStatus>
-    <Downloads xmlns="4873beb7-5857-4685-be1f-d57550cc96cc">0</Downloads>
-    <OOCacheId xmlns="4873beb7-5857-4685-be1f-d57550cc96cc" xsi:nil="true"/>
-    <IsDeleted xmlns="4873beb7-5857-4685-be1f-d57550cc96cc">false</IsDeleted>
-    <LocPublishedDependentAssetsLookup xmlns="4873beb7-5857-4685-be1f-d57550cc96cc" xsi:nil="true"/>
-    <AssetExpire xmlns="4873beb7-5857-4685-be1f-d57550cc96cc">2029-05-12T07:00:00+00:00</AssetExpire>
-    <DSATActionTaken xmlns="4873beb7-5857-4685-be1f-d57550cc96cc" xsi:nil="true"/>
-    <CSXSubmissionMarket xmlns="4873beb7-5857-4685-be1f-d57550cc96cc" xsi:nil="true"/>
-    <TPExecutable xmlns="4873beb7-5857-4685-be1f-d57550cc96cc" xsi:nil="true"/>
-    <EditorialTags xmlns="4873beb7-5857-4685-be1f-d57550cc96cc" xsi:nil="true"/>
-    <SubmitterId xmlns="4873beb7-5857-4685-be1f-d57550cc96cc" xsi:nil="true"/>
-    <ApprovalLog xmlns="4873beb7-5857-4685-be1f-d57550cc96cc" xsi:nil="true"/>
-    <AssetType xmlns="4873beb7-5857-4685-be1f-d57550cc96cc">TP</AssetType>
-    <BugNumber xmlns="4873beb7-5857-4685-be1f-d57550cc96cc" xsi:nil="true"/>
-    <CSXSubmissionDate xmlns="4873beb7-5857-4685-be1f-d57550cc96cc" xsi:nil="true"/>
-    <CSXUpdate xmlns="4873beb7-5857-4685-be1f-d57550cc96cc">false</CSXUpdate>
-    <Milestone xmlns="4873beb7-5857-4685-be1f-d57550cc96cc" xsi:nil="true"/>
-    <RecommendationsModifier xmlns="4873beb7-5857-4685-be1f-d57550cc96cc" xsi:nil="true"/>
-    <OriginAsset xmlns="4873beb7-5857-4685-be1f-d57550cc96cc" xsi:nil="true"/>
-    <TPComponent xmlns="4873beb7-5857-4685-be1f-d57550cc96cc" xsi:nil="true"/>
-    <AssetId xmlns="4873beb7-5857-4685-be1f-d57550cc96cc">TP102787939</AssetId>
-    <IntlLocPriority xmlns="4873beb7-5857-4685-be1f-d57550cc96cc" xsi:nil="true"/>
-    <PolicheckWords xmlns="4873beb7-5857-4685-be1f-d57550cc96cc" xsi:nil="true"/>
-    <TPLaunchHelpLink xmlns="4873beb7-5857-4685-be1f-d57550cc96cc" xsi:nil="true"/>
-    <TPApplication xmlns="4873beb7-5857-4685-be1f-d57550cc96cc" xsi:nil="true"/>
-    <CrawlForDependencies xmlns="4873beb7-5857-4685-be1f-d57550cc96cc">false</CrawlForDependencies>
-    <HandoffToMSDN xmlns="4873beb7-5857-4685-be1f-d57550cc96cc" xsi:nil="true"/>
-    <PlannedPubDate xmlns="4873beb7-5857-4685-be1f-d57550cc96cc" xsi:nil="true"/>
-    <IntlLangReviewer xmlns="4873beb7-5857-4685-be1f-d57550cc96cc" xsi:nil="true"/>
-    <TrustLevel xmlns="4873beb7-5857-4685-be1f-d57550cc96cc">1 Microsoft Managed Content</TrustLevel>
-    <LocLastLocAttemptVersionLookup xmlns="4873beb7-5857-4685-be1f-d57550cc96cc">694216</LocLastLocAttemptVersionLookup>
-    <LocProcessedForHandoffsLookup xmlns="4873beb7-5857-4685-be1f-d57550cc96cc" xsi:nil="true"/>
-    <IsSearchable xmlns="4873beb7-5857-4685-be1f-d57550cc96cc">true</IsSearchable>
-    <TemplateTemplateType xmlns="4873beb7-5857-4685-be1f-d57550cc96cc">PowerPoint Presentation Template</TemplateTemplateType>
-    <CampaignTagsTaxHTField0 xmlns="4873beb7-5857-4685-be1f-d57550cc96cc">
-      <Terms xmlns="http://schemas.microsoft.com/office/infopath/2007/PartnerControls"/>
-    </CampaignTagsTaxHTField0>
-    <TPNamespace xmlns="4873beb7-5857-4685-be1f-d57550cc96cc" xsi:nil="true"/>
-    <LocOverallPreviewStatusLookup xmlns="4873beb7-5857-4685-be1f-d57550cc96cc" xsi:nil="true"/>
-    <TaxCatchAll xmlns="4873beb7-5857-4685-be1f-d57550cc96cc"/>
-    <Markets xmlns="4873beb7-5857-4685-be1f-d57550cc96cc"/>
-    <UAProjectedTotalWords xmlns="4873beb7-5857-4685-be1f-d57550cc96cc" xsi:nil="true"/>
-    <IntlLangReview xmlns="4873beb7-5857-4685-be1f-d57550cc96cc" xsi:nil="true"/>
-    <OutputCachingOn xmlns="4873beb7-5857-4685-be1f-d57550cc96cc">false</OutputCachingOn>
-    <AverageRating xmlns="4873beb7-5857-4685-be1f-d57550cc96cc" xsi:nil="true"/>
-    <APAuthor xmlns="4873beb7-5857-4685-be1f-d57550cc96cc">
-      <UserInfo>
-        <DisplayName>REDMOND\kristaa</DisplayName>
-        <AccountId>136</AccountId>
-        <AccountType/>
-      </UserInfo>
-    </APAuthor>
-    <LocManualTestRequired xmlns="4873beb7-5857-4685-be1f-d57550cc96cc">false</LocManualTestRequired>
-    <TPCommandLine xmlns="4873beb7-5857-4685-be1f-d57550cc96cc" xsi:nil="true"/>
-    <TPAppVersion xmlns="4873beb7-5857-4685-be1f-d57550cc96cc" xsi:nil="true"/>
-    <EditorialStatus xmlns="4873beb7-5857-4685-be1f-d57550cc96cc">Complete</EditorialStatus>
-    <LastModifiedDateTime xmlns="4873beb7-5857-4685-be1f-d57550cc96cc" xsi:nil="true"/>
-    <ScenarioTagsTaxHTField0 xmlns="4873beb7-5857-4685-be1f-d57550cc96cc">
-      <Terms xmlns="http://schemas.microsoft.com/office/infopath/2007/PartnerControls"/>
-    </ScenarioTagsTaxHTField0>
-    <LocProcessedForMarketsLookup xmlns="4873beb7-5857-4685-be1f-d57550cc96cc" xsi:nil="true"/>
-    <TPLaunchHelpLinkType xmlns="4873beb7-5857-4685-be1f-d57550cc96cc">Template</TPLaunchHelpLinkType>
-    <OriginalRelease xmlns="4873beb7-5857-4685-be1f-d57550cc96cc">15</OriginalRelease>
-    <LocalizationTagsTaxHTField0 xmlns="4873beb7-5857-4685-be1f-d57550cc96cc">
-      <Terms xmlns="http://schemas.microsoft.com/office/infopath/2007/PartnerControls"/>
-    </LocalizationTagsTaxHTField0>
-    <UACurrentWords xmlns="4873beb7-5857-4685-be1f-d57550cc96cc" xsi:nil="true"/>
-    <ArtSampleDocs xmlns="4873beb7-5857-4685-be1f-d57550cc96cc" xsi:nil="true"/>
-    <UALocRecommendation xmlns="4873beb7-5857-4685-be1f-d57550cc96cc">Localize</UALocRecommendation>
-    <Manager xmlns="4873beb7-5857-4685-be1f-d57550cc96cc" xsi:nil="true"/>
-    <LocOverallHandbackStatusLookup xmlns="4873beb7-5857-4685-be1f-d57550cc96cc" xsi:nil="true"/>
-    <ShowIn xmlns="4873beb7-5857-4685-be1f-d57550cc96cc">Show everywhere</ShowIn>
-    <UANotes xmlns="4873beb7-5857-4685-be1f-d57550cc96cc" xsi:nil="true"/>
-    <InternalTagsTaxHTField0 xmlns="4873beb7-5857-4685-be1f-d57550cc96cc">
-      <Terms xmlns="http://schemas.microsoft.com/office/infopath/2007/PartnerControls"/>
-    </InternalTagsTaxHTField0>
-    <CSXHash xmlns="4873beb7-5857-4685-be1f-d57550cc96cc" xsi:nil="true"/>
-    <VoteCount xmlns="4873beb7-5857-4685-be1f-d57550cc96cc" xsi:nil="true"/>
-    <LocMarketGroupTiers2 xmlns="4873beb7-5857-4685-be1f-d57550cc96cc" xsi:nil="true"/>
-  </documentManagement>
-</p:properties>
+<?mso-contentType ?>
+<FormTemplates xmlns="http://schemas.microsoft.com/sharepoint/v3/contenttype/forms">
+  <Display>DocumentLibraryForm</Display>
+  <Edit>AssetEditForm</Edit>
+  <New>DocumentLibraryForm</New>
+</FormTemplates>
 </file>
 
 <file path=customXml/item2.xml><?xml version="1.0" encoding="utf-8"?>
@@ -10936,20 +10887,145 @@
 </file>
 
 <file path=customXml/item3.xml><?xml version="1.0" encoding="utf-8"?>
-<?mso-contentType ?>
-<FormTemplates xmlns="http://schemas.microsoft.com/sharepoint/v3/contenttype/forms">
-  <Display>DocumentLibraryForm</Display>
-  <Edit>AssetEditForm</Edit>
-  <New>DocumentLibraryForm</New>
-</FormTemplates>
+<p:properties xmlns:p="http://schemas.microsoft.com/office/2006/metadata/properties" xmlns:xsi="http://www.w3.org/2001/XMLSchema-instance" xmlns:pc="http://schemas.microsoft.com/office/infopath/2007/PartnerControls">
+  <documentManagement>
+    <LocPublishedLinkedAssetsLookup xmlns="4873beb7-5857-4685-be1f-d57550cc96cc" xsi:nil="true"/>
+    <ApprovalStatus xmlns="4873beb7-5857-4685-be1f-d57550cc96cc">InProgress</ApprovalStatus>
+    <MarketSpecific xmlns="4873beb7-5857-4685-be1f-d57550cc96cc">false</MarketSpecific>
+    <LocComments xmlns="4873beb7-5857-4685-be1f-d57550cc96cc" xsi:nil="true"/>
+    <LocLastLocAttemptVersionTypeLookup xmlns="4873beb7-5857-4685-be1f-d57550cc96cc" xsi:nil="true"/>
+    <DirectSourceMarket xmlns="4873beb7-5857-4685-be1f-d57550cc96cc" xsi:nil="true"/>
+    <ThumbnailAssetId xmlns="4873beb7-5857-4685-be1f-d57550cc96cc" xsi:nil="true"/>
+    <PrimaryImageGen xmlns="4873beb7-5857-4685-be1f-d57550cc96cc">false</PrimaryImageGen>
+    <LocNewPublishedVersionLookup xmlns="4873beb7-5857-4685-be1f-d57550cc96cc" xsi:nil="true"/>
+    <LegacyData xmlns="4873beb7-5857-4685-be1f-d57550cc96cc" xsi:nil="true"/>
+    <LocRecommendedHandoff xmlns="4873beb7-5857-4685-be1f-d57550cc96cc" xsi:nil="true"/>
+    <BusinessGroup xmlns="4873beb7-5857-4685-be1f-d57550cc96cc" xsi:nil="true"/>
+    <BlockPublish xmlns="4873beb7-5857-4685-be1f-d57550cc96cc">false</BlockPublish>
+    <TPFriendlyName xmlns="4873beb7-5857-4685-be1f-d57550cc96cc" xsi:nil="true"/>
+    <LocOverallPublishStatusLookup xmlns="4873beb7-5857-4685-be1f-d57550cc96cc" xsi:nil="true"/>
+    <NumericId xmlns="4873beb7-5857-4685-be1f-d57550cc96cc" xsi:nil="true"/>
+    <APEditor xmlns="4873beb7-5857-4685-be1f-d57550cc96cc">
+      <UserInfo>
+        <DisplayName/>
+        <AccountId xsi:nil="true"/>
+        <AccountType/>
+      </UserInfo>
+    </APEditor>
+    <SourceTitle xmlns="4873beb7-5857-4685-be1f-d57550cc96cc" xsi:nil="true"/>
+    <OpenTemplate xmlns="4873beb7-5857-4685-be1f-d57550cc96cc">true</OpenTemplate>
+    <LocOverallLocStatusLookup xmlns="4873beb7-5857-4685-be1f-d57550cc96cc" xsi:nil="true"/>
+    <UALocComments xmlns="4873beb7-5857-4685-be1f-d57550cc96cc" xsi:nil="true"/>
+    <ParentAssetId xmlns="4873beb7-5857-4685-be1f-d57550cc96cc" xsi:nil="true"/>
+    <IntlLangReviewDate xmlns="4873beb7-5857-4685-be1f-d57550cc96cc" xsi:nil="true"/>
+    <FeatureTagsTaxHTField0 xmlns="4873beb7-5857-4685-be1f-d57550cc96cc">
+      <Terms xmlns="http://schemas.microsoft.com/office/infopath/2007/PartnerControls"/>
+    </FeatureTagsTaxHTField0>
+    <PublishStatusLookup xmlns="4873beb7-5857-4685-be1f-d57550cc96cc">
+      <Value>1345039</Value>
+    </PublishStatusLookup>
+    <Providers xmlns="4873beb7-5857-4685-be1f-d57550cc96cc" xsi:nil="true"/>
+    <MachineTranslated xmlns="4873beb7-5857-4685-be1f-d57550cc96cc">false</MachineTranslated>
+    <OriginalSourceMarket xmlns="4873beb7-5857-4685-be1f-d57550cc96cc" xsi:nil="true"/>
+    <APDescription xmlns="4873beb7-5857-4685-be1f-d57550cc96cc">The bookstacks present on most slides  make this a good choice for students, teachers, reading enthusiasts, and others in education. This presentation template contains multiple slide layouts in widescreen format (16x9) and includes a sample table and chart that you can easily  modify.</APDescription>
+    <ClipArtFilename xmlns="4873beb7-5857-4685-be1f-d57550cc96cc" xsi:nil="true"/>
+    <ContentItem xmlns="4873beb7-5857-4685-be1f-d57550cc96cc" xsi:nil="true"/>
+    <TPInstallLocation xmlns="4873beb7-5857-4685-be1f-d57550cc96cc" xsi:nil="true"/>
+    <PublishTargets xmlns="4873beb7-5857-4685-be1f-d57550cc96cc">OfficeOnlineVNext</PublishTargets>
+    <TimesCloned xmlns="4873beb7-5857-4685-be1f-d57550cc96cc" xsi:nil="true"/>
+    <AssetStart xmlns="4873beb7-5857-4685-be1f-d57550cc96cc">2011-11-26T00:00:00+00:00</AssetStart>
+    <Provider xmlns="4873beb7-5857-4685-be1f-d57550cc96cc" xsi:nil="true"/>
+    <AcquiredFrom xmlns="4873beb7-5857-4685-be1f-d57550cc96cc">Internal MS</AcquiredFrom>
+    <FriendlyTitle xmlns="4873beb7-5857-4685-be1f-d57550cc96cc" xsi:nil="true"/>
+    <LastHandOff xmlns="4873beb7-5857-4685-be1f-d57550cc96cc" xsi:nil="true"/>
+    <TPClientViewer xmlns="4873beb7-5857-4685-be1f-d57550cc96cc" xsi:nil="true"/>
+    <TemplateStatus xmlns="4873beb7-5857-4685-be1f-d57550cc96cc">Complete</TemplateStatus>
+    <Downloads xmlns="4873beb7-5857-4685-be1f-d57550cc96cc">0</Downloads>
+    <OOCacheId xmlns="4873beb7-5857-4685-be1f-d57550cc96cc" xsi:nil="true"/>
+    <IsDeleted xmlns="4873beb7-5857-4685-be1f-d57550cc96cc">false</IsDeleted>
+    <LocPublishedDependentAssetsLookup xmlns="4873beb7-5857-4685-be1f-d57550cc96cc" xsi:nil="true"/>
+    <AssetExpire xmlns="4873beb7-5857-4685-be1f-d57550cc96cc">2029-05-12T07:00:00+00:00</AssetExpire>
+    <DSATActionTaken xmlns="4873beb7-5857-4685-be1f-d57550cc96cc" xsi:nil="true"/>
+    <CSXSubmissionMarket xmlns="4873beb7-5857-4685-be1f-d57550cc96cc" xsi:nil="true"/>
+    <TPExecutable xmlns="4873beb7-5857-4685-be1f-d57550cc96cc" xsi:nil="true"/>
+    <EditorialTags xmlns="4873beb7-5857-4685-be1f-d57550cc96cc" xsi:nil="true"/>
+    <SubmitterId xmlns="4873beb7-5857-4685-be1f-d57550cc96cc" xsi:nil="true"/>
+    <ApprovalLog xmlns="4873beb7-5857-4685-be1f-d57550cc96cc" xsi:nil="true"/>
+    <AssetType xmlns="4873beb7-5857-4685-be1f-d57550cc96cc">TP</AssetType>
+    <BugNumber xmlns="4873beb7-5857-4685-be1f-d57550cc96cc" xsi:nil="true"/>
+    <CSXSubmissionDate xmlns="4873beb7-5857-4685-be1f-d57550cc96cc" xsi:nil="true"/>
+    <CSXUpdate xmlns="4873beb7-5857-4685-be1f-d57550cc96cc">false</CSXUpdate>
+    <Milestone xmlns="4873beb7-5857-4685-be1f-d57550cc96cc" xsi:nil="true"/>
+    <RecommendationsModifier xmlns="4873beb7-5857-4685-be1f-d57550cc96cc" xsi:nil="true"/>
+    <OriginAsset xmlns="4873beb7-5857-4685-be1f-d57550cc96cc" xsi:nil="true"/>
+    <TPComponent xmlns="4873beb7-5857-4685-be1f-d57550cc96cc" xsi:nil="true"/>
+    <AssetId xmlns="4873beb7-5857-4685-be1f-d57550cc96cc">TP102787939</AssetId>
+    <IntlLocPriority xmlns="4873beb7-5857-4685-be1f-d57550cc96cc" xsi:nil="true"/>
+    <PolicheckWords xmlns="4873beb7-5857-4685-be1f-d57550cc96cc" xsi:nil="true"/>
+    <TPLaunchHelpLink xmlns="4873beb7-5857-4685-be1f-d57550cc96cc" xsi:nil="true"/>
+    <TPApplication xmlns="4873beb7-5857-4685-be1f-d57550cc96cc" xsi:nil="true"/>
+    <CrawlForDependencies xmlns="4873beb7-5857-4685-be1f-d57550cc96cc">false</CrawlForDependencies>
+    <HandoffToMSDN xmlns="4873beb7-5857-4685-be1f-d57550cc96cc" xsi:nil="true"/>
+    <PlannedPubDate xmlns="4873beb7-5857-4685-be1f-d57550cc96cc" xsi:nil="true"/>
+    <IntlLangReviewer xmlns="4873beb7-5857-4685-be1f-d57550cc96cc" xsi:nil="true"/>
+    <TrustLevel xmlns="4873beb7-5857-4685-be1f-d57550cc96cc">1 Microsoft Managed Content</TrustLevel>
+    <LocLastLocAttemptVersionLookup xmlns="4873beb7-5857-4685-be1f-d57550cc96cc">694216</LocLastLocAttemptVersionLookup>
+    <LocProcessedForHandoffsLookup xmlns="4873beb7-5857-4685-be1f-d57550cc96cc" xsi:nil="true"/>
+    <IsSearchable xmlns="4873beb7-5857-4685-be1f-d57550cc96cc">true</IsSearchable>
+    <TemplateTemplateType xmlns="4873beb7-5857-4685-be1f-d57550cc96cc">PowerPoint Presentation Template</TemplateTemplateType>
+    <CampaignTagsTaxHTField0 xmlns="4873beb7-5857-4685-be1f-d57550cc96cc">
+      <Terms xmlns="http://schemas.microsoft.com/office/infopath/2007/PartnerControls"/>
+    </CampaignTagsTaxHTField0>
+    <TPNamespace xmlns="4873beb7-5857-4685-be1f-d57550cc96cc" xsi:nil="true"/>
+    <LocOverallPreviewStatusLookup xmlns="4873beb7-5857-4685-be1f-d57550cc96cc" xsi:nil="true"/>
+    <TaxCatchAll xmlns="4873beb7-5857-4685-be1f-d57550cc96cc"/>
+    <Markets xmlns="4873beb7-5857-4685-be1f-d57550cc96cc"/>
+    <UAProjectedTotalWords xmlns="4873beb7-5857-4685-be1f-d57550cc96cc" xsi:nil="true"/>
+    <IntlLangReview xmlns="4873beb7-5857-4685-be1f-d57550cc96cc" xsi:nil="true"/>
+    <OutputCachingOn xmlns="4873beb7-5857-4685-be1f-d57550cc96cc">false</OutputCachingOn>
+    <AverageRating xmlns="4873beb7-5857-4685-be1f-d57550cc96cc" xsi:nil="true"/>
+    <APAuthor xmlns="4873beb7-5857-4685-be1f-d57550cc96cc">
+      <UserInfo>
+        <DisplayName>REDMOND\kristaa</DisplayName>
+        <AccountId>136</AccountId>
+        <AccountType/>
+      </UserInfo>
+    </APAuthor>
+    <LocManualTestRequired xmlns="4873beb7-5857-4685-be1f-d57550cc96cc">false</LocManualTestRequired>
+    <TPCommandLine xmlns="4873beb7-5857-4685-be1f-d57550cc96cc" xsi:nil="true"/>
+    <TPAppVersion xmlns="4873beb7-5857-4685-be1f-d57550cc96cc" xsi:nil="true"/>
+    <EditorialStatus xmlns="4873beb7-5857-4685-be1f-d57550cc96cc">Complete</EditorialStatus>
+    <LastModifiedDateTime xmlns="4873beb7-5857-4685-be1f-d57550cc96cc" xsi:nil="true"/>
+    <ScenarioTagsTaxHTField0 xmlns="4873beb7-5857-4685-be1f-d57550cc96cc">
+      <Terms xmlns="http://schemas.microsoft.com/office/infopath/2007/PartnerControls"/>
+    </ScenarioTagsTaxHTField0>
+    <LocProcessedForMarketsLookup xmlns="4873beb7-5857-4685-be1f-d57550cc96cc" xsi:nil="true"/>
+    <TPLaunchHelpLinkType xmlns="4873beb7-5857-4685-be1f-d57550cc96cc">Template</TPLaunchHelpLinkType>
+    <OriginalRelease xmlns="4873beb7-5857-4685-be1f-d57550cc96cc">15</OriginalRelease>
+    <LocalizationTagsTaxHTField0 xmlns="4873beb7-5857-4685-be1f-d57550cc96cc">
+      <Terms xmlns="http://schemas.microsoft.com/office/infopath/2007/PartnerControls"/>
+    </LocalizationTagsTaxHTField0>
+    <UACurrentWords xmlns="4873beb7-5857-4685-be1f-d57550cc96cc" xsi:nil="true"/>
+    <ArtSampleDocs xmlns="4873beb7-5857-4685-be1f-d57550cc96cc" xsi:nil="true"/>
+    <UALocRecommendation xmlns="4873beb7-5857-4685-be1f-d57550cc96cc">Localize</UALocRecommendation>
+    <Manager xmlns="4873beb7-5857-4685-be1f-d57550cc96cc" xsi:nil="true"/>
+    <LocOverallHandbackStatusLookup xmlns="4873beb7-5857-4685-be1f-d57550cc96cc" xsi:nil="true"/>
+    <ShowIn xmlns="4873beb7-5857-4685-be1f-d57550cc96cc">Show everywhere</ShowIn>
+    <UANotes xmlns="4873beb7-5857-4685-be1f-d57550cc96cc" xsi:nil="true"/>
+    <InternalTagsTaxHTField0 xmlns="4873beb7-5857-4685-be1f-d57550cc96cc">
+      <Terms xmlns="http://schemas.microsoft.com/office/infopath/2007/PartnerControls"/>
+    </InternalTagsTaxHTField0>
+    <CSXHash xmlns="4873beb7-5857-4685-be1f-d57550cc96cc" xsi:nil="true"/>
+    <VoteCount xmlns="4873beb7-5857-4685-be1f-d57550cc96cc" xsi:nil="true"/>
+    <LocMarketGroupTiers2 xmlns="4873beb7-5857-4685-be1f-d57550cc96cc" xsi:nil="true"/>
+  </documentManagement>
+</p:properties>
 </file>
 
 <file path=customXml/itemProps1.xml><?xml version="1.0" encoding="utf-8"?>
-<ds:datastoreItem xmlns:ds="http://schemas.openxmlformats.org/officeDocument/2006/customXml" ds:itemID="{F301D382-32B0-43EE-932C-28906AF37617}">
+<ds:datastoreItem xmlns:ds="http://schemas.openxmlformats.org/officeDocument/2006/customXml" ds:itemID="{E1B558C7-619B-49BE-9097-7FCBDADD4ECE}">
   <ds:schemaRefs>
-    <ds:schemaRef ds:uri="http://schemas.microsoft.com/office/2006/metadata/properties"/>
-    <ds:schemaRef ds:uri="http://schemas.microsoft.com/office/infopath/2007/PartnerControls"/>
-    <ds:schemaRef ds:uri="4873beb7-5857-4685-be1f-d57550cc96cc"/>
+    <ds:schemaRef ds:uri="http://schemas.microsoft.com/sharepoint/v3/contenttype/forms"/>
   </ds:schemaRefs>
 </ds:datastoreItem>
 </file>
@@ -10973,9 +11049,11 @@
 </file>
 
 <file path=customXml/itemProps3.xml><?xml version="1.0" encoding="utf-8"?>
-<ds:datastoreItem xmlns:ds="http://schemas.openxmlformats.org/officeDocument/2006/customXml" ds:itemID="{E1B558C7-619B-49BE-9097-7FCBDADD4ECE}">
+<ds:datastoreItem xmlns:ds="http://schemas.openxmlformats.org/officeDocument/2006/customXml" ds:itemID="{F301D382-32B0-43EE-932C-28906AF37617}">
   <ds:schemaRefs>
-    <ds:schemaRef ds:uri="http://schemas.microsoft.com/sharepoint/v3/contenttype/forms"/>
+    <ds:schemaRef ds:uri="http://schemas.microsoft.com/office/2006/metadata/properties"/>
+    <ds:schemaRef ds:uri="http://schemas.microsoft.com/office/infopath/2007/PartnerControls"/>
+    <ds:schemaRef ds:uri="4873beb7-5857-4685-be1f-d57550cc96cc"/>
   </ds:schemaRefs>
 </ds:datastoreItem>
 </file>
--- a/Publikációs listák szinkronizálása.pptx
+++ b/Publikációs listák szinkronizálása.pptx
@@ -5,21 +5,28 @@
     <p:sldMasterId id="2147483660" r:id="rId4"/>
   </p:sldMasterIdLst>
   <p:notesMasterIdLst>
-    <p:notesMasterId r:id="rId14"/>
+    <p:notesMasterId r:id="rId21"/>
   </p:notesMasterIdLst>
   <p:handoutMasterIdLst>
-    <p:handoutMasterId r:id="rId15"/>
+    <p:handoutMasterId r:id="rId22"/>
   </p:handoutMasterIdLst>
   <p:sldIdLst>
     <p:sldId id="264" r:id="rId5"/>
     <p:sldId id="276" r:id="rId6"/>
-    <p:sldId id="280" r:id="rId7"/>
-    <p:sldId id="281" r:id="rId8"/>
-    <p:sldId id="279" r:id="rId9"/>
-    <p:sldId id="282" r:id="rId10"/>
-    <p:sldId id="283" r:id="rId11"/>
-    <p:sldId id="284" r:id="rId12"/>
-    <p:sldId id="266" r:id="rId13"/>
+    <p:sldId id="279" r:id="rId7"/>
+    <p:sldId id="282" r:id="rId8"/>
+    <p:sldId id="295" r:id="rId9"/>
+    <p:sldId id="293" r:id="rId10"/>
+    <p:sldId id="294" r:id="rId11"/>
+    <p:sldId id="292" r:id="rId12"/>
+    <p:sldId id="285" r:id="rId13"/>
+    <p:sldId id="291" r:id="rId14"/>
+    <p:sldId id="287" r:id="rId15"/>
+    <p:sldId id="288" r:id="rId16"/>
+    <p:sldId id="286" r:id="rId17"/>
+    <p:sldId id="289" r:id="rId18"/>
+    <p:sldId id="290" r:id="rId19"/>
+    <p:sldId id="266" r:id="rId20"/>
   </p:sldIdLst>
   <p:sldSz cx="12188825" cy="6858000"/>
   <p:notesSz cx="6858000" cy="9144000"/>
@@ -3359,7 +3366,7 @@
                 </a:solidFill>
               </a:rPr>
               <a:pPr algn="r" rtl="0"/>
-              <a:t>2021. 03. 24.</a:t>
+              <a:t>2021. 05. 02.</a:t>
             </a:fld>
             <a:endParaRPr lang="hu-HU" dirty="0">
               <a:solidFill>
@@ -3553,7 +3560,7 @@
             <a:fld id="{6648EB40-417A-43B6-8398-70047EA5A74C}" type="datetime1">
               <a:rPr lang="hu-HU" smtClean="0"/>
               <a:pPr/>
-              <a:t>2021. 03. 24.</a:t>
+              <a:t>2021. 05. 02.</a:t>
             </a:fld>
             <a:endParaRPr lang="hu-HU" dirty="0"/>
           </a:p>
@@ -4252,7 +4259,7 @@
             <a:fld id="{56E2763D-E032-4DFF-B0B3-3D8422FFCF0E}" type="datetime1">
               <a:rPr lang="hu-HU" smtClean="0"/>
               <a:pPr/>
-              <a:t>2021. 03. 24.</a:t>
+              <a:t>2021. 05. 02.</a:t>
             </a:fld>
             <a:endParaRPr lang="hu-HU" dirty="0"/>
           </a:p>
@@ -4456,7 +4463,7 @@
             <a:fld id="{457ABD3E-B90B-44E6-BFFE-432971789295}" type="datetime1">
               <a:rPr lang="hu-HU" smtClean="0"/>
               <a:pPr/>
-              <a:t>2021. 03. 24.</a:t>
+              <a:t>2021. 05. 02.</a:t>
             </a:fld>
             <a:endParaRPr lang="hu-HU" dirty="0"/>
           </a:p>
@@ -4666,7 +4673,7 @@
             <a:fld id="{116C6E60-1866-4758-8791-4C4E45C36254}" type="datetime1">
               <a:rPr lang="hu-HU" smtClean="0"/>
               <a:pPr/>
-              <a:t>2021. 03. 24.</a:t>
+              <a:t>2021. 05. 02.</a:t>
             </a:fld>
             <a:endParaRPr lang="hu-HU" dirty="0"/>
           </a:p>
@@ -5195,7 +5202,7 @@
             <a:fld id="{3A8FF994-63F4-4649-B3EC-87876C8F5873}" type="datetime1">
               <a:rPr lang="hu-HU" smtClean="0"/>
               <a:pPr/>
-              <a:t>2021. 03. 24.</a:t>
+              <a:t>2021. 05. 02.</a:t>
             </a:fld>
             <a:endParaRPr lang="hu-HU" dirty="0"/>
           </a:p>
@@ -5647,7 +5654,7 @@
             <a:fld id="{DBE2DD76-DA38-4175-BA3B-63CD08093EE0}" type="datetime1">
               <a:rPr lang="hu-HU" smtClean="0"/>
               <a:pPr/>
-              <a:t>2021. 03. 24.</a:t>
+              <a:t>2021. 05. 02.</a:t>
             </a:fld>
             <a:endParaRPr lang="hu-HU" dirty="0"/>
           </a:p>
@@ -5789,7 +5796,7 @@
             <a:fld id="{7A77CE3F-4691-403E-A0B4-65592C908B08}" type="datetime1">
               <a:rPr lang="hu-HU" smtClean="0"/>
               <a:pPr/>
-              <a:t>2021. 03. 24.</a:t>
+              <a:t>2021. 05. 02.</a:t>
             </a:fld>
             <a:endParaRPr lang="hu-HU" dirty="0"/>
           </a:p>
@@ -5903,7 +5910,7 @@
             <a:fld id="{24C7133D-4DC0-4E2A-8D81-F8B473E814B4}" type="datetime1">
               <a:rPr lang="hu-HU" smtClean="0"/>
               <a:pPr/>
-              <a:t>2021. 03. 24.</a:t>
+              <a:t>2021. 05. 02.</a:t>
             </a:fld>
             <a:endParaRPr lang="hu-HU" dirty="0"/>
           </a:p>
@@ -6268,7 +6275,7 @@
             <a:fld id="{D378BBDA-88A6-480E-A129-7B2F79ABA348}" type="datetime1">
               <a:rPr lang="hu-HU" smtClean="0"/>
               <a:pPr/>
-              <a:t>2021. 03. 24.</a:t>
+              <a:t>2021. 05. 02.</a:t>
             </a:fld>
             <a:endParaRPr lang="hu-HU" dirty="0"/>
           </a:p>
@@ -6614,7 +6621,7 @@
             <a:fld id="{9A81C038-294F-4567-9ADB-CFB54F107354}" type="datetime1">
               <a:rPr lang="hu-HU" smtClean="0"/>
               <a:pPr/>
-              <a:t>2021. 03. 24.</a:t>
+              <a:t>2021. 05. 02.</a:t>
             </a:fld>
             <a:endParaRPr lang="hu-HU" dirty="0"/>
           </a:p>
@@ -6910,7 +6917,7 @@
             <a:fld id="{982AADB5-EBED-4173-BC4E-244A8186BD03}" type="datetime1">
               <a:rPr lang="hu-HU" smtClean="0"/>
               <a:pPr/>
-              <a:t>2021. 03. 24.</a:t>
+              <a:t>2021. 05. 02.</a:t>
             </a:fld>
             <a:endParaRPr lang="hu-HU" dirty="0"/>
           </a:p>
@@ -7589,6 +7596,901 @@
 </p:sld>
 </file>
 
+<file path=ppt/slides/slide10.xml><?xml version="1.0" encoding="utf-8"?>
+<p:sld xmlns:a="http://schemas.openxmlformats.org/drawingml/2006/main" xmlns:r="http://schemas.openxmlformats.org/officeDocument/2006/relationships" xmlns:p="http://schemas.openxmlformats.org/presentationml/2006/main">
+  <p:cSld>
+    <p:spTree>
+      <p:nvGrpSpPr>
+        <p:cNvPr id="1" name=""/>
+        <p:cNvGrpSpPr/>
+        <p:nvPr/>
+      </p:nvGrpSpPr>
+      <p:grpSpPr>
+        <a:xfrm>
+          <a:off x="0" y="0"/>
+          <a:ext cx="0" cy="0"/>
+          <a:chOff x="0" y="0"/>
+          <a:chExt cx="0" cy="0"/>
+        </a:xfrm>
+      </p:grpSpPr>
+      <p:sp>
+        <p:nvSpPr>
+          <p:cNvPr id="2" name="Cím 1">
+            <a:extLst>
+              <a:ext uri="{FF2B5EF4-FFF2-40B4-BE49-F238E27FC236}">
+                <a16:creationId xmlns:a16="http://schemas.microsoft.com/office/drawing/2014/main" id="{DDC6C8C9-8BC4-405C-B8F8-DE93CC130207}"/>
+              </a:ext>
+            </a:extLst>
+          </p:cNvPr>
+          <p:cNvSpPr>
+            <a:spLocks noGrp="1"/>
+          </p:cNvSpPr>
+          <p:nvPr>
+            <p:ph type="title"/>
+          </p:nvPr>
+        </p:nvSpPr>
+        <p:spPr/>
+        <p:txBody>
+          <a:bodyPr/>
+          <a:lstStyle/>
+          <a:p>
+            <a:r>
+              <a:rPr lang="hu-HU" dirty="0"/>
+              <a:t>Késleltetés beállítás</a:t>
+            </a:r>
+          </a:p>
+        </p:txBody>
+      </p:sp>
+      <p:sp>
+        <p:nvSpPr>
+          <p:cNvPr id="3" name="Tartalom helye 2">
+            <a:extLst>
+              <a:ext uri="{FF2B5EF4-FFF2-40B4-BE49-F238E27FC236}">
+                <a16:creationId xmlns:a16="http://schemas.microsoft.com/office/drawing/2014/main" id="{5F930462-0DC3-41CC-B8BA-4A2FB9CF0C03}"/>
+              </a:ext>
+            </a:extLst>
+          </p:cNvPr>
+          <p:cNvSpPr>
+            <a:spLocks noGrp="1"/>
+          </p:cNvSpPr>
+          <p:nvPr>
+            <p:ph sz="half" idx="1"/>
+          </p:nvPr>
+        </p:nvSpPr>
+        <p:spPr/>
+        <p:txBody>
+          <a:bodyPr/>
+          <a:lstStyle/>
+          <a:p>
+            <a:endParaRPr lang="hu-HU"/>
+          </a:p>
+        </p:txBody>
+      </p:sp>
+      <p:pic>
+        <p:nvPicPr>
+          <p:cNvPr id="9" name="Tartalom helye 8">
+            <a:extLst>
+              <a:ext uri="{FF2B5EF4-FFF2-40B4-BE49-F238E27FC236}">
+                <a16:creationId xmlns:a16="http://schemas.microsoft.com/office/drawing/2014/main" id="{CC96BA58-96D8-47A0-A754-1F595CACE210}"/>
+              </a:ext>
+            </a:extLst>
+          </p:cNvPr>
+          <p:cNvPicPr>
+            <a:picLocks noGrp="1" noChangeAspect="1"/>
+          </p:cNvPicPr>
+          <p:nvPr>
+            <p:ph sz="half" idx="2"/>
+          </p:nvPr>
+        </p:nvPicPr>
+        <p:blipFill>
+          <a:blip r:embed="rId2"/>
+          <a:stretch>
+            <a:fillRect/>
+          </a:stretch>
+        </p:blipFill>
+        <p:spPr>
+          <a:xfrm>
+            <a:off x="6297613" y="2097049"/>
+            <a:ext cx="4976812" cy="3679902"/>
+          </a:xfrm>
+          <a:prstGeom prst="rect">
+            <a:avLst/>
+          </a:prstGeom>
+        </p:spPr>
+      </p:pic>
+    </p:spTree>
+    <p:extLst>
+      <p:ext uri="{BB962C8B-B14F-4D97-AF65-F5344CB8AC3E}">
+        <p14:creationId xmlns:p14="http://schemas.microsoft.com/office/powerpoint/2010/main" val="513559910"/>
+      </p:ext>
+    </p:extLst>
+  </p:cSld>
+  <p:clrMapOvr>
+    <a:masterClrMapping/>
+  </p:clrMapOvr>
+  <mc:AlternateContent xmlns:mc="http://schemas.openxmlformats.org/markup-compatibility/2006" xmlns:p14="http://schemas.microsoft.com/office/powerpoint/2010/main">
+    <mc:Choice Requires="p14">
+      <p:transition spd="med" p14:dur="700">
+        <p:fade/>
+      </p:transition>
+    </mc:Choice>
+    <mc:Fallback xmlns="">
+      <p:transition spd="med">
+        <p:fade/>
+      </p:transition>
+    </mc:Fallback>
+  </mc:AlternateContent>
+</p:sld>
+</file>
+
+<file path=ppt/slides/slide11.xml><?xml version="1.0" encoding="utf-8"?>
+<p:sld xmlns:a="http://schemas.openxmlformats.org/drawingml/2006/main" xmlns:r="http://schemas.openxmlformats.org/officeDocument/2006/relationships" xmlns:p="http://schemas.openxmlformats.org/presentationml/2006/main">
+  <p:cSld>
+    <p:spTree>
+      <p:nvGrpSpPr>
+        <p:cNvPr id="1" name=""/>
+        <p:cNvGrpSpPr/>
+        <p:nvPr/>
+      </p:nvGrpSpPr>
+      <p:grpSpPr>
+        <a:xfrm>
+          <a:off x="0" y="0"/>
+          <a:ext cx="0" cy="0"/>
+          <a:chOff x="0" y="0"/>
+          <a:chExt cx="0" cy="0"/>
+        </a:xfrm>
+      </p:grpSpPr>
+      <p:sp>
+        <p:nvSpPr>
+          <p:cNvPr id="2" name="Cím 1">
+            <a:extLst>
+              <a:ext uri="{FF2B5EF4-FFF2-40B4-BE49-F238E27FC236}">
+                <a16:creationId xmlns:a16="http://schemas.microsoft.com/office/drawing/2014/main" id="{A29295E7-FA67-4269-8768-3FCBF4E40396}"/>
+              </a:ext>
+            </a:extLst>
+          </p:cNvPr>
+          <p:cNvSpPr>
+            <a:spLocks noGrp="1"/>
+          </p:cNvSpPr>
+          <p:nvPr>
+            <p:ph type="title"/>
+          </p:nvPr>
+        </p:nvSpPr>
+        <p:spPr/>
+        <p:txBody>
+          <a:bodyPr/>
+          <a:lstStyle/>
+          <a:p>
+            <a:r>
+              <a:rPr lang="hu-HU" dirty="0"/>
+              <a:t>Teljes cím egyezőség keresés</a:t>
+            </a:r>
+          </a:p>
+        </p:txBody>
+      </p:sp>
+      <p:sp>
+        <p:nvSpPr>
+          <p:cNvPr id="3" name="Tartalom helye 2">
+            <a:extLst>
+              <a:ext uri="{FF2B5EF4-FFF2-40B4-BE49-F238E27FC236}">
+                <a16:creationId xmlns:a16="http://schemas.microsoft.com/office/drawing/2014/main" id="{D7EE7EA0-2C64-4789-BCB6-A765E9848849}"/>
+              </a:ext>
+            </a:extLst>
+          </p:cNvPr>
+          <p:cNvSpPr>
+            <a:spLocks noGrp="1"/>
+          </p:cNvSpPr>
+          <p:nvPr>
+            <p:ph sz="half" idx="1"/>
+          </p:nvPr>
+        </p:nvSpPr>
+        <p:spPr/>
+        <p:txBody>
+          <a:bodyPr/>
+          <a:lstStyle/>
+          <a:p>
+            <a:endParaRPr lang="hu-HU"/>
+          </a:p>
+        </p:txBody>
+      </p:sp>
+      <p:pic>
+        <p:nvPicPr>
+          <p:cNvPr id="9" name="Tartalom helye 8">
+            <a:extLst>
+              <a:ext uri="{FF2B5EF4-FFF2-40B4-BE49-F238E27FC236}">
+                <a16:creationId xmlns:a16="http://schemas.microsoft.com/office/drawing/2014/main" id="{7CD1CCBD-A9C0-474F-8511-E61FC88DB4C0}"/>
+              </a:ext>
+            </a:extLst>
+          </p:cNvPr>
+          <p:cNvPicPr>
+            <a:picLocks noGrp="1" noChangeAspect="1"/>
+          </p:cNvPicPr>
+          <p:nvPr>
+            <p:ph sz="half" idx="2"/>
+          </p:nvPr>
+        </p:nvPicPr>
+        <p:blipFill>
+          <a:blip r:embed="rId2"/>
+          <a:stretch>
+            <a:fillRect/>
+          </a:stretch>
+        </p:blipFill>
+        <p:spPr>
+          <a:xfrm>
+            <a:off x="6297613" y="2224549"/>
+            <a:ext cx="4976812" cy="3424902"/>
+          </a:xfrm>
+          <a:prstGeom prst="rect">
+            <a:avLst/>
+          </a:prstGeom>
+        </p:spPr>
+      </p:pic>
+    </p:spTree>
+    <p:extLst>
+      <p:ext uri="{BB962C8B-B14F-4D97-AF65-F5344CB8AC3E}">
+        <p14:creationId xmlns:p14="http://schemas.microsoft.com/office/powerpoint/2010/main" val="3081552256"/>
+      </p:ext>
+    </p:extLst>
+  </p:cSld>
+  <p:clrMapOvr>
+    <a:masterClrMapping/>
+  </p:clrMapOvr>
+  <mc:AlternateContent xmlns:mc="http://schemas.openxmlformats.org/markup-compatibility/2006" xmlns:p14="http://schemas.microsoft.com/office/powerpoint/2010/main">
+    <mc:Choice Requires="p14">
+      <p:transition spd="med" p14:dur="700">
+        <p:fade/>
+      </p:transition>
+    </mc:Choice>
+    <mc:Fallback xmlns="">
+      <p:transition spd="med">
+        <p:fade/>
+      </p:transition>
+    </mc:Fallback>
+  </mc:AlternateContent>
+</p:sld>
+</file>
+
+<file path=ppt/slides/slide12.xml><?xml version="1.0" encoding="utf-8"?>
+<p:sld xmlns:a="http://schemas.openxmlformats.org/drawingml/2006/main" xmlns:r="http://schemas.openxmlformats.org/officeDocument/2006/relationships" xmlns:p="http://schemas.openxmlformats.org/presentationml/2006/main">
+  <p:cSld>
+    <p:spTree>
+      <p:nvGrpSpPr>
+        <p:cNvPr id="1" name=""/>
+        <p:cNvGrpSpPr/>
+        <p:nvPr/>
+      </p:nvGrpSpPr>
+      <p:grpSpPr>
+        <a:xfrm>
+          <a:off x="0" y="0"/>
+          <a:ext cx="0" cy="0"/>
+          <a:chOff x="0" y="0"/>
+          <a:chExt cx="0" cy="0"/>
+        </a:xfrm>
+      </p:grpSpPr>
+      <p:sp>
+        <p:nvSpPr>
+          <p:cNvPr id="2" name="Cím 1">
+            <a:extLst>
+              <a:ext uri="{FF2B5EF4-FFF2-40B4-BE49-F238E27FC236}">
+                <a16:creationId xmlns:a16="http://schemas.microsoft.com/office/drawing/2014/main" id="{CCFEEA44-A3E8-43DD-8668-FF9A754C28F4}"/>
+              </a:ext>
+            </a:extLst>
+          </p:cNvPr>
+          <p:cNvSpPr>
+            <a:spLocks noGrp="1"/>
+          </p:cNvSpPr>
+          <p:nvPr>
+            <p:ph type="title"/>
+          </p:nvPr>
+        </p:nvSpPr>
+        <p:spPr/>
+        <p:txBody>
+          <a:bodyPr/>
+          <a:lstStyle/>
+          <a:p>
+            <a:r>
+              <a:rPr lang="hu-HU" dirty="0"/>
+              <a:t>Részcím egyezőség vizsgálata</a:t>
+            </a:r>
+          </a:p>
+        </p:txBody>
+      </p:sp>
+      <p:sp>
+        <p:nvSpPr>
+          <p:cNvPr id="3" name="Tartalom helye 2">
+            <a:extLst>
+              <a:ext uri="{FF2B5EF4-FFF2-40B4-BE49-F238E27FC236}">
+                <a16:creationId xmlns:a16="http://schemas.microsoft.com/office/drawing/2014/main" id="{D0F817A8-F5DC-484E-AAB1-6DBDA448054D}"/>
+              </a:ext>
+            </a:extLst>
+          </p:cNvPr>
+          <p:cNvSpPr>
+            <a:spLocks noGrp="1"/>
+          </p:cNvSpPr>
+          <p:nvPr>
+            <p:ph sz="half" idx="1"/>
+          </p:nvPr>
+        </p:nvSpPr>
+        <p:spPr/>
+        <p:txBody>
+          <a:bodyPr/>
+          <a:lstStyle/>
+          <a:p>
+            <a:endParaRPr lang="hu-HU"/>
+          </a:p>
+        </p:txBody>
+      </p:sp>
+      <p:pic>
+        <p:nvPicPr>
+          <p:cNvPr id="5" name="Tartalom helye 4">
+            <a:extLst>
+              <a:ext uri="{FF2B5EF4-FFF2-40B4-BE49-F238E27FC236}">
+                <a16:creationId xmlns:a16="http://schemas.microsoft.com/office/drawing/2014/main" id="{BA02F233-AB63-42E8-9012-B2660DB2835D}"/>
+              </a:ext>
+            </a:extLst>
+          </p:cNvPr>
+          <p:cNvPicPr>
+            <a:picLocks noGrp="1" noChangeAspect="1"/>
+          </p:cNvPicPr>
+          <p:nvPr>
+            <p:ph sz="half" idx="2"/>
+          </p:nvPr>
+        </p:nvPicPr>
+        <p:blipFill>
+          <a:blip r:embed="rId2"/>
+          <a:stretch>
+            <a:fillRect/>
+          </a:stretch>
+        </p:blipFill>
+        <p:spPr>
+          <a:xfrm>
+            <a:off x="3066806" y="2492896"/>
+            <a:ext cx="8207858" cy="3664903"/>
+          </a:xfrm>
+          <a:prstGeom prst="rect">
+            <a:avLst/>
+          </a:prstGeom>
+        </p:spPr>
+      </p:pic>
+    </p:spTree>
+    <p:extLst>
+      <p:ext uri="{BB962C8B-B14F-4D97-AF65-F5344CB8AC3E}">
+        <p14:creationId xmlns:p14="http://schemas.microsoft.com/office/powerpoint/2010/main" val="1798404776"/>
+      </p:ext>
+    </p:extLst>
+  </p:cSld>
+  <p:clrMapOvr>
+    <a:masterClrMapping/>
+  </p:clrMapOvr>
+  <mc:AlternateContent xmlns:mc="http://schemas.openxmlformats.org/markup-compatibility/2006" xmlns:p14="http://schemas.microsoft.com/office/powerpoint/2010/main">
+    <mc:Choice Requires="p14">
+      <p:transition spd="med" p14:dur="700">
+        <p:fade/>
+      </p:transition>
+    </mc:Choice>
+    <mc:Fallback xmlns="">
+      <p:transition spd="med">
+        <p:fade/>
+      </p:transition>
+    </mc:Fallback>
+  </mc:AlternateContent>
+</p:sld>
+</file>
+
+<file path=ppt/slides/slide13.xml><?xml version="1.0" encoding="utf-8"?>
+<p:sld xmlns:a="http://schemas.openxmlformats.org/drawingml/2006/main" xmlns:r="http://schemas.openxmlformats.org/officeDocument/2006/relationships" xmlns:p="http://schemas.openxmlformats.org/presentationml/2006/main">
+  <p:cSld>
+    <p:spTree>
+      <p:nvGrpSpPr>
+        <p:cNvPr id="1" name=""/>
+        <p:cNvGrpSpPr/>
+        <p:nvPr/>
+      </p:nvGrpSpPr>
+      <p:grpSpPr>
+        <a:xfrm>
+          <a:off x="0" y="0"/>
+          <a:ext cx="0" cy="0"/>
+          <a:chOff x="0" y="0"/>
+          <a:chExt cx="0" cy="0"/>
+        </a:xfrm>
+      </p:grpSpPr>
+      <p:sp>
+        <p:nvSpPr>
+          <p:cNvPr id="2" name="Cím 1">
+            <a:extLst>
+              <a:ext uri="{FF2B5EF4-FFF2-40B4-BE49-F238E27FC236}">
+                <a16:creationId xmlns:a16="http://schemas.microsoft.com/office/drawing/2014/main" id="{02AA0DA2-C084-4180-9A1D-D1716CD7C6E6}"/>
+              </a:ext>
+            </a:extLst>
+          </p:cNvPr>
+          <p:cNvSpPr>
+            <a:spLocks noGrp="1"/>
+          </p:cNvSpPr>
+          <p:nvPr>
+            <p:ph type="title"/>
+          </p:nvPr>
+        </p:nvSpPr>
+        <p:spPr/>
+        <p:txBody>
+          <a:bodyPr/>
+          <a:lstStyle/>
+          <a:p>
+            <a:r>
+              <a:rPr lang="hu-HU" dirty="0"/>
+              <a:t>Túl hosszú karaktersorozat egyezésének vizsgálata</a:t>
+            </a:r>
+          </a:p>
+        </p:txBody>
+      </p:sp>
+      <p:sp>
+        <p:nvSpPr>
+          <p:cNvPr id="3" name="Tartalom helye 2">
+            <a:extLst>
+              <a:ext uri="{FF2B5EF4-FFF2-40B4-BE49-F238E27FC236}">
+                <a16:creationId xmlns:a16="http://schemas.microsoft.com/office/drawing/2014/main" id="{A667B929-90AD-4337-AC3A-8308C5E46D9F}"/>
+              </a:ext>
+            </a:extLst>
+          </p:cNvPr>
+          <p:cNvSpPr>
+            <a:spLocks noGrp="1"/>
+          </p:cNvSpPr>
+          <p:nvPr>
+            <p:ph sz="half" idx="1"/>
+          </p:nvPr>
+        </p:nvSpPr>
+        <p:spPr/>
+        <p:txBody>
+          <a:bodyPr/>
+          <a:lstStyle/>
+          <a:p>
+            <a:endParaRPr lang="hu-HU"/>
+          </a:p>
+        </p:txBody>
+      </p:sp>
+      <p:pic>
+        <p:nvPicPr>
+          <p:cNvPr id="5" name="Tartalom helye 4">
+            <a:extLst>
+              <a:ext uri="{FF2B5EF4-FFF2-40B4-BE49-F238E27FC236}">
+                <a16:creationId xmlns:a16="http://schemas.microsoft.com/office/drawing/2014/main" id="{D3D19894-F233-44EA-B6DC-261CB6CFE82E}"/>
+              </a:ext>
+            </a:extLst>
+          </p:cNvPr>
+          <p:cNvPicPr>
+            <a:picLocks noGrp="1" noChangeAspect="1"/>
+          </p:cNvPicPr>
+          <p:nvPr>
+            <p:ph sz="half" idx="2"/>
+          </p:nvPr>
+        </p:nvPicPr>
+        <p:blipFill>
+          <a:blip r:embed="rId2"/>
+          <a:stretch>
+            <a:fillRect/>
+          </a:stretch>
+        </p:blipFill>
+        <p:spPr>
+          <a:xfrm>
+            <a:off x="6297613" y="2206195"/>
+            <a:ext cx="4976812" cy="3461609"/>
+          </a:xfrm>
+          <a:prstGeom prst="rect">
+            <a:avLst/>
+          </a:prstGeom>
+        </p:spPr>
+      </p:pic>
+    </p:spTree>
+    <p:extLst>
+      <p:ext uri="{BB962C8B-B14F-4D97-AF65-F5344CB8AC3E}">
+        <p14:creationId xmlns:p14="http://schemas.microsoft.com/office/powerpoint/2010/main" val="3069579162"/>
+      </p:ext>
+    </p:extLst>
+  </p:cSld>
+  <p:clrMapOvr>
+    <a:masterClrMapping/>
+  </p:clrMapOvr>
+  <mc:AlternateContent xmlns:mc="http://schemas.openxmlformats.org/markup-compatibility/2006" xmlns:p14="http://schemas.microsoft.com/office/powerpoint/2010/main">
+    <mc:Choice Requires="p14">
+      <p:transition spd="med" p14:dur="700">
+        <p:fade/>
+      </p:transition>
+    </mc:Choice>
+    <mc:Fallback xmlns="">
+      <p:transition spd="med">
+        <p:fade/>
+      </p:transition>
+    </mc:Fallback>
+  </mc:AlternateContent>
+</p:sld>
+</file>
+
+<file path=ppt/slides/slide14.xml><?xml version="1.0" encoding="utf-8"?>
+<p:sld xmlns:a="http://schemas.openxmlformats.org/drawingml/2006/main" xmlns:r="http://schemas.openxmlformats.org/officeDocument/2006/relationships" xmlns:p="http://schemas.openxmlformats.org/presentationml/2006/main">
+  <p:cSld>
+    <p:spTree>
+      <p:nvGrpSpPr>
+        <p:cNvPr id="1" name=""/>
+        <p:cNvGrpSpPr/>
+        <p:nvPr/>
+      </p:nvGrpSpPr>
+      <p:grpSpPr>
+        <a:xfrm>
+          <a:off x="0" y="0"/>
+          <a:ext cx="0" cy="0"/>
+          <a:chOff x="0" y="0"/>
+          <a:chExt cx="0" cy="0"/>
+        </a:xfrm>
+      </p:grpSpPr>
+      <p:sp>
+        <p:nvSpPr>
+          <p:cNvPr id="2" name="Cím 1">
+            <a:extLst>
+              <a:ext uri="{FF2B5EF4-FFF2-40B4-BE49-F238E27FC236}">
+                <a16:creationId xmlns:a16="http://schemas.microsoft.com/office/drawing/2014/main" id="{E3C0F978-FF1B-4DA8-ADFA-8274AF4B5059}"/>
+              </a:ext>
+            </a:extLst>
+          </p:cNvPr>
+          <p:cNvSpPr>
+            <a:spLocks noGrp="1"/>
+          </p:cNvSpPr>
+          <p:nvPr>
+            <p:ph type="title"/>
+          </p:nvPr>
+        </p:nvSpPr>
+        <p:spPr/>
+        <p:txBody>
+          <a:bodyPr/>
+          <a:lstStyle/>
+          <a:p>
+            <a:r>
+              <a:rPr lang="hu-HU" dirty="0"/>
+              <a:t>Több azonos nevű szerző kezelése</a:t>
+            </a:r>
+          </a:p>
+        </p:txBody>
+      </p:sp>
+      <p:sp>
+        <p:nvSpPr>
+          <p:cNvPr id="3" name="Tartalom helye 2">
+            <a:extLst>
+              <a:ext uri="{FF2B5EF4-FFF2-40B4-BE49-F238E27FC236}">
+                <a16:creationId xmlns:a16="http://schemas.microsoft.com/office/drawing/2014/main" id="{7F23ECFD-1511-41A3-8AEC-0DFCC121CA89}"/>
+              </a:ext>
+            </a:extLst>
+          </p:cNvPr>
+          <p:cNvSpPr>
+            <a:spLocks noGrp="1"/>
+          </p:cNvSpPr>
+          <p:nvPr>
+            <p:ph sz="half" idx="1"/>
+          </p:nvPr>
+        </p:nvSpPr>
+        <p:spPr>
+          <a:xfrm>
+            <a:off x="1117308" y="4856222"/>
+            <a:ext cx="5337143" cy="1315978"/>
+          </a:xfrm>
+        </p:spPr>
+        <p:txBody>
+          <a:bodyPr/>
+          <a:lstStyle/>
+          <a:p>
+            <a:endParaRPr lang="hu-HU" dirty="0"/>
+          </a:p>
+        </p:txBody>
+      </p:sp>
+      <p:pic>
+        <p:nvPicPr>
+          <p:cNvPr id="6" name="Tartalom helye 5">
+            <a:extLst>
+              <a:ext uri="{FF2B5EF4-FFF2-40B4-BE49-F238E27FC236}">
+                <a16:creationId xmlns:a16="http://schemas.microsoft.com/office/drawing/2014/main" id="{916E3CBD-FAFE-4915-8815-9686A1812CED}"/>
+              </a:ext>
+            </a:extLst>
+          </p:cNvPr>
+          <p:cNvPicPr>
+            <a:picLocks noGrp="1" noChangeAspect="1"/>
+          </p:cNvPicPr>
+          <p:nvPr>
+            <p:ph sz="half" idx="2"/>
+          </p:nvPr>
+        </p:nvPicPr>
+        <p:blipFill>
+          <a:blip r:embed="rId2"/>
+          <a:stretch>
+            <a:fillRect/>
+          </a:stretch>
+        </p:blipFill>
+        <p:spPr>
+          <a:xfrm>
+            <a:off x="6558935" y="2924944"/>
+            <a:ext cx="4976812" cy="3358862"/>
+          </a:xfrm>
+          <a:prstGeom prst="rect">
+            <a:avLst/>
+          </a:prstGeom>
+        </p:spPr>
+      </p:pic>
+      <p:pic>
+        <p:nvPicPr>
+          <p:cNvPr id="7" name="Kép 6">
+            <a:extLst>
+              <a:ext uri="{FF2B5EF4-FFF2-40B4-BE49-F238E27FC236}">
+                <a16:creationId xmlns:a16="http://schemas.microsoft.com/office/drawing/2014/main" id="{F7E06BC6-7D72-43B8-9EF8-F4E6CA301439}"/>
+              </a:ext>
+            </a:extLst>
+          </p:cNvPr>
+          <p:cNvPicPr>
+            <a:picLocks noChangeAspect="1"/>
+          </p:cNvPicPr>
+          <p:nvPr/>
+        </p:nvPicPr>
+        <p:blipFill>
+          <a:blip r:embed="rId3"/>
+          <a:stretch>
+            <a:fillRect/>
+          </a:stretch>
+        </p:blipFill>
+        <p:spPr>
+          <a:xfrm>
+            <a:off x="564593" y="1725047"/>
+            <a:ext cx="5631393" cy="2879328"/>
+          </a:xfrm>
+          <a:prstGeom prst="rect">
+            <a:avLst/>
+          </a:prstGeom>
+        </p:spPr>
+      </p:pic>
+    </p:spTree>
+    <p:extLst>
+      <p:ext uri="{BB962C8B-B14F-4D97-AF65-F5344CB8AC3E}">
+        <p14:creationId xmlns:p14="http://schemas.microsoft.com/office/powerpoint/2010/main" val="530296943"/>
+      </p:ext>
+    </p:extLst>
+  </p:cSld>
+  <p:clrMapOvr>
+    <a:masterClrMapping/>
+  </p:clrMapOvr>
+  <mc:AlternateContent xmlns:mc="http://schemas.openxmlformats.org/markup-compatibility/2006" xmlns:p14="http://schemas.microsoft.com/office/powerpoint/2010/main">
+    <mc:Choice Requires="p14">
+      <p:transition spd="med" p14:dur="700">
+        <p:fade/>
+      </p:transition>
+    </mc:Choice>
+    <mc:Fallback xmlns="">
+      <p:transition spd="med">
+        <p:fade/>
+      </p:transition>
+    </mc:Fallback>
+  </mc:AlternateContent>
+</p:sld>
+</file>
+
+<file path=ppt/slides/slide15.xml><?xml version="1.0" encoding="utf-8"?>
+<p:sld xmlns:a="http://schemas.openxmlformats.org/drawingml/2006/main" xmlns:r="http://schemas.openxmlformats.org/officeDocument/2006/relationships" xmlns:p="http://schemas.openxmlformats.org/presentationml/2006/main">
+  <p:cSld>
+    <p:spTree>
+      <p:nvGrpSpPr>
+        <p:cNvPr id="1" name=""/>
+        <p:cNvGrpSpPr/>
+        <p:nvPr/>
+      </p:nvGrpSpPr>
+      <p:grpSpPr>
+        <a:xfrm>
+          <a:off x="0" y="0"/>
+          <a:ext cx="0" cy="0"/>
+          <a:chOff x="0" y="0"/>
+          <a:chExt cx="0" cy="0"/>
+        </a:xfrm>
+      </p:grpSpPr>
+      <p:sp>
+        <p:nvSpPr>
+          <p:cNvPr id="2" name="Cím 1">
+            <a:extLst>
+              <a:ext uri="{FF2B5EF4-FFF2-40B4-BE49-F238E27FC236}">
+                <a16:creationId xmlns:a16="http://schemas.microsoft.com/office/drawing/2014/main" id="{358A7884-8B4B-4E70-8461-BE3A61A8A3AC}"/>
+              </a:ext>
+            </a:extLst>
+          </p:cNvPr>
+          <p:cNvSpPr>
+            <a:spLocks noGrp="1"/>
+          </p:cNvSpPr>
+          <p:nvPr>
+            <p:ph type="title"/>
+          </p:nvPr>
+        </p:nvSpPr>
+        <p:spPr/>
+        <p:txBody>
+          <a:bodyPr/>
+          <a:lstStyle/>
+          <a:p>
+            <a:r>
+              <a:rPr lang="hu-HU" dirty="0"/>
+              <a:t>Szerzőre keresés területtel együtt</a:t>
+            </a:r>
+          </a:p>
+        </p:txBody>
+      </p:sp>
+      <p:sp>
+        <p:nvSpPr>
+          <p:cNvPr id="3" name="Tartalom helye 2">
+            <a:extLst>
+              <a:ext uri="{FF2B5EF4-FFF2-40B4-BE49-F238E27FC236}">
+                <a16:creationId xmlns:a16="http://schemas.microsoft.com/office/drawing/2014/main" id="{8C36CDF2-8F05-43E2-B1B6-58092FEA37D5}"/>
+              </a:ext>
+            </a:extLst>
+          </p:cNvPr>
+          <p:cNvSpPr>
+            <a:spLocks noGrp="1"/>
+          </p:cNvSpPr>
+          <p:nvPr>
+            <p:ph sz="half" idx="1"/>
+          </p:nvPr>
+        </p:nvSpPr>
+        <p:spPr/>
+        <p:txBody>
+          <a:bodyPr/>
+          <a:lstStyle/>
+          <a:p>
+            <a:endParaRPr lang="hu-HU"/>
+          </a:p>
+        </p:txBody>
+      </p:sp>
+      <p:pic>
+        <p:nvPicPr>
+          <p:cNvPr id="5" name="Tartalom helye 4">
+            <a:extLst>
+              <a:ext uri="{FF2B5EF4-FFF2-40B4-BE49-F238E27FC236}">
+                <a16:creationId xmlns:a16="http://schemas.microsoft.com/office/drawing/2014/main" id="{A0C5285F-74A9-4FFE-A762-D582C8C52B75}"/>
+              </a:ext>
+            </a:extLst>
+          </p:cNvPr>
+          <p:cNvPicPr>
+            <a:picLocks noGrp="1" noChangeAspect="1"/>
+          </p:cNvPicPr>
+          <p:nvPr>
+            <p:ph sz="half" idx="2"/>
+          </p:nvPr>
+        </p:nvPicPr>
+        <p:blipFill>
+          <a:blip r:embed="rId2"/>
+          <a:stretch>
+            <a:fillRect/>
+          </a:stretch>
+        </p:blipFill>
+        <p:spPr>
+          <a:xfrm>
+            <a:off x="6297613" y="2097049"/>
+            <a:ext cx="4976812" cy="3679902"/>
+          </a:xfrm>
+          <a:prstGeom prst="rect">
+            <a:avLst/>
+          </a:prstGeom>
+        </p:spPr>
+      </p:pic>
+    </p:spTree>
+    <p:extLst>
+      <p:ext uri="{BB962C8B-B14F-4D97-AF65-F5344CB8AC3E}">
+        <p14:creationId xmlns:p14="http://schemas.microsoft.com/office/powerpoint/2010/main" val="3346490464"/>
+      </p:ext>
+    </p:extLst>
+  </p:cSld>
+  <p:clrMapOvr>
+    <a:masterClrMapping/>
+  </p:clrMapOvr>
+  <mc:AlternateContent xmlns:mc="http://schemas.openxmlformats.org/markup-compatibility/2006" xmlns:p14="http://schemas.microsoft.com/office/powerpoint/2010/main">
+    <mc:Choice Requires="p14">
+      <p:transition spd="med" p14:dur="700">
+        <p:fade/>
+      </p:transition>
+    </mc:Choice>
+    <mc:Fallback xmlns="">
+      <p:transition spd="med">
+        <p:fade/>
+      </p:transition>
+    </mc:Fallback>
+  </mc:AlternateContent>
+</p:sld>
+</file>
+
+<file path=ppt/slides/slide16.xml><?xml version="1.0" encoding="utf-8"?>
+<p:sld xmlns:a="http://schemas.openxmlformats.org/drawingml/2006/main" xmlns:r="http://schemas.openxmlformats.org/officeDocument/2006/relationships" xmlns:p="http://schemas.openxmlformats.org/presentationml/2006/main">
+  <p:cSld>
+    <p:spTree>
+      <p:nvGrpSpPr>
+        <p:cNvPr id="1" name=""/>
+        <p:cNvGrpSpPr/>
+        <p:nvPr/>
+      </p:nvGrpSpPr>
+      <p:grpSpPr>
+        <a:xfrm>
+          <a:off x="0" y="0"/>
+          <a:ext cx="0" cy="0"/>
+          <a:chOff x="0" y="0"/>
+          <a:chExt cx="0" cy="0"/>
+        </a:xfrm>
+      </p:grpSpPr>
+      <p:sp>
+        <p:nvSpPr>
+          <p:cNvPr id="2" name="Cím 1"/>
+          <p:cNvSpPr>
+            <a:spLocks noGrp="1"/>
+          </p:cNvSpPr>
+          <p:nvPr>
+            <p:ph type="title"/>
+          </p:nvPr>
+        </p:nvSpPr>
+        <p:spPr>
+          <a:xfrm>
+            <a:off x="693812" y="1628800"/>
+            <a:ext cx="7008574" cy="1930400"/>
+          </a:xfrm>
+        </p:spPr>
+        <p:txBody>
+          <a:bodyPr rtlCol="0"/>
+          <a:lstStyle/>
+          <a:p>
+            <a:pPr rtl="0"/>
+            <a:r>
+              <a:rPr lang="hu-HU" dirty="0"/>
+              <a:t>Köszönjük a figyelmet!</a:t>
+            </a:r>
+          </a:p>
+        </p:txBody>
+      </p:sp>
+      <p:sp>
+        <p:nvSpPr>
+          <p:cNvPr id="3" name="Szöveg helye 2"/>
+          <p:cNvSpPr>
+            <a:spLocks noGrp="1"/>
+          </p:cNvSpPr>
+          <p:nvPr>
+            <p:ph type="body" idx="1"/>
+          </p:nvPr>
+        </p:nvSpPr>
+        <p:spPr>
+          <a:xfrm>
+            <a:off x="721502" y="4580706"/>
+            <a:ext cx="7008574" cy="1296987"/>
+          </a:xfrm>
+        </p:spPr>
+        <p:txBody>
+          <a:bodyPr rtlCol="0"/>
+          <a:lstStyle/>
+          <a:p>
+            <a:pPr rtl="0"/>
+            <a:r>
+              <a:rPr lang="hu-HU" dirty="0"/>
+              <a:t>Kérdésekre szívesen válaszolunk!</a:t>
+            </a:r>
+          </a:p>
+        </p:txBody>
+      </p:sp>
+    </p:spTree>
+    <p:extLst>
+      <p:ext uri="{BB962C8B-B14F-4D97-AF65-F5344CB8AC3E}">
+        <p14:creationId xmlns:p14="http://schemas.microsoft.com/office/powerpoint/2010/main" val="1997697987"/>
+      </p:ext>
+    </p:extLst>
+  </p:cSld>
+  <p:clrMapOvr>
+    <a:masterClrMapping/>
+  </p:clrMapOvr>
+  <mc:AlternateContent xmlns:mc="http://schemas.openxmlformats.org/markup-compatibility/2006" xmlns:p14="http://schemas.microsoft.com/office/powerpoint/2010/main">
+    <mc:Choice Requires="p14">
+      <p:transition spd="med" p14:dur="700">
+        <p:fade/>
+      </p:transition>
+    </mc:Choice>
+    <mc:Fallback xmlns="">
+      <p:transition spd="med">
+        <p:fade/>
+      </p:transition>
+    </mc:Fallback>
+  </mc:AlternateContent>
+</p:sld>
+</file>
+
 <file path=ppt/slides/slide2.xml><?xml version="1.0" encoding="utf-8"?>
 <p:sld xmlns:a="http://schemas.openxmlformats.org/drawingml/2006/main" xmlns:r="http://schemas.openxmlformats.org/officeDocument/2006/relationships" xmlns:p="http://schemas.openxmlformats.org/presentationml/2006/main">
   <p:cSld>
@@ -7707,301 +8609,6 @@
 </file>
 
 <file path=ppt/slides/slide3.xml><?xml version="1.0" encoding="utf-8"?>
-<p:sld xmlns:a="http://schemas.openxmlformats.org/drawingml/2006/main" xmlns:r="http://schemas.openxmlformats.org/officeDocument/2006/relationships" xmlns:p="http://schemas.openxmlformats.org/presentationml/2006/main">
-  <p:cSld>
-    <p:spTree>
-      <p:nvGrpSpPr>
-        <p:cNvPr id="1" name=""/>
-        <p:cNvGrpSpPr/>
-        <p:nvPr/>
-      </p:nvGrpSpPr>
-      <p:grpSpPr>
-        <a:xfrm>
-          <a:off x="0" y="0"/>
-          <a:ext cx="0" cy="0"/>
-          <a:chOff x="0" y="0"/>
-          <a:chExt cx="0" cy="0"/>
-        </a:xfrm>
-      </p:grpSpPr>
-      <p:sp>
-        <p:nvSpPr>
-          <p:cNvPr id="2" name="Cím 1">
-            <a:extLst>
-              <a:ext uri="{FF2B5EF4-FFF2-40B4-BE49-F238E27FC236}">
-                <a16:creationId xmlns:a16="http://schemas.microsoft.com/office/drawing/2014/main" id="{ED233CB3-AEA1-44CB-950D-072D3E3D491B}"/>
-              </a:ext>
-            </a:extLst>
-          </p:cNvPr>
-          <p:cNvSpPr>
-            <a:spLocks noGrp="1"/>
-          </p:cNvSpPr>
-          <p:nvPr>
-            <p:ph type="title"/>
-          </p:nvPr>
-        </p:nvSpPr>
-        <p:spPr>
-          <a:xfrm>
-            <a:off x="1117309" y="76200"/>
-            <a:ext cx="10157354" cy="760512"/>
-          </a:xfrm>
-        </p:spPr>
-        <p:txBody>
-          <a:bodyPr anchor="b">
-            <a:normAutofit/>
-          </a:bodyPr>
-          <a:lstStyle/>
-          <a:p>
-            <a:r>
-              <a:rPr lang="hu-HU" dirty="0"/>
-              <a:t>MTMT</a:t>
-            </a:r>
-          </a:p>
-        </p:txBody>
-      </p:sp>
-      <p:sp>
-        <p:nvSpPr>
-          <p:cNvPr id="10" name="Text Placeholder 3">
-            <a:extLst>
-              <a:ext uri="{FF2B5EF4-FFF2-40B4-BE49-F238E27FC236}">
-                <a16:creationId xmlns:a16="http://schemas.microsoft.com/office/drawing/2014/main" id="{2319488E-AF7E-4326-BEA7-0E5910FC5BD8}"/>
-              </a:ext>
-            </a:extLst>
-          </p:cNvPr>
-          <p:cNvSpPr>
-            <a:spLocks noGrp="1"/>
-          </p:cNvSpPr>
-          <p:nvPr>
-            <p:ph idx="1"/>
-          </p:nvPr>
-        </p:nvSpPr>
-        <p:spPr>
-          <a:xfrm>
-            <a:off x="1117309" y="857300"/>
-            <a:ext cx="10157354" cy="4470400"/>
-          </a:xfrm>
-        </p:spPr>
-        <p:txBody>
-          <a:bodyPr/>
-          <a:lstStyle/>
-          <a:p>
-            <a:r>
-              <a:rPr lang="hu-HU" dirty="0"/>
-              <a:t>Példa keresés a Magyar Tudományos Művek tárában:</a:t>
-            </a:r>
-            <a:endParaRPr lang="en-US" dirty="0"/>
-          </a:p>
-        </p:txBody>
-      </p:sp>
-      <p:pic>
-        <p:nvPicPr>
-          <p:cNvPr id="6" name="Kép 5">
-            <a:extLst>
-              <a:ext uri="{FF2B5EF4-FFF2-40B4-BE49-F238E27FC236}">
-                <a16:creationId xmlns:a16="http://schemas.microsoft.com/office/drawing/2014/main" id="{54A226A7-8D25-4380-ADD6-CBADFAA6B28E}"/>
-              </a:ext>
-            </a:extLst>
-          </p:cNvPr>
-          <p:cNvPicPr>
-            <a:picLocks noChangeAspect="1"/>
-          </p:cNvPicPr>
-          <p:nvPr/>
-        </p:nvPicPr>
-        <p:blipFill>
-          <a:blip r:embed="rId2"/>
-          <a:stretch>
-            <a:fillRect/>
-          </a:stretch>
-        </p:blipFill>
-        <p:spPr>
-          <a:xfrm>
-            <a:off x="2133972" y="1532937"/>
-            <a:ext cx="8712968" cy="4934415"/>
-          </a:xfrm>
-          <a:prstGeom prst="rect">
-            <a:avLst/>
-          </a:prstGeom>
-        </p:spPr>
-      </p:pic>
-    </p:spTree>
-    <p:extLst>
-      <p:ext uri="{BB962C8B-B14F-4D97-AF65-F5344CB8AC3E}">
-        <p14:creationId xmlns:p14="http://schemas.microsoft.com/office/powerpoint/2010/main" val="86129528"/>
-      </p:ext>
-    </p:extLst>
-  </p:cSld>
-  <p:clrMapOvr>
-    <a:masterClrMapping/>
-  </p:clrMapOvr>
-  <mc:AlternateContent xmlns:mc="http://schemas.openxmlformats.org/markup-compatibility/2006" xmlns:p14="http://schemas.microsoft.com/office/powerpoint/2010/main">
-    <mc:Choice Requires="p14">
-      <p:transition spd="med" p14:dur="700">
-        <p:fade/>
-      </p:transition>
-    </mc:Choice>
-    <mc:Fallback xmlns="">
-      <p:transition spd="med">
-        <p:fade/>
-      </p:transition>
-    </mc:Fallback>
-  </mc:AlternateContent>
-</p:sld>
-</file>
-
-<file path=ppt/slides/slide4.xml><?xml version="1.0" encoding="utf-8"?>
-<p:sld xmlns:a="http://schemas.openxmlformats.org/drawingml/2006/main" xmlns:r="http://schemas.openxmlformats.org/officeDocument/2006/relationships" xmlns:p="http://schemas.openxmlformats.org/presentationml/2006/main">
-  <p:cSld>
-    <p:spTree>
-      <p:nvGrpSpPr>
-        <p:cNvPr id="1" name=""/>
-        <p:cNvGrpSpPr/>
-        <p:nvPr/>
-      </p:nvGrpSpPr>
-      <p:grpSpPr>
-        <a:xfrm>
-          <a:off x="0" y="0"/>
-          <a:ext cx="0" cy="0"/>
-          <a:chOff x="0" y="0"/>
-          <a:chExt cx="0" cy="0"/>
-        </a:xfrm>
-      </p:grpSpPr>
-      <p:sp>
-        <p:nvSpPr>
-          <p:cNvPr id="2" name="Cím 1">
-            <a:extLst>
-              <a:ext uri="{FF2B5EF4-FFF2-40B4-BE49-F238E27FC236}">
-                <a16:creationId xmlns:a16="http://schemas.microsoft.com/office/drawing/2014/main" id="{ED233CB3-AEA1-44CB-950D-072D3E3D491B}"/>
-              </a:ext>
-            </a:extLst>
-          </p:cNvPr>
-          <p:cNvSpPr>
-            <a:spLocks noGrp="1"/>
-          </p:cNvSpPr>
-          <p:nvPr>
-            <p:ph type="title"/>
-          </p:nvPr>
-        </p:nvSpPr>
-        <p:spPr>
-          <a:xfrm>
-            <a:off x="1117309" y="76200"/>
-            <a:ext cx="10157354" cy="832520"/>
-          </a:xfrm>
-        </p:spPr>
-        <p:txBody>
-          <a:bodyPr anchor="b">
-            <a:normAutofit/>
-          </a:bodyPr>
-          <a:lstStyle/>
-          <a:p>
-            <a:r>
-              <a:rPr lang="hu-HU" dirty="0"/>
-              <a:t>Google </a:t>
-            </a:r>
-            <a:r>
-              <a:rPr lang="hu-HU" dirty="0" err="1"/>
-              <a:t>Scholar</a:t>
-            </a:r>
-            <a:endParaRPr lang="hu-HU" dirty="0"/>
-          </a:p>
-        </p:txBody>
-      </p:sp>
-      <p:sp>
-        <p:nvSpPr>
-          <p:cNvPr id="10" name="Text Placeholder 3">
-            <a:extLst>
-              <a:ext uri="{FF2B5EF4-FFF2-40B4-BE49-F238E27FC236}">
-                <a16:creationId xmlns:a16="http://schemas.microsoft.com/office/drawing/2014/main" id="{2319488E-AF7E-4326-BEA7-0E5910FC5BD8}"/>
-              </a:ext>
-            </a:extLst>
-          </p:cNvPr>
-          <p:cNvSpPr>
-            <a:spLocks noGrp="1"/>
-          </p:cNvSpPr>
-          <p:nvPr>
-            <p:ph idx="1"/>
-          </p:nvPr>
-        </p:nvSpPr>
-        <p:spPr>
-          <a:xfrm>
-            <a:off x="1145402" y="942775"/>
-            <a:ext cx="10157354" cy="4470400"/>
-          </a:xfrm>
-        </p:spPr>
-        <p:txBody>
-          <a:bodyPr/>
-          <a:lstStyle/>
-          <a:p>
-            <a:r>
-              <a:rPr lang="hu-HU" dirty="0"/>
-              <a:t>Példa keresés a Google </a:t>
-            </a:r>
-            <a:r>
-              <a:rPr lang="hu-HU" dirty="0" err="1"/>
-              <a:t>Scholar</a:t>
-            </a:r>
-            <a:r>
-              <a:rPr lang="hu-HU" dirty="0"/>
-              <a:t>-ban:</a:t>
-            </a:r>
-            <a:endParaRPr lang="en-US" dirty="0"/>
-          </a:p>
-        </p:txBody>
-      </p:sp>
-      <p:pic>
-        <p:nvPicPr>
-          <p:cNvPr id="3" name="Kép 2">
-            <a:extLst>
-              <a:ext uri="{FF2B5EF4-FFF2-40B4-BE49-F238E27FC236}">
-                <a16:creationId xmlns:a16="http://schemas.microsoft.com/office/drawing/2014/main" id="{D2D633B3-CE21-416A-97C9-A0DD7F2C1FC8}"/>
-              </a:ext>
-            </a:extLst>
-          </p:cNvPr>
-          <p:cNvPicPr>
-            <a:picLocks noChangeAspect="1"/>
-          </p:cNvPicPr>
-          <p:nvPr/>
-        </p:nvPicPr>
-        <p:blipFill>
-          <a:blip r:embed="rId2"/>
-          <a:stretch>
-            <a:fillRect/>
-          </a:stretch>
-        </p:blipFill>
-        <p:spPr>
-          <a:xfrm>
-            <a:off x="2061964" y="1412776"/>
-            <a:ext cx="7754581" cy="4893668"/>
-          </a:xfrm>
-          <a:prstGeom prst="rect">
-            <a:avLst/>
-          </a:prstGeom>
-        </p:spPr>
-      </p:pic>
-    </p:spTree>
-    <p:extLst>
-      <p:ext uri="{BB962C8B-B14F-4D97-AF65-F5344CB8AC3E}">
-        <p14:creationId xmlns:p14="http://schemas.microsoft.com/office/powerpoint/2010/main" val="1015516298"/>
-      </p:ext>
-    </p:extLst>
-  </p:cSld>
-  <p:clrMapOvr>
-    <a:masterClrMapping/>
-  </p:clrMapOvr>
-  <mc:AlternateContent xmlns:mc="http://schemas.openxmlformats.org/markup-compatibility/2006" xmlns:p14="http://schemas.microsoft.com/office/powerpoint/2010/main">
-    <mc:Choice Requires="p14">
-      <p:transition spd="med" p14:dur="700">
-        <p:fade/>
-      </p:transition>
-    </mc:Choice>
-    <mc:Fallback xmlns="">
-      <p:transition spd="med">
-        <p:fade/>
-      </p:transition>
-    </mc:Fallback>
-  </mc:AlternateContent>
-</p:sld>
-</file>
-
-<file path=ppt/slides/slide5.xml><?xml version="1.0" encoding="utf-8"?>
 <p:sld xmlns:a="http://schemas.openxmlformats.org/drawingml/2006/main" xmlns:r="http://schemas.openxmlformats.org/officeDocument/2006/relationships" xmlns:p="http://schemas.openxmlformats.org/presentationml/2006/main">
   <p:cSld>
     <p:spTree>
@@ -8096,7 +8703,7 @@
 </p:sld>
 </file>
 
-<file path=ppt/slides/slide6.xml><?xml version="1.0" encoding="utf-8"?>
+<file path=ppt/slides/slide4.xml><?xml version="1.0" encoding="utf-8"?>
 <p:sld xmlns:a="http://schemas.openxmlformats.org/drawingml/2006/main" xmlns:r="http://schemas.openxmlformats.org/officeDocument/2006/relationships" xmlns:p="http://schemas.openxmlformats.org/presentationml/2006/main">
   <p:cSld>
     <p:spTree>
@@ -8165,7 +8772,7 @@
         <p:spPr>
           <a:xfrm>
             <a:off x="1117309" y="1701800"/>
-            <a:ext cx="5481159" cy="1727200"/>
+            <a:ext cx="6273247" cy="1727200"/>
           </a:xfrm>
         </p:spPr>
         <p:txBody>
@@ -8182,8 +8789,15 @@
             </a:r>
             <a:r>
               <a:rPr lang="hu-HU" dirty="0"/>
-              <a:t> nincs)</a:t>
+              <a:t> nincs) </a:t>
             </a:r>
+            <a:r>
+              <a:rPr lang="hu-HU" dirty="0">
+                <a:sym typeface="Wingdings" panose="05000000000000000000" pitchFamily="2" charset="2"/>
+              </a:rPr>
+              <a:t></a:t>
+            </a:r>
+            <a:endParaRPr lang="hu-HU" dirty="0"/>
           </a:p>
           <a:p>
             <a:r>
@@ -8258,6 +8872,275 @@
 </p:sld>
 </file>
 
+<file path=ppt/slides/slide5.xml><?xml version="1.0" encoding="utf-8"?>
+<p:sld xmlns:a="http://schemas.openxmlformats.org/drawingml/2006/main" xmlns:r="http://schemas.openxmlformats.org/officeDocument/2006/relationships" xmlns:p="http://schemas.openxmlformats.org/presentationml/2006/main">
+  <p:cSld>
+    <p:spTree>
+      <p:nvGrpSpPr>
+        <p:cNvPr id="1" name=""/>
+        <p:cNvGrpSpPr/>
+        <p:nvPr/>
+      </p:nvGrpSpPr>
+      <p:grpSpPr>
+        <a:xfrm>
+          <a:off x="0" y="0"/>
+          <a:ext cx="0" cy="0"/>
+          <a:chOff x="0" y="0"/>
+          <a:chExt cx="0" cy="0"/>
+        </a:xfrm>
+      </p:grpSpPr>
+      <p:sp>
+        <p:nvSpPr>
+          <p:cNvPr id="9" name="Title 1">
+            <a:extLst>
+              <a:ext uri="{FF2B5EF4-FFF2-40B4-BE49-F238E27FC236}">
+                <a16:creationId xmlns:a16="http://schemas.microsoft.com/office/drawing/2014/main" id="{02505436-7ED9-44F0-B8FA-DD3968997E48}"/>
+              </a:ext>
+            </a:extLst>
+          </p:cNvPr>
+          <p:cNvSpPr>
+            <a:spLocks noGrp="1"/>
+          </p:cNvSpPr>
+          <p:nvPr>
+            <p:ph type="title"/>
+          </p:nvPr>
+        </p:nvSpPr>
+        <p:spPr>
+          <a:xfrm>
+            <a:off x="1117309" y="76200"/>
+            <a:ext cx="10157354" cy="1397000"/>
+          </a:xfrm>
+        </p:spPr>
+        <p:txBody>
+          <a:bodyPr/>
+          <a:lstStyle/>
+          <a:p>
+            <a:r>
+              <a:rPr lang="hu-HU" dirty="0"/>
+              <a:t>MTMT kereső</a:t>
+            </a:r>
+            <a:endParaRPr lang="en-US" dirty="0"/>
+          </a:p>
+        </p:txBody>
+      </p:sp>
+      <p:pic>
+        <p:nvPicPr>
+          <p:cNvPr id="4" name="Kép 3">
+            <a:extLst>
+              <a:ext uri="{FF2B5EF4-FFF2-40B4-BE49-F238E27FC236}">
+                <a16:creationId xmlns:a16="http://schemas.microsoft.com/office/drawing/2014/main" id="{4019FD0B-71CC-4423-A28B-7D409EC5BF75}"/>
+              </a:ext>
+            </a:extLst>
+          </p:cNvPr>
+          <p:cNvPicPr>
+            <a:picLocks noChangeAspect="1"/>
+          </p:cNvPicPr>
+          <p:nvPr/>
+        </p:nvPicPr>
+        <p:blipFill>
+          <a:blip r:embed="rId2"/>
+          <a:stretch>
+            <a:fillRect/>
+          </a:stretch>
+        </p:blipFill>
+        <p:spPr>
+          <a:xfrm>
+            <a:off x="1117309" y="2101693"/>
+            <a:ext cx="4977104" cy="3670613"/>
+          </a:xfrm>
+          <a:prstGeom prst="rect">
+            <a:avLst/>
+          </a:prstGeom>
+          <a:noFill/>
+        </p:spPr>
+      </p:pic>
+      <p:pic>
+        <p:nvPicPr>
+          <p:cNvPr id="5" name="Tartalom helye 4">
+            <a:extLst>
+              <a:ext uri="{FF2B5EF4-FFF2-40B4-BE49-F238E27FC236}">
+                <a16:creationId xmlns:a16="http://schemas.microsoft.com/office/drawing/2014/main" id="{69881464-EF19-4CF4-9EFB-22AFCE2BA1B5}"/>
+              </a:ext>
+            </a:extLst>
+          </p:cNvPr>
+          <p:cNvPicPr>
+            <a:picLocks noGrp="1" noChangeAspect="1"/>
+          </p:cNvPicPr>
+          <p:nvPr>
+            <p:ph sz="half" idx="2"/>
+          </p:nvPr>
+        </p:nvPicPr>
+        <p:blipFill>
+          <a:blip r:embed="rId3"/>
+          <a:stretch>
+            <a:fillRect/>
+          </a:stretch>
+        </p:blipFill>
+        <p:spPr>
+          <a:xfrm>
+            <a:off x="6297613" y="2683442"/>
+            <a:ext cx="4976812" cy="2507115"/>
+          </a:xfrm>
+          <a:prstGeom prst="rect">
+            <a:avLst/>
+          </a:prstGeom>
+        </p:spPr>
+      </p:pic>
+    </p:spTree>
+    <p:extLst>
+      <p:ext uri="{BB962C8B-B14F-4D97-AF65-F5344CB8AC3E}">
+        <p14:creationId xmlns:p14="http://schemas.microsoft.com/office/powerpoint/2010/main" val="3500520587"/>
+      </p:ext>
+    </p:extLst>
+  </p:cSld>
+  <p:clrMapOvr>
+    <a:masterClrMapping/>
+  </p:clrMapOvr>
+  <mc:AlternateContent xmlns:mc="http://schemas.openxmlformats.org/markup-compatibility/2006" xmlns:p14="http://schemas.microsoft.com/office/powerpoint/2010/main">
+    <mc:Choice Requires="p14">
+      <p:transition spd="med" p14:dur="700">
+        <p:fade/>
+      </p:transition>
+    </mc:Choice>
+    <mc:Fallback xmlns="">
+      <p:transition spd="med">
+        <p:fade/>
+      </p:transition>
+    </mc:Fallback>
+  </mc:AlternateContent>
+</p:sld>
+</file>
+
+<file path=ppt/slides/slide6.xml><?xml version="1.0" encoding="utf-8"?>
+<p:sld xmlns:a="http://schemas.openxmlformats.org/drawingml/2006/main" xmlns:r="http://schemas.openxmlformats.org/officeDocument/2006/relationships" xmlns:p="http://schemas.openxmlformats.org/presentationml/2006/main">
+  <p:cSld>
+    <p:spTree>
+      <p:nvGrpSpPr>
+        <p:cNvPr id="1" name=""/>
+        <p:cNvGrpSpPr/>
+        <p:nvPr/>
+      </p:nvGrpSpPr>
+      <p:grpSpPr>
+        <a:xfrm>
+          <a:off x="0" y="0"/>
+          <a:ext cx="0" cy="0"/>
+          <a:chOff x="0" y="0"/>
+          <a:chExt cx="0" cy="0"/>
+        </a:xfrm>
+      </p:grpSpPr>
+      <p:sp>
+        <p:nvSpPr>
+          <p:cNvPr id="2" name="Cím 1">
+            <a:extLst>
+              <a:ext uri="{FF2B5EF4-FFF2-40B4-BE49-F238E27FC236}">
+                <a16:creationId xmlns:a16="http://schemas.microsoft.com/office/drawing/2014/main" id="{2B205C21-9814-4DB1-823B-00DC9796296C}"/>
+              </a:ext>
+            </a:extLst>
+          </p:cNvPr>
+          <p:cNvSpPr>
+            <a:spLocks noGrp="1"/>
+          </p:cNvSpPr>
+          <p:nvPr>
+            <p:ph type="title"/>
+          </p:nvPr>
+        </p:nvSpPr>
+        <p:spPr/>
+        <p:txBody>
+          <a:bodyPr/>
+          <a:lstStyle/>
+          <a:p>
+            <a:r>
+              <a:rPr lang="hu-HU" dirty="0"/>
+              <a:t>MTMT kereső - találati lista</a:t>
+            </a:r>
+          </a:p>
+        </p:txBody>
+      </p:sp>
+      <p:sp>
+        <p:nvSpPr>
+          <p:cNvPr id="3" name="Tartalom helye 2">
+            <a:extLst>
+              <a:ext uri="{FF2B5EF4-FFF2-40B4-BE49-F238E27FC236}">
+                <a16:creationId xmlns:a16="http://schemas.microsoft.com/office/drawing/2014/main" id="{35A9C775-1253-48B7-B1F2-E7524C34576C}"/>
+              </a:ext>
+            </a:extLst>
+          </p:cNvPr>
+          <p:cNvSpPr>
+            <a:spLocks noGrp="1"/>
+          </p:cNvSpPr>
+          <p:nvPr>
+            <p:ph idx="1"/>
+          </p:nvPr>
+        </p:nvSpPr>
+        <p:spPr>
+          <a:xfrm>
+            <a:off x="1117309" y="1701800"/>
+            <a:ext cx="4689071" cy="4470400"/>
+          </a:xfrm>
+        </p:spPr>
+        <p:txBody>
+          <a:bodyPr/>
+          <a:lstStyle/>
+          <a:p>
+            <a:endParaRPr lang="hu-HU" dirty="0"/>
+          </a:p>
+        </p:txBody>
+      </p:sp>
+      <p:pic>
+        <p:nvPicPr>
+          <p:cNvPr id="4" name="Kép 3">
+            <a:extLst>
+              <a:ext uri="{FF2B5EF4-FFF2-40B4-BE49-F238E27FC236}">
+                <a16:creationId xmlns:a16="http://schemas.microsoft.com/office/drawing/2014/main" id="{B334F197-8077-4464-8DA8-A17239AA04AD}"/>
+              </a:ext>
+            </a:extLst>
+          </p:cNvPr>
+          <p:cNvPicPr>
+            <a:picLocks noChangeAspect="1"/>
+          </p:cNvPicPr>
+          <p:nvPr/>
+        </p:nvPicPr>
+        <p:blipFill>
+          <a:blip r:embed="rId2"/>
+          <a:stretch>
+            <a:fillRect/>
+          </a:stretch>
+        </p:blipFill>
+        <p:spPr>
+          <a:xfrm>
+            <a:off x="4806713" y="1824836"/>
+            <a:ext cx="6476572" cy="4347364"/>
+          </a:xfrm>
+          <a:prstGeom prst="rect">
+            <a:avLst/>
+          </a:prstGeom>
+        </p:spPr>
+      </p:pic>
+    </p:spTree>
+    <p:extLst>
+      <p:ext uri="{BB962C8B-B14F-4D97-AF65-F5344CB8AC3E}">
+        <p14:creationId xmlns:p14="http://schemas.microsoft.com/office/powerpoint/2010/main" val="1221152145"/>
+      </p:ext>
+    </p:extLst>
+  </p:cSld>
+  <p:clrMapOvr>
+    <a:masterClrMapping/>
+  </p:clrMapOvr>
+  <mc:AlternateContent xmlns:mc="http://schemas.openxmlformats.org/markup-compatibility/2006" xmlns:p14="http://schemas.microsoft.com/office/powerpoint/2010/main">
+    <mc:Choice Requires="p14">
+      <p:transition spd="med" p14:dur="700">
+        <p:fade/>
+      </p:transition>
+    </mc:Choice>
+    <mc:Fallback xmlns="">
+      <p:transition spd="med">
+        <p:fade/>
+      </p:transition>
+    </mc:Fallback>
+  </mc:AlternateContent>
+</p:sld>
+</file>
+
 <file path=ppt/slides/slide7.xml><?xml version="1.0" encoding="utf-8"?>
 <p:sld xmlns:a="http://schemas.openxmlformats.org/drawingml/2006/main" xmlns:r="http://schemas.openxmlformats.org/officeDocument/2006/relationships" xmlns:p="http://schemas.openxmlformats.org/presentationml/2006/main">
   <p:cSld>
@@ -8277,10 +9160,10 @@
       </p:grpSpPr>
       <p:sp>
         <p:nvSpPr>
-          <p:cNvPr id="17" name="Title 1">
+          <p:cNvPr id="9" name="Title 1">
             <a:extLst>
               <a:ext uri="{FF2B5EF4-FFF2-40B4-BE49-F238E27FC236}">
-                <a16:creationId xmlns:a16="http://schemas.microsoft.com/office/drawing/2014/main" id="{551A2C01-A7F3-4648-833F-AC23B1BE5D49}"/>
+                <a16:creationId xmlns:a16="http://schemas.microsoft.com/office/drawing/2014/main" id="{B567B0B9-26FE-4D91-9147-5309A05A8E60}"/>
               </a:ext>
             </a:extLst>
           </p:cNvPr>
@@ -8294,7 +9177,7 @@
         <p:spPr>
           <a:xfrm>
             <a:off x="1117309" y="76200"/>
-            <a:ext cx="10157354" cy="884186"/>
+            <a:ext cx="10157354" cy="1397000"/>
           </a:xfrm>
         </p:spPr>
         <p:txBody>
@@ -8303,11 +9186,15 @@
           <a:p>
             <a:r>
               <a:rPr lang="hu-HU" dirty="0"/>
-              <a:t>MTMT adatok </a:t>
+              <a:t>Google </a:t>
             </a:r>
             <a:r>
               <a:rPr lang="hu-HU" dirty="0" err="1"/>
-              <a:t>webscraping-gel</a:t>
+              <a:t>Scholar</a:t>
+            </a:r>
+            <a:r>
+              <a:rPr lang="hu-HU" dirty="0"/>
+              <a:t> kereső - találati lista</a:t>
             </a:r>
             <a:endParaRPr lang="en-US" dirty="0"/>
           </a:p>
@@ -8315,10 +9202,10 @@
       </p:sp>
       <p:sp>
         <p:nvSpPr>
-          <p:cNvPr id="19" name="Content Placeholder 2">
+          <p:cNvPr id="11" name="Content Placeholder 2">
             <a:extLst>
               <a:ext uri="{FF2B5EF4-FFF2-40B4-BE49-F238E27FC236}">
-                <a16:creationId xmlns:a16="http://schemas.microsoft.com/office/drawing/2014/main" id="{708C1484-C179-406B-937D-4DDAB438D2D0}"/>
+                <a16:creationId xmlns:a16="http://schemas.microsoft.com/office/drawing/2014/main" id="{BF288350-D07F-4707-9A0B-00DCB14ACBF3}"/>
               </a:ext>
             </a:extLst>
           </p:cNvPr>
@@ -8331,31 +9218,24 @@
         </p:nvSpPr>
         <p:spPr>
           <a:xfrm>
-            <a:off x="1117309" y="1320678"/>
-            <a:ext cx="10089671" cy="1316234"/>
+            <a:off x="1117309" y="1701800"/>
+            <a:ext cx="4977104" cy="4470400"/>
           </a:xfrm>
         </p:spPr>
         <p:txBody>
           <a:bodyPr/>
           <a:lstStyle/>
           <a:p>
-            <a:pPr marL="0" indent="0">
-              <a:buNone/>
-            </a:pPr>
-            <a:r>
-              <a:rPr lang="hu-HU" dirty="0"/>
-              <a:t>Felhasználói felületen az MTMT oldalról kigyűjtött adatok megjelenítése</a:t>
-            </a:r>
             <a:endParaRPr lang="en-US" dirty="0"/>
           </a:p>
         </p:txBody>
       </p:sp>
       <p:pic>
         <p:nvPicPr>
-          <p:cNvPr id="6" name="Kép 5">
+          <p:cNvPr id="4" name="Kép 3">
             <a:extLst>
               <a:ext uri="{FF2B5EF4-FFF2-40B4-BE49-F238E27FC236}">
-                <a16:creationId xmlns:a16="http://schemas.microsoft.com/office/drawing/2014/main" id="{FFF3ED03-C3B1-4532-970E-CE53F18FE699}"/>
+                <a16:creationId xmlns:a16="http://schemas.microsoft.com/office/drawing/2014/main" id="{9CAD1A1E-DF11-4F8D-9371-EEDF3D67743B}"/>
               </a:ext>
             </a:extLst>
           </p:cNvPr>
@@ -8372,8 +9252,8 @@
         </p:blipFill>
         <p:spPr>
           <a:xfrm>
-            <a:off x="6526460" y="2712218"/>
-            <a:ext cx="4977104" cy="3036032"/>
+            <a:off x="6349926" y="1701800"/>
+            <a:ext cx="4872370" cy="4470400"/>
           </a:xfrm>
           <a:prstGeom prst="rect">
             <a:avLst/>
@@ -8381,398 +9261,10 @@
           <a:noFill/>
         </p:spPr>
       </p:pic>
-      <p:pic>
-        <p:nvPicPr>
-          <p:cNvPr id="11" name="Kép 10">
-            <a:extLst>
-              <a:ext uri="{FF2B5EF4-FFF2-40B4-BE49-F238E27FC236}">
-                <a16:creationId xmlns:a16="http://schemas.microsoft.com/office/drawing/2014/main" id="{5C68FABB-7CF2-4AE4-9B6A-F8F5F2C07103}"/>
-              </a:ext>
-            </a:extLst>
-          </p:cNvPr>
-          <p:cNvPicPr>
-            <a:picLocks noChangeAspect="1"/>
-          </p:cNvPicPr>
-          <p:nvPr/>
-        </p:nvPicPr>
-        <p:blipFill>
-          <a:blip r:embed="rId3"/>
-          <a:stretch>
-            <a:fillRect/>
-          </a:stretch>
-        </p:blipFill>
-        <p:spPr>
-          <a:xfrm>
-            <a:off x="833552" y="2712218"/>
-            <a:ext cx="5328592" cy="3017741"/>
-          </a:xfrm>
-          <a:prstGeom prst="rect">
-            <a:avLst/>
-          </a:prstGeom>
-        </p:spPr>
-      </p:pic>
-      <p:sp>
-        <p:nvSpPr>
-          <p:cNvPr id="21" name="Szabadkézi sokszög: alakzat 20">
-            <a:extLst>
-              <a:ext uri="{FF2B5EF4-FFF2-40B4-BE49-F238E27FC236}">
-                <a16:creationId xmlns:a16="http://schemas.microsoft.com/office/drawing/2014/main" id="{D7BA2930-EA45-4FEE-A807-D3241347BA30}"/>
-              </a:ext>
-            </a:extLst>
-          </p:cNvPr>
-          <p:cNvSpPr/>
-          <p:nvPr/>
-        </p:nvSpPr>
-        <p:spPr>
-          <a:xfrm>
-            <a:off x="2560320" y="2377256"/>
-            <a:ext cx="4650377" cy="1289053"/>
-          </a:xfrm>
-          <a:custGeom>
-            <a:avLst/>
-            <a:gdLst>
-              <a:gd name="connsiteX0" fmla="*/ 0 w 4650377"/>
-              <a:gd name="connsiteY0" fmla="*/ 1289053 h 1289053"/>
-              <a:gd name="connsiteX1" fmla="*/ 2272937 w 4650377"/>
-              <a:gd name="connsiteY1" fmla="*/ 184 h 1289053"/>
-              <a:gd name="connsiteX2" fmla="*/ 4650377 w 4650377"/>
-              <a:gd name="connsiteY2" fmla="*/ 1193258 h 1289053"/>
-            </a:gdLst>
-            <a:ahLst/>
-            <a:cxnLst>
-              <a:cxn ang="0">
-                <a:pos x="connsiteX0" y="connsiteY0"/>
-              </a:cxn>
-              <a:cxn ang="0">
-                <a:pos x="connsiteX1" y="connsiteY1"/>
-              </a:cxn>
-              <a:cxn ang="0">
-                <a:pos x="connsiteX2" y="connsiteY2"/>
-              </a:cxn>
-            </a:cxnLst>
-            <a:rect l="l" t="t" r="r" b="b"/>
-            <a:pathLst>
-              <a:path w="4650377" h="1289053">
-                <a:moveTo>
-                  <a:pt x="0" y="1289053"/>
-                </a:moveTo>
-                <a:cubicBezTo>
-                  <a:pt x="748937" y="652601"/>
-                  <a:pt x="1497874" y="16150"/>
-                  <a:pt x="2272937" y="184"/>
-                </a:cubicBezTo>
-                <a:cubicBezTo>
-                  <a:pt x="3048000" y="-15782"/>
-                  <a:pt x="4210594" y="1010378"/>
-                  <a:pt x="4650377" y="1193258"/>
-                </a:cubicBezTo>
-              </a:path>
-            </a:pathLst>
-          </a:custGeom>
-          <a:noFill/>
-        </p:spPr>
-        <p:style>
-          <a:lnRef idx="2">
-            <a:schemeClr val="accent1">
-              <a:shade val="50000"/>
-            </a:schemeClr>
-          </a:lnRef>
-          <a:fillRef idx="1">
-            <a:schemeClr val="accent1"/>
-          </a:fillRef>
-          <a:effectRef idx="0">
-            <a:schemeClr val="accent1"/>
-          </a:effectRef>
-          <a:fontRef idx="minor">
-            <a:schemeClr val="lt1"/>
-          </a:fontRef>
-        </p:style>
-        <p:txBody>
-          <a:bodyPr rtlCol="0" anchor="ctr"/>
-          <a:lstStyle/>
-          <a:p>
-            <a:pPr algn="ctr"/>
-            <a:endParaRPr lang="hu-HU"/>
-          </a:p>
-        </p:txBody>
-      </p:sp>
-      <p:sp>
-        <p:nvSpPr>
-          <p:cNvPr id="22" name="Szabadkézi sokszög: alakzat 21">
-            <a:extLst>
-              <a:ext uri="{FF2B5EF4-FFF2-40B4-BE49-F238E27FC236}">
-                <a16:creationId xmlns:a16="http://schemas.microsoft.com/office/drawing/2014/main" id="{1ABFF623-E206-4EDA-A40C-0B8AA3566ABA}"/>
-              </a:ext>
-            </a:extLst>
-          </p:cNvPr>
-          <p:cNvSpPr/>
-          <p:nvPr/>
-        </p:nvSpPr>
-        <p:spPr>
-          <a:xfrm>
-            <a:off x="2856411" y="3596640"/>
-            <a:ext cx="6705600" cy="374469"/>
-          </a:xfrm>
-          <a:custGeom>
-            <a:avLst/>
-            <a:gdLst>
-              <a:gd name="connsiteX0" fmla="*/ 0 w 6705600"/>
-              <a:gd name="connsiteY0" fmla="*/ 304800 h 374469"/>
-              <a:gd name="connsiteX1" fmla="*/ 879566 w 6705600"/>
-              <a:gd name="connsiteY1" fmla="*/ 374469 h 374469"/>
-              <a:gd name="connsiteX2" fmla="*/ 5042263 w 6705600"/>
-              <a:gd name="connsiteY2" fmla="*/ 339634 h 374469"/>
-              <a:gd name="connsiteX3" fmla="*/ 6705600 w 6705600"/>
-              <a:gd name="connsiteY3" fmla="*/ 0 h 374469"/>
-            </a:gdLst>
-            <a:ahLst/>
-            <a:cxnLst>
-              <a:cxn ang="0">
-                <a:pos x="connsiteX0" y="connsiteY0"/>
-              </a:cxn>
-              <a:cxn ang="0">
-                <a:pos x="connsiteX1" y="connsiteY1"/>
-              </a:cxn>
-              <a:cxn ang="0">
-                <a:pos x="connsiteX2" y="connsiteY2"/>
-              </a:cxn>
-              <a:cxn ang="0">
-                <a:pos x="connsiteX3" y="connsiteY3"/>
-              </a:cxn>
-            </a:cxnLst>
-            <a:rect l="l" t="t" r="r" b="b"/>
-            <a:pathLst>
-              <a:path w="6705600" h="374469">
-                <a:moveTo>
-                  <a:pt x="0" y="304800"/>
-                </a:moveTo>
-                <a:cubicBezTo>
-                  <a:pt x="19594" y="336731"/>
-                  <a:pt x="879566" y="374469"/>
-                  <a:pt x="879566" y="374469"/>
-                </a:cubicBezTo>
-                <a:lnTo>
-                  <a:pt x="5042263" y="339634"/>
-                </a:lnTo>
-                <a:cubicBezTo>
-                  <a:pt x="6013269" y="277223"/>
-                  <a:pt x="6418217" y="47897"/>
-                  <a:pt x="6705600" y="0"/>
-                </a:cubicBezTo>
-              </a:path>
-            </a:pathLst>
-          </a:custGeom>
-          <a:noFill/>
-        </p:spPr>
-        <p:style>
-          <a:lnRef idx="2">
-            <a:schemeClr val="accent1">
-              <a:shade val="50000"/>
-            </a:schemeClr>
-          </a:lnRef>
-          <a:fillRef idx="1">
-            <a:schemeClr val="accent1"/>
-          </a:fillRef>
-          <a:effectRef idx="0">
-            <a:schemeClr val="accent1"/>
-          </a:effectRef>
-          <a:fontRef idx="minor">
-            <a:schemeClr val="lt1"/>
-          </a:fontRef>
-        </p:style>
-        <p:txBody>
-          <a:bodyPr rtlCol="0" anchor="ctr"/>
-          <a:lstStyle/>
-          <a:p>
-            <a:pPr algn="ctr"/>
-            <a:endParaRPr lang="hu-HU"/>
-          </a:p>
-        </p:txBody>
-      </p:sp>
-      <p:sp>
-        <p:nvSpPr>
-          <p:cNvPr id="23" name="Szabadkézi sokszög: alakzat 22">
-            <a:extLst>
-              <a:ext uri="{FF2B5EF4-FFF2-40B4-BE49-F238E27FC236}">
-                <a16:creationId xmlns:a16="http://schemas.microsoft.com/office/drawing/2014/main" id="{9186B8C2-16BD-4917-AE3A-F618CE6BC758}"/>
-              </a:ext>
-            </a:extLst>
-          </p:cNvPr>
-          <p:cNvSpPr/>
-          <p:nvPr/>
-        </p:nvSpPr>
-        <p:spPr>
-          <a:xfrm>
-            <a:off x="2612571" y="3614057"/>
-            <a:ext cx="7942218" cy="570749"/>
-          </a:xfrm>
-          <a:custGeom>
-            <a:avLst/>
-            <a:gdLst>
-              <a:gd name="connsiteX0" fmla="*/ 0 w 7942218"/>
-              <a:gd name="connsiteY0" fmla="*/ 348343 h 570749"/>
-              <a:gd name="connsiteX1" fmla="*/ 975360 w 7942218"/>
-              <a:gd name="connsiteY1" fmla="*/ 487680 h 570749"/>
-              <a:gd name="connsiteX2" fmla="*/ 4702629 w 7942218"/>
-              <a:gd name="connsiteY2" fmla="*/ 539932 h 570749"/>
-              <a:gd name="connsiteX3" fmla="*/ 7942218 w 7942218"/>
-              <a:gd name="connsiteY3" fmla="*/ 0 h 570749"/>
-            </a:gdLst>
-            <a:ahLst/>
-            <a:cxnLst>
-              <a:cxn ang="0">
-                <a:pos x="connsiteX0" y="connsiteY0"/>
-              </a:cxn>
-              <a:cxn ang="0">
-                <a:pos x="connsiteX1" y="connsiteY1"/>
-              </a:cxn>
-              <a:cxn ang="0">
-                <a:pos x="connsiteX2" y="connsiteY2"/>
-              </a:cxn>
-              <a:cxn ang="0">
-                <a:pos x="connsiteX3" y="connsiteY3"/>
-              </a:cxn>
-            </a:cxnLst>
-            <a:rect l="l" t="t" r="r" b="b"/>
-            <a:pathLst>
-              <a:path w="7942218" h="570749">
-                <a:moveTo>
-                  <a:pt x="0" y="348343"/>
-                </a:moveTo>
-                <a:cubicBezTo>
-                  <a:pt x="95794" y="402046"/>
-                  <a:pt x="191589" y="455749"/>
-                  <a:pt x="975360" y="487680"/>
-                </a:cubicBezTo>
-                <a:cubicBezTo>
-                  <a:pt x="1759131" y="519611"/>
-                  <a:pt x="3541486" y="621212"/>
-                  <a:pt x="4702629" y="539932"/>
-                </a:cubicBezTo>
-                <a:cubicBezTo>
-                  <a:pt x="5863772" y="458652"/>
-                  <a:pt x="7381967" y="88537"/>
-                  <a:pt x="7942218" y="0"/>
-                </a:cubicBezTo>
-              </a:path>
-            </a:pathLst>
-          </a:custGeom>
-          <a:noFill/>
-        </p:spPr>
-        <p:style>
-          <a:lnRef idx="2">
-            <a:schemeClr val="accent1">
-              <a:shade val="50000"/>
-            </a:schemeClr>
-          </a:lnRef>
-          <a:fillRef idx="1">
-            <a:schemeClr val="accent1"/>
-          </a:fillRef>
-          <a:effectRef idx="0">
-            <a:schemeClr val="accent1"/>
-          </a:effectRef>
-          <a:fontRef idx="minor">
-            <a:schemeClr val="lt1"/>
-          </a:fontRef>
-        </p:style>
-        <p:txBody>
-          <a:bodyPr rtlCol="0" anchor="ctr"/>
-          <a:lstStyle/>
-          <a:p>
-            <a:pPr algn="ctr"/>
-            <a:endParaRPr lang="hu-HU"/>
-          </a:p>
-        </p:txBody>
-      </p:sp>
-      <p:sp>
-        <p:nvSpPr>
-          <p:cNvPr id="2" name="Szabadkézi sokszög: alakzat 1">
-            <a:extLst>
-              <a:ext uri="{FF2B5EF4-FFF2-40B4-BE49-F238E27FC236}">
-                <a16:creationId xmlns:a16="http://schemas.microsoft.com/office/drawing/2014/main" id="{506A44D8-8355-4C95-AC4A-9871BDFE5475}"/>
-              </a:ext>
-            </a:extLst>
-          </p:cNvPr>
-          <p:cNvSpPr/>
-          <p:nvPr/>
-        </p:nvSpPr>
-        <p:spPr>
-          <a:xfrm>
-            <a:off x="3181739" y="2835186"/>
-            <a:ext cx="5001208" cy="943712"/>
-          </a:xfrm>
-          <a:custGeom>
-            <a:avLst/>
-            <a:gdLst>
-              <a:gd name="connsiteX0" fmla="*/ 0 w 5001208"/>
-              <a:gd name="connsiteY0" fmla="*/ 943712 h 943712"/>
-              <a:gd name="connsiteX1" fmla="*/ 2174032 w 5001208"/>
-              <a:gd name="connsiteY1" fmla="*/ 1320 h 943712"/>
-              <a:gd name="connsiteX2" fmla="*/ 5001208 w 5001208"/>
-              <a:gd name="connsiteY2" fmla="*/ 738438 h 943712"/>
-            </a:gdLst>
-            <a:ahLst/>
-            <a:cxnLst>
-              <a:cxn ang="0">
-                <a:pos x="connsiteX0" y="connsiteY0"/>
-              </a:cxn>
-              <a:cxn ang="0">
-                <a:pos x="connsiteX1" y="connsiteY1"/>
-              </a:cxn>
-              <a:cxn ang="0">
-                <a:pos x="connsiteX2" y="connsiteY2"/>
-              </a:cxn>
-            </a:cxnLst>
-            <a:rect l="l" t="t" r="r" b="b"/>
-            <a:pathLst>
-              <a:path w="5001208" h="943712">
-                <a:moveTo>
-                  <a:pt x="0" y="943712"/>
-                </a:moveTo>
-                <a:cubicBezTo>
-                  <a:pt x="670248" y="489622"/>
-                  <a:pt x="1340497" y="35532"/>
-                  <a:pt x="2174032" y="1320"/>
-                </a:cubicBezTo>
-                <a:cubicBezTo>
-                  <a:pt x="3007567" y="-32892"/>
-                  <a:pt x="4481804" y="607809"/>
-                  <a:pt x="5001208" y="738438"/>
-                </a:cubicBezTo>
-              </a:path>
-            </a:pathLst>
-          </a:custGeom>
-          <a:noFill/>
-        </p:spPr>
-        <p:style>
-          <a:lnRef idx="2">
-            <a:schemeClr val="accent1">
-              <a:shade val="50000"/>
-            </a:schemeClr>
-          </a:lnRef>
-          <a:fillRef idx="1">
-            <a:schemeClr val="accent1"/>
-          </a:fillRef>
-          <a:effectRef idx="0">
-            <a:schemeClr val="accent1"/>
-          </a:effectRef>
-          <a:fontRef idx="minor">
-            <a:schemeClr val="lt1"/>
-          </a:fontRef>
-        </p:style>
-        <p:txBody>
-          <a:bodyPr rtlCol="0" anchor="ctr"/>
-          <a:lstStyle/>
-          <a:p>
-            <a:pPr algn="ctr"/>
-            <a:endParaRPr lang="hu-HU"/>
-          </a:p>
-        </p:txBody>
-      </p:sp>
     </p:spTree>
     <p:extLst>
       <p:ext uri="{BB962C8B-B14F-4D97-AF65-F5344CB8AC3E}">
-        <p14:creationId xmlns:p14="http://schemas.microsoft.com/office/powerpoint/2010/main" val="3162124416"/>
+        <p14:creationId xmlns:p14="http://schemas.microsoft.com/office/powerpoint/2010/main" val="6619219"/>
       </p:ext>
     </p:extLst>
   </p:cSld>
@@ -8816,7 +9308,7 @@
           <p:cNvPr id="2" name="Cím 1">
             <a:extLst>
               <a:ext uri="{FF2B5EF4-FFF2-40B4-BE49-F238E27FC236}">
-                <a16:creationId xmlns:a16="http://schemas.microsoft.com/office/drawing/2014/main" id="{A0A36B6F-784A-4893-A8DC-0F2660186496}"/>
+                <a16:creationId xmlns:a16="http://schemas.microsoft.com/office/drawing/2014/main" id="{5CC86007-CC77-4239-AACF-ED0893073172}"/>
               </a:ext>
             </a:extLst>
           </p:cNvPr>
@@ -8827,19 +9319,22 @@
             <p:ph type="title"/>
           </p:nvPr>
         </p:nvSpPr>
-        <p:spPr>
-          <a:xfrm>
-            <a:off x="1117309" y="76200"/>
-            <a:ext cx="10157354" cy="1552600"/>
-          </a:xfrm>
-        </p:spPr>
+        <p:spPr/>
         <p:txBody>
           <a:bodyPr/>
           <a:lstStyle/>
           <a:p>
             <a:r>
               <a:rPr lang="hu-HU" dirty="0"/>
-              <a:t>Főbb feladatok amin dolgozunk</a:t>
+              <a:t>Google </a:t>
+            </a:r>
+            <a:r>
+              <a:rPr lang="hu-HU" dirty="0" err="1"/>
+              <a:t>Scholar</a:t>
+            </a:r>
+            <a:r>
+              <a:rPr lang="hu-HU" dirty="0"/>
+              <a:t> API</a:t>
             </a:r>
           </a:p>
         </p:txBody>
@@ -8849,7 +9344,7 @@
           <p:cNvPr id="3" name="Tartalom helye 2">
             <a:extLst>
               <a:ext uri="{FF2B5EF4-FFF2-40B4-BE49-F238E27FC236}">
-                <a16:creationId xmlns:a16="http://schemas.microsoft.com/office/drawing/2014/main" id="{DD30A49F-A42D-4B8F-8F96-C27F1BCEF371}"/>
+                <a16:creationId xmlns:a16="http://schemas.microsoft.com/office/drawing/2014/main" id="{7571B6D9-B46C-463F-A6E4-DAB04674E8AB}"/>
               </a:ext>
             </a:extLst>
           </p:cNvPr>
@@ -8862,53 +9357,52 @@
         </p:nvSpPr>
         <p:spPr>
           <a:xfrm>
-            <a:off x="1117309" y="2420888"/>
-            <a:ext cx="10157354" cy="3751312"/>
+            <a:off x="1117309" y="1701800"/>
+            <a:ext cx="5625175" cy="4470400"/>
           </a:xfrm>
         </p:spPr>
         <p:txBody>
           <a:bodyPr/>
           <a:lstStyle/>
           <a:p>
-            <a:r>
-              <a:rPr lang="hu-HU" dirty="0"/>
-              <a:t>Google </a:t>
-            </a:r>
-            <a:r>
-              <a:rPr lang="hu-HU" dirty="0" err="1"/>
-              <a:t>Scholar-ról</a:t>
-            </a:r>
-            <a:r>
-              <a:rPr lang="hu-HU" dirty="0"/>
-              <a:t> adatok kigyűjtése</a:t>
-            </a:r>
-          </a:p>
-          <a:p>
-            <a:r>
-              <a:rPr lang="hu-HU" dirty="0"/>
-              <a:t>MTMT – Google </a:t>
-            </a:r>
-            <a:r>
-              <a:rPr lang="hu-HU" dirty="0" err="1"/>
-              <a:t>Scholar</a:t>
-            </a:r>
-            <a:r>
-              <a:rPr lang="hu-HU" dirty="0"/>
-              <a:t> adatok összehasonlítása</a:t>
-            </a:r>
-          </a:p>
-          <a:p>
-            <a:r>
-              <a:rPr lang="hu-HU" dirty="0"/>
-              <a:t>Különbségek megjelenítése</a:t>
-            </a:r>
+            <a:endParaRPr lang="hu-HU" dirty="0"/>
           </a:p>
         </p:txBody>
       </p:sp>
+      <p:pic>
+        <p:nvPicPr>
+          <p:cNvPr id="4" name="Kép 3">
+            <a:extLst>
+              <a:ext uri="{FF2B5EF4-FFF2-40B4-BE49-F238E27FC236}">
+                <a16:creationId xmlns:a16="http://schemas.microsoft.com/office/drawing/2014/main" id="{6E15AE58-3EFB-49E5-919A-D75E244019FD}"/>
+              </a:ext>
+            </a:extLst>
+          </p:cNvPr>
+          <p:cNvPicPr>
+            <a:picLocks noChangeAspect="1"/>
+          </p:cNvPicPr>
+          <p:nvPr/>
+        </p:nvPicPr>
+        <p:blipFill>
+          <a:blip r:embed="rId2"/>
+          <a:stretch>
+            <a:fillRect/>
+          </a:stretch>
+        </p:blipFill>
+        <p:spPr>
+          <a:xfrm>
+            <a:off x="3929896" y="3429000"/>
+            <a:ext cx="7556515" cy="2858368"/>
+          </a:xfrm>
+          <a:prstGeom prst="rect">
+            <a:avLst/>
+          </a:prstGeom>
+        </p:spPr>
+      </p:pic>
     </p:spTree>
     <p:extLst>
       <p:ext uri="{BB962C8B-B14F-4D97-AF65-F5344CB8AC3E}">
-        <p14:creationId xmlns:p14="http://schemas.microsoft.com/office/powerpoint/2010/main" val="3018540761"/>
+        <p14:creationId xmlns:p14="http://schemas.microsoft.com/office/powerpoint/2010/main" val="3511898306"/>
       </p:ext>
     </p:extLst>
   </p:cSld>
@@ -8949,7 +9443,13 @@
       </p:grpSpPr>
       <p:sp>
         <p:nvSpPr>
-          <p:cNvPr id="2" name="Cím 1"/>
+          <p:cNvPr id="9" name="Title 1">
+            <a:extLst>
+              <a:ext uri="{FF2B5EF4-FFF2-40B4-BE49-F238E27FC236}">
+                <a16:creationId xmlns:a16="http://schemas.microsoft.com/office/drawing/2014/main" id="{D3DC08C8-464B-4FA2-8D05-461857C595D6}"/>
+              </a:ext>
+            </a:extLst>
+          </p:cNvPr>
           <p:cNvSpPr>
             <a:spLocks noGrp="1"/>
           </p:cNvSpPr>
@@ -8959,54 +9459,87 @@
         </p:nvSpPr>
         <p:spPr>
           <a:xfrm>
-            <a:off x="693812" y="1628800"/>
-            <a:ext cx="7008574" cy="1930400"/>
+            <a:off x="1117309" y="76200"/>
+            <a:ext cx="10157354" cy="1397000"/>
           </a:xfrm>
         </p:spPr>
         <p:txBody>
-          <a:bodyPr rtlCol="0"/>
+          <a:bodyPr/>
           <a:lstStyle/>
           <a:p>
-            <a:pPr rtl="0"/>
             <a:r>
               <a:rPr lang="hu-HU" dirty="0"/>
-              <a:t>Köszönjük a figyelmet!</a:t>
+              <a:t>Hibakezelés</a:t>
             </a:r>
+            <a:endParaRPr lang="en-US" dirty="0"/>
           </a:p>
         </p:txBody>
       </p:sp>
       <p:sp>
         <p:nvSpPr>
-          <p:cNvPr id="3" name="Szöveg helye 2"/>
+          <p:cNvPr id="11" name="Content Placeholder 2">
+            <a:extLst>
+              <a:ext uri="{FF2B5EF4-FFF2-40B4-BE49-F238E27FC236}">
+                <a16:creationId xmlns:a16="http://schemas.microsoft.com/office/drawing/2014/main" id="{DC3D6E1F-0588-4E0D-97EF-DC827B415804}"/>
+              </a:ext>
+            </a:extLst>
+          </p:cNvPr>
           <p:cNvSpPr>
             <a:spLocks noGrp="1"/>
           </p:cNvSpPr>
           <p:nvPr>
-            <p:ph type="body" idx="1"/>
+            <p:ph sz="half" idx="1"/>
           </p:nvPr>
         </p:nvSpPr>
         <p:spPr>
           <a:xfrm>
-            <a:off x="721502" y="4580706"/>
-            <a:ext cx="7008574" cy="1296987"/>
+            <a:off x="1117309" y="1701800"/>
+            <a:ext cx="4977104" cy="4470400"/>
           </a:xfrm>
         </p:spPr>
         <p:txBody>
-          <a:bodyPr rtlCol="0"/>
+          <a:bodyPr/>
           <a:lstStyle/>
           <a:p>
-            <a:pPr rtl="0"/>
-            <a:r>
-              <a:rPr lang="hu-HU" dirty="0"/>
-              <a:t>Kérdésekre szívesen válaszolunk!</a:t>
-            </a:r>
+            <a:endParaRPr lang="en-US"/>
           </a:p>
         </p:txBody>
       </p:sp>
+      <p:pic>
+        <p:nvPicPr>
+          <p:cNvPr id="4" name="Kép 3">
+            <a:extLst>
+              <a:ext uri="{FF2B5EF4-FFF2-40B4-BE49-F238E27FC236}">
+                <a16:creationId xmlns:a16="http://schemas.microsoft.com/office/drawing/2014/main" id="{D2BFFE19-525F-4ADE-A30C-CFD3C53C920B}"/>
+              </a:ext>
+            </a:extLst>
+          </p:cNvPr>
+          <p:cNvPicPr>
+            <a:picLocks noChangeAspect="1"/>
+          </p:cNvPicPr>
+          <p:nvPr/>
+        </p:nvPicPr>
+        <p:blipFill>
+          <a:blip r:embed="rId2"/>
+          <a:stretch>
+            <a:fillRect/>
+          </a:stretch>
+        </p:blipFill>
+        <p:spPr>
+          <a:xfrm>
+            <a:off x="6297559" y="2338105"/>
+            <a:ext cx="4977104" cy="3197789"/>
+          </a:xfrm>
+          <a:prstGeom prst="rect">
+            <a:avLst/>
+          </a:prstGeom>
+          <a:noFill/>
+        </p:spPr>
+      </p:pic>
     </p:spTree>
     <p:extLst>
       <p:ext uri="{BB962C8B-B14F-4D97-AF65-F5344CB8AC3E}">
-        <p14:creationId xmlns:p14="http://schemas.microsoft.com/office/powerpoint/2010/main" val="1997697987"/>
+        <p14:creationId xmlns:p14="http://schemas.microsoft.com/office/powerpoint/2010/main" val="3962352319"/>
       </p:ext>
     </p:extLst>
   </p:cSld>
@@ -9838,12 +10371,139 @@
 </file>
 
 <file path=customXml/item1.xml><?xml version="1.0" encoding="utf-8"?>
-<?mso-contentType ?>
-<FormTemplates xmlns="http://schemas.microsoft.com/sharepoint/v3/contenttype/forms">
-  <Display>DocumentLibraryForm</Display>
-  <Edit>AssetEditForm</Edit>
-  <New>DocumentLibraryForm</New>
-</FormTemplates>
+<p:properties xmlns:p="http://schemas.microsoft.com/office/2006/metadata/properties" xmlns:xsi="http://www.w3.org/2001/XMLSchema-instance" xmlns:pc="http://schemas.microsoft.com/office/infopath/2007/PartnerControls">
+  <documentManagement>
+    <LocPublishedLinkedAssetsLookup xmlns="4873beb7-5857-4685-be1f-d57550cc96cc" xsi:nil="true"/>
+    <ApprovalStatus xmlns="4873beb7-5857-4685-be1f-d57550cc96cc">InProgress</ApprovalStatus>
+    <MarketSpecific xmlns="4873beb7-5857-4685-be1f-d57550cc96cc">false</MarketSpecific>
+    <LocComments xmlns="4873beb7-5857-4685-be1f-d57550cc96cc" xsi:nil="true"/>
+    <LocLastLocAttemptVersionTypeLookup xmlns="4873beb7-5857-4685-be1f-d57550cc96cc" xsi:nil="true"/>
+    <DirectSourceMarket xmlns="4873beb7-5857-4685-be1f-d57550cc96cc" xsi:nil="true"/>
+    <ThumbnailAssetId xmlns="4873beb7-5857-4685-be1f-d57550cc96cc" xsi:nil="true"/>
+    <PrimaryImageGen xmlns="4873beb7-5857-4685-be1f-d57550cc96cc">false</PrimaryImageGen>
+    <LocNewPublishedVersionLookup xmlns="4873beb7-5857-4685-be1f-d57550cc96cc" xsi:nil="true"/>
+    <LegacyData xmlns="4873beb7-5857-4685-be1f-d57550cc96cc" xsi:nil="true"/>
+    <LocRecommendedHandoff xmlns="4873beb7-5857-4685-be1f-d57550cc96cc" xsi:nil="true"/>
+    <BusinessGroup xmlns="4873beb7-5857-4685-be1f-d57550cc96cc" xsi:nil="true"/>
+    <BlockPublish xmlns="4873beb7-5857-4685-be1f-d57550cc96cc">false</BlockPublish>
+    <TPFriendlyName xmlns="4873beb7-5857-4685-be1f-d57550cc96cc" xsi:nil="true"/>
+    <LocOverallPublishStatusLookup xmlns="4873beb7-5857-4685-be1f-d57550cc96cc" xsi:nil="true"/>
+    <NumericId xmlns="4873beb7-5857-4685-be1f-d57550cc96cc" xsi:nil="true"/>
+    <APEditor xmlns="4873beb7-5857-4685-be1f-d57550cc96cc">
+      <UserInfo>
+        <DisplayName/>
+        <AccountId xsi:nil="true"/>
+        <AccountType/>
+      </UserInfo>
+    </APEditor>
+    <SourceTitle xmlns="4873beb7-5857-4685-be1f-d57550cc96cc" xsi:nil="true"/>
+    <OpenTemplate xmlns="4873beb7-5857-4685-be1f-d57550cc96cc">true</OpenTemplate>
+    <LocOverallLocStatusLookup xmlns="4873beb7-5857-4685-be1f-d57550cc96cc" xsi:nil="true"/>
+    <UALocComments xmlns="4873beb7-5857-4685-be1f-d57550cc96cc" xsi:nil="true"/>
+    <ParentAssetId xmlns="4873beb7-5857-4685-be1f-d57550cc96cc" xsi:nil="true"/>
+    <IntlLangReviewDate xmlns="4873beb7-5857-4685-be1f-d57550cc96cc" xsi:nil="true"/>
+    <FeatureTagsTaxHTField0 xmlns="4873beb7-5857-4685-be1f-d57550cc96cc">
+      <Terms xmlns="http://schemas.microsoft.com/office/infopath/2007/PartnerControls"/>
+    </FeatureTagsTaxHTField0>
+    <PublishStatusLookup xmlns="4873beb7-5857-4685-be1f-d57550cc96cc">
+      <Value>1345039</Value>
+    </PublishStatusLookup>
+    <Providers xmlns="4873beb7-5857-4685-be1f-d57550cc96cc" xsi:nil="true"/>
+    <MachineTranslated xmlns="4873beb7-5857-4685-be1f-d57550cc96cc">false</MachineTranslated>
+    <OriginalSourceMarket xmlns="4873beb7-5857-4685-be1f-d57550cc96cc" xsi:nil="true"/>
+    <APDescription xmlns="4873beb7-5857-4685-be1f-d57550cc96cc">The bookstacks present on most slides  make this a good choice for students, teachers, reading enthusiasts, and others in education. This presentation template contains multiple slide layouts in widescreen format (16x9) and includes a sample table and chart that you can easily  modify.</APDescription>
+    <ClipArtFilename xmlns="4873beb7-5857-4685-be1f-d57550cc96cc" xsi:nil="true"/>
+    <ContentItem xmlns="4873beb7-5857-4685-be1f-d57550cc96cc" xsi:nil="true"/>
+    <TPInstallLocation xmlns="4873beb7-5857-4685-be1f-d57550cc96cc" xsi:nil="true"/>
+    <PublishTargets xmlns="4873beb7-5857-4685-be1f-d57550cc96cc">OfficeOnlineVNext</PublishTargets>
+    <TimesCloned xmlns="4873beb7-5857-4685-be1f-d57550cc96cc" xsi:nil="true"/>
+    <AssetStart xmlns="4873beb7-5857-4685-be1f-d57550cc96cc">2011-11-26T00:00:00+00:00</AssetStart>
+    <Provider xmlns="4873beb7-5857-4685-be1f-d57550cc96cc" xsi:nil="true"/>
+    <AcquiredFrom xmlns="4873beb7-5857-4685-be1f-d57550cc96cc">Internal MS</AcquiredFrom>
+    <FriendlyTitle xmlns="4873beb7-5857-4685-be1f-d57550cc96cc" xsi:nil="true"/>
+    <LastHandOff xmlns="4873beb7-5857-4685-be1f-d57550cc96cc" xsi:nil="true"/>
+    <TPClientViewer xmlns="4873beb7-5857-4685-be1f-d57550cc96cc" xsi:nil="true"/>
+    <TemplateStatus xmlns="4873beb7-5857-4685-be1f-d57550cc96cc">Complete</TemplateStatus>
+    <Downloads xmlns="4873beb7-5857-4685-be1f-d57550cc96cc">0</Downloads>
+    <OOCacheId xmlns="4873beb7-5857-4685-be1f-d57550cc96cc" xsi:nil="true"/>
+    <IsDeleted xmlns="4873beb7-5857-4685-be1f-d57550cc96cc">false</IsDeleted>
+    <LocPublishedDependentAssetsLookup xmlns="4873beb7-5857-4685-be1f-d57550cc96cc" xsi:nil="true"/>
+    <AssetExpire xmlns="4873beb7-5857-4685-be1f-d57550cc96cc">2029-05-12T07:00:00+00:00</AssetExpire>
+    <DSATActionTaken xmlns="4873beb7-5857-4685-be1f-d57550cc96cc" xsi:nil="true"/>
+    <CSXSubmissionMarket xmlns="4873beb7-5857-4685-be1f-d57550cc96cc" xsi:nil="true"/>
+    <TPExecutable xmlns="4873beb7-5857-4685-be1f-d57550cc96cc" xsi:nil="true"/>
+    <EditorialTags xmlns="4873beb7-5857-4685-be1f-d57550cc96cc" xsi:nil="true"/>
+    <SubmitterId xmlns="4873beb7-5857-4685-be1f-d57550cc96cc" xsi:nil="true"/>
+    <ApprovalLog xmlns="4873beb7-5857-4685-be1f-d57550cc96cc" xsi:nil="true"/>
+    <AssetType xmlns="4873beb7-5857-4685-be1f-d57550cc96cc">TP</AssetType>
+    <BugNumber xmlns="4873beb7-5857-4685-be1f-d57550cc96cc" xsi:nil="true"/>
+    <CSXSubmissionDate xmlns="4873beb7-5857-4685-be1f-d57550cc96cc" xsi:nil="true"/>
+    <CSXUpdate xmlns="4873beb7-5857-4685-be1f-d57550cc96cc">false</CSXUpdate>
+    <Milestone xmlns="4873beb7-5857-4685-be1f-d57550cc96cc" xsi:nil="true"/>
+    <RecommendationsModifier xmlns="4873beb7-5857-4685-be1f-d57550cc96cc" xsi:nil="true"/>
+    <OriginAsset xmlns="4873beb7-5857-4685-be1f-d57550cc96cc" xsi:nil="true"/>
+    <TPComponent xmlns="4873beb7-5857-4685-be1f-d57550cc96cc" xsi:nil="true"/>
+    <AssetId xmlns="4873beb7-5857-4685-be1f-d57550cc96cc">TP102787939</AssetId>
+    <IntlLocPriority xmlns="4873beb7-5857-4685-be1f-d57550cc96cc" xsi:nil="true"/>
+    <PolicheckWords xmlns="4873beb7-5857-4685-be1f-d57550cc96cc" xsi:nil="true"/>
+    <TPLaunchHelpLink xmlns="4873beb7-5857-4685-be1f-d57550cc96cc" xsi:nil="true"/>
+    <TPApplication xmlns="4873beb7-5857-4685-be1f-d57550cc96cc" xsi:nil="true"/>
+    <CrawlForDependencies xmlns="4873beb7-5857-4685-be1f-d57550cc96cc">false</CrawlForDependencies>
+    <HandoffToMSDN xmlns="4873beb7-5857-4685-be1f-d57550cc96cc" xsi:nil="true"/>
+    <PlannedPubDate xmlns="4873beb7-5857-4685-be1f-d57550cc96cc" xsi:nil="true"/>
+    <IntlLangReviewer xmlns="4873beb7-5857-4685-be1f-d57550cc96cc" xsi:nil="true"/>
+    <TrustLevel xmlns="4873beb7-5857-4685-be1f-d57550cc96cc">1 Microsoft Managed Content</TrustLevel>
+    <LocLastLocAttemptVersionLookup xmlns="4873beb7-5857-4685-be1f-d57550cc96cc">694216</LocLastLocAttemptVersionLookup>
+    <LocProcessedForHandoffsLookup xmlns="4873beb7-5857-4685-be1f-d57550cc96cc" xsi:nil="true"/>
+    <IsSearchable xmlns="4873beb7-5857-4685-be1f-d57550cc96cc">true</IsSearchable>
+    <TemplateTemplateType xmlns="4873beb7-5857-4685-be1f-d57550cc96cc">PowerPoint Presentation Template</TemplateTemplateType>
+    <CampaignTagsTaxHTField0 xmlns="4873beb7-5857-4685-be1f-d57550cc96cc">
+      <Terms xmlns="http://schemas.microsoft.com/office/infopath/2007/PartnerControls"/>
+    </CampaignTagsTaxHTField0>
+    <TPNamespace xmlns="4873beb7-5857-4685-be1f-d57550cc96cc" xsi:nil="true"/>
+    <LocOverallPreviewStatusLookup xmlns="4873beb7-5857-4685-be1f-d57550cc96cc" xsi:nil="true"/>
+    <TaxCatchAll xmlns="4873beb7-5857-4685-be1f-d57550cc96cc"/>
+    <Markets xmlns="4873beb7-5857-4685-be1f-d57550cc96cc"/>
+    <UAProjectedTotalWords xmlns="4873beb7-5857-4685-be1f-d57550cc96cc" xsi:nil="true"/>
+    <IntlLangReview xmlns="4873beb7-5857-4685-be1f-d57550cc96cc" xsi:nil="true"/>
+    <OutputCachingOn xmlns="4873beb7-5857-4685-be1f-d57550cc96cc">false</OutputCachingOn>
+    <AverageRating xmlns="4873beb7-5857-4685-be1f-d57550cc96cc" xsi:nil="true"/>
+    <APAuthor xmlns="4873beb7-5857-4685-be1f-d57550cc96cc">
+      <UserInfo>
+        <DisplayName>REDMOND\kristaa</DisplayName>
+        <AccountId>136</AccountId>
+        <AccountType/>
+      </UserInfo>
+    </APAuthor>
+    <LocManualTestRequired xmlns="4873beb7-5857-4685-be1f-d57550cc96cc">false</LocManualTestRequired>
+    <TPCommandLine xmlns="4873beb7-5857-4685-be1f-d57550cc96cc" xsi:nil="true"/>
+    <TPAppVersion xmlns="4873beb7-5857-4685-be1f-d57550cc96cc" xsi:nil="true"/>
+    <EditorialStatus xmlns="4873beb7-5857-4685-be1f-d57550cc96cc">Complete</EditorialStatus>
+    <LastModifiedDateTime xmlns="4873beb7-5857-4685-be1f-d57550cc96cc" xsi:nil="true"/>
+    <ScenarioTagsTaxHTField0 xmlns="4873beb7-5857-4685-be1f-d57550cc96cc">
+      <Terms xmlns="http://schemas.microsoft.com/office/infopath/2007/PartnerControls"/>
+    </ScenarioTagsTaxHTField0>
+    <LocProcessedForMarketsLookup xmlns="4873beb7-5857-4685-be1f-d57550cc96cc" xsi:nil="true"/>
+    <TPLaunchHelpLinkType xmlns="4873beb7-5857-4685-be1f-d57550cc96cc">Template</TPLaunchHelpLinkType>
+    <OriginalRelease xmlns="4873beb7-5857-4685-be1f-d57550cc96cc">15</OriginalRelease>
+    <LocalizationTagsTaxHTField0 xmlns="4873beb7-5857-4685-be1f-d57550cc96cc">
+      <Terms xmlns="http://schemas.microsoft.com/office/infopath/2007/PartnerControls"/>
+    </LocalizationTagsTaxHTField0>
+    <UACurrentWords xmlns="4873beb7-5857-4685-be1f-d57550cc96cc" xsi:nil="true"/>
+    <ArtSampleDocs xmlns="4873beb7-5857-4685-be1f-d57550cc96cc" xsi:nil="true"/>
+    <UALocRecommendation xmlns="4873beb7-5857-4685-be1f-d57550cc96cc">Localize</UALocRecommendation>
+    <Manager xmlns="4873beb7-5857-4685-be1f-d57550cc96cc" xsi:nil="true"/>
+    <LocOverallHandbackStatusLookup xmlns="4873beb7-5857-4685-be1f-d57550cc96cc" xsi:nil="true"/>
+    <ShowIn xmlns="4873beb7-5857-4685-be1f-d57550cc96cc">Show everywhere</ShowIn>
+    <UANotes xmlns="4873beb7-5857-4685-be1f-d57550cc96cc" xsi:nil="true"/>
+    <InternalTagsTaxHTField0 xmlns="4873beb7-5857-4685-be1f-d57550cc96cc">
+      <Terms xmlns="http://schemas.microsoft.com/office/infopath/2007/PartnerControls"/>
+    </InternalTagsTaxHTField0>
+    <CSXHash xmlns="4873beb7-5857-4685-be1f-d57550cc96cc" xsi:nil="true"/>
+    <VoteCount xmlns="4873beb7-5857-4685-be1f-d57550cc96cc" xsi:nil="true"/>
+    <LocMarketGroupTiers2 xmlns="4873beb7-5857-4685-be1f-d57550cc96cc" xsi:nil="true"/>
+  </documentManagement>
+</p:properties>
 </file>
 
 <file path=customXml/item2.xml><?xml version="1.0" encoding="utf-8"?>
@@ -10887,145 +11547,20 @@
 </file>
 
 <file path=customXml/item3.xml><?xml version="1.0" encoding="utf-8"?>
-<p:properties xmlns:p="http://schemas.microsoft.com/office/2006/metadata/properties" xmlns:xsi="http://www.w3.org/2001/XMLSchema-instance" xmlns:pc="http://schemas.microsoft.com/office/infopath/2007/PartnerControls">
-  <documentManagement>
-    <LocPublishedLinkedAssetsLookup xmlns="4873beb7-5857-4685-be1f-d57550cc96cc" xsi:nil="true"/>
-    <ApprovalStatus xmlns="4873beb7-5857-4685-be1f-d57550cc96cc">InProgress</ApprovalStatus>
-    <MarketSpecific xmlns="4873beb7-5857-4685-be1f-d57550cc96cc">false</MarketSpecific>
-    <LocComments xmlns="4873beb7-5857-4685-be1f-d57550cc96cc" xsi:nil="true"/>
-    <LocLastLocAttemptVersionTypeLookup xmlns="4873beb7-5857-4685-be1f-d57550cc96cc" xsi:nil="true"/>
-    <DirectSourceMarket xmlns="4873beb7-5857-4685-be1f-d57550cc96cc" xsi:nil="true"/>
-    <ThumbnailAssetId xmlns="4873beb7-5857-4685-be1f-d57550cc96cc" xsi:nil="true"/>
-    <PrimaryImageGen xmlns="4873beb7-5857-4685-be1f-d57550cc96cc">false</PrimaryImageGen>
-    <LocNewPublishedVersionLookup xmlns="4873beb7-5857-4685-be1f-d57550cc96cc" xsi:nil="true"/>
-    <LegacyData xmlns="4873beb7-5857-4685-be1f-d57550cc96cc" xsi:nil="true"/>
-    <LocRecommendedHandoff xmlns="4873beb7-5857-4685-be1f-d57550cc96cc" xsi:nil="true"/>
-    <BusinessGroup xmlns="4873beb7-5857-4685-be1f-d57550cc96cc" xsi:nil="true"/>
-    <BlockPublish xmlns="4873beb7-5857-4685-be1f-d57550cc96cc">false</BlockPublish>
-    <TPFriendlyName xmlns="4873beb7-5857-4685-be1f-d57550cc96cc" xsi:nil="true"/>
-    <LocOverallPublishStatusLookup xmlns="4873beb7-5857-4685-be1f-d57550cc96cc" xsi:nil="true"/>
-    <NumericId xmlns="4873beb7-5857-4685-be1f-d57550cc96cc" xsi:nil="true"/>
-    <APEditor xmlns="4873beb7-5857-4685-be1f-d57550cc96cc">
-      <UserInfo>
-        <DisplayName/>
-        <AccountId xsi:nil="true"/>
-        <AccountType/>
-      </UserInfo>
-    </APEditor>
-    <SourceTitle xmlns="4873beb7-5857-4685-be1f-d57550cc96cc" xsi:nil="true"/>
-    <OpenTemplate xmlns="4873beb7-5857-4685-be1f-d57550cc96cc">true</OpenTemplate>
-    <LocOverallLocStatusLookup xmlns="4873beb7-5857-4685-be1f-d57550cc96cc" xsi:nil="true"/>
-    <UALocComments xmlns="4873beb7-5857-4685-be1f-d57550cc96cc" xsi:nil="true"/>
-    <ParentAssetId xmlns="4873beb7-5857-4685-be1f-d57550cc96cc" xsi:nil="true"/>
-    <IntlLangReviewDate xmlns="4873beb7-5857-4685-be1f-d57550cc96cc" xsi:nil="true"/>
-    <FeatureTagsTaxHTField0 xmlns="4873beb7-5857-4685-be1f-d57550cc96cc">
-      <Terms xmlns="http://schemas.microsoft.com/office/infopath/2007/PartnerControls"/>
-    </FeatureTagsTaxHTField0>
-    <PublishStatusLookup xmlns="4873beb7-5857-4685-be1f-d57550cc96cc">
-      <Value>1345039</Value>
-    </PublishStatusLookup>
-    <Providers xmlns="4873beb7-5857-4685-be1f-d57550cc96cc" xsi:nil="true"/>
-    <MachineTranslated xmlns="4873beb7-5857-4685-be1f-d57550cc96cc">false</MachineTranslated>
-    <OriginalSourceMarket xmlns="4873beb7-5857-4685-be1f-d57550cc96cc" xsi:nil="true"/>
-    <APDescription xmlns="4873beb7-5857-4685-be1f-d57550cc96cc">The bookstacks present on most slides  make this a good choice for students, teachers, reading enthusiasts, and others in education. This presentation template contains multiple slide layouts in widescreen format (16x9) and includes a sample table and chart that you can easily  modify.</APDescription>
-    <ClipArtFilename xmlns="4873beb7-5857-4685-be1f-d57550cc96cc" xsi:nil="true"/>
-    <ContentItem xmlns="4873beb7-5857-4685-be1f-d57550cc96cc" xsi:nil="true"/>
-    <TPInstallLocation xmlns="4873beb7-5857-4685-be1f-d57550cc96cc" xsi:nil="true"/>
-    <PublishTargets xmlns="4873beb7-5857-4685-be1f-d57550cc96cc">OfficeOnlineVNext</PublishTargets>
-    <TimesCloned xmlns="4873beb7-5857-4685-be1f-d57550cc96cc" xsi:nil="true"/>
-    <AssetStart xmlns="4873beb7-5857-4685-be1f-d57550cc96cc">2011-11-26T00:00:00+00:00</AssetStart>
-    <Provider xmlns="4873beb7-5857-4685-be1f-d57550cc96cc" xsi:nil="true"/>
-    <AcquiredFrom xmlns="4873beb7-5857-4685-be1f-d57550cc96cc">Internal MS</AcquiredFrom>
-    <FriendlyTitle xmlns="4873beb7-5857-4685-be1f-d57550cc96cc" xsi:nil="true"/>
-    <LastHandOff xmlns="4873beb7-5857-4685-be1f-d57550cc96cc" xsi:nil="true"/>
-    <TPClientViewer xmlns="4873beb7-5857-4685-be1f-d57550cc96cc" xsi:nil="true"/>
-    <TemplateStatus xmlns="4873beb7-5857-4685-be1f-d57550cc96cc">Complete</TemplateStatus>
-    <Downloads xmlns="4873beb7-5857-4685-be1f-d57550cc96cc">0</Downloads>
-    <OOCacheId xmlns="4873beb7-5857-4685-be1f-d57550cc96cc" xsi:nil="true"/>
-    <IsDeleted xmlns="4873beb7-5857-4685-be1f-d57550cc96cc">false</IsDeleted>
-    <LocPublishedDependentAssetsLookup xmlns="4873beb7-5857-4685-be1f-d57550cc96cc" xsi:nil="true"/>
-    <AssetExpire xmlns="4873beb7-5857-4685-be1f-d57550cc96cc">2029-05-12T07:00:00+00:00</AssetExpire>
-    <DSATActionTaken xmlns="4873beb7-5857-4685-be1f-d57550cc96cc" xsi:nil="true"/>
-    <CSXSubmissionMarket xmlns="4873beb7-5857-4685-be1f-d57550cc96cc" xsi:nil="true"/>
-    <TPExecutable xmlns="4873beb7-5857-4685-be1f-d57550cc96cc" xsi:nil="true"/>
-    <EditorialTags xmlns="4873beb7-5857-4685-be1f-d57550cc96cc" xsi:nil="true"/>
-    <SubmitterId xmlns="4873beb7-5857-4685-be1f-d57550cc96cc" xsi:nil="true"/>
-    <ApprovalLog xmlns="4873beb7-5857-4685-be1f-d57550cc96cc" xsi:nil="true"/>
-    <AssetType xmlns="4873beb7-5857-4685-be1f-d57550cc96cc">TP</AssetType>
-    <BugNumber xmlns="4873beb7-5857-4685-be1f-d57550cc96cc" xsi:nil="true"/>
-    <CSXSubmissionDate xmlns="4873beb7-5857-4685-be1f-d57550cc96cc" xsi:nil="true"/>
-    <CSXUpdate xmlns="4873beb7-5857-4685-be1f-d57550cc96cc">false</CSXUpdate>
-    <Milestone xmlns="4873beb7-5857-4685-be1f-d57550cc96cc" xsi:nil="true"/>
-    <RecommendationsModifier xmlns="4873beb7-5857-4685-be1f-d57550cc96cc" xsi:nil="true"/>
-    <OriginAsset xmlns="4873beb7-5857-4685-be1f-d57550cc96cc" xsi:nil="true"/>
-    <TPComponent xmlns="4873beb7-5857-4685-be1f-d57550cc96cc" xsi:nil="true"/>
-    <AssetId xmlns="4873beb7-5857-4685-be1f-d57550cc96cc">TP102787939</AssetId>
-    <IntlLocPriority xmlns="4873beb7-5857-4685-be1f-d57550cc96cc" xsi:nil="true"/>
-    <PolicheckWords xmlns="4873beb7-5857-4685-be1f-d57550cc96cc" xsi:nil="true"/>
-    <TPLaunchHelpLink xmlns="4873beb7-5857-4685-be1f-d57550cc96cc" xsi:nil="true"/>
-    <TPApplication xmlns="4873beb7-5857-4685-be1f-d57550cc96cc" xsi:nil="true"/>
-    <CrawlForDependencies xmlns="4873beb7-5857-4685-be1f-d57550cc96cc">false</CrawlForDependencies>
-    <HandoffToMSDN xmlns="4873beb7-5857-4685-be1f-d57550cc96cc" xsi:nil="true"/>
-    <PlannedPubDate xmlns="4873beb7-5857-4685-be1f-d57550cc96cc" xsi:nil="true"/>
-    <IntlLangReviewer xmlns="4873beb7-5857-4685-be1f-d57550cc96cc" xsi:nil="true"/>
-    <TrustLevel xmlns="4873beb7-5857-4685-be1f-d57550cc96cc">1 Microsoft Managed Content</TrustLevel>
-    <LocLastLocAttemptVersionLookup xmlns="4873beb7-5857-4685-be1f-d57550cc96cc">694216</LocLastLocAttemptVersionLookup>
-    <LocProcessedForHandoffsLookup xmlns="4873beb7-5857-4685-be1f-d57550cc96cc" xsi:nil="true"/>
-    <IsSearchable xmlns="4873beb7-5857-4685-be1f-d57550cc96cc">true</IsSearchable>
-    <TemplateTemplateType xmlns="4873beb7-5857-4685-be1f-d57550cc96cc">PowerPoint Presentation Template</TemplateTemplateType>
-    <CampaignTagsTaxHTField0 xmlns="4873beb7-5857-4685-be1f-d57550cc96cc">
-      <Terms xmlns="http://schemas.microsoft.com/office/infopath/2007/PartnerControls"/>
-    </CampaignTagsTaxHTField0>
-    <TPNamespace xmlns="4873beb7-5857-4685-be1f-d57550cc96cc" xsi:nil="true"/>
-    <LocOverallPreviewStatusLookup xmlns="4873beb7-5857-4685-be1f-d57550cc96cc" xsi:nil="true"/>
-    <TaxCatchAll xmlns="4873beb7-5857-4685-be1f-d57550cc96cc"/>
-    <Markets xmlns="4873beb7-5857-4685-be1f-d57550cc96cc"/>
-    <UAProjectedTotalWords xmlns="4873beb7-5857-4685-be1f-d57550cc96cc" xsi:nil="true"/>
-    <IntlLangReview xmlns="4873beb7-5857-4685-be1f-d57550cc96cc" xsi:nil="true"/>
-    <OutputCachingOn xmlns="4873beb7-5857-4685-be1f-d57550cc96cc">false</OutputCachingOn>
-    <AverageRating xmlns="4873beb7-5857-4685-be1f-d57550cc96cc" xsi:nil="true"/>
-    <APAuthor xmlns="4873beb7-5857-4685-be1f-d57550cc96cc">
-      <UserInfo>
-        <DisplayName>REDMOND\kristaa</DisplayName>
-        <AccountId>136</AccountId>
-        <AccountType/>
-      </UserInfo>
-    </APAuthor>
-    <LocManualTestRequired xmlns="4873beb7-5857-4685-be1f-d57550cc96cc">false</LocManualTestRequired>
-    <TPCommandLine xmlns="4873beb7-5857-4685-be1f-d57550cc96cc" xsi:nil="true"/>
-    <TPAppVersion xmlns="4873beb7-5857-4685-be1f-d57550cc96cc" xsi:nil="true"/>
-    <EditorialStatus xmlns="4873beb7-5857-4685-be1f-d57550cc96cc">Complete</EditorialStatus>
-    <LastModifiedDateTime xmlns="4873beb7-5857-4685-be1f-d57550cc96cc" xsi:nil="true"/>
-    <ScenarioTagsTaxHTField0 xmlns="4873beb7-5857-4685-be1f-d57550cc96cc">
-      <Terms xmlns="http://schemas.microsoft.com/office/infopath/2007/PartnerControls"/>
-    </ScenarioTagsTaxHTField0>
-    <LocProcessedForMarketsLookup xmlns="4873beb7-5857-4685-be1f-d57550cc96cc" xsi:nil="true"/>
-    <TPLaunchHelpLinkType xmlns="4873beb7-5857-4685-be1f-d57550cc96cc">Template</TPLaunchHelpLinkType>
-    <OriginalRelease xmlns="4873beb7-5857-4685-be1f-d57550cc96cc">15</OriginalRelease>
-    <LocalizationTagsTaxHTField0 xmlns="4873beb7-5857-4685-be1f-d57550cc96cc">
-      <Terms xmlns="http://schemas.microsoft.com/office/infopath/2007/PartnerControls"/>
-    </LocalizationTagsTaxHTField0>
-    <UACurrentWords xmlns="4873beb7-5857-4685-be1f-d57550cc96cc" xsi:nil="true"/>
-    <ArtSampleDocs xmlns="4873beb7-5857-4685-be1f-d57550cc96cc" xsi:nil="true"/>
-    <UALocRecommendation xmlns="4873beb7-5857-4685-be1f-d57550cc96cc">Localize</UALocRecommendation>
-    <Manager xmlns="4873beb7-5857-4685-be1f-d57550cc96cc" xsi:nil="true"/>
-    <LocOverallHandbackStatusLookup xmlns="4873beb7-5857-4685-be1f-d57550cc96cc" xsi:nil="true"/>
-    <ShowIn xmlns="4873beb7-5857-4685-be1f-d57550cc96cc">Show everywhere</ShowIn>
-    <UANotes xmlns="4873beb7-5857-4685-be1f-d57550cc96cc" xsi:nil="true"/>
-    <InternalTagsTaxHTField0 xmlns="4873beb7-5857-4685-be1f-d57550cc96cc">
-      <Terms xmlns="http://schemas.microsoft.com/office/infopath/2007/PartnerControls"/>
-    </InternalTagsTaxHTField0>
-    <CSXHash xmlns="4873beb7-5857-4685-be1f-d57550cc96cc" xsi:nil="true"/>
-    <VoteCount xmlns="4873beb7-5857-4685-be1f-d57550cc96cc" xsi:nil="true"/>
-    <LocMarketGroupTiers2 xmlns="4873beb7-5857-4685-be1f-d57550cc96cc" xsi:nil="true"/>
-  </documentManagement>
-</p:properties>
+<?mso-contentType ?>
+<FormTemplates xmlns="http://schemas.microsoft.com/sharepoint/v3/contenttype/forms">
+  <Display>DocumentLibraryForm</Display>
+  <Edit>AssetEditForm</Edit>
+  <New>DocumentLibraryForm</New>
+</FormTemplates>
 </file>
 
 <file path=customXml/itemProps1.xml><?xml version="1.0" encoding="utf-8"?>
-<ds:datastoreItem xmlns:ds="http://schemas.openxmlformats.org/officeDocument/2006/customXml" ds:itemID="{E1B558C7-619B-49BE-9097-7FCBDADD4ECE}">
+<ds:datastoreItem xmlns:ds="http://schemas.openxmlformats.org/officeDocument/2006/customXml" ds:itemID="{F301D382-32B0-43EE-932C-28906AF37617}">
   <ds:schemaRefs>
-    <ds:schemaRef ds:uri="http://schemas.microsoft.com/sharepoint/v3/contenttype/forms"/>
+    <ds:schemaRef ds:uri="http://schemas.microsoft.com/office/2006/metadata/properties"/>
+    <ds:schemaRef ds:uri="http://schemas.microsoft.com/office/infopath/2007/PartnerControls"/>
+    <ds:schemaRef ds:uri="4873beb7-5857-4685-be1f-d57550cc96cc"/>
   </ds:schemaRefs>
 </ds:datastoreItem>
 </file>
@@ -11049,11 +11584,9 @@
 </file>
 
 <file path=customXml/itemProps3.xml><?xml version="1.0" encoding="utf-8"?>
-<ds:datastoreItem xmlns:ds="http://schemas.openxmlformats.org/officeDocument/2006/customXml" ds:itemID="{F301D382-32B0-43EE-932C-28906AF37617}">
+<ds:datastoreItem xmlns:ds="http://schemas.openxmlformats.org/officeDocument/2006/customXml" ds:itemID="{E1B558C7-619B-49BE-9097-7FCBDADD4ECE}">
   <ds:schemaRefs>
-    <ds:schemaRef ds:uri="http://schemas.microsoft.com/office/2006/metadata/properties"/>
-    <ds:schemaRef ds:uri="http://schemas.microsoft.com/office/infopath/2007/PartnerControls"/>
-    <ds:schemaRef ds:uri="4873beb7-5857-4685-be1f-d57550cc96cc"/>
+    <ds:schemaRef ds:uri="http://schemas.microsoft.com/sharepoint/v3/contenttype/forms"/>
   </ds:schemaRefs>
 </ds:datastoreItem>
 </file>
--- a/Publikációs listák szinkronizálása.pptx
+++ b/Publikációs listák szinkronizálása.pptx
@@ -5,10 +5,10 @@
     <p:sldMasterId id="2147483660" r:id="rId4"/>
   </p:sldMasterIdLst>
   <p:notesMasterIdLst>
-    <p:notesMasterId r:id="rId21"/>
+    <p:notesMasterId r:id="rId22"/>
   </p:notesMasterIdLst>
   <p:handoutMasterIdLst>
-    <p:handoutMasterId r:id="rId22"/>
+    <p:handoutMasterId r:id="rId23"/>
   </p:handoutMasterIdLst>
   <p:sldIdLst>
     <p:sldId id="264" r:id="rId5"/>
@@ -25,8 +25,9 @@
     <p:sldId id="288" r:id="rId16"/>
     <p:sldId id="286" r:id="rId17"/>
     <p:sldId id="289" r:id="rId18"/>
-    <p:sldId id="290" r:id="rId19"/>
-    <p:sldId id="266" r:id="rId20"/>
+    <p:sldId id="296" r:id="rId19"/>
+    <p:sldId id="290" r:id="rId20"/>
+    <p:sldId id="266" r:id="rId21"/>
   </p:sldIdLst>
   <p:sldSz cx="12188825" cy="6858000"/>
   <p:notesSz cx="6858000" cy="9144000"/>
@@ -8288,6 +8289,133 @@
           <p:cNvPr id="2" name="Cím 1">
             <a:extLst>
               <a:ext uri="{FF2B5EF4-FFF2-40B4-BE49-F238E27FC236}">
+                <a16:creationId xmlns:a16="http://schemas.microsoft.com/office/drawing/2014/main" id="{D4A34BA0-FDA6-4EA0-B475-47A8D547D787}"/>
+              </a:ext>
+            </a:extLst>
+          </p:cNvPr>
+          <p:cNvSpPr>
+            <a:spLocks noGrp="1"/>
+          </p:cNvSpPr>
+          <p:nvPr>
+            <p:ph type="title"/>
+          </p:nvPr>
+        </p:nvSpPr>
+        <p:spPr/>
+        <p:txBody>
+          <a:bodyPr/>
+          <a:lstStyle/>
+          <a:p>
+            <a:r>
+              <a:rPr lang="hu-HU" dirty="0"/>
+              <a:t>Alapértelmezett megjelenítésnél több találat kezelése</a:t>
+            </a:r>
+          </a:p>
+        </p:txBody>
+      </p:sp>
+      <p:sp>
+        <p:nvSpPr>
+          <p:cNvPr id="3" name="Tartalom helye 2">
+            <a:extLst>
+              <a:ext uri="{FF2B5EF4-FFF2-40B4-BE49-F238E27FC236}">
+                <a16:creationId xmlns:a16="http://schemas.microsoft.com/office/drawing/2014/main" id="{B05D33AB-225F-47D4-B5A4-D41EF0CE3570}"/>
+              </a:ext>
+            </a:extLst>
+          </p:cNvPr>
+          <p:cNvSpPr>
+            <a:spLocks noGrp="1"/>
+          </p:cNvSpPr>
+          <p:nvPr>
+            <p:ph sz="half" idx="1"/>
+          </p:nvPr>
+        </p:nvSpPr>
+        <p:spPr/>
+        <p:txBody>
+          <a:bodyPr/>
+          <a:lstStyle/>
+          <a:p>
+            <a:endParaRPr lang="hu-HU"/>
+          </a:p>
+        </p:txBody>
+      </p:sp>
+      <p:pic>
+        <p:nvPicPr>
+          <p:cNvPr id="5" name="Tartalom helye 4">
+            <a:extLst>
+              <a:ext uri="{FF2B5EF4-FFF2-40B4-BE49-F238E27FC236}">
+                <a16:creationId xmlns:a16="http://schemas.microsoft.com/office/drawing/2014/main" id="{A5F281E3-27C6-485E-87AC-9AD5C3326A92}"/>
+              </a:ext>
+            </a:extLst>
+          </p:cNvPr>
+          <p:cNvPicPr>
+            <a:picLocks noGrp="1" noChangeAspect="1"/>
+          </p:cNvPicPr>
+          <p:nvPr>
+            <p:ph sz="half" idx="2"/>
+          </p:nvPr>
+        </p:nvPicPr>
+        <p:blipFill>
+          <a:blip r:embed="rId2"/>
+          <a:stretch>
+            <a:fillRect/>
+          </a:stretch>
+        </p:blipFill>
+        <p:spPr>
+          <a:xfrm>
+            <a:off x="6297613" y="2089235"/>
+            <a:ext cx="4976812" cy="3695530"/>
+          </a:xfrm>
+          <a:prstGeom prst="rect">
+            <a:avLst/>
+          </a:prstGeom>
+        </p:spPr>
+      </p:pic>
+    </p:spTree>
+    <p:extLst>
+      <p:ext uri="{BB962C8B-B14F-4D97-AF65-F5344CB8AC3E}">
+        <p14:creationId xmlns:p14="http://schemas.microsoft.com/office/powerpoint/2010/main" val="1725682562"/>
+      </p:ext>
+    </p:extLst>
+  </p:cSld>
+  <p:clrMapOvr>
+    <a:masterClrMapping/>
+  </p:clrMapOvr>
+  <mc:AlternateContent xmlns:mc="http://schemas.openxmlformats.org/markup-compatibility/2006" xmlns:p14="http://schemas.microsoft.com/office/powerpoint/2010/main">
+    <mc:Choice Requires="p14">
+      <p:transition spd="med" p14:dur="700">
+        <p:fade/>
+      </p:transition>
+    </mc:Choice>
+    <mc:Fallback xmlns="">
+      <p:transition spd="med">
+        <p:fade/>
+      </p:transition>
+    </mc:Fallback>
+  </mc:AlternateContent>
+</p:sld>
+</file>
+
+<file path=ppt/slides/slide16.xml><?xml version="1.0" encoding="utf-8"?>
+<p:sld xmlns:a="http://schemas.openxmlformats.org/drawingml/2006/main" xmlns:r="http://schemas.openxmlformats.org/officeDocument/2006/relationships" xmlns:p="http://schemas.openxmlformats.org/presentationml/2006/main">
+  <p:cSld>
+    <p:spTree>
+      <p:nvGrpSpPr>
+        <p:cNvPr id="1" name=""/>
+        <p:cNvGrpSpPr/>
+        <p:nvPr/>
+      </p:nvGrpSpPr>
+      <p:grpSpPr>
+        <a:xfrm>
+          <a:off x="0" y="0"/>
+          <a:ext cx="0" cy="0"/>
+          <a:chOff x="0" y="0"/>
+          <a:chExt cx="0" cy="0"/>
+        </a:xfrm>
+      </p:grpSpPr>
+      <p:sp>
+        <p:nvSpPr>
+          <p:cNvPr id="2" name="Cím 1">
+            <a:extLst>
+              <a:ext uri="{FF2B5EF4-FFF2-40B4-BE49-F238E27FC236}">
                 <a16:creationId xmlns:a16="http://schemas.microsoft.com/office/drawing/2014/main" id="{358A7884-8B4B-4E70-8461-BE3A61A8A3AC}"/>
               </a:ext>
             </a:extLst>
@@ -8393,7 +8521,7 @@
 </p:sld>
 </file>
 
-<file path=ppt/slides/slide16.xml><?xml version="1.0" encoding="utf-8"?>
+<file path=ppt/slides/slide17.xml><?xml version="1.0" encoding="utf-8"?>
 <p:sld xmlns:a="http://schemas.openxmlformats.org/drawingml/2006/main" xmlns:r="http://schemas.openxmlformats.org/officeDocument/2006/relationships" xmlns:p="http://schemas.openxmlformats.org/presentationml/2006/main">
   <p:cSld>
     <p:spTree>
@@ -10371,139 +10499,12 @@
 </file>
 
 <file path=customXml/item1.xml><?xml version="1.0" encoding="utf-8"?>
-<p:properties xmlns:p="http://schemas.microsoft.com/office/2006/metadata/properties" xmlns:xsi="http://www.w3.org/2001/XMLSchema-instance" xmlns:pc="http://schemas.microsoft.com/office/infopath/2007/PartnerControls">
-  <documentManagement>
-    <LocPublishedLinkedAssetsLookup xmlns="4873beb7-5857-4685-be1f-d57550cc96cc" xsi:nil="true"/>
-    <ApprovalStatus xmlns="4873beb7-5857-4685-be1f-d57550cc96cc">InProgress</ApprovalStatus>
-    <MarketSpecific xmlns="4873beb7-5857-4685-be1f-d57550cc96cc">false</MarketSpecific>
-    <LocComments xmlns="4873beb7-5857-4685-be1f-d57550cc96cc" xsi:nil="true"/>
-    <LocLastLocAttemptVersionTypeLookup xmlns="4873beb7-5857-4685-be1f-d57550cc96cc" xsi:nil="true"/>
-    <DirectSourceMarket xmlns="4873beb7-5857-4685-be1f-d57550cc96cc" xsi:nil="true"/>
-    <ThumbnailAssetId xmlns="4873beb7-5857-4685-be1f-d57550cc96cc" xsi:nil="true"/>
-    <PrimaryImageGen xmlns="4873beb7-5857-4685-be1f-d57550cc96cc">false</PrimaryImageGen>
-    <LocNewPublishedVersionLookup xmlns="4873beb7-5857-4685-be1f-d57550cc96cc" xsi:nil="true"/>
-    <LegacyData xmlns="4873beb7-5857-4685-be1f-d57550cc96cc" xsi:nil="true"/>
-    <LocRecommendedHandoff xmlns="4873beb7-5857-4685-be1f-d57550cc96cc" xsi:nil="true"/>
-    <BusinessGroup xmlns="4873beb7-5857-4685-be1f-d57550cc96cc" xsi:nil="true"/>
-    <BlockPublish xmlns="4873beb7-5857-4685-be1f-d57550cc96cc">false</BlockPublish>
-    <TPFriendlyName xmlns="4873beb7-5857-4685-be1f-d57550cc96cc" xsi:nil="true"/>
-    <LocOverallPublishStatusLookup xmlns="4873beb7-5857-4685-be1f-d57550cc96cc" xsi:nil="true"/>
-    <NumericId xmlns="4873beb7-5857-4685-be1f-d57550cc96cc" xsi:nil="true"/>
-    <APEditor xmlns="4873beb7-5857-4685-be1f-d57550cc96cc">
-      <UserInfo>
-        <DisplayName/>
-        <AccountId xsi:nil="true"/>
-        <AccountType/>
-      </UserInfo>
-    </APEditor>
-    <SourceTitle xmlns="4873beb7-5857-4685-be1f-d57550cc96cc" xsi:nil="true"/>
-    <OpenTemplate xmlns="4873beb7-5857-4685-be1f-d57550cc96cc">true</OpenTemplate>
-    <LocOverallLocStatusLookup xmlns="4873beb7-5857-4685-be1f-d57550cc96cc" xsi:nil="true"/>
-    <UALocComments xmlns="4873beb7-5857-4685-be1f-d57550cc96cc" xsi:nil="true"/>
-    <ParentAssetId xmlns="4873beb7-5857-4685-be1f-d57550cc96cc" xsi:nil="true"/>
-    <IntlLangReviewDate xmlns="4873beb7-5857-4685-be1f-d57550cc96cc" xsi:nil="true"/>
-    <FeatureTagsTaxHTField0 xmlns="4873beb7-5857-4685-be1f-d57550cc96cc">
-      <Terms xmlns="http://schemas.microsoft.com/office/infopath/2007/PartnerControls"/>
-    </FeatureTagsTaxHTField0>
-    <PublishStatusLookup xmlns="4873beb7-5857-4685-be1f-d57550cc96cc">
-      <Value>1345039</Value>
-    </PublishStatusLookup>
-    <Providers xmlns="4873beb7-5857-4685-be1f-d57550cc96cc" xsi:nil="true"/>
-    <MachineTranslated xmlns="4873beb7-5857-4685-be1f-d57550cc96cc">false</MachineTranslated>
-    <OriginalSourceMarket xmlns="4873beb7-5857-4685-be1f-d57550cc96cc" xsi:nil="true"/>
-    <APDescription xmlns="4873beb7-5857-4685-be1f-d57550cc96cc">The bookstacks present on most slides  make this a good choice for students, teachers, reading enthusiasts, and others in education. This presentation template contains multiple slide layouts in widescreen format (16x9) and includes a sample table and chart that you can easily  modify.</APDescription>
-    <ClipArtFilename xmlns="4873beb7-5857-4685-be1f-d57550cc96cc" xsi:nil="true"/>
-    <ContentItem xmlns="4873beb7-5857-4685-be1f-d57550cc96cc" xsi:nil="true"/>
-    <TPInstallLocation xmlns="4873beb7-5857-4685-be1f-d57550cc96cc" xsi:nil="true"/>
-    <PublishTargets xmlns="4873beb7-5857-4685-be1f-d57550cc96cc">OfficeOnlineVNext</PublishTargets>
-    <TimesCloned xmlns="4873beb7-5857-4685-be1f-d57550cc96cc" xsi:nil="true"/>
-    <AssetStart xmlns="4873beb7-5857-4685-be1f-d57550cc96cc">2011-11-26T00:00:00+00:00</AssetStart>
-    <Provider xmlns="4873beb7-5857-4685-be1f-d57550cc96cc" xsi:nil="true"/>
-    <AcquiredFrom xmlns="4873beb7-5857-4685-be1f-d57550cc96cc">Internal MS</AcquiredFrom>
-    <FriendlyTitle xmlns="4873beb7-5857-4685-be1f-d57550cc96cc" xsi:nil="true"/>
-    <LastHandOff xmlns="4873beb7-5857-4685-be1f-d57550cc96cc" xsi:nil="true"/>
-    <TPClientViewer xmlns="4873beb7-5857-4685-be1f-d57550cc96cc" xsi:nil="true"/>
-    <TemplateStatus xmlns="4873beb7-5857-4685-be1f-d57550cc96cc">Complete</TemplateStatus>
-    <Downloads xmlns="4873beb7-5857-4685-be1f-d57550cc96cc">0</Downloads>
-    <OOCacheId xmlns="4873beb7-5857-4685-be1f-d57550cc96cc" xsi:nil="true"/>
-    <IsDeleted xmlns="4873beb7-5857-4685-be1f-d57550cc96cc">false</IsDeleted>
-    <LocPublishedDependentAssetsLookup xmlns="4873beb7-5857-4685-be1f-d57550cc96cc" xsi:nil="true"/>
-    <AssetExpire xmlns="4873beb7-5857-4685-be1f-d57550cc96cc">2029-05-12T07:00:00+00:00</AssetExpire>
-    <DSATActionTaken xmlns="4873beb7-5857-4685-be1f-d57550cc96cc" xsi:nil="true"/>
-    <CSXSubmissionMarket xmlns="4873beb7-5857-4685-be1f-d57550cc96cc" xsi:nil="true"/>
-    <TPExecutable xmlns="4873beb7-5857-4685-be1f-d57550cc96cc" xsi:nil="true"/>
-    <EditorialTags xmlns="4873beb7-5857-4685-be1f-d57550cc96cc" xsi:nil="true"/>
-    <SubmitterId xmlns="4873beb7-5857-4685-be1f-d57550cc96cc" xsi:nil="true"/>
-    <ApprovalLog xmlns="4873beb7-5857-4685-be1f-d57550cc96cc" xsi:nil="true"/>
-    <AssetType xmlns="4873beb7-5857-4685-be1f-d57550cc96cc">TP</AssetType>
-    <BugNumber xmlns="4873beb7-5857-4685-be1f-d57550cc96cc" xsi:nil="true"/>
-    <CSXSubmissionDate xmlns="4873beb7-5857-4685-be1f-d57550cc96cc" xsi:nil="true"/>
-    <CSXUpdate xmlns="4873beb7-5857-4685-be1f-d57550cc96cc">false</CSXUpdate>
-    <Milestone xmlns="4873beb7-5857-4685-be1f-d57550cc96cc" xsi:nil="true"/>
-    <RecommendationsModifier xmlns="4873beb7-5857-4685-be1f-d57550cc96cc" xsi:nil="true"/>
-    <OriginAsset xmlns="4873beb7-5857-4685-be1f-d57550cc96cc" xsi:nil="true"/>
-    <TPComponent xmlns="4873beb7-5857-4685-be1f-d57550cc96cc" xsi:nil="true"/>
-    <AssetId xmlns="4873beb7-5857-4685-be1f-d57550cc96cc">TP102787939</AssetId>
-    <IntlLocPriority xmlns="4873beb7-5857-4685-be1f-d57550cc96cc" xsi:nil="true"/>
-    <PolicheckWords xmlns="4873beb7-5857-4685-be1f-d57550cc96cc" xsi:nil="true"/>
-    <TPLaunchHelpLink xmlns="4873beb7-5857-4685-be1f-d57550cc96cc" xsi:nil="true"/>
-    <TPApplication xmlns="4873beb7-5857-4685-be1f-d57550cc96cc" xsi:nil="true"/>
-    <CrawlForDependencies xmlns="4873beb7-5857-4685-be1f-d57550cc96cc">false</CrawlForDependencies>
-    <HandoffToMSDN xmlns="4873beb7-5857-4685-be1f-d57550cc96cc" xsi:nil="true"/>
-    <PlannedPubDate xmlns="4873beb7-5857-4685-be1f-d57550cc96cc" xsi:nil="true"/>
-    <IntlLangReviewer xmlns="4873beb7-5857-4685-be1f-d57550cc96cc" xsi:nil="true"/>
-    <TrustLevel xmlns="4873beb7-5857-4685-be1f-d57550cc96cc">1 Microsoft Managed Content</TrustLevel>
-    <LocLastLocAttemptVersionLookup xmlns="4873beb7-5857-4685-be1f-d57550cc96cc">694216</LocLastLocAttemptVersionLookup>
-    <LocProcessedForHandoffsLookup xmlns="4873beb7-5857-4685-be1f-d57550cc96cc" xsi:nil="true"/>
-    <IsSearchable xmlns="4873beb7-5857-4685-be1f-d57550cc96cc">true</IsSearchable>
-    <TemplateTemplateType xmlns="4873beb7-5857-4685-be1f-d57550cc96cc">PowerPoint Presentation Template</TemplateTemplateType>
-    <CampaignTagsTaxHTField0 xmlns="4873beb7-5857-4685-be1f-d57550cc96cc">
-      <Terms xmlns="http://schemas.microsoft.com/office/infopath/2007/PartnerControls"/>
-    </CampaignTagsTaxHTField0>
-    <TPNamespace xmlns="4873beb7-5857-4685-be1f-d57550cc96cc" xsi:nil="true"/>
-    <LocOverallPreviewStatusLookup xmlns="4873beb7-5857-4685-be1f-d57550cc96cc" xsi:nil="true"/>
-    <TaxCatchAll xmlns="4873beb7-5857-4685-be1f-d57550cc96cc"/>
-    <Markets xmlns="4873beb7-5857-4685-be1f-d57550cc96cc"/>
-    <UAProjectedTotalWords xmlns="4873beb7-5857-4685-be1f-d57550cc96cc" xsi:nil="true"/>
-    <IntlLangReview xmlns="4873beb7-5857-4685-be1f-d57550cc96cc" xsi:nil="true"/>
-    <OutputCachingOn xmlns="4873beb7-5857-4685-be1f-d57550cc96cc">false</OutputCachingOn>
-    <AverageRating xmlns="4873beb7-5857-4685-be1f-d57550cc96cc" xsi:nil="true"/>
-    <APAuthor xmlns="4873beb7-5857-4685-be1f-d57550cc96cc">
-      <UserInfo>
-        <DisplayName>REDMOND\kristaa</DisplayName>
-        <AccountId>136</AccountId>
-        <AccountType/>
-      </UserInfo>
-    </APAuthor>
-    <LocManualTestRequired xmlns="4873beb7-5857-4685-be1f-d57550cc96cc">false</LocManualTestRequired>
-    <TPCommandLine xmlns="4873beb7-5857-4685-be1f-d57550cc96cc" xsi:nil="true"/>
-    <TPAppVersion xmlns="4873beb7-5857-4685-be1f-d57550cc96cc" xsi:nil="true"/>
-    <EditorialStatus xmlns="4873beb7-5857-4685-be1f-d57550cc96cc">Complete</EditorialStatus>
-    <LastModifiedDateTime xmlns="4873beb7-5857-4685-be1f-d57550cc96cc" xsi:nil="true"/>
-    <ScenarioTagsTaxHTField0 xmlns="4873beb7-5857-4685-be1f-d57550cc96cc">
-      <Terms xmlns="http://schemas.microsoft.com/office/infopath/2007/PartnerControls"/>
-    </ScenarioTagsTaxHTField0>
-    <LocProcessedForMarketsLookup xmlns="4873beb7-5857-4685-be1f-d57550cc96cc" xsi:nil="true"/>
-    <TPLaunchHelpLinkType xmlns="4873beb7-5857-4685-be1f-d57550cc96cc">Template</TPLaunchHelpLinkType>
-    <OriginalRelease xmlns="4873beb7-5857-4685-be1f-d57550cc96cc">15</OriginalRelease>
-    <LocalizationTagsTaxHTField0 xmlns="4873beb7-5857-4685-be1f-d57550cc96cc">
-      <Terms xmlns="http://schemas.microsoft.com/office/infopath/2007/PartnerControls"/>
-    </LocalizationTagsTaxHTField0>
-    <UACurrentWords xmlns="4873beb7-5857-4685-be1f-d57550cc96cc" xsi:nil="true"/>
-    <ArtSampleDocs xmlns="4873beb7-5857-4685-be1f-d57550cc96cc" xsi:nil="true"/>
-    <UALocRecommendation xmlns="4873beb7-5857-4685-be1f-d57550cc96cc">Localize</UALocRecommendation>
-    <Manager xmlns="4873beb7-5857-4685-be1f-d57550cc96cc" xsi:nil="true"/>
-    <LocOverallHandbackStatusLookup xmlns="4873beb7-5857-4685-be1f-d57550cc96cc" xsi:nil="true"/>
-    <ShowIn xmlns="4873beb7-5857-4685-be1f-d57550cc96cc">Show everywhere</ShowIn>
-    <UANotes xmlns="4873beb7-5857-4685-be1f-d57550cc96cc" xsi:nil="true"/>
-    <InternalTagsTaxHTField0 xmlns="4873beb7-5857-4685-be1f-d57550cc96cc">
-      <Terms xmlns="http://schemas.microsoft.com/office/infopath/2007/PartnerControls"/>
-    </InternalTagsTaxHTField0>
-    <CSXHash xmlns="4873beb7-5857-4685-be1f-d57550cc96cc" xsi:nil="true"/>
-    <VoteCount xmlns="4873beb7-5857-4685-be1f-d57550cc96cc" xsi:nil="true"/>
-    <LocMarketGroupTiers2 xmlns="4873beb7-5857-4685-be1f-d57550cc96cc" xsi:nil="true"/>
-  </documentManagement>
-</p:properties>
+<?mso-contentType ?>
+<FormTemplates xmlns="http://schemas.microsoft.com/sharepoint/v3/contenttype/forms">
+  <Display>DocumentLibraryForm</Display>
+  <Edit>AssetEditForm</Edit>
+  <New>DocumentLibraryForm</New>
+</FormTemplates>
 </file>
 
 <file path=customXml/item2.xml><?xml version="1.0" encoding="utf-8"?>
@@ -11547,20 +11548,145 @@
 </file>
 
 <file path=customXml/item3.xml><?xml version="1.0" encoding="utf-8"?>
-<?mso-contentType ?>
-<FormTemplates xmlns="http://schemas.microsoft.com/sharepoint/v3/contenttype/forms">
-  <Display>DocumentLibraryForm</Display>
-  <Edit>AssetEditForm</Edit>
-  <New>DocumentLibraryForm</New>
-</FormTemplates>
+<p:properties xmlns:p="http://schemas.microsoft.com/office/2006/metadata/properties" xmlns:xsi="http://www.w3.org/2001/XMLSchema-instance" xmlns:pc="http://schemas.microsoft.com/office/infopath/2007/PartnerControls">
+  <documentManagement>
+    <LocPublishedLinkedAssetsLookup xmlns="4873beb7-5857-4685-be1f-d57550cc96cc" xsi:nil="true"/>
+    <ApprovalStatus xmlns="4873beb7-5857-4685-be1f-d57550cc96cc">InProgress</ApprovalStatus>
+    <MarketSpecific xmlns="4873beb7-5857-4685-be1f-d57550cc96cc">false</MarketSpecific>
+    <LocComments xmlns="4873beb7-5857-4685-be1f-d57550cc96cc" xsi:nil="true"/>
+    <LocLastLocAttemptVersionTypeLookup xmlns="4873beb7-5857-4685-be1f-d57550cc96cc" xsi:nil="true"/>
+    <DirectSourceMarket xmlns="4873beb7-5857-4685-be1f-d57550cc96cc" xsi:nil="true"/>
+    <ThumbnailAssetId xmlns="4873beb7-5857-4685-be1f-d57550cc96cc" xsi:nil="true"/>
+    <PrimaryImageGen xmlns="4873beb7-5857-4685-be1f-d57550cc96cc">false</PrimaryImageGen>
+    <LocNewPublishedVersionLookup xmlns="4873beb7-5857-4685-be1f-d57550cc96cc" xsi:nil="true"/>
+    <LegacyData xmlns="4873beb7-5857-4685-be1f-d57550cc96cc" xsi:nil="true"/>
+    <LocRecommendedHandoff xmlns="4873beb7-5857-4685-be1f-d57550cc96cc" xsi:nil="true"/>
+    <BusinessGroup xmlns="4873beb7-5857-4685-be1f-d57550cc96cc" xsi:nil="true"/>
+    <BlockPublish xmlns="4873beb7-5857-4685-be1f-d57550cc96cc">false</BlockPublish>
+    <TPFriendlyName xmlns="4873beb7-5857-4685-be1f-d57550cc96cc" xsi:nil="true"/>
+    <LocOverallPublishStatusLookup xmlns="4873beb7-5857-4685-be1f-d57550cc96cc" xsi:nil="true"/>
+    <NumericId xmlns="4873beb7-5857-4685-be1f-d57550cc96cc" xsi:nil="true"/>
+    <APEditor xmlns="4873beb7-5857-4685-be1f-d57550cc96cc">
+      <UserInfo>
+        <DisplayName/>
+        <AccountId xsi:nil="true"/>
+        <AccountType/>
+      </UserInfo>
+    </APEditor>
+    <SourceTitle xmlns="4873beb7-5857-4685-be1f-d57550cc96cc" xsi:nil="true"/>
+    <OpenTemplate xmlns="4873beb7-5857-4685-be1f-d57550cc96cc">true</OpenTemplate>
+    <LocOverallLocStatusLookup xmlns="4873beb7-5857-4685-be1f-d57550cc96cc" xsi:nil="true"/>
+    <UALocComments xmlns="4873beb7-5857-4685-be1f-d57550cc96cc" xsi:nil="true"/>
+    <ParentAssetId xmlns="4873beb7-5857-4685-be1f-d57550cc96cc" xsi:nil="true"/>
+    <IntlLangReviewDate xmlns="4873beb7-5857-4685-be1f-d57550cc96cc" xsi:nil="true"/>
+    <FeatureTagsTaxHTField0 xmlns="4873beb7-5857-4685-be1f-d57550cc96cc">
+      <Terms xmlns="http://schemas.microsoft.com/office/infopath/2007/PartnerControls"/>
+    </FeatureTagsTaxHTField0>
+    <PublishStatusLookup xmlns="4873beb7-5857-4685-be1f-d57550cc96cc">
+      <Value>1345039</Value>
+    </PublishStatusLookup>
+    <Providers xmlns="4873beb7-5857-4685-be1f-d57550cc96cc" xsi:nil="true"/>
+    <MachineTranslated xmlns="4873beb7-5857-4685-be1f-d57550cc96cc">false</MachineTranslated>
+    <OriginalSourceMarket xmlns="4873beb7-5857-4685-be1f-d57550cc96cc" xsi:nil="true"/>
+    <APDescription xmlns="4873beb7-5857-4685-be1f-d57550cc96cc">The bookstacks present on most slides  make this a good choice for students, teachers, reading enthusiasts, and others in education. This presentation template contains multiple slide layouts in widescreen format (16x9) and includes a sample table and chart that you can easily  modify.</APDescription>
+    <ClipArtFilename xmlns="4873beb7-5857-4685-be1f-d57550cc96cc" xsi:nil="true"/>
+    <ContentItem xmlns="4873beb7-5857-4685-be1f-d57550cc96cc" xsi:nil="true"/>
+    <TPInstallLocation xmlns="4873beb7-5857-4685-be1f-d57550cc96cc" xsi:nil="true"/>
+    <PublishTargets xmlns="4873beb7-5857-4685-be1f-d57550cc96cc">OfficeOnlineVNext</PublishTargets>
+    <TimesCloned xmlns="4873beb7-5857-4685-be1f-d57550cc96cc" xsi:nil="true"/>
+    <AssetStart xmlns="4873beb7-5857-4685-be1f-d57550cc96cc">2011-11-26T00:00:00+00:00</AssetStart>
+    <Provider xmlns="4873beb7-5857-4685-be1f-d57550cc96cc" xsi:nil="true"/>
+    <AcquiredFrom xmlns="4873beb7-5857-4685-be1f-d57550cc96cc">Internal MS</AcquiredFrom>
+    <FriendlyTitle xmlns="4873beb7-5857-4685-be1f-d57550cc96cc" xsi:nil="true"/>
+    <LastHandOff xmlns="4873beb7-5857-4685-be1f-d57550cc96cc" xsi:nil="true"/>
+    <TPClientViewer xmlns="4873beb7-5857-4685-be1f-d57550cc96cc" xsi:nil="true"/>
+    <TemplateStatus xmlns="4873beb7-5857-4685-be1f-d57550cc96cc">Complete</TemplateStatus>
+    <Downloads xmlns="4873beb7-5857-4685-be1f-d57550cc96cc">0</Downloads>
+    <OOCacheId xmlns="4873beb7-5857-4685-be1f-d57550cc96cc" xsi:nil="true"/>
+    <IsDeleted xmlns="4873beb7-5857-4685-be1f-d57550cc96cc">false</IsDeleted>
+    <LocPublishedDependentAssetsLookup xmlns="4873beb7-5857-4685-be1f-d57550cc96cc" xsi:nil="true"/>
+    <AssetExpire xmlns="4873beb7-5857-4685-be1f-d57550cc96cc">2029-05-12T07:00:00+00:00</AssetExpire>
+    <DSATActionTaken xmlns="4873beb7-5857-4685-be1f-d57550cc96cc" xsi:nil="true"/>
+    <CSXSubmissionMarket xmlns="4873beb7-5857-4685-be1f-d57550cc96cc" xsi:nil="true"/>
+    <TPExecutable xmlns="4873beb7-5857-4685-be1f-d57550cc96cc" xsi:nil="true"/>
+    <EditorialTags xmlns="4873beb7-5857-4685-be1f-d57550cc96cc" xsi:nil="true"/>
+    <SubmitterId xmlns="4873beb7-5857-4685-be1f-d57550cc96cc" xsi:nil="true"/>
+    <ApprovalLog xmlns="4873beb7-5857-4685-be1f-d57550cc96cc" xsi:nil="true"/>
+    <AssetType xmlns="4873beb7-5857-4685-be1f-d57550cc96cc">TP</AssetType>
+    <BugNumber xmlns="4873beb7-5857-4685-be1f-d57550cc96cc" xsi:nil="true"/>
+    <CSXSubmissionDate xmlns="4873beb7-5857-4685-be1f-d57550cc96cc" xsi:nil="true"/>
+    <CSXUpdate xmlns="4873beb7-5857-4685-be1f-d57550cc96cc">false</CSXUpdate>
+    <Milestone xmlns="4873beb7-5857-4685-be1f-d57550cc96cc" xsi:nil="true"/>
+    <RecommendationsModifier xmlns="4873beb7-5857-4685-be1f-d57550cc96cc" xsi:nil="true"/>
+    <OriginAsset xmlns="4873beb7-5857-4685-be1f-d57550cc96cc" xsi:nil="true"/>
+    <TPComponent xmlns="4873beb7-5857-4685-be1f-d57550cc96cc" xsi:nil="true"/>
+    <AssetId xmlns="4873beb7-5857-4685-be1f-d57550cc96cc">TP102787939</AssetId>
+    <IntlLocPriority xmlns="4873beb7-5857-4685-be1f-d57550cc96cc" xsi:nil="true"/>
+    <PolicheckWords xmlns="4873beb7-5857-4685-be1f-d57550cc96cc" xsi:nil="true"/>
+    <TPLaunchHelpLink xmlns="4873beb7-5857-4685-be1f-d57550cc96cc" xsi:nil="true"/>
+    <TPApplication xmlns="4873beb7-5857-4685-be1f-d57550cc96cc" xsi:nil="true"/>
+    <CrawlForDependencies xmlns="4873beb7-5857-4685-be1f-d57550cc96cc">false</CrawlForDependencies>
+    <HandoffToMSDN xmlns="4873beb7-5857-4685-be1f-d57550cc96cc" xsi:nil="true"/>
+    <PlannedPubDate xmlns="4873beb7-5857-4685-be1f-d57550cc96cc" xsi:nil="true"/>
+    <IntlLangReviewer xmlns="4873beb7-5857-4685-be1f-d57550cc96cc" xsi:nil="true"/>
+    <TrustLevel xmlns="4873beb7-5857-4685-be1f-d57550cc96cc">1 Microsoft Managed Content</TrustLevel>
+    <LocLastLocAttemptVersionLookup xmlns="4873beb7-5857-4685-be1f-d57550cc96cc">694216</LocLastLocAttemptVersionLookup>
+    <LocProcessedForHandoffsLookup xmlns="4873beb7-5857-4685-be1f-d57550cc96cc" xsi:nil="true"/>
+    <IsSearchable xmlns="4873beb7-5857-4685-be1f-d57550cc96cc">true</IsSearchable>
+    <TemplateTemplateType xmlns="4873beb7-5857-4685-be1f-d57550cc96cc">PowerPoint Presentation Template</TemplateTemplateType>
+    <CampaignTagsTaxHTField0 xmlns="4873beb7-5857-4685-be1f-d57550cc96cc">
+      <Terms xmlns="http://schemas.microsoft.com/office/infopath/2007/PartnerControls"/>
+    </CampaignTagsTaxHTField0>
+    <TPNamespace xmlns="4873beb7-5857-4685-be1f-d57550cc96cc" xsi:nil="true"/>
+    <LocOverallPreviewStatusLookup xmlns="4873beb7-5857-4685-be1f-d57550cc96cc" xsi:nil="true"/>
+    <TaxCatchAll xmlns="4873beb7-5857-4685-be1f-d57550cc96cc"/>
+    <Markets xmlns="4873beb7-5857-4685-be1f-d57550cc96cc"/>
+    <UAProjectedTotalWords xmlns="4873beb7-5857-4685-be1f-d57550cc96cc" xsi:nil="true"/>
+    <IntlLangReview xmlns="4873beb7-5857-4685-be1f-d57550cc96cc" xsi:nil="true"/>
+    <OutputCachingOn xmlns="4873beb7-5857-4685-be1f-d57550cc96cc">false</OutputCachingOn>
+    <AverageRating xmlns="4873beb7-5857-4685-be1f-d57550cc96cc" xsi:nil="true"/>
+    <APAuthor xmlns="4873beb7-5857-4685-be1f-d57550cc96cc">
+      <UserInfo>
+        <DisplayName>REDMOND\kristaa</DisplayName>
+        <AccountId>136</AccountId>
+        <AccountType/>
+      </UserInfo>
+    </APAuthor>
+    <LocManualTestRequired xmlns="4873beb7-5857-4685-be1f-d57550cc96cc">false</LocManualTestRequired>
+    <TPCommandLine xmlns="4873beb7-5857-4685-be1f-d57550cc96cc" xsi:nil="true"/>
+    <TPAppVersion xmlns="4873beb7-5857-4685-be1f-d57550cc96cc" xsi:nil="true"/>
+    <EditorialStatus xmlns="4873beb7-5857-4685-be1f-d57550cc96cc">Complete</EditorialStatus>
+    <LastModifiedDateTime xmlns="4873beb7-5857-4685-be1f-d57550cc96cc" xsi:nil="true"/>
+    <ScenarioTagsTaxHTField0 xmlns="4873beb7-5857-4685-be1f-d57550cc96cc">
+      <Terms xmlns="http://schemas.microsoft.com/office/infopath/2007/PartnerControls"/>
+    </ScenarioTagsTaxHTField0>
+    <LocProcessedForMarketsLookup xmlns="4873beb7-5857-4685-be1f-d57550cc96cc" xsi:nil="true"/>
+    <TPLaunchHelpLinkType xmlns="4873beb7-5857-4685-be1f-d57550cc96cc">Template</TPLaunchHelpLinkType>
+    <OriginalRelease xmlns="4873beb7-5857-4685-be1f-d57550cc96cc">15</OriginalRelease>
+    <LocalizationTagsTaxHTField0 xmlns="4873beb7-5857-4685-be1f-d57550cc96cc">
+      <Terms xmlns="http://schemas.microsoft.com/office/infopath/2007/PartnerControls"/>
+    </LocalizationTagsTaxHTField0>
+    <UACurrentWords xmlns="4873beb7-5857-4685-be1f-d57550cc96cc" xsi:nil="true"/>
+    <ArtSampleDocs xmlns="4873beb7-5857-4685-be1f-d57550cc96cc" xsi:nil="true"/>
+    <UALocRecommendation xmlns="4873beb7-5857-4685-be1f-d57550cc96cc">Localize</UALocRecommendation>
+    <Manager xmlns="4873beb7-5857-4685-be1f-d57550cc96cc" xsi:nil="true"/>
+    <LocOverallHandbackStatusLookup xmlns="4873beb7-5857-4685-be1f-d57550cc96cc" xsi:nil="true"/>
+    <ShowIn xmlns="4873beb7-5857-4685-be1f-d57550cc96cc">Show everywhere</ShowIn>
+    <UANotes xmlns="4873beb7-5857-4685-be1f-d57550cc96cc" xsi:nil="true"/>
+    <InternalTagsTaxHTField0 xmlns="4873beb7-5857-4685-be1f-d57550cc96cc">
+      <Terms xmlns="http://schemas.microsoft.com/office/infopath/2007/PartnerControls"/>
+    </InternalTagsTaxHTField0>
+    <CSXHash xmlns="4873beb7-5857-4685-be1f-d57550cc96cc" xsi:nil="true"/>
+    <VoteCount xmlns="4873beb7-5857-4685-be1f-d57550cc96cc" xsi:nil="true"/>
+    <LocMarketGroupTiers2 xmlns="4873beb7-5857-4685-be1f-d57550cc96cc" xsi:nil="true"/>
+  </documentManagement>
+</p:properties>
 </file>
 
 <file path=customXml/itemProps1.xml><?xml version="1.0" encoding="utf-8"?>
-<ds:datastoreItem xmlns:ds="http://schemas.openxmlformats.org/officeDocument/2006/customXml" ds:itemID="{F301D382-32B0-43EE-932C-28906AF37617}">
+<ds:datastoreItem xmlns:ds="http://schemas.openxmlformats.org/officeDocument/2006/customXml" ds:itemID="{E1B558C7-619B-49BE-9097-7FCBDADD4ECE}">
   <ds:schemaRefs>
-    <ds:schemaRef ds:uri="http://schemas.microsoft.com/office/2006/metadata/properties"/>
-    <ds:schemaRef ds:uri="http://schemas.microsoft.com/office/infopath/2007/PartnerControls"/>
-    <ds:schemaRef ds:uri="4873beb7-5857-4685-be1f-d57550cc96cc"/>
+    <ds:schemaRef ds:uri="http://schemas.microsoft.com/sharepoint/v3/contenttype/forms"/>
   </ds:schemaRefs>
 </ds:datastoreItem>
 </file>
@@ -11584,9 +11710,11 @@
 </file>
 
 <file path=customXml/itemProps3.xml><?xml version="1.0" encoding="utf-8"?>
-<ds:datastoreItem xmlns:ds="http://schemas.openxmlformats.org/officeDocument/2006/customXml" ds:itemID="{E1B558C7-619B-49BE-9097-7FCBDADD4ECE}">
+<ds:datastoreItem xmlns:ds="http://schemas.openxmlformats.org/officeDocument/2006/customXml" ds:itemID="{F301D382-32B0-43EE-932C-28906AF37617}">
   <ds:schemaRefs>
-    <ds:schemaRef ds:uri="http://schemas.microsoft.com/sharepoint/v3/contenttype/forms"/>
+    <ds:schemaRef ds:uri="http://schemas.microsoft.com/office/2006/metadata/properties"/>
+    <ds:schemaRef ds:uri="http://schemas.microsoft.com/office/infopath/2007/PartnerControls"/>
+    <ds:schemaRef ds:uri="4873beb7-5857-4685-be1f-d57550cc96cc"/>
   </ds:schemaRefs>
 </ds:datastoreItem>
 </file>
--- a/Publikációs listák szinkronizálása.pptx
+++ b/Publikációs listák szinkronizálása.pptx
@@ -5,29 +5,31 @@
     <p:sldMasterId id="2147483660" r:id="rId4"/>
   </p:sldMasterIdLst>
   <p:notesMasterIdLst>
-    <p:notesMasterId r:id="rId22"/>
+    <p:notesMasterId r:id="rId24"/>
   </p:notesMasterIdLst>
   <p:handoutMasterIdLst>
-    <p:handoutMasterId r:id="rId23"/>
+    <p:handoutMasterId r:id="rId25"/>
   </p:handoutMasterIdLst>
   <p:sldIdLst>
     <p:sldId id="264" r:id="rId5"/>
     <p:sldId id="276" r:id="rId6"/>
     <p:sldId id="279" r:id="rId7"/>
-    <p:sldId id="282" r:id="rId8"/>
-    <p:sldId id="295" r:id="rId9"/>
-    <p:sldId id="293" r:id="rId10"/>
-    <p:sldId id="294" r:id="rId11"/>
-    <p:sldId id="292" r:id="rId12"/>
-    <p:sldId id="285" r:id="rId13"/>
-    <p:sldId id="291" r:id="rId14"/>
-    <p:sldId id="287" r:id="rId15"/>
-    <p:sldId id="288" r:id="rId16"/>
-    <p:sldId id="286" r:id="rId17"/>
-    <p:sldId id="289" r:id="rId18"/>
-    <p:sldId id="296" r:id="rId19"/>
-    <p:sldId id="290" r:id="rId20"/>
-    <p:sldId id="266" r:id="rId21"/>
+    <p:sldId id="295" r:id="rId8"/>
+    <p:sldId id="293" r:id="rId9"/>
+    <p:sldId id="294" r:id="rId10"/>
+    <p:sldId id="282" r:id="rId11"/>
+    <p:sldId id="297" r:id="rId12"/>
+    <p:sldId id="292" r:id="rId13"/>
+    <p:sldId id="298" r:id="rId14"/>
+    <p:sldId id="285" r:id="rId15"/>
+    <p:sldId id="291" r:id="rId16"/>
+    <p:sldId id="287" r:id="rId17"/>
+    <p:sldId id="288" r:id="rId18"/>
+    <p:sldId id="286" r:id="rId19"/>
+    <p:sldId id="289" r:id="rId20"/>
+    <p:sldId id="296" r:id="rId21"/>
+    <p:sldId id="290" r:id="rId22"/>
+    <p:sldId id="266" r:id="rId23"/>
   </p:sldIdLst>
   <p:sldSz cx="12188825" cy="6858000"/>
   <p:notesSz cx="6858000" cy="9144000"/>
@@ -3367,7 +3369,7 @@
                 </a:solidFill>
               </a:rPr>
               <a:pPr algn="r" rtl="0"/>
-              <a:t>2021. 05. 02.</a:t>
+              <a:t>2021. 05. 06.</a:t>
             </a:fld>
             <a:endParaRPr lang="hu-HU" dirty="0">
               <a:solidFill>
@@ -3561,7 +3563,7 @@
             <a:fld id="{6648EB40-417A-43B6-8398-70047EA5A74C}" type="datetime1">
               <a:rPr lang="hu-HU" smtClean="0"/>
               <a:pPr/>
-              <a:t>2021. 05. 02.</a:t>
+              <a:t>2021. 05. 06.</a:t>
             </a:fld>
             <a:endParaRPr lang="hu-HU" dirty="0"/>
           </a:p>
@@ -4260,7 +4262,7 @@
             <a:fld id="{56E2763D-E032-4DFF-B0B3-3D8422FFCF0E}" type="datetime1">
               <a:rPr lang="hu-HU" smtClean="0"/>
               <a:pPr/>
-              <a:t>2021. 05. 02.</a:t>
+              <a:t>2021. 05. 06.</a:t>
             </a:fld>
             <a:endParaRPr lang="hu-HU" dirty="0"/>
           </a:p>
@@ -4464,7 +4466,7 @@
             <a:fld id="{457ABD3E-B90B-44E6-BFFE-432971789295}" type="datetime1">
               <a:rPr lang="hu-HU" smtClean="0"/>
               <a:pPr/>
-              <a:t>2021. 05. 02.</a:t>
+              <a:t>2021. 05. 06.</a:t>
             </a:fld>
             <a:endParaRPr lang="hu-HU" dirty="0"/>
           </a:p>
@@ -4674,7 +4676,7 @@
             <a:fld id="{116C6E60-1866-4758-8791-4C4E45C36254}" type="datetime1">
               <a:rPr lang="hu-HU" smtClean="0"/>
               <a:pPr/>
-              <a:t>2021. 05. 02.</a:t>
+              <a:t>2021. 05. 06.</a:t>
             </a:fld>
             <a:endParaRPr lang="hu-HU" dirty="0"/>
           </a:p>
@@ -5203,7 +5205,7 @@
             <a:fld id="{3A8FF994-63F4-4649-B3EC-87876C8F5873}" type="datetime1">
               <a:rPr lang="hu-HU" smtClean="0"/>
               <a:pPr/>
-              <a:t>2021. 05. 02.</a:t>
+              <a:t>2021. 05. 06.</a:t>
             </a:fld>
             <a:endParaRPr lang="hu-HU" dirty="0"/>
           </a:p>
@@ -5655,7 +5657,7 @@
             <a:fld id="{DBE2DD76-DA38-4175-BA3B-63CD08093EE0}" type="datetime1">
               <a:rPr lang="hu-HU" smtClean="0"/>
               <a:pPr/>
-              <a:t>2021. 05. 02.</a:t>
+              <a:t>2021. 05. 06.</a:t>
             </a:fld>
             <a:endParaRPr lang="hu-HU" dirty="0"/>
           </a:p>
@@ -5797,7 +5799,7 @@
             <a:fld id="{7A77CE3F-4691-403E-A0B4-65592C908B08}" type="datetime1">
               <a:rPr lang="hu-HU" smtClean="0"/>
               <a:pPr/>
-              <a:t>2021. 05. 02.</a:t>
+              <a:t>2021. 05. 06.</a:t>
             </a:fld>
             <a:endParaRPr lang="hu-HU" dirty="0"/>
           </a:p>
@@ -5911,7 +5913,7 @@
             <a:fld id="{24C7133D-4DC0-4E2A-8D81-F8B473E814B4}" type="datetime1">
               <a:rPr lang="hu-HU" smtClean="0"/>
               <a:pPr/>
-              <a:t>2021. 05. 02.</a:t>
+              <a:t>2021. 05. 06.</a:t>
             </a:fld>
             <a:endParaRPr lang="hu-HU" dirty="0"/>
           </a:p>
@@ -6276,7 +6278,7 @@
             <a:fld id="{D378BBDA-88A6-480E-A129-7B2F79ABA348}" type="datetime1">
               <a:rPr lang="hu-HU" smtClean="0"/>
               <a:pPr/>
-              <a:t>2021. 05. 02.</a:t>
+              <a:t>2021. 05. 06.</a:t>
             </a:fld>
             <a:endParaRPr lang="hu-HU" dirty="0"/>
           </a:p>
@@ -6622,7 +6624,7 @@
             <a:fld id="{9A81C038-294F-4567-9ADB-CFB54F107354}" type="datetime1">
               <a:rPr lang="hu-HU" smtClean="0"/>
               <a:pPr/>
-              <a:t>2021. 05. 02.</a:t>
+              <a:t>2021. 05. 06.</a:t>
             </a:fld>
             <a:endParaRPr lang="hu-HU" dirty="0"/>
           </a:p>
@@ -6918,7 +6920,7 @@
             <a:fld id="{982AADB5-EBED-4173-BC4E-244A8186BD03}" type="datetime1">
               <a:rPr lang="hu-HU" smtClean="0"/>
               <a:pPr/>
-              <a:t>2021. 05. 02.</a:t>
+              <a:t>2021. 05. 06.</a:t>
             </a:fld>
             <a:endParaRPr lang="hu-HU" dirty="0"/>
           </a:p>
@@ -7619,6 +7621,271 @@
           <p:cNvPr id="2" name="Cím 1">
             <a:extLst>
               <a:ext uri="{FF2B5EF4-FFF2-40B4-BE49-F238E27FC236}">
+                <a16:creationId xmlns:a16="http://schemas.microsoft.com/office/drawing/2014/main" id="{97B291C4-4296-411B-880E-8138EC713E56}"/>
+              </a:ext>
+            </a:extLst>
+          </p:cNvPr>
+          <p:cNvSpPr>
+            <a:spLocks noGrp="1"/>
+          </p:cNvSpPr>
+          <p:nvPr>
+            <p:ph type="title"/>
+          </p:nvPr>
+        </p:nvSpPr>
+        <p:spPr/>
+        <p:txBody>
+          <a:bodyPr/>
+          <a:lstStyle/>
+          <a:p>
+            <a:r>
+              <a:rPr lang="hu-HU" dirty="0"/>
+              <a:t>Működés</a:t>
+            </a:r>
+          </a:p>
+        </p:txBody>
+      </p:sp>
+      <p:sp>
+        <p:nvSpPr>
+          <p:cNvPr id="3" name="Tartalom helye 2">
+            <a:extLst>
+              <a:ext uri="{FF2B5EF4-FFF2-40B4-BE49-F238E27FC236}">
+                <a16:creationId xmlns:a16="http://schemas.microsoft.com/office/drawing/2014/main" id="{BFF42B86-12B5-4B3D-9522-5FB55A925BE9}"/>
+              </a:ext>
+            </a:extLst>
+          </p:cNvPr>
+          <p:cNvSpPr>
+            <a:spLocks noGrp="1"/>
+          </p:cNvSpPr>
+          <p:nvPr>
+            <p:ph idx="1"/>
+          </p:nvPr>
+        </p:nvSpPr>
+        <p:spPr/>
+        <p:txBody>
+          <a:bodyPr/>
+          <a:lstStyle/>
+          <a:p>
+            <a:r>
+              <a:rPr lang="hu-HU" dirty="0"/>
+              <a:t>Keresés mindkét rendszerben egyszerre (külön szálon)</a:t>
+            </a:r>
+          </a:p>
+          <a:p>
+            <a:r>
+              <a:rPr lang="hu-HU" dirty="0"/>
+              <a:t>Két különböző technológiájú és nyelvű keresés integrációja</a:t>
+            </a:r>
+          </a:p>
+          <a:p>
+            <a:r>
+              <a:rPr lang="hu-HU" dirty="0"/>
+              <a:t>Adatok betöltése saját osztályokba</a:t>
+            </a:r>
+          </a:p>
+          <a:p>
+            <a:r>
+              <a:rPr lang="hu-HU" dirty="0"/>
+              <a:t>Egyezések keresése a beállításoknak megfelelően</a:t>
+            </a:r>
+          </a:p>
+          <a:p>
+            <a:r>
+              <a:rPr lang="hu-HU" dirty="0"/>
+              <a:t>Problémák- és hibák kezelése</a:t>
+            </a:r>
+          </a:p>
+          <a:p>
+            <a:r>
+              <a:rPr lang="hu-HU" dirty="0"/>
+              <a:t>Megjelenítés a felhasználói felületen</a:t>
+            </a:r>
+          </a:p>
+        </p:txBody>
+      </p:sp>
+    </p:spTree>
+    <p:extLst>
+      <p:ext uri="{BB962C8B-B14F-4D97-AF65-F5344CB8AC3E}">
+        <p14:creationId xmlns:p14="http://schemas.microsoft.com/office/powerpoint/2010/main" val="3305266134"/>
+      </p:ext>
+    </p:extLst>
+  </p:cSld>
+  <p:clrMapOvr>
+    <a:masterClrMapping/>
+  </p:clrMapOvr>
+  <mc:AlternateContent xmlns:mc="http://schemas.openxmlformats.org/markup-compatibility/2006" xmlns:p14="http://schemas.microsoft.com/office/powerpoint/2010/main">
+    <mc:Choice Requires="p14">
+      <p:transition spd="med" p14:dur="700">
+        <p:fade/>
+      </p:transition>
+    </mc:Choice>
+    <mc:Fallback xmlns="">
+      <p:transition spd="med">
+        <p:fade/>
+      </p:transition>
+    </mc:Fallback>
+  </mc:AlternateContent>
+</p:sld>
+</file>
+
+<file path=ppt/slides/slide11.xml><?xml version="1.0" encoding="utf-8"?>
+<p:sld xmlns:a="http://schemas.openxmlformats.org/drawingml/2006/main" xmlns:r="http://schemas.openxmlformats.org/officeDocument/2006/relationships" xmlns:p="http://schemas.openxmlformats.org/presentationml/2006/main">
+  <p:cSld>
+    <p:spTree>
+      <p:nvGrpSpPr>
+        <p:cNvPr id="1" name=""/>
+        <p:cNvGrpSpPr/>
+        <p:nvPr/>
+      </p:nvGrpSpPr>
+      <p:grpSpPr>
+        <a:xfrm>
+          <a:off x="0" y="0"/>
+          <a:ext cx="0" cy="0"/>
+          <a:chOff x="0" y="0"/>
+          <a:chExt cx="0" cy="0"/>
+        </a:xfrm>
+      </p:grpSpPr>
+      <p:sp>
+        <p:nvSpPr>
+          <p:cNvPr id="9" name="Title 1">
+            <a:extLst>
+              <a:ext uri="{FF2B5EF4-FFF2-40B4-BE49-F238E27FC236}">
+                <a16:creationId xmlns:a16="http://schemas.microsoft.com/office/drawing/2014/main" id="{D3DC08C8-464B-4FA2-8D05-461857C595D6}"/>
+              </a:ext>
+            </a:extLst>
+          </p:cNvPr>
+          <p:cNvSpPr>
+            <a:spLocks noGrp="1"/>
+          </p:cNvSpPr>
+          <p:nvPr>
+            <p:ph type="title"/>
+          </p:nvPr>
+        </p:nvSpPr>
+        <p:spPr>
+          <a:xfrm>
+            <a:off x="1117309" y="76200"/>
+            <a:ext cx="10157354" cy="1397000"/>
+          </a:xfrm>
+        </p:spPr>
+        <p:txBody>
+          <a:bodyPr/>
+          <a:lstStyle/>
+          <a:p>
+            <a:r>
+              <a:rPr lang="hu-HU" dirty="0"/>
+              <a:t>Hibakezelés</a:t>
+            </a:r>
+            <a:endParaRPr lang="en-US" dirty="0"/>
+          </a:p>
+        </p:txBody>
+      </p:sp>
+      <p:sp>
+        <p:nvSpPr>
+          <p:cNvPr id="11" name="Content Placeholder 2">
+            <a:extLst>
+              <a:ext uri="{FF2B5EF4-FFF2-40B4-BE49-F238E27FC236}">
+                <a16:creationId xmlns:a16="http://schemas.microsoft.com/office/drawing/2014/main" id="{DC3D6E1F-0588-4E0D-97EF-DC827B415804}"/>
+              </a:ext>
+            </a:extLst>
+          </p:cNvPr>
+          <p:cNvSpPr>
+            <a:spLocks noGrp="1"/>
+          </p:cNvSpPr>
+          <p:nvPr>
+            <p:ph sz="half" idx="1"/>
+          </p:nvPr>
+        </p:nvSpPr>
+        <p:spPr>
+          <a:xfrm>
+            <a:off x="1117309" y="1701800"/>
+            <a:ext cx="4977104" cy="4470400"/>
+          </a:xfrm>
+        </p:spPr>
+        <p:txBody>
+          <a:bodyPr/>
+          <a:lstStyle/>
+          <a:p>
+            <a:endParaRPr lang="en-US"/>
+          </a:p>
+        </p:txBody>
+      </p:sp>
+      <p:pic>
+        <p:nvPicPr>
+          <p:cNvPr id="4" name="Kép 3">
+            <a:extLst>
+              <a:ext uri="{FF2B5EF4-FFF2-40B4-BE49-F238E27FC236}">
+                <a16:creationId xmlns:a16="http://schemas.microsoft.com/office/drawing/2014/main" id="{D2BFFE19-525F-4ADE-A30C-CFD3C53C920B}"/>
+              </a:ext>
+            </a:extLst>
+          </p:cNvPr>
+          <p:cNvPicPr>
+            <a:picLocks noChangeAspect="1"/>
+          </p:cNvPicPr>
+          <p:nvPr/>
+        </p:nvPicPr>
+        <p:blipFill>
+          <a:blip r:embed="rId2"/>
+          <a:stretch>
+            <a:fillRect/>
+          </a:stretch>
+        </p:blipFill>
+        <p:spPr>
+          <a:xfrm>
+            <a:off x="6297559" y="2338105"/>
+            <a:ext cx="4977104" cy="3197789"/>
+          </a:xfrm>
+          <a:prstGeom prst="rect">
+            <a:avLst/>
+          </a:prstGeom>
+          <a:noFill/>
+        </p:spPr>
+      </p:pic>
+    </p:spTree>
+    <p:extLst>
+      <p:ext uri="{BB962C8B-B14F-4D97-AF65-F5344CB8AC3E}">
+        <p14:creationId xmlns:p14="http://schemas.microsoft.com/office/powerpoint/2010/main" val="3962352319"/>
+      </p:ext>
+    </p:extLst>
+  </p:cSld>
+  <p:clrMapOvr>
+    <a:masterClrMapping/>
+  </p:clrMapOvr>
+  <mc:AlternateContent xmlns:mc="http://schemas.openxmlformats.org/markup-compatibility/2006" xmlns:p14="http://schemas.microsoft.com/office/powerpoint/2010/main">
+    <mc:Choice Requires="p14">
+      <p:transition spd="med" p14:dur="700">
+        <p:fade/>
+      </p:transition>
+    </mc:Choice>
+    <mc:Fallback xmlns="">
+      <p:transition spd="med">
+        <p:fade/>
+      </p:transition>
+    </mc:Fallback>
+  </mc:AlternateContent>
+</p:sld>
+</file>
+
+<file path=ppt/slides/slide12.xml><?xml version="1.0" encoding="utf-8"?>
+<p:sld xmlns:a="http://schemas.openxmlformats.org/drawingml/2006/main" xmlns:r="http://schemas.openxmlformats.org/officeDocument/2006/relationships" xmlns:p="http://schemas.openxmlformats.org/presentationml/2006/main">
+  <p:cSld>
+    <p:spTree>
+      <p:nvGrpSpPr>
+        <p:cNvPr id="1" name=""/>
+        <p:cNvGrpSpPr/>
+        <p:nvPr/>
+      </p:nvGrpSpPr>
+      <p:grpSpPr>
+        <a:xfrm>
+          <a:off x="0" y="0"/>
+          <a:ext cx="0" cy="0"/>
+          <a:chOff x="0" y="0"/>
+          <a:chExt cx="0" cy="0"/>
+        </a:xfrm>
+      </p:grpSpPr>
+      <p:sp>
+        <p:nvSpPr>
+          <p:cNvPr id="2" name="Cím 1">
+            <a:extLst>
+              <a:ext uri="{FF2B5EF4-FFF2-40B4-BE49-F238E27FC236}">
                 <a16:creationId xmlns:a16="http://schemas.microsoft.com/office/drawing/2014/main" id="{DDC6C8C9-8BC4-405C-B8F8-DE93CC130207}"/>
               </a:ext>
             </a:extLst>
@@ -7724,7 +7991,7 @@
 </p:sld>
 </file>
 
-<file path=ppt/slides/slide11.xml><?xml version="1.0" encoding="utf-8"?>
+<file path=ppt/slides/slide13.xml><?xml version="1.0" encoding="utf-8"?>
 <p:sld xmlns:a="http://schemas.openxmlformats.org/drawingml/2006/main" xmlns:r="http://schemas.openxmlformats.org/officeDocument/2006/relationships" xmlns:p="http://schemas.openxmlformats.org/presentationml/2006/main">
   <p:cSld>
     <p:spTree>
@@ -7851,7 +8118,7 @@
 </p:sld>
 </file>
 
-<file path=ppt/slides/slide12.xml><?xml version="1.0" encoding="utf-8"?>
+<file path=ppt/slides/slide14.xml><?xml version="1.0" encoding="utf-8"?>
 <p:sld xmlns:a="http://schemas.openxmlformats.org/drawingml/2006/main" xmlns:r="http://schemas.openxmlformats.org/officeDocument/2006/relationships" xmlns:p="http://schemas.openxmlformats.org/presentationml/2006/main">
   <p:cSld>
     <p:spTree>
@@ -7978,7 +8245,7 @@
 </p:sld>
 </file>
 
-<file path=ppt/slides/slide13.xml><?xml version="1.0" encoding="utf-8"?>
+<file path=ppt/slides/slide15.xml><?xml version="1.0" encoding="utf-8"?>
 <p:sld xmlns:a="http://schemas.openxmlformats.org/drawingml/2006/main" xmlns:r="http://schemas.openxmlformats.org/officeDocument/2006/relationships" xmlns:p="http://schemas.openxmlformats.org/presentationml/2006/main">
   <p:cSld>
     <p:spTree>
@@ -8105,7 +8372,7 @@
 </p:sld>
 </file>
 
-<file path=ppt/slides/slide14.xml><?xml version="1.0" encoding="utf-8"?>
+<file path=ppt/slides/slide16.xml><?xml version="1.0" encoding="utf-8"?>
 <p:sld xmlns:a="http://schemas.openxmlformats.org/drawingml/2006/main" xmlns:r="http://schemas.openxmlformats.org/officeDocument/2006/relationships" xmlns:p="http://schemas.openxmlformats.org/presentationml/2006/main">
   <p:cSld>
     <p:spTree>
@@ -8267,7 +8534,7 @@
 </p:sld>
 </file>
 
-<file path=ppt/slides/slide15.xml><?xml version="1.0" encoding="utf-8"?>
+<file path=ppt/slides/slide17.xml><?xml version="1.0" encoding="utf-8"?>
 <p:sld xmlns:a="http://schemas.openxmlformats.org/drawingml/2006/main" xmlns:r="http://schemas.openxmlformats.org/officeDocument/2006/relationships" xmlns:p="http://schemas.openxmlformats.org/presentationml/2006/main">
   <p:cSld>
     <p:spTree>
@@ -8394,7 +8661,7 @@
 </p:sld>
 </file>
 
-<file path=ppt/slides/slide16.xml><?xml version="1.0" encoding="utf-8"?>
+<file path=ppt/slides/slide18.xml><?xml version="1.0" encoding="utf-8"?>
 <p:sld xmlns:a="http://schemas.openxmlformats.org/drawingml/2006/main" xmlns:r="http://schemas.openxmlformats.org/officeDocument/2006/relationships" xmlns:p="http://schemas.openxmlformats.org/presentationml/2006/main">
   <p:cSld>
     <p:spTree>
@@ -8521,7 +8788,7 @@
 </p:sld>
 </file>
 
-<file path=ppt/slides/slide17.xml><?xml version="1.0" encoding="utf-8"?>
+<file path=ppt/slides/slide19.xml><?xml version="1.0" encoding="utf-8"?>
 <p:sld xmlns:a="http://schemas.openxmlformats.org/drawingml/2006/main" xmlns:r="http://schemas.openxmlformats.org/officeDocument/2006/relationships" xmlns:p="http://schemas.openxmlformats.org/presentationml/2006/main">
   <p:cSld>
     <p:spTree>
@@ -8832,175 +9099,6 @@
 </file>
 
 <file path=ppt/slides/slide4.xml><?xml version="1.0" encoding="utf-8"?>
-<p:sld xmlns:a="http://schemas.openxmlformats.org/drawingml/2006/main" xmlns:r="http://schemas.openxmlformats.org/officeDocument/2006/relationships" xmlns:p="http://schemas.openxmlformats.org/presentationml/2006/main">
-  <p:cSld>
-    <p:spTree>
-      <p:nvGrpSpPr>
-        <p:cNvPr id="1" name=""/>
-        <p:cNvGrpSpPr/>
-        <p:nvPr/>
-      </p:nvGrpSpPr>
-      <p:grpSpPr>
-        <a:xfrm>
-          <a:off x="0" y="0"/>
-          <a:ext cx="0" cy="0"/>
-          <a:chOff x="0" y="0"/>
-          <a:chExt cx="0" cy="0"/>
-        </a:xfrm>
-      </p:grpSpPr>
-      <p:sp>
-        <p:nvSpPr>
-          <p:cNvPr id="2" name="Cím 1">
-            <a:extLst>
-              <a:ext uri="{FF2B5EF4-FFF2-40B4-BE49-F238E27FC236}">
-                <a16:creationId xmlns:a16="http://schemas.microsoft.com/office/drawing/2014/main" id="{7F8B37F7-AF71-4E3A-9014-43ED8EC5DA75}"/>
-              </a:ext>
-            </a:extLst>
-          </p:cNvPr>
-          <p:cNvSpPr>
-            <a:spLocks noGrp="1"/>
-          </p:cNvSpPr>
-          <p:nvPr>
-            <p:ph type="title"/>
-          </p:nvPr>
-        </p:nvSpPr>
-        <p:spPr>
-          <a:xfrm>
-            <a:off x="1117309" y="76200"/>
-            <a:ext cx="10157354" cy="832520"/>
-          </a:xfrm>
-        </p:spPr>
-        <p:txBody>
-          <a:bodyPr/>
-          <a:lstStyle/>
-          <a:p>
-            <a:r>
-              <a:rPr lang="hu-HU" dirty="0"/>
-              <a:t>Technológiák</a:t>
-            </a:r>
-          </a:p>
-        </p:txBody>
-      </p:sp>
-      <p:sp>
-        <p:nvSpPr>
-          <p:cNvPr id="3" name="Tartalom helye 2">
-            <a:extLst>
-              <a:ext uri="{FF2B5EF4-FFF2-40B4-BE49-F238E27FC236}">
-                <a16:creationId xmlns:a16="http://schemas.microsoft.com/office/drawing/2014/main" id="{8D784251-DECE-4CDB-8B3F-E6EAC0A025D3}"/>
-              </a:ext>
-            </a:extLst>
-          </p:cNvPr>
-          <p:cNvSpPr>
-            <a:spLocks noGrp="1"/>
-          </p:cNvSpPr>
-          <p:nvPr>
-            <p:ph idx="1"/>
-          </p:nvPr>
-        </p:nvSpPr>
-        <p:spPr>
-          <a:xfrm>
-            <a:off x="1117309" y="1701800"/>
-            <a:ext cx="6273247" cy="1727200"/>
-          </a:xfrm>
-        </p:spPr>
-        <p:txBody>
-          <a:bodyPr/>
-          <a:lstStyle/>
-          <a:p>
-            <a:r>
-              <a:rPr lang="hu-HU" dirty="0"/>
-              <a:t>API használata (MTMT-</a:t>
-            </a:r>
-            <a:r>
-              <a:rPr lang="hu-HU" dirty="0" err="1"/>
-              <a:t>nek</a:t>
-            </a:r>
-            <a:r>
-              <a:rPr lang="hu-HU" dirty="0"/>
-              <a:t> nincs) </a:t>
-            </a:r>
-            <a:r>
-              <a:rPr lang="hu-HU" dirty="0">
-                <a:sym typeface="Wingdings" panose="05000000000000000000" pitchFamily="2" charset="2"/>
-              </a:rPr>
-              <a:t></a:t>
-            </a:r>
-            <a:endParaRPr lang="hu-HU" dirty="0"/>
-          </a:p>
-          <a:p>
-            <a:r>
-              <a:rPr lang="hu-HU" dirty="0" err="1"/>
-              <a:t>Webscraping</a:t>
-            </a:r>
-            <a:endParaRPr lang="hu-HU" dirty="0"/>
-          </a:p>
-        </p:txBody>
-      </p:sp>
-      <p:pic>
-        <p:nvPicPr>
-          <p:cNvPr id="4" name="Kép 3" descr="Basic communication">
-            <a:extLst>
-              <a:ext uri="{FF2B5EF4-FFF2-40B4-BE49-F238E27FC236}">
-                <a16:creationId xmlns:a16="http://schemas.microsoft.com/office/drawing/2014/main" id="{A70441CD-CB46-4A21-B071-636115D88104}"/>
-              </a:ext>
-            </a:extLst>
-          </p:cNvPr>
-          <p:cNvPicPr/>
-          <p:nvPr/>
-        </p:nvPicPr>
-        <p:blipFill>
-          <a:blip r:embed="rId2" cstate="print">
-            <a:extLst>
-              <a:ext uri="{28A0092B-C50C-407E-A947-70E740481C1C}">
-                <a14:useLocalDpi xmlns:a14="http://schemas.microsoft.com/office/drawing/2010/main" val="0"/>
-              </a:ext>
-            </a:extLst>
-          </a:blip>
-          <a:srcRect/>
-          <a:stretch>
-            <a:fillRect/>
-          </a:stretch>
-        </p:blipFill>
-        <p:spPr bwMode="auto">
-          <a:xfrm>
-            <a:off x="5950396" y="3014945"/>
-            <a:ext cx="3220085" cy="2414270"/>
-          </a:xfrm>
-          <a:prstGeom prst="rect">
-            <a:avLst/>
-          </a:prstGeom>
-          <a:noFill/>
-          <a:ln>
-            <a:noFill/>
-          </a:ln>
-        </p:spPr>
-      </p:pic>
-    </p:spTree>
-    <p:extLst>
-      <p:ext uri="{BB962C8B-B14F-4D97-AF65-F5344CB8AC3E}">
-        <p14:creationId xmlns:p14="http://schemas.microsoft.com/office/powerpoint/2010/main" val="2359164768"/>
-      </p:ext>
-    </p:extLst>
-  </p:cSld>
-  <p:clrMapOvr>
-    <a:masterClrMapping/>
-  </p:clrMapOvr>
-  <mc:AlternateContent xmlns:mc="http://schemas.openxmlformats.org/markup-compatibility/2006" xmlns:p14="http://schemas.microsoft.com/office/powerpoint/2010/main">
-    <mc:Choice Requires="p14">
-      <p:transition spd="med" p14:dur="700">
-        <p:fade/>
-      </p:transition>
-    </mc:Choice>
-    <mc:Fallback xmlns="">
-      <p:transition spd="med">
-        <p:fade/>
-      </p:transition>
-    </mc:Fallback>
-  </mc:AlternateContent>
-</p:sld>
-</file>
-
-<file path=ppt/slides/slide5.xml><?xml version="1.0" encoding="utf-8"?>
 <p:sld xmlns:a="http://schemas.openxmlformats.org/drawingml/2006/main" xmlns:r="http://schemas.openxmlformats.org/officeDocument/2006/relationships" xmlns:p="http://schemas.openxmlformats.org/presentationml/2006/main">
   <p:cSld>
     <p:spTree>
@@ -9139,7 +9237,7 @@
 </p:sld>
 </file>
 
-<file path=ppt/slides/slide6.xml><?xml version="1.0" encoding="utf-8"?>
+<file path=ppt/slides/slide5.xml><?xml version="1.0" encoding="utf-8"?>
 <p:sld xmlns:a="http://schemas.openxmlformats.org/drawingml/2006/main" xmlns:r="http://schemas.openxmlformats.org/officeDocument/2006/relationships" xmlns:p="http://schemas.openxmlformats.org/presentationml/2006/main">
   <p:cSld>
     <p:spTree>
@@ -9269,7 +9367,7 @@
 </p:sld>
 </file>
 
-<file path=ppt/slides/slide7.xml><?xml version="1.0" encoding="utf-8"?>
+<file path=ppt/slides/slide6.xml><?xml version="1.0" encoding="utf-8"?>
 <p:sld xmlns:a="http://schemas.openxmlformats.org/drawingml/2006/main" xmlns:r="http://schemas.openxmlformats.org/officeDocument/2006/relationships" xmlns:p="http://schemas.openxmlformats.org/presentationml/2006/main">
   <p:cSld>
     <p:spTree>
@@ -9414,6 +9512,177 @@
 </p:sld>
 </file>
 
+<file path=ppt/slides/slide7.xml><?xml version="1.0" encoding="utf-8"?>
+<p:sld xmlns:a="http://schemas.openxmlformats.org/drawingml/2006/main" xmlns:r="http://schemas.openxmlformats.org/officeDocument/2006/relationships" xmlns:p="http://schemas.openxmlformats.org/presentationml/2006/main">
+  <p:cSld>
+    <p:spTree>
+      <p:nvGrpSpPr>
+        <p:cNvPr id="1" name=""/>
+        <p:cNvGrpSpPr/>
+        <p:nvPr/>
+      </p:nvGrpSpPr>
+      <p:grpSpPr>
+        <a:xfrm>
+          <a:off x="0" y="0"/>
+          <a:ext cx="0" cy="0"/>
+          <a:chOff x="0" y="0"/>
+          <a:chExt cx="0" cy="0"/>
+        </a:xfrm>
+      </p:grpSpPr>
+      <p:sp>
+        <p:nvSpPr>
+          <p:cNvPr id="2" name="Cím 1">
+            <a:extLst>
+              <a:ext uri="{FF2B5EF4-FFF2-40B4-BE49-F238E27FC236}">
+                <a16:creationId xmlns:a16="http://schemas.microsoft.com/office/drawing/2014/main" id="{7F8B37F7-AF71-4E3A-9014-43ED8EC5DA75}"/>
+              </a:ext>
+            </a:extLst>
+          </p:cNvPr>
+          <p:cNvSpPr>
+            <a:spLocks noGrp="1"/>
+          </p:cNvSpPr>
+          <p:nvPr>
+            <p:ph type="title"/>
+          </p:nvPr>
+        </p:nvSpPr>
+        <p:spPr>
+          <a:xfrm>
+            <a:off x="1117309" y="76200"/>
+            <a:ext cx="10157354" cy="832520"/>
+          </a:xfrm>
+        </p:spPr>
+        <p:txBody>
+          <a:bodyPr/>
+          <a:lstStyle/>
+          <a:p>
+            <a:r>
+              <a:rPr lang="hu-HU" dirty="0"/>
+              <a:t>Technológiák</a:t>
+            </a:r>
+          </a:p>
+        </p:txBody>
+      </p:sp>
+      <p:sp>
+        <p:nvSpPr>
+          <p:cNvPr id="3" name="Tartalom helye 2">
+            <a:extLst>
+              <a:ext uri="{FF2B5EF4-FFF2-40B4-BE49-F238E27FC236}">
+                <a16:creationId xmlns:a16="http://schemas.microsoft.com/office/drawing/2014/main" id="{8D784251-DECE-4CDB-8B3F-E6EAC0A025D3}"/>
+              </a:ext>
+            </a:extLst>
+          </p:cNvPr>
+          <p:cNvSpPr>
+            <a:spLocks noGrp="1"/>
+          </p:cNvSpPr>
+          <p:nvPr>
+            <p:ph idx="1"/>
+          </p:nvPr>
+        </p:nvSpPr>
+        <p:spPr>
+          <a:xfrm>
+            <a:off x="1117309" y="1701800"/>
+            <a:ext cx="6273247" cy="2591296"/>
+          </a:xfrm>
+        </p:spPr>
+        <p:txBody>
+          <a:bodyPr>
+            <a:normAutofit/>
+          </a:bodyPr>
+          <a:lstStyle/>
+          <a:p>
+            <a:r>
+              <a:rPr lang="hu-HU" dirty="0"/>
+              <a:t>API használata (MTMT-</a:t>
+            </a:r>
+            <a:r>
+              <a:rPr lang="hu-HU" dirty="0" err="1"/>
+              <a:t>nek</a:t>
+            </a:r>
+            <a:r>
+              <a:rPr lang="hu-HU" dirty="0"/>
+              <a:t> nincs) </a:t>
+            </a:r>
+            <a:r>
+              <a:rPr lang="hu-HU" dirty="0">
+                <a:sym typeface="Wingdings" panose="05000000000000000000" pitchFamily="2" charset="2"/>
+              </a:rPr>
+              <a:t></a:t>
+            </a:r>
+            <a:endParaRPr lang="hu-HU" dirty="0"/>
+          </a:p>
+          <a:p>
+            <a:r>
+              <a:rPr lang="hu-HU" dirty="0" err="1"/>
+              <a:t>Webscraping</a:t>
+            </a:r>
+            <a:endParaRPr lang="hu-HU" dirty="0"/>
+          </a:p>
+        </p:txBody>
+      </p:sp>
+      <p:pic>
+        <p:nvPicPr>
+          <p:cNvPr id="4" name="Kép 3" descr="Basic communication">
+            <a:extLst>
+              <a:ext uri="{FF2B5EF4-FFF2-40B4-BE49-F238E27FC236}">
+                <a16:creationId xmlns:a16="http://schemas.microsoft.com/office/drawing/2014/main" id="{A70441CD-CB46-4A21-B071-636115D88104}"/>
+              </a:ext>
+            </a:extLst>
+          </p:cNvPr>
+          <p:cNvPicPr/>
+          <p:nvPr/>
+        </p:nvPicPr>
+        <p:blipFill>
+          <a:blip r:embed="rId2" cstate="print">
+            <a:extLst>
+              <a:ext uri="{28A0092B-C50C-407E-A947-70E740481C1C}">
+                <a14:useLocalDpi xmlns:a14="http://schemas.microsoft.com/office/drawing/2010/main" val="0"/>
+              </a:ext>
+            </a:extLst>
+          </a:blip>
+          <a:srcRect/>
+          <a:stretch>
+            <a:fillRect/>
+          </a:stretch>
+        </p:blipFill>
+        <p:spPr bwMode="auto">
+          <a:xfrm>
+            <a:off x="5950396" y="3014945"/>
+            <a:ext cx="3220085" cy="2414270"/>
+          </a:xfrm>
+          <a:prstGeom prst="rect">
+            <a:avLst/>
+          </a:prstGeom>
+          <a:noFill/>
+          <a:ln>
+            <a:noFill/>
+          </a:ln>
+        </p:spPr>
+      </p:pic>
+    </p:spTree>
+    <p:extLst>
+      <p:ext uri="{BB962C8B-B14F-4D97-AF65-F5344CB8AC3E}">
+        <p14:creationId xmlns:p14="http://schemas.microsoft.com/office/powerpoint/2010/main" val="2359164768"/>
+      </p:ext>
+    </p:extLst>
+  </p:cSld>
+  <p:clrMapOvr>
+    <a:masterClrMapping/>
+  </p:clrMapOvr>
+  <mc:AlternateContent xmlns:mc="http://schemas.openxmlformats.org/markup-compatibility/2006" xmlns:p14="http://schemas.microsoft.com/office/powerpoint/2010/main">
+    <mc:Choice Requires="p14">
+      <p:transition spd="med" p14:dur="700">
+        <p:fade/>
+      </p:transition>
+    </mc:Choice>
+    <mc:Fallback xmlns="">
+      <p:transition spd="med">
+        <p:fade/>
+      </p:transition>
+    </mc:Fallback>
+  </mc:AlternateContent>
+</p:sld>
+</file>
+
 <file path=ppt/slides/slide8.xml><?xml version="1.0" encoding="utf-8"?>
 <p:sld xmlns:a="http://schemas.openxmlformats.org/drawingml/2006/main" xmlns:r="http://schemas.openxmlformats.org/officeDocument/2006/relationships" xmlns:p="http://schemas.openxmlformats.org/presentationml/2006/main">
   <p:cSld>
@@ -9436,7 +9705,7 @@
           <p:cNvPr id="2" name="Cím 1">
             <a:extLst>
               <a:ext uri="{FF2B5EF4-FFF2-40B4-BE49-F238E27FC236}">
-                <a16:creationId xmlns:a16="http://schemas.microsoft.com/office/drawing/2014/main" id="{5CC86007-CC77-4239-AACF-ED0893073172}"/>
+                <a16:creationId xmlns:a16="http://schemas.microsoft.com/office/drawing/2014/main" id="{2CBFBA75-F042-45B2-BA06-922B7870523F}"/>
               </a:ext>
             </a:extLst>
           </p:cNvPr>
@@ -9462,7 +9731,7 @@
             </a:r>
             <a:r>
               <a:rPr lang="hu-HU" dirty="0"/>
-              <a:t> API</a:t>
+              <a:t> API-ok kiértékelése</a:t>
             </a:r>
           </a:p>
         </p:txBody>
@@ -9472,7 +9741,7 @@
           <p:cNvPr id="3" name="Tartalom helye 2">
             <a:extLst>
               <a:ext uri="{FF2B5EF4-FFF2-40B4-BE49-F238E27FC236}">
-                <a16:creationId xmlns:a16="http://schemas.microsoft.com/office/drawing/2014/main" id="{7571B6D9-B46C-463F-A6E4-DAB04674E8AB}"/>
+                <a16:creationId xmlns:a16="http://schemas.microsoft.com/office/drawing/2014/main" id="{381468CC-012A-4B49-A333-417C095C7720}"/>
               </a:ext>
             </a:extLst>
           </p:cNvPr>
@@ -9483,54 +9752,19 @@
             <p:ph idx="1"/>
           </p:nvPr>
         </p:nvSpPr>
-        <p:spPr>
-          <a:xfrm>
-            <a:off x="1117309" y="1701800"/>
-            <a:ext cx="5625175" cy="4470400"/>
-          </a:xfrm>
-        </p:spPr>
+        <p:spPr/>
         <p:txBody>
           <a:bodyPr/>
           <a:lstStyle/>
           <a:p>
-            <a:endParaRPr lang="hu-HU" dirty="0"/>
+            <a:endParaRPr lang="hu-HU"/>
           </a:p>
         </p:txBody>
       </p:sp>
-      <p:pic>
-        <p:nvPicPr>
-          <p:cNvPr id="4" name="Kép 3">
-            <a:extLst>
-              <a:ext uri="{FF2B5EF4-FFF2-40B4-BE49-F238E27FC236}">
-                <a16:creationId xmlns:a16="http://schemas.microsoft.com/office/drawing/2014/main" id="{6E15AE58-3EFB-49E5-919A-D75E244019FD}"/>
-              </a:ext>
-            </a:extLst>
-          </p:cNvPr>
-          <p:cNvPicPr>
-            <a:picLocks noChangeAspect="1"/>
-          </p:cNvPicPr>
-          <p:nvPr/>
-        </p:nvPicPr>
-        <p:blipFill>
-          <a:blip r:embed="rId2"/>
-          <a:stretch>
-            <a:fillRect/>
-          </a:stretch>
-        </p:blipFill>
-        <p:spPr>
-          <a:xfrm>
-            <a:off x="3929896" y="3429000"/>
-            <a:ext cx="7556515" cy="2858368"/>
-          </a:xfrm>
-          <a:prstGeom prst="rect">
-            <a:avLst/>
-          </a:prstGeom>
-        </p:spPr>
-      </p:pic>
     </p:spTree>
     <p:extLst>
       <p:ext uri="{BB962C8B-B14F-4D97-AF65-F5344CB8AC3E}">
-        <p14:creationId xmlns:p14="http://schemas.microsoft.com/office/powerpoint/2010/main" val="3511898306"/>
+        <p14:creationId xmlns:p14="http://schemas.microsoft.com/office/powerpoint/2010/main" val="867232101"/>
       </p:ext>
     </p:extLst>
   </p:cSld>
@@ -9571,10 +9805,10 @@
       </p:grpSpPr>
       <p:sp>
         <p:nvSpPr>
-          <p:cNvPr id="9" name="Title 1">
+          <p:cNvPr id="2" name="Cím 1">
             <a:extLst>
               <a:ext uri="{FF2B5EF4-FFF2-40B4-BE49-F238E27FC236}">
-                <a16:creationId xmlns:a16="http://schemas.microsoft.com/office/drawing/2014/main" id="{D3DC08C8-464B-4FA2-8D05-461857C595D6}"/>
+                <a16:creationId xmlns:a16="http://schemas.microsoft.com/office/drawing/2014/main" id="{5CC86007-CC77-4239-AACF-ED0893073172}"/>
               </a:ext>
             </a:extLst>
           </p:cNvPr>
@@ -9585,30 +9819,41 @@
             <p:ph type="title"/>
           </p:nvPr>
         </p:nvSpPr>
-        <p:spPr>
-          <a:xfrm>
-            <a:off x="1117309" y="76200"/>
-            <a:ext cx="10157354" cy="1397000"/>
-          </a:xfrm>
-        </p:spPr>
+        <p:spPr/>
         <p:txBody>
           <a:bodyPr/>
           <a:lstStyle/>
           <a:p>
             <a:r>
+              <a:rPr lang="hu-HU" dirty="0" err="1"/>
+              <a:t>Scholarly</a:t>
+            </a:r>
+            <a:r>
               <a:rPr lang="hu-HU" dirty="0"/>
-              <a:t>Hibakezelés</a:t>
+              <a:t> – </a:t>
             </a:r>
-            <a:endParaRPr lang="en-US" dirty="0"/>
+            <a:r>
+              <a:rPr lang="hu-HU" dirty="0" err="1"/>
+              <a:t>Flask</a:t>
+            </a:r>
+            <a:r>
+              <a:rPr lang="hu-HU" dirty="0"/>
+              <a:t> Python </a:t>
+            </a:r>
+            <a:r>
+              <a:rPr lang="hu-HU" dirty="0" err="1"/>
+              <a:t>RestAPI</a:t>
+            </a:r>
+            <a:endParaRPr lang="hu-HU" dirty="0"/>
           </a:p>
         </p:txBody>
       </p:sp>
       <p:sp>
         <p:nvSpPr>
-          <p:cNvPr id="11" name="Content Placeholder 2">
+          <p:cNvPr id="3" name="Tartalom helye 2">
             <a:extLst>
               <a:ext uri="{FF2B5EF4-FFF2-40B4-BE49-F238E27FC236}">
-                <a16:creationId xmlns:a16="http://schemas.microsoft.com/office/drawing/2014/main" id="{DC3D6E1F-0588-4E0D-97EF-DC827B415804}"/>
+                <a16:creationId xmlns:a16="http://schemas.microsoft.com/office/drawing/2014/main" id="{7571B6D9-B46C-463F-A6E4-DAB04674E8AB}"/>
               </a:ext>
             </a:extLst>
           </p:cNvPr>
@@ -9616,20 +9861,20 @@
             <a:spLocks noGrp="1"/>
           </p:cNvSpPr>
           <p:nvPr>
-            <p:ph sz="half" idx="1"/>
+            <p:ph idx="1"/>
           </p:nvPr>
         </p:nvSpPr>
         <p:spPr>
           <a:xfrm>
             <a:off x="1117309" y="1701800"/>
-            <a:ext cx="4977104" cy="4470400"/>
+            <a:ext cx="5625175" cy="4470400"/>
           </a:xfrm>
         </p:spPr>
         <p:txBody>
           <a:bodyPr/>
           <a:lstStyle/>
           <a:p>
-            <a:endParaRPr lang="en-US"/>
+            <a:endParaRPr lang="hu-HU" dirty="0"/>
           </a:p>
         </p:txBody>
       </p:sp>
@@ -9638,7 +9883,7 @@
           <p:cNvPr id="4" name="Kép 3">
             <a:extLst>
               <a:ext uri="{FF2B5EF4-FFF2-40B4-BE49-F238E27FC236}">
-                <a16:creationId xmlns:a16="http://schemas.microsoft.com/office/drawing/2014/main" id="{D2BFFE19-525F-4ADE-A30C-CFD3C53C920B}"/>
+                <a16:creationId xmlns:a16="http://schemas.microsoft.com/office/drawing/2014/main" id="{6E15AE58-3EFB-49E5-919A-D75E244019FD}"/>
               </a:ext>
             </a:extLst>
           </p:cNvPr>
@@ -9655,19 +9900,18 @@
         </p:blipFill>
         <p:spPr>
           <a:xfrm>
-            <a:off x="6297559" y="2338105"/>
-            <a:ext cx="4977104" cy="3197789"/>
+            <a:off x="3929896" y="3429000"/>
+            <a:ext cx="7556515" cy="2858368"/>
           </a:xfrm>
           <a:prstGeom prst="rect">
             <a:avLst/>
           </a:prstGeom>
-          <a:noFill/>
         </p:spPr>
       </p:pic>
     </p:spTree>
     <p:extLst>
       <p:ext uri="{BB962C8B-B14F-4D97-AF65-F5344CB8AC3E}">
-        <p14:creationId xmlns:p14="http://schemas.microsoft.com/office/powerpoint/2010/main" val="3962352319"/>
+        <p14:creationId xmlns:p14="http://schemas.microsoft.com/office/powerpoint/2010/main" val="3511898306"/>
       </p:ext>
     </p:extLst>
   </p:cSld>
@@ -10499,12 +10743,139 @@
 </file>
 
 <file path=customXml/item1.xml><?xml version="1.0" encoding="utf-8"?>
-<?mso-contentType ?>
-<FormTemplates xmlns="http://schemas.microsoft.com/sharepoint/v3/contenttype/forms">
-  <Display>DocumentLibraryForm</Display>
-  <Edit>AssetEditForm</Edit>
-  <New>DocumentLibraryForm</New>
-</FormTemplates>
+<p:properties xmlns:p="http://schemas.microsoft.com/office/2006/metadata/properties" xmlns:xsi="http://www.w3.org/2001/XMLSchema-instance" xmlns:pc="http://schemas.microsoft.com/office/infopath/2007/PartnerControls">
+  <documentManagement>
+    <LocPublishedLinkedAssetsLookup xmlns="4873beb7-5857-4685-be1f-d57550cc96cc" xsi:nil="true"/>
+    <ApprovalStatus xmlns="4873beb7-5857-4685-be1f-d57550cc96cc">InProgress</ApprovalStatus>
+    <MarketSpecific xmlns="4873beb7-5857-4685-be1f-d57550cc96cc">false</MarketSpecific>
+    <LocComments xmlns="4873beb7-5857-4685-be1f-d57550cc96cc" xsi:nil="true"/>
+    <LocLastLocAttemptVersionTypeLookup xmlns="4873beb7-5857-4685-be1f-d57550cc96cc" xsi:nil="true"/>
+    <DirectSourceMarket xmlns="4873beb7-5857-4685-be1f-d57550cc96cc" xsi:nil="true"/>
+    <ThumbnailAssetId xmlns="4873beb7-5857-4685-be1f-d57550cc96cc" xsi:nil="true"/>
+    <PrimaryImageGen xmlns="4873beb7-5857-4685-be1f-d57550cc96cc">false</PrimaryImageGen>
+    <LocNewPublishedVersionLookup xmlns="4873beb7-5857-4685-be1f-d57550cc96cc" xsi:nil="true"/>
+    <LegacyData xmlns="4873beb7-5857-4685-be1f-d57550cc96cc" xsi:nil="true"/>
+    <LocRecommendedHandoff xmlns="4873beb7-5857-4685-be1f-d57550cc96cc" xsi:nil="true"/>
+    <BusinessGroup xmlns="4873beb7-5857-4685-be1f-d57550cc96cc" xsi:nil="true"/>
+    <BlockPublish xmlns="4873beb7-5857-4685-be1f-d57550cc96cc">false</BlockPublish>
+    <TPFriendlyName xmlns="4873beb7-5857-4685-be1f-d57550cc96cc" xsi:nil="true"/>
+    <LocOverallPublishStatusLookup xmlns="4873beb7-5857-4685-be1f-d57550cc96cc" xsi:nil="true"/>
+    <NumericId xmlns="4873beb7-5857-4685-be1f-d57550cc96cc" xsi:nil="true"/>
+    <APEditor xmlns="4873beb7-5857-4685-be1f-d57550cc96cc">
+      <UserInfo>
+        <DisplayName/>
+        <AccountId xsi:nil="true"/>
+        <AccountType/>
+      </UserInfo>
+    </APEditor>
+    <SourceTitle xmlns="4873beb7-5857-4685-be1f-d57550cc96cc" xsi:nil="true"/>
+    <OpenTemplate xmlns="4873beb7-5857-4685-be1f-d57550cc96cc">true</OpenTemplate>
+    <LocOverallLocStatusLookup xmlns="4873beb7-5857-4685-be1f-d57550cc96cc" xsi:nil="true"/>
+    <UALocComments xmlns="4873beb7-5857-4685-be1f-d57550cc96cc" xsi:nil="true"/>
+    <ParentAssetId xmlns="4873beb7-5857-4685-be1f-d57550cc96cc" xsi:nil="true"/>
+    <IntlLangReviewDate xmlns="4873beb7-5857-4685-be1f-d57550cc96cc" xsi:nil="true"/>
+    <FeatureTagsTaxHTField0 xmlns="4873beb7-5857-4685-be1f-d57550cc96cc">
+      <Terms xmlns="http://schemas.microsoft.com/office/infopath/2007/PartnerControls"/>
+    </FeatureTagsTaxHTField0>
+    <PublishStatusLookup xmlns="4873beb7-5857-4685-be1f-d57550cc96cc">
+      <Value>1345039</Value>
+    </PublishStatusLookup>
+    <Providers xmlns="4873beb7-5857-4685-be1f-d57550cc96cc" xsi:nil="true"/>
+    <MachineTranslated xmlns="4873beb7-5857-4685-be1f-d57550cc96cc">false</MachineTranslated>
+    <OriginalSourceMarket xmlns="4873beb7-5857-4685-be1f-d57550cc96cc" xsi:nil="true"/>
+    <APDescription xmlns="4873beb7-5857-4685-be1f-d57550cc96cc">The bookstacks present on most slides  make this a good choice for students, teachers, reading enthusiasts, and others in education. This presentation template contains multiple slide layouts in widescreen format (16x9) and includes a sample table and chart that you can easily  modify.</APDescription>
+    <ClipArtFilename xmlns="4873beb7-5857-4685-be1f-d57550cc96cc" xsi:nil="true"/>
+    <ContentItem xmlns="4873beb7-5857-4685-be1f-d57550cc96cc" xsi:nil="true"/>
+    <TPInstallLocation xmlns="4873beb7-5857-4685-be1f-d57550cc96cc" xsi:nil="true"/>
+    <PublishTargets xmlns="4873beb7-5857-4685-be1f-d57550cc96cc">OfficeOnlineVNext</PublishTargets>
+    <TimesCloned xmlns="4873beb7-5857-4685-be1f-d57550cc96cc" xsi:nil="true"/>
+    <AssetStart xmlns="4873beb7-5857-4685-be1f-d57550cc96cc">2011-11-26T00:00:00+00:00</AssetStart>
+    <Provider xmlns="4873beb7-5857-4685-be1f-d57550cc96cc" xsi:nil="true"/>
+    <AcquiredFrom xmlns="4873beb7-5857-4685-be1f-d57550cc96cc">Internal MS</AcquiredFrom>
+    <FriendlyTitle xmlns="4873beb7-5857-4685-be1f-d57550cc96cc" xsi:nil="true"/>
+    <LastHandOff xmlns="4873beb7-5857-4685-be1f-d57550cc96cc" xsi:nil="true"/>
+    <TPClientViewer xmlns="4873beb7-5857-4685-be1f-d57550cc96cc" xsi:nil="true"/>
+    <TemplateStatus xmlns="4873beb7-5857-4685-be1f-d57550cc96cc">Complete</TemplateStatus>
+    <Downloads xmlns="4873beb7-5857-4685-be1f-d57550cc96cc">0</Downloads>
+    <OOCacheId xmlns="4873beb7-5857-4685-be1f-d57550cc96cc" xsi:nil="true"/>
+    <IsDeleted xmlns="4873beb7-5857-4685-be1f-d57550cc96cc">false</IsDeleted>
+    <LocPublishedDependentAssetsLookup xmlns="4873beb7-5857-4685-be1f-d57550cc96cc" xsi:nil="true"/>
+    <AssetExpire xmlns="4873beb7-5857-4685-be1f-d57550cc96cc">2029-05-12T07:00:00+00:00</AssetExpire>
+    <DSATActionTaken xmlns="4873beb7-5857-4685-be1f-d57550cc96cc" xsi:nil="true"/>
+    <CSXSubmissionMarket xmlns="4873beb7-5857-4685-be1f-d57550cc96cc" xsi:nil="true"/>
+    <TPExecutable xmlns="4873beb7-5857-4685-be1f-d57550cc96cc" xsi:nil="true"/>
+    <EditorialTags xmlns="4873beb7-5857-4685-be1f-d57550cc96cc" xsi:nil="true"/>
+    <SubmitterId xmlns="4873beb7-5857-4685-be1f-d57550cc96cc" xsi:nil="true"/>
+    <ApprovalLog xmlns="4873beb7-5857-4685-be1f-d57550cc96cc" xsi:nil="true"/>
+    <AssetType xmlns="4873beb7-5857-4685-be1f-d57550cc96cc">TP</AssetType>
+    <BugNumber xmlns="4873beb7-5857-4685-be1f-d57550cc96cc" xsi:nil="true"/>
+    <CSXSubmissionDate xmlns="4873beb7-5857-4685-be1f-d57550cc96cc" xsi:nil="true"/>
+    <CSXUpdate xmlns="4873beb7-5857-4685-be1f-d57550cc96cc">false</CSXUpdate>
+    <Milestone xmlns="4873beb7-5857-4685-be1f-d57550cc96cc" xsi:nil="true"/>
+    <RecommendationsModifier xmlns="4873beb7-5857-4685-be1f-d57550cc96cc" xsi:nil="true"/>
+    <OriginAsset xmlns="4873beb7-5857-4685-be1f-d57550cc96cc" xsi:nil="true"/>
+    <TPComponent xmlns="4873beb7-5857-4685-be1f-d57550cc96cc" xsi:nil="true"/>
+    <AssetId xmlns="4873beb7-5857-4685-be1f-d57550cc96cc">TP102787939</AssetId>
+    <IntlLocPriority xmlns="4873beb7-5857-4685-be1f-d57550cc96cc" xsi:nil="true"/>
+    <PolicheckWords xmlns="4873beb7-5857-4685-be1f-d57550cc96cc" xsi:nil="true"/>
+    <TPLaunchHelpLink xmlns="4873beb7-5857-4685-be1f-d57550cc96cc" xsi:nil="true"/>
+    <TPApplication xmlns="4873beb7-5857-4685-be1f-d57550cc96cc" xsi:nil="true"/>
+    <CrawlForDependencies xmlns="4873beb7-5857-4685-be1f-d57550cc96cc">false</CrawlForDependencies>
+    <HandoffToMSDN xmlns="4873beb7-5857-4685-be1f-d57550cc96cc" xsi:nil="true"/>
+    <PlannedPubDate xmlns="4873beb7-5857-4685-be1f-d57550cc96cc" xsi:nil="true"/>
+    <IntlLangReviewer xmlns="4873beb7-5857-4685-be1f-d57550cc96cc" xsi:nil="true"/>
+    <TrustLevel xmlns="4873beb7-5857-4685-be1f-d57550cc96cc">1 Microsoft Managed Content</TrustLevel>
+    <LocLastLocAttemptVersionLookup xmlns="4873beb7-5857-4685-be1f-d57550cc96cc">694216</LocLastLocAttemptVersionLookup>
+    <LocProcessedForHandoffsLookup xmlns="4873beb7-5857-4685-be1f-d57550cc96cc" xsi:nil="true"/>
+    <IsSearchable xmlns="4873beb7-5857-4685-be1f-d57550cc96cc">true</IsSearchable>
+    <TemplateTemplateType xmlns="4873beb7-5857-4685-be1f-d57550cc96cc">PowerPoint Presentation Template</TemplateTemplateType>
+    <CampaignTagsTaxHTField0 xmlns="4873beb7-5857-4685-be1f-d57550cc96cc">
+      <Terms xmlns="http://schemas.microsoft.com/office/infopath/2007/PartnerControls"/>
+    </CampaignTagsTaxHTField0>
+    <TPNamespace xmlns="4873beb7-5857-4685-be1f-d57550cc96cc" xsi:nil="true"/>
+    <LocOverallPreviewStatusLookup xmlns="4873beb7-5857-4685-be1f-d57550cc96cc" xsi:nil="true"/>
+    <TaxCatchAll xmlns="4873beb7-5857-4685-be1f-d57550cc96cc"/>
+    <Markets xmlns="4873beb7-5857-4685-be1f-d57550cc96cc"/>
+    <UAProjectedTotalWords xmlns="4873beb7-5857-4685-be1f-d57550cc96cc" xsi:nil="true"/>
+    <IntlLangReview xmlns="4873beb7-5857-4685-be1f-d57550cc96cc" xsi:nil="true"/>
+    <OutputCachingOn xmlns="4873beb7-5857-4685-be1f-d57550cc96cc">false</OutputCachingOn>
+    <AverageRating xmlns="4873beb7-5857-4685-be1f-d57550cc96cc" xsi:nil="true"/>
+    <APAuthor xmlns="4873beb7-5857-4685-be1f-d57550cc96cc">
+      <UserInfo>
+        <DisplayName>REDMOND\kristaa</DisplayName>
+        <AccountId>136</AccountId>
+        <AccountType/>
+      </UserInfo>
+    </APAuthor>
+    <LocManualTestRequired xmlns="4873beb7-5857-4685-be1f-d57550cc96cc">false</LocManualTestRequired>
+    <TPCommandLine xmlns="4873beb7-5857-4685-be1f-d57550cc96cc" xsi:nil="true"/>
+    <TPAppVersion xmlns="4873beb7-5857-4685-be1f-d57550cc96cc" xsi:nil="true"/>
+    <EditorialStatus xmlns="4873beb7-5857-4685-be1f-d57550cc96cc">Complete</EditorialStatus>
+    <LastModifiedDateTime xmlns="4873beb7-5857-4685-be1f-d57550cc96cc" xsi:nil="true"/>
+    <ScenarioTagsTaxHTField0 xmlns="4873beb7-5857-4685-be1f-d57550cc96cc">
+      <Terms xmlns="http://schemas.microsoft.com/office/infopath/2007/PartnerControls"/>
+    </ScenarioTagsTaxHTField0>
+    <LocProcessedForMarketsLookup xmlns="4873beb7-5857-4685-be1f-d57550cc96cc" xsi:nil="true"/>
+    <TPLaunchHelpLinkType xmlns="4873beb7-5857-4685-be1f-d57550cc96cc">Template</TPLaunchHelpLinkType>
+    <OriginalRelease xmlns="4873beb7-5857-4685-be1f-d57550cc96cc">15</OriginalRelease>
+    <LocalizationTagsTaxHTField0 xmlns="4873beb7-5857-4685-be1f-d57550cc96cc">
+      <Terms xmlns="http://schemas.microsoft.com/office/infopath/2007/PartnerControls"/>
+    </LocalizationTagsTaxHTField0>
+    <UACurrentWords xmlns="4873beb7-5857-4685-be1f-d57550cc96cc" xsi:nil="true"/>
+    <ArtSampleDocs xmlns="4873beb7-5857-4685-be1f-d57550cc96cc" xsi:nil="true"/>
+    <UALocRecommendation xmlns="4873beb7-5857-4685-be1f-d57550cc96cc">Localize</UALocRecommendation>
+    <Manager xmlns="4873beb7-5857-4685-be1f-d57550cc96cc" xsi:nil="true"/>
+    <LocOverallHandbackStatusLookup xmlns="4873beb7-5857-4685-be1f-d57550cc96cc" xsi:nil="true"/>
+    <ShowIn xmlns="4873beb7-5857-4685-be1f-d57550cc96cc">Show everywhere</ShowIn>
+    <UANotes xmlns="4873beb7-5857-4685-be1f-d57550cc96cc" xsi:nil="true"/>
+    <InternalTagsTaxHTField0 xmlns="4873beb7-5857-4685-be1f-d57550cc96cc">
+      <Terms xmlns="http://schemas.microsoft.com/office/infopath/2007/PartnerControls"/>
+    </InternalTagsTaxHTField0>
+    <CSXHash xmlns="4873beb7-5857-4685-be1f-d57550cc96cc" xsi:nil="true"/>
+    <VoteCount xmlns="4873beb7-5857-4685-be1f-d57550cc96cc" xsi:nil="true"/>
+    <LocMarketGroupTiers2 xmlns="4873beb7-5857-4685-be1f-d57550cc96cc" xsi:nil="true"/>
+  </documentManagement>
+</p:properties>
 </file>
 
 <file path=customXml/item2.xml><?xml version="1.0" encoding="utf-8"?>
@@ -11548,145 +11919,20 @@
 </file>
 
 <file path=customXml/item3.xml><?xml version="1.0" encoding="utf-8"?>
-<p:properties xmlns:p="http://schemas.microsoft.com/office/2006/metadata/properties" xmlns:xsi="http://www.w3.org/2001/XMLSchema-instance" xmlns:pc="http://schemas.microsoft.com/office/infopath/2007/PartnerControls">
-  <documentManagement>
-    <LocPublishedLinkedAssetsLookup xmlns="4873beb7-5857-4685-be1f-d57550cc96cc" xsi:nil="true"/>
-    <ApprovalStatus xmlns="4873beb7-5857-4685-be1f-d57550cc96cc">InProgress</ApprovalStatus>
-    <MarketSpecific xmlns="4873beb7-5857-4685-be1f-d57550cc96cc">false</MarketSpecific>
-    <LocComments xmlns="4873beb7-5857-4685-be1f-d57550cc96cc" xsi:nil="true"/>
-    <LocLastLocAttemptVersionTypeLookup xmlns="4873beb7-5857-4685-be1f-d57550cc96cc" xsi:nil="true"/>
-    <DirectSourceMarket xmlns="4873beb7-5857-4685-be1f-d57550cc96cc" xsi:nil="true"/>
-    <ThumbnailAssetId xmlns="4873beb7-5857-4685-be1f-d57550cc96cc" xsi:nil="true"/>
-    <PrimaryImageGen xmlns="4873beb7-5857-4685-be1f-d57550cc96cc">false</PrimaryImageGen>
-    <LocNewPublishedVersionLookup xmlns="4873beb7-5857-4685-be1f-d57550cc96cc" xsi:nil="true"/>
-    <LegacyData xmlns="4873beb7-5857-4685-be1f-d57550cc96cc" xsi:nil="true"/>
-    <LocRecommendedHandoff xmlns="4873beb7-5857-4685-be1f-d57550cc96cc" xsi:nil="true"/>
-    <BusinessGroup xmlns="4873beb7-5857-4685-be1f-d57550cc96cc" xsi:nil="true"/>
-    <BlockPublish xmlns="4873beb7-5857-4685-be1f-d57550cc96cc">false</BlockPublish>
-    <TPFriendlyName xmlns="4873beb7-5857-4685-be1f-d57550cc96cc" xsi:nil="true"/>
-    <LocOverallPublishStatusLookup xmlns="4873beb7-5857-4685-be1f-d57550cc96cc" xsi:nil="true"/>
-    <NumericId xmlns="4873beb7-5857-4685-be1f-d57550cc96cc" xsi:nil="true"/>
-    <APEditor xmlns="4873beb7-5857-4685-be1f-d57550cc96cc">
-      <UserInfo>
-        <DisplayName/>
-        <AccountId xsi:nil="true"/>
-        <AccountType/>
-      </UserInfo>
-    </APEditor>
-    <SourceTitle xmlns="4873beb7-5857-4685-be1f-d57550cc96cc" xsi:nil="true"/>
-    <OpenTemplate xmlns="4873beb7-5857-4685-be1f-d57550cc96cc">true</OpenTemplate>
-    <LocOverallLocStatusLookup xmlns="4873beb7-5857-4685-be1f-d57550cc96cc" xsi:nil="true"/>
-    <UALocComments xmlns="4873beb7-5857-4685-be1f-d57550cc96cc" xsi:nil="true"/>
-    <ParentAssetId xmlns="4873beb7-5857-4685-be1f-d57550cc96cc" xsi:nil="true"/>
-    <IntlLangReviewDate xmlns="4873beb7-5857-4685-be1f-d57550cc96cc" xsi:nil="true"/>
-    <FeatureTagsTaxHTField0 xmlns="4873beb7-5857-4685-be1f-d57550cc96cc">
-      <Terms xmlns="http://schemas.microsoft.com/office/infopath/2007/PartnerControls"/>
-    </FeatureTagsTaxHTField0>
-    <PublishStatusLookup xmlns="4873beb7-5857-4685-be1f-d57550cc96cc">
-      <Value>1345039</Value>
-    </PublishStatusLookup>
-    <Providers xmlns="4873beb7-5857-4685-be1f-d57550cc96cc" xsi:nil="true"/>
-    <MachineTranslated xmlns="4873beb7-5857-4685-be1f-d57550cc96cc">false</MachineTranslated>
-    <OriginalSourceMarket xmlns="4873beb7-5857-4685-be1f-d57550cc96cc" xsi:nil="true"/>
-    <APDescription xmlns="4873beb7-5857-4685-be1f-d57550cc96cc">The bookstacks present on most slides  make this a good choice for students, teachers, reading enthusiasts, and others in education. This presentation template contains multiple slide layouts in widescreen format (16x9) and includes a sample table and chart that you can easily  modify.</APDescription>
-    <ClipArtFilename xmlns="4873beb7-5857-4685-be1f-d57550cc96cc" xsi:nil="true"/>
-    <ContentItem xmlns="4873beb7-5857-4685-be1f-d57550cc96cc" xsi:nil="true"/>
-    <TPInstallLocation xmlns="4873beb7-5857-4685-be1f-d57550cc96cc" xsi:nil="true"/>
-    <PublishTargets xmlns="4873beb7-5857-4685-be1f-d57550cc96cc">OfficeOnlineVNext</PublishTargets>
-    <TimesCloned xmlns="4873beb7-5857-4685-be1f-d57550cc96cc" xsi:nil="true"/>
-    <AssetStart xmlns="4873beb7-5857-4685-be1f-d57550cc96cc">2011-11-26T00:00:00+00:00</AssetStart>
-    <Provider xmlns="4873beb7-5857-4685-be1f-d57550cc96cc" xsi:nil="true"/>
-    <AcquiredFrom xmlns="4873beb7-5857-4685-be1f-d57550cc96cc">Internal MS</AcquiredFrom>
-    <FriendlyTitle xmlns="4873beb7-5857-4685-be1f-d57550cc96cc" xsi:nil="true"/>
-    <LastHandOff xmlns="4873beb7-5857-4685-be1f-d57550cc96cc" xsi:nil="true"/>
-    <TPClientViewer xmlns="4873beb7-5857-4685-be1f-d57550cc96cc" xsi:nil="true"/>
-    <TemplateStatus xmlns="4873beb7-5857-4685-be1f-d57550cc96cc">Complete</TemplateStatus>
-    <Downloads xmlns="4873beb7-5857-4685-be1f-d57550cc96cc">0</Downloads>
-    <OOCacheId xmlns="4873beb7-5857-4685-be1f-d57550cc96cc" xsi:nil="true"/>
-    <IsDeleted xmlns="4873beb7-5857-4685-be1f-d57550cc96cc">false</IsDeleted>
-    <LocPublishedDependentAssetsLookup xmlns="4873beb7-5857-4685-be1f-d57550cc96cc" xsi:nil="true"/>
-    <AssetExpire xmlns="4873beb7-5857-4685-be1f-d57550cc96cc">2029-05-12T07:00:00+00:00</AssetExpire>
-    <DSATActionTaken xmlns="4873beb7-5857-4685-be1f-d57550cc96cc" xsi:nil="true"/>
-    <CSXSubmissionMarket xmlns="4873beb7-5857-4685-be1f-d57550cc96cc" xsi:nil="true"/>
-    <TPExecutable xmlns="4873beb7-5857-4685-be1f-d57550cc96cc" xsi:nil="true"/>
-    <EditorialTags xmlns="4873beb7-5857-4685-be1f-d57550cc96cc" xsi:nil="true"/>
-    <SubmitterId xmlns="4873beb7-5857-4685-be1f-d57550cc96cc" xsi:nil="true"/>
-    <ApprovalLog xmlns="4873beb7-5857-4685-be1f-d57550cc96cc" xsi:nil="true"/>
-    <AssetType xmlns="4873beb7-5857-4685-be1f-d57550cc96cc">TP</AssetType>
-    <BugNumber xmlns="4873beb7-5857-4685-be1f-d57550cc96cc" xsi:nil="true"/>
-    <CSXSubmissionDate xmlns="4873beb7-5857-4685-be1f-d57550cc96cc" xsi:nil="true"/>
-    <CSXUpdate xmlns="4873beb7-5857-4685-be1f-d57550cc96cc">false</CSXUpdate>
-    <Milestone xmlns="4873beb7-5857-4685-be1f-d57550cc96cc" xsi:nil="true"/>
-    <RecommendationsModifier xmlns="4873beb7-5857-4685-be1f-d57550cc96cc" xsi:nil="true"/>
-    <OriginAsset xmlns="4873beb7-5857-4685-be1f-d57550cc96cc" xsi:nil="true"/>
-    <TPComponent xmlns="4873beb7-5857-4685-be1f-d57550cc96cc" xsi:nil="true"/>
-    <AssetId xmlns="4873beb7-5857-4685-be1f-d57550cc96cc">TP102787939</AssetId>
-    <IntlLocPriority xmlns="4873beb7-5857-4685-be1f-d57550cc96cc" xsi:nil="true"/>
-    <PolicheckWords xmlns="4873beb7-5857-4685-be1f-d57550cc96cc" xsi:nil="true"/>
-    <TPLaunchHelpLink xmlns="4873beb7-5857-4685-be1f-d57550cc96cc" xsi:nil="true"/>
-    <TPApplication xmlns="4873beb7-5857-4685-be1f-d57550cc96cc" xsi:nil="true"/>
-    <CrawlForDependencies xmlns="4873beb7-5857-4685-be1f-d57550cc96cc">false</CrawlForDependencies>
-    <HandoffToMSDN xmlns="4873beb7-5857-4685-be1f-d57550cc96cc" xsi:nil="true"/>
-    <PlannedPubDate xmlns="4873beb7-5857-4685-be1f-d57550cc96cc" xsi:nil="true"/>
-    <IntlLangReviewer xmlns="4873beb7-5857-4685-be1f-d57550cc96cc" xsi:nil="true"/>
-    <TrustLevel xmlns="4873beb7-5857-4685-be1f-d57550cc96cc">1 Microsoft Managed Content</TrustLevel>
-    <LocLastLocAttemptVersionLookup xmlns="4873beb7-5857-4685-be1f-d57550cc96cc">694216</LocLastLocAttemptVersionLookup>
-    <LocProcessedForHandoffsLookup xmlns="4873beb7-5857-4685-be1f-d57550cc96cc" xsi:nil="true"/>
-    <IsSearchable xmlns="4873beb7-5857-4685-be1f-d57550cc96cc">true</IsSearchable>
-    <TemplateTemplateType xmlns="4873beb7-5857-4685-be1f-d57550cc96cc">PowerPoint Presentation Template</TemplateTemplateType>
-    <CampaignTagsTaxHTField0 xmlns="4873beb7-5857-4685-be1f-d57550cc96cc">
-      <Terms xmlns="http://schemas.microsoft.com/office/infopath/2007/PartnerControls"/>
-    </CampaignTagsTaxHTField0>
-    <TPNamespace xmlns="4873beb7-5857-4685-be1f-d57550cc96cc" xsi:nil="true"/>
-    <LocOverallPreviewStatusLookup xmlns="4873beb7-5857-4685-be1f-d57550cc96cc" xsi:nil="true"/>
-    <TaxCatchAll xmlns="4873beb7-5857-4685-be1f-d57550cc96cc"/>
-    <Markets xmlns="4873beb7-5857-4685-be1f-d57550cc96cc"/>
-    <UAProjectedTotalWords xmlns="4873beb7-5857-4685-be1f-d57550cc96cc" xsi:nil="true"/>
-    <IntlLangReview xmlns="4873beb7-5857-4685-be1f-d57550cc96cc" xsi:nil="true"/>
-    <OutputCachingOn xmlns="4873beb7-5857-4685-be1f-d57550cc96cc">false</OutputCachingOn>
-    <AverageRating xmlns="4873beb7-5857-4685-be1f-d57550cc96cc" xsi:nil="true"/>
-    <APAuthor xmlns="4873beb7-5857-4685-be1f-d57550cc96cc">
-      <UserInfo>
-        <DisplayName>REDMOND\kristaa</DisplayName>
-        <AccountId>136</AccountId>
-        <AccountType/>
-      </UserInfo>
-    </APAuthor>
-    <LocManualTestRequired xmlns="4873beb7-5857-4685-be1f-d57550cc96cc">false</LocManualTestRequired>
-    <TPCommandLine xmlns="4873beb7-5857-4685-be1f-d57550cc96cc" xsi:nil="true"/>
-    <TPAppVersion xmlns="4873beb7-5857-4685-be1f-d57550cc96cc" xsi:nil="true"/>
-    <EditorialStatus xmlns="4873beb7-5857-4685-be1f-d57550cc96cc">Complete</EditorialStatus>
-    <LastModifiedDateTime xmlns="4873beb7-5857-4685-be1f-d57550cc96cc" xsi:nil="true"/>
-    <ScenarioTagsTaxHTField0 xmlns="4873beb7-5857-4685-be1f-d57550cc96cc">
-      <Terms xmlns="http://schemas.microsoft.com/office/infopath/2007/PartnerControls"/>
-    </ScenarioTagsTaxHTField0>
-    <LocProcessedForMarketsLookup xmlns="4873beb7-5857-4685-be1f-d57550cc96cc" xsi:nil="true"/>
-    <TPLaunchHelpLinkType xmlns="4873beb7-5857-4685-be1f-d57550cc96cc">Template</TPLaunchHelpLinkType>
-    <OriginalRelease xmlns="4873beb7-5857-4685-be1f-d57550cc96cc">15</OriginalRelease>
-    <LocalizationTagsTaxHTField0 xmlns="4873beb7-5857-4685-be1f-d57550cc96cc">
-      <Terms xmlns="http://schemas.microsoft.com/office/infopath/2007/PartnerControls"/>
-    </LocalizationTagsTaxHTField0>
-    <UACurrentWords xmlns="4873beb7-5857-4685-be1f-d57550cc96cc" xsi:nil="true"/>
-    <ArtSampleDocs xmlns="4873beb7-5857-4685-be1f-d57550cc96cc" xsi:nil="true"/>
-    <UALocRecommendation xmlns="4873beb7-5857-4685-be1f-d57550cc96cc">Localize</UALocRecommendation>
-    <Manager xmlns="4873beb7-5857-4685-be1f-d57550cc96cc" xsi:nil="true"/>
-    <LocOverallHandbackStatusLookup xmlns="4873beb7-5857-4685-be1f-d57550cc96cc" xsi:nil="true"/>
-    <ShowIn xmlns="4873beb7-5857-4685-be1f-d57550cc96cc">Show everywhere</ShowIn>
-    <UANotes xmlns="4873beb7-5857-4685-be1f-d57550cc96cc" xsi:nil="true"/>
-    <InternalTagsTaxHTField0 xmlns="4873beb7-5857-4685-be1f-d57550cc96cc">
-      <Terms xmlns="http://schemas.microsoft.com/office/infopath/2007/PartnerControls"/>
-    </InternalTagsTaxHTField0>
-    <CSXHash xmlns="4873beb7-5857-4685-be1f-d57550cc96cc" xsi:nil="true"/>
-    <VoteCount xmlns="4873beb7-5857-4685-be1f-d57550cc96cc" xsi:nil="true"/>
-    <LocMarketGroupTiers2 xmlns="4873beb7-5857-4685-be1f-d57550cc96cc" xsi:nil="true"/>
-  </documentManagement>
-</p:properties>
+<?mso-contentType ?>
+<FormTemplates xmlns="http://schemas.microsoft.com/sharepoint/v3/contenttype/forms">
+  <Display>DocumentLibraryForm</Display>
+  <Edit>AssetEditForm</Edit>
+  <New>DocumentLibraryForm</New>
+</FormTemplates>
 </file>
 
 <file path=customXml/itemProps1.xml><?xml version="1.0" encoding="utf-8"?>
-<ds:datastoreItem xmlns:ds="http://schemas.openxmlformats.org/officeDocument/2006/customXml" ds:itemID="{E1B558C7-619B-49BE-9097-7FCBDADD4ECE}">
+<ds:datastoreItem xmlns:ds="http://schemas.openxmlformats.org/officeDocument/2006/customXml" ds:itemID="{F301D382-32B0-43EE-932C-28906AF37617}">
   <ds:schemaRefs>
-    <ds:schemaRef ds:uri="http://schemas.microsoft.com/sharepoint/v3/contenttype/forms"/>
+    <ds:schemaRef ds:uri="http://schemas.microsoft.com/office/2006/metadata/properties"/>
+    <ds:schemaRef ds:uri="http://schemas.microsoft.com/office/infopath/2007/PartnerControls"/>
+    <ds:schemaRef ds:uri="4873beb7-5857-4685-be1f-d57550cc96cc"/>
   </ds:schemaRefs>
 </ds:datastoreItem>
 </file>
@@ -11710,11 +11956,9 @@
 </file>
 
 <file path=customXml/itemProps3.xml><?xml version="1.0" encoding="utf-8"?>
-<ds:datastoreItem xmlns:ds="http://schemas.openxmlformats.org/officeDocument/2006/customXml" ds:itemID="{F301D382-32B0-43EE-932C-28906AF37617}">
+<ds:datastoreItem xmlns:ds="http://schemas.openxmlformats.org/officeDocument/2006/customXml" ds:itemID="{E1B558C7-619B-49BE-9097-7FCBDADD4ECE}">
   <ds:schemaRefs>
-    <ds:schemaRef ds:uri="http://schemas.microsoft.com/office/2006/metadata/properties"/>
-    <ds:schemaRef ds:uri="http://schemas.microsoft.com/office/infopath/2007/PartnerControls"/>
-    <ds:schemaRef ds:uri="4873beb7-5857-4685-be1f-d57550cc96cc"/>
+    <ds:schemaRef ds:uri="http://schemas.microsoft.com/sharepoint/v3/contenttype/forms"/>
   </ds:schemaRefs>
 </ds:datastoreItem>
 </file>
--- a/Publikációs listák szinkronizálása.pptx
+++ b/Publikációs listák szinkronizálása.pptx
@@ -5,31 +5,33 @@
     <p:sldMasterId id="2147483660" r:id="rId4"/>
   </p:sldMasterIdLst>
   <p:notesMasterIdLst>
-    <p:notesMasterId r:id="rId24"/>
+    <p:notesMasterId r:id="rId26"/>
   </p:notesMasterIdLst>
   <p:handoutMasterIdLst>
-    <p:handoutMasterId r:id="rId25"/>
+    <p:handoutMasterId r:id="rId27"/>
   </p:handoutMasterIdLst>
   <p:sldIdLst>
     <p:sldId id="264" r:id="rId5"/>
     <p:sldId id="276" r:id="rId6"/>
     <p:sldId id="279" r:id="rId7"/>
-    <p:sldId id="295" r:id="rId8"/>
-    <p:sldId id="293" r:id="rId9"/>
-    <p:sldId id="294" r:id="rId10"/>
-    <p:sldId id="282" r:id="rId11"/>
-    <p:sldId id="297" r:id="rId12"/>
-    <p:sldId id="292" r:id="rId13"/>
-    <p:sldId id="298" r:id="rId14"/>
-    <p:sldId id="285" r:id="rId15"/>
-    <p:sldId id="291" r:id="rId16"/>
+    <p:sldId id="300" r:id="rId8"/>
+    <p:sldId id="295" r:id="rId9"/>
+    <p:sldId id="293" r:id="rId10"/>
+    <p:sldId id="294" r:id="rId11"/>
+    <p:sldId id="282" r:id="rId12"/>
+    <p:sldId id="299" r:id="rId13"/>
+    <p:sldId id="297" r:id="rId14"/>
+    <p:sldId id="292" r:id="rId15"/>
+    <p:sldId id="298" r:id="rId16"/>
     <p:sldId id="287" r:id="rId17"/>
     <p:sldId id="288" r:id="rId18"/>
     <p:sldId id="286" r:id="rId19"/>
-    <p:sldId id="289" r:id="rId20"/>
-    <p:sldId id="296" r:id="rId21"/>
-    <p:sldId id="290" r:id="rId22"/>
-    <p:sldId id="266" r:id="rId23"/>
+    <p:sldId id="291" r:id="rId20"/>
+    <p:sldId id="285" r:id="rId21"/>
+    <p:sldId id="296" r:id="rId22"/>
+    <p:sldId id="289" r:id="rId23"/>
+    <p:sldId id="290" r:id="rId24"/>
+    <p:sldId id="266" r:id="rId25"/>
   </p:sldIdLst>
   <p:sldSz cx="12188825" cy="6858000"/>
   <p:notesSz cx="6858000" cy="9144000"/>
@@ -3369,7 +3371,7 @@
                 </a:solidFill>
               </a:rPr>
               <a:pPr algn="r" rtl="0"/>
-              <a:t>2021. 05. 06.</a:t>
+              <a:t>2021. 05. 09.</a:t>
             </a:fld>
             <a:endParaRPr lang="hu-HU" dirty="0">
               <a:solidFill>
@@ -3468,6 +3470,7 @@
     </p:extLst>
   </p:cSld>
   <p:clrMap bg1="lt1" tx1="dk1" bg2="lt2" tx2="dk2" accent1="accent1" accent2="accent2" accent3="accent3" accent4="accent4" accent5="accent5" accent6="accent6" hlink="hlink" folHlink="folHlink"/>
+  <p:hf hdr="0" dt="0"/>
 </p:handoutMaster>
 </file>
 
@@ -3563,7 +3566,7 @@
             <a:fld id="{6648EB40-417A-43B6-8398-70047EA5A74C}" type="datetime1">
               <a:rPr lang="hu-HU" smtClean="0"/>
               <a:pPr/>
-              <a:t>2021. 05. 06.</a:t>
+              <a:t>2021. 05. 09.</a:t>
             </a:fld>
             <a:endParaRPr lang="hu-HU" dirty="0"/>
           </a:p>
@@ -3746,6 +3749,7 @@
     </p:extLst>
   </p:cSld>
   <p:clrMap bg1="lt1" tx1="dk1" bg2="lt2" tx2="dk2" accent1="accent1" accent2="accent2" accent3="accent3" accent4="accent4" accent5="accent5" accent6="accent6" hlink="hlink" folHlink="folHlink"/>
+  <p:hf hdr="0" dt="0"/>
   <p:notesStyle>
     <a:lvl1pPr marL="0" algn="l" defTabSz="1218987" rtl="0" eaLnBrk="1" latinLnBrk="0" hangingPunct="1">
       <a:defRPr sz="1600" kern="1200">
@@ -3913,10 +3917,147 @@
           </a:p>
         </p:txBody>
       </p:sp>
+      <p:sp>
+        <p:nvSpPr>
+          <p:cNvPr id="5" name="Élőláb helye 4">
+            <a:extLst>
+              <a:ext uri="{FF2B5EF4-FFF2-40B4-BE49-F238E27FC236}">
+                <a16:creationId xmlns:a16="http://schemas.microsoft.com/office/drawing/2014/main" id="{86DDA7D5-F993-4875-97DA-267C00D8819D}"/>
+              </a:ext>
+            </a:extLst>
+          </p:cNvPr>
+          <p:cNvSpPr>
+            <a:spLocks noGrp="1"/>
+          </p:cNvSpPr>
+          <p:nvPr>
+            <p:ph type="ftr" sz="quarter" idx="4"/>
+          </p:nvPr>
+        </p:nvSpPr>
+        <p:spPr/>
+        <p:txBody>
+          <a:bodyPr/>
+          <a:lstStyle/>
+          <a:p>
+            <a:pPr rtl="0"/>
+            <a:endParaRPr lang="hu-HU" dirty="0"/>
+          </a:p>
+        </p:txBody>
+      </p:sp>
     </p:spTree>
     <p:extLst>
       <p:ext uri="{BB962C8B-B14F-4D97-AF65-F5344CB8AC3E}">
         <p14:creationId xmlns:p14="http://schemas.microsoft.com/office/powerpoint/2010/main" val="3258677175"/>
+      </p:ext>
+    </p:extLst>
+  </p:cSld>
+  <p:clrMapOvr>
+    <a:masterClrMapping/>
+  </p:clrMapOvr>
+</p:notes>
+</file>
+
+<file path=ppt/notesSlides/notesSlide2.xml><?xml version="1.0" encoding="utf-8"?>
+<p:notes xmlns:a="http://schemas.openxmlformats.org/drawingml/2006/main" xmlns:r="http://schemas.openxmlformats.org/officeDocument/2006/relationships" xmlns:p="http://schemas.openxmlformats.org/presentationml/2006/main">
+  <p:cSld>
+    <p:spTree>
+      <p:nvGrpSpPr>
+        <p:cNvPr id="1" name=""/>
+        <p:cNvGrpSpPr/>
+        <p:nvPr/>
+      </p:nvGrpSpPr>
+      <p:grpSpPr>
+        <a:xfrm>
+          <a:off x="0" y="0"/>
+          <a:ext cx="0" cy="0"/>
+          <a:chOff x="0" y="0"/>
+          <a:chExt cx="0" cy="0"/>
+        </a:xfrm>
+      </p:grpSpPr>
+      <p:sp>
+        <p:nvSpPr>
+          <p:cNvPr id="2" name="Diakép helye 1"/>
+          <p:cNvSpPr>
+            <a:spLocks noGrp="1" noRot="1" noChangeAspect="1"/>
+          </p:cNvSpPr>
+          <p:nvPr>
+            <p:ph type="sldImg"/>
+          </p:nvPr>
+        </p:nvSpPr>
+        <p:spPr/>
+      </p:sp>
+      <p:sp>
+        <p:nvSpPr>
+          <p:cNvPr id="3" name="Jegyzetek helye 2"/>
+          <p:cNvSpPr>
+            <a:spLocks noGrp="1"/>
+          </p:cNvSpPr>
+          <p:nvPr>
+            <p:ph type="body" idx="1"/>
+          </p:nvPr>
+        </p:nvSpPr>
+        <p:spPr/>
+        <p:txBody>
+          <a:bodyPr/>
+          <a:lstStyle/>
+          <a:p>
+            <a:endParaRPr lang="hu-HU"/>
+          </a:p>
+        </p:txBody>
+      </p:sp>
+      <p:sp>
+        <p:nvSpPr>
+          <p:cNvPr id="4" name="Dia számának helye 3"/>
+          <p:cNvSpPr>
+            <a:spLocks noGrp="1"/>
+          </p:cNvSpPr>
+          <p:nvPr>
+            <p:ph type="sldNum" sz="quarter" idx="5"/>
+          </p:nvPr>
+        </p:nvSpPr>
+        <p:spPr/>
+        <p:txBody>
+          <a:bodyPr/>
+          <a:lstStyle/>
+          <a:p>
+            <a:fld id="{B8796F01-7154-41E0-B48B-A6921757531A}" type="slidenum">
+              <a:rPr lang="hu-HU" smtClean="0"/>
+              <a:pPr/>
+              <a:t>2</a:t>
+            </a:fld>
+            <a:endParaRPr lang="hu-HU" dirty="0"/>
+          </a:p>
+        </p:txBody>
+      </p:sp>
+      <p:sp>
+        <p:nvSpPr>
+          <p:cNvPr id="5" name="Élőláb helye 4">
+            <a:extLst>
+              <a:ext uri="{FF2B5EF4-FFF2-40B4-BE49-F238E27FC236}">
+                <a16:creationId xmlns:a16="http://schemas.microsoft.com/office/drawing/2014/main" id="{CF51E053-7D30-4E23-A4D2-240EF4315E14}"/>
+              </a:ext>
+            </a:extLst>
+          </p:cNvPr>
+          <p:cNvSpPr>
+            <a:spLocks noGrp="1"/>
+          </p:cNvSpPr>
+          <p:nvPr>
+            <p:ph type="ftr" sz="quarter" idx="4"/>
+          </p:nvPr>
+        </p:nvSpPr>
+        <p:spPr/>
+        <p:txBody>
+          <a:bodyPr/>
+          <a:lstStyle/>
+          <a:p>
+            <a:pPr rtl="0"/>
+            <a:endParaRPr lang="hu-HU" dirty="0"/>
+          </a:p>
+        </p:txBody>
+      </p:sp>
+    </p:spTree>
+    <p:extLst>
+      <p:ext uri="{BB962C8B-B14F-4D97-AF65-F5344CB8AC3E}">
+        <p14:creationId xmlns:p14="http://schemas.microsoft.com/office/powerpoint/2010/main" val="54592459"/>
       </p:ext>
     </p:extLst>
   </p:cSld>
@@ -4262,7 +4403,7 @@
             <a:fld id="{56E2763D-E032-4DFF-B0B3-3D8422FFCF0E}" type="datetime1">
               <a:rPr lang="hu-HU" smtClean="0"/>
               <a:pPr/>
-              <a:t>2021. 05. 06.</a:t>
+              <a:t>2021. 05. 09.</a:t>
             </a:fld>
             <a:endParaRPr lang="hu-HU" dirty="0"/>
           </a:p>
@@ -4466,7 +4607,7 @@
             <a:fld id="{457ABD3E-B90B-44E6-BFFE-432971789295}" type="datetime1">
               <a:rPr lang="hu-HU" smtClean="0"/>
               <a:pPr/>
-              <a:t>2021. 05. 06.</a:t>
+              <a:t>2021. 05. 09.</a:t>
             </a:fld>
             <a:endParaRPr lang="hu-HU" dirty="0"/>
           </a:p>
@@ -4579,10 +4720,9 @@
           <a:p>
             <a:pPr rtl="0"/>
             <a:r>
-              <a:rPr lang="hu-HU"/>
+              <a:rPr lang="hu-HU" dirty="0"/>
               <a:t>Mintacím szerkesztése</a:t>
             </a:r>
-            <a:endParaRPr lang="hu-HU" dirty="0"/>
           </a:p>
         </p:txBody>
       </p:sp>
@@ -4650,78 +4790,6 @@
               <a:rPr lang="hu-HU"/>
               <a:t>Ötödik szint</a:t>
             </a:r>
-            <a:endParaRPr lang="hu-HU" dirty="0"/>
-          </a:p>
-        </p:txBody>
-      </p:sp>
-      <p:sp>
-        <p:nvSpPr>
-          <p:cNvPr id="4" name="Dátum helye 3"/>
-          <p:cNvSpPr>
-            <a:spLocks noGrp="1"/>
-          </p:cNvSpPr>
-          <p:nvPr>
-            <p:ph type="dt" sz="half" idx="10"/>
-          </p:nvPr>
-        </p:nvSpPr>
-        <p:spPr/>
-        <p:txBody>
-          <a:bodyPr rtlCol="0"/>
-          <a:lstStyle>
-            <a:lvl1pPr>
-              <a:defRPr/>
-            </a:lvl1pPr>
-          </a:lstStyle>
-          <a:p>
-            <a:fld id="{116C6E60-1866-4758-8791-4C4E45C36254}" type="datetime1">
-              <a:rPr lang="hu-HU" smtClean="0"/>
-              <a:pPr/>
-              <a:t>2021. 05. 06.</a:t>
-            </a:fld>
-            <a:endParaRPr lang="hu-HU" dirty="0"/>
-          </a:p>
-        </p:txBody>
-      </p:sp>
-      <p:sp>
-        <p:nvSpPr>
-          <p:cNvPr id="5" name="Élőláb helye 4"/>
-          <p:cNvSpPr>
-            <a:spLocks noGrp="1"/>
-          </p:cNvSpPr>
-          <p:nvPr>
-            <p:ph type="ftr" sz="quarter" idx="11"/>
-          </p:nvPr>
-        </p:nvSpPr>
-        <p:spPr/>
-        <p:txBody>
-          <a:bodyPr rtlCol="0"/>
-          <a:lstStyle/>
-          <a:p>
-            <a:pPr rtl="0"/>
-            <a:endParaRPr lang="hu-HU" dirty="0"/>
-          </a:p>
-        </p:txBody>
-      </p:sp>
-      <p:sp>
-        <p:nvSpPr>
-          <p:cNvPr id="6" name="Dia számának helye 5"/>
-          <p:cNvSpPr>
-            <a:spLocks noGrp="1"/>
-          </p:cNvSpPr>
-          <p:nvPr>
-            <p:ph type="sldNum" sz="quarter" idx="12"/>
-          </p:nvPr>
-        </p:nvSpPr>
-        <p:spPr/>
-        <p:txBody>
-          <a:bodyPr rtlCol="0"/>
-          <a:lstStyle/>
-          <a:p>
-            <a:pPr rtl="0"/>
-            <a:fld id="{DA60BA0E-20D0-4E7C-B286-26C960A6788F}" type="slidenum">
-              <a:rPr lang="hu-HU" smtClean="0"/>
-              <a:t>‹#›</a:t>
-            </a:fld>
             <a:endParaRPr lang="hu-HU" dirty="0"/>
           </a:p>
         </p:txBody>
@@ -5205,51 +5273,7 @@
             <a:fld id="{3A8FF994-63F4-4649-B3EC-87876C8F5873}" type="datetime1">
               <a:rPr lang="hu-HU" smtClean="0"/>
               <a:pPr/>
-              <a:t>2021. 05. 06.</a:t>
-            </a:fld>
-            <a:endParaRPr lang="hu-HU" dirty="0"/>
-          </a:p>
-        </p:txBody>
-      </p:sp>
-      <p:sp>
-        <p:nvSpPr>
-          <p:cNvPr id="6" name="Élőláb helye 5"/>
-          <p:cNvSpPr>
-            <a:spLocks noGrp="1"/>
-          </p:cNvSpPr>
-          <p:nvPr>
-            <p:ph type="ftr" sz="quarter" idx="11"/>
-          </p:nvPr>
-        </p:nvSpPr>
-        <p:spPr/>
-        <p:txBody>
-          <a:bodyPr rtlCol="0"/>
-          <a:lstStyle/>
-          <a:p>
-            <a:pPr rtl="0"/>
-            <a:endParaRPr lang="hu-HU" dirty="0"/>
-          </a:p>
-        </p:txBody>
-      </p:sp>
-      <p:sp>
-        <p:nvSpPr>
-          <p:cNvPr id="7" name="Dia számának helye 6"/>
-          <p:cNvSpPr>
-            <a:spLocks noGrp="1"/>
-          </p:cNvSpPr>
-          <p:nvPr>
-            <p:ph type="sldNum" sz="quarter" idx="12"/>
-          </p:nvPr>
-        </p:nvSpPr>
-        <p:spPr/>
-        <p:txBody>
-          <a:bodyPr rtlCol="0"/>
-          <a:lstStyle/>
-          <a:p>
-            <a:pPr rtl="0"/>
-            <a:fld id="{EB37DED6-D4C7-42EE-AB49-D2E39E64FDE4}" type="slidenum">
-              <a:rPr lang="hu-HU" smtClean="0"/>
-              <a:t>‹#›</a:t>
+              <a:t>2021. 05. 09.</a:t>
             </a:fld>
             <a:endParaRPr lang="hu-HU" dirty="0"/>
           </a:p>
@@ -5657,28 +5681,8 @@
             <a:fld id="{DBE2DD76-DA38-4175-BA3B-63CD08093EE0}" type="datetime1">
               <a:rPr lang="hu-HU" smtClean="0"/>
               <a:pPr/>
-              <a:t>2021. 05. 06.</a:t>
+              <a:t>2021. 05. 09.</a:t>
             </a:fld>
-            <a:endParaRPr lang="hu-HU" dirty="0"/>
-          </a:p>
-        </p:txBody>
-      </p:sp>
-      <p:sp>
-        <p:nvSpPr>
-          <p:cNvPr id="8" name="Élőláb helye 7"/>
-          <p:cNvSpPr>
-            <a:spLocks noGrp="1"/>
-          </p:cNvSpPr>
-          <p:nvPr>
-            <p:ph type="ftr" sz="quarter" idx="11"/>
-          </p:nvPr>
-        </p:nvSpPr>
-        <p:spPr/>
-        <p:txBody>
-          <a:bodyPr rtlCol="0"/>
-          <a:lstStyle/>
-          <a:p>
-            <a:pPr rtl="0"/>
             <a:endParaRPr lang="hu-HU" dirty="0"/>
           </a:p>
         </p:txBody>
@@ -5799,7 +5803,7 @@
             <a:fld id="{7A77CE3F-4691-403E-A0B4-65592C908B08}" type="datetime1">
               <a:rPr lang="hu-HU" smtClean="0"/>
               <a:pPr/>
-              <a:t>2021. 05. 06.</a:t>
+              <a:t>2021. 05. 09.</a:t>
             </a:fld>
             <a:endParaRPr lang="hu-HU" dirty="0"/>
           </a:p>
@@ -5913,7 +5917,7 @@
             <a:fld id="{24C7133D-4DC0-4E2A-8D81-F8B473E814B4}" type="datetime1">
               <a:rPr lang="hu-HU" smtClean="0"/>
               <a:pPr/>
-              <a:t>2021. 05. 06.</a:t>
+              <a:t>2021. 05. 09.</a:t>
             </a:fld>
             <a:endParaRPr lang="hu-HU" dirty="0"/>
           </a:p>
@@ -6278,7 +6282,7 @@
             <a:fld id="{D378BBDA-88A6-480E-A129-7B2F79ABA348}" type="datetime1">
               <a:rPr lang="hu-HU" smtClean="0"/>
               <a:pPr/>
-              <a:t>2021. 05. 06.</a:t>
+              <a:t>2021. 05. 09.</a:t>
             </a:fld>
             <a:endParaRPr lang="hu-HU" dirty="0"/>
           </a:p>
@@ -6624,7 +6628,7 @@
             <a:fld id="{9A81C038-294F-4567-9ADB-CFB54F107354}" type="datetime1">
               <a:rPr lang="hu-HU" smtClean="0"/>
               <a:pPr/>
-              <a:t>2021. 05. 06.</a:t>
+              <a:t>2021. 05. 09.</a:t>
             </a:fld>
             <a:endParaRPr lang="hu-HU" dirty="0"/>
           </a:p>
@@ -6920,7 +6924,7 @@
             <a:fld id="{982AADB5-EBED-4173-BC4E-244A8186BD03}" type="datetime1">
               <a:rPr lang="hu-HU" smtClean="0"/>
               <a:pPr/>
-              <a:t>2021. 05. 06.</a:t>
+              <a:t>2021. 05. 09.</a:t>
             </a:fld>
             <a:endParaRPr lang="hu-HU" dirty="0"/>
           </a:p>
@@ -7022,8 +7026,8 @@
         </p:nvSpPr>
         <p:spPr>
           <a:xfrm>
-            <a:off x="10342883" y="6400801"/>
-            <a:ext cx="931779" cy="461665"/>
+            <a:off x="10031375" y="6400801"/>
+            <a:ext cx="1243287" cy="461665"/>
           </a:xfrm>
           <a:prstGeom prst="rect">
             <a:avLst/>
@@ -7036,24 +7040,23 @@
           </a:bodyPr>
           <a:lstStyle/>
           <a:p>
-            <a:r>
-              <a:rPr lang="hu-HU" dirty="0"/>
-              <a:t>9/</a:t>
-            </a:r>
             <a:fld id="{A7E5F6A5-11E8-4435-8552-4908EFD1040B}" type="slidenum">
               <a:rPr lang="hu-HU" smtClean="0"/>
               <a:t>‹#›</a:t>
             </a:fld>
-            <a:endParaRPr lang="hu-HU" dirty="0"/>
+            <a:r>
+              <a:rPr lang="hu-HU" dirty="0"/>
+              <a:t>/21</a:t>
+            </a:r>
           </a:p>
         </p:txBody>
       </p:sp>
       <p:sp>
         <p:nvSpPr>
-          <p:cNvPr id="8" name="MSIPCMContentMarking" descr="{&quot;HashCode&quot;:-1739798571,&quot;Placement&quot;:&quot;Footer&quot;,&quot;Top&quot;:519.343,&quot;Left&quot;:430.9267,&quot;SlideWidth&quot;:959,&quot;SlideHeight&quot;:540}">
+          <p:cNvPr id="14" name="MSIPCMContentMarking" descr="{&quot;HashCode&quot;:-1739798571,&quot;Placement&quot;:&quot;Footer&quot;,&quot;Top&quot;:519.343,&quot;Left&quot;:430.9267,&quot;SlideWidth&quot;:959,&quot;SlideHeight&quot;:540}">
             <a:extLst>
               <a:ext uri="{FF2B5EF4-FFF2-40B4-BE49-F238E27FC236}">
-                <a16:creationId xmlns:a16="http://schemas.microsoft.com/office/drawing/2014/main" id="{A8EE68D2-56C2-45F2-9F0F-B9D9BBADC6F0}"/>
+                <a16:creationId xmlns:a16="http://schemas.microsoft.com/office/drawing/2014/main" id="{A90D8C65-D390-4872-B284-EF1907C217C2}"/>
               </a:ext>
             </a:extLst>
           </p:cNvPr>
@@ -7515,6 +7518,25 @@
                 <a:cs typeface="+mn-cs"/>
               </a:rPr>
             </a:br>
+            <a:br>
+              <a:rPr lang="hu-HU" sz="2700" dirty="0">
+                <a:solidFill>
+                  <a:srgbClr val="374C81"/>
+                </a:solidFill>
+                <a:ea typeface="+mn-ea"/>
+                <a:cs typeface="+mn-cs"/>
+              </a:rPr>
+            </a:br>
+            <a:r>
+              <a:rPr lang="hu-HU" sz="2700" dirty="0">
+                <a:solidFill>
+                  <a:srgbClr val="374C81"/>
+                </a:solidFill>
+                <a:ea typeface="+mn-ea"/>
+                <a:cs typeface="+mn-cs"/>
+              </a:rPr>
+              <a:t>2021.05.15</a:t>
+            </a:r>
             <a:endParaRPr lang="hu-HU" dirty="0"/>
           </a:p>
         </p:txBody>
@@ -7621,6 +7643,653 @@
           <p:cNvPr id="2" name="Cím 1">
             <a:extLst>
               <a:ext uri="{FF2B5EF4-FFF2-40B4-BE49-F238E27FC236}">
+                <a16:creationId xmlns:a16="http://schemas.microsoft.com/office/drawing/2014/main" id="{2CBFBA75-F042-45B2-BA06-922B7870523F}"/>
+              </a:ext>
+            </a:extLst>
+          </p:cNvPr>
+          <p:cNvSpPr>
+            <a:spLocks noGrp="1"/>
+          </p:cNvSpPr>
+          <p:nvPr>
+            <p:ph type="title"/>
+          </p:nvPr>
+        </p:nvSpPr>
+        <p:spPr/>
+        <p:txBody>
+          <a:bodyPr/>
+          <a:lstStyle/>
+          <a:p>
+            <a:r>
+              <a:rPr lang="hu-HU" dirty="0"/>
+              <a:t>API-ok kiértékelése Google </a:t>
+            </a:r>
+            <a:r>
+              <a:rPr lang="hu-HU" dirty="0" err="1"/>
+              <a:t>Scholarhoz</a:t>
+            </a:r>
+            <a:endParaRPr lang="hu-HU" dirty="0"/>
+          </a:p>
+        </p:txBody>
+      </p:sp>
+      <p:sp>
+        <p:nvSpPr>
+          <p:cNvPr id="3" name="Tartalom helye 2">
+            <a:extLst>
+              <a:ext uri="{FF2B5EF4-FFF2-40B4-BE49-F238E27FC236}">
+                <a16:creationId xmlns:a16="http://schemas.microsoft.com/office/drawing/2014/main" id="{381468CC-012A-4B49-A333-417C095C7720}"/>
+              </a:ext>
+            </a:extLst>
+          </p:cNvPr>
+          <p:cNvSpPr>
+            <a:spLocks noGrp="1"/>
+          </p:cNvSpPr>
+          <p:nvPr>
+            <p:ph idx="1"/>
+          </p:nvPr>
+        </p:nvSpPr>
+        <p:spPr/>
+        <p:txBody>
+          <a:bodyPr>
+            <a:normAutofit fontScale="85000" lnSpcReduction="20000"/>
+          </a:bodyPr>
+          <a:lstStyle/>
+          <a:p>
+            <a:pPr marL="0" indent="0">
+              <a:buNone/>
+            </a:pPr>
+            <a:r>
+              <a:rPr lang="hu-HU" dirty="0"/>
+              <a:t>A Google nem nyújt API-t, amely lehetővé teszi a szükséges adatok nagy mennyiségű megkeresését és kinyerését, más számos módon kell megszerezni a szükséges adatokat. Esetleg külső felek API-</a:t>
+            </a:r>
+            <a:r>
+              <a:rPr lang="hu-HU" dirty="0" err="1"/>
+              <a:t>ján</a:t>
+            </a:r>
+            <a:r>
+              <a:rPr lang="hu-HU" dirty="0"/>
+              <a:t> keresztül, vagy </a:t>
+            </a:r>
+            <a:r>
+              <a:rPr lang="hu-HU" dirty="0" err="1"/>
+              <a:t>webscraping</a:t>
+            </a:r>
+            <a:r>
+              <a:rPr lang="hu-HU" dirty="0"/>
+              <a:t> technikával, kimásoljuk az adatokat?</a:t>
+            </a:r>
+          </a:p>
+          <a:p>
+            <a:pPr marL="0" indent="0">
+              <a:buNone/>
+            </a:pPr>
+            <a:r>
+              <a:rPr lang="hu-HU" dirty="0"/>
+              <a:t>Megvizsgált technológiák</a:t>
+            </a:r>
+          </a:p>
+          <a:p>
+            <a:r>
+              <a:rPr lang="en-US" dirty="0"/>
+              <a:t>Scraper API</a:t>
+            </a:r>
+          </a:p>
+          <a:p>
+            <a:r>
+              <a:rPr lang="en-US" dirty="0"/>
+              <a:t>SERP API</a:t>
+            </a:r>
+          </a:p>
+          <a:p>
+            <a:r>
+              <a:rPr lang="en-US" dirty="0" err="1"/>
+              <a:t>SerpWow</a:t>
+            </a:r>
+            <a:endParaRPr lang="en-US" dirty="0"/>
+          </a:p>
+          <a:p>
+            <a:r>
+              <a:rPr lang="en-US" dirty="0"/>
+              <a:t>Scale SERP</a:t>
+            </a:r>
+          </a:p>
+          <a:p>
+            <a:r>
+              <a:rPr lang="en-US" dirty="0"/>
+              <a:t>Publish or Perish</a:t>
+            </a:r>
+          </a:p>
+          <a:p>
+            <a:r>
+              <a:rPr lang="hu-HU" dirty="0"/>
+              <a:t>S</a:t>
+            </a:r>
+            <a:r>
+              <a:rPr lang="en-US" dirty="0" err="1"/>
+              <a:t>cholarly</a:t>
+            </a:r>
+            <a:endParaRPr lang="en-US" dirty="0"/>
+          </a:p>
+        </p:txBody>
+      </p:sp>
+      <p:sp>
+        <p:nvSpPr>
+          <p:cNvPr id="5" name="Szövegdoboz 4">
+            <a:extLst>
+              <a:ext uri="{FF2B5EF4-FFF2-40B4-BE49-F238E27FC236}">
+                <a16:creationId xmlns:a16="http://schemas.microsoft.com/office/drawing/2014/main" id="{B496BB03-1414-4353-AF6C-A657E1B96723}"/>
+              </a:ext>
+            </a:extLst>
+          </p:cNvPr>
+          <p:cNvSpPr txBox="1"/>
+          <p:nvPr/>
+        </p:nvSpPr>
+        <p:spPr>
+          <a:xfrm>
+            <a:off x="3934172" y="3363401"/>
+            <a:ext cx="7560840" cy="3539430"/>
+          </a:xfrm>
+          <a:prstGeom prst="rect">
+            <a:avLst/>
+          </a:prstGeom>
+          <a:noFill/>
+        </p:spPr>
+        <p:txBody>
+          <a:bodyPr wrap="square" rtlCol="0">
+            <a:spAutoFit/>
+          </a:bodyPr>
+          <a:lstStyle/>
+          <a:p>
+            <a:pPr lvl="0">
+              <a:lnSpc>
+                <a:spcPct val="75000"/>
+              </a:lnSpc>
+              <a:spcBef>
+                <a:spcPts val="1866"/>
+              </a:spcBef>
+              <a:buSzPct val="100000"/>
+            </a:pPr>
+            <a:r>
+              <a:rPr lang="hu-HU" sz="2000" dirty="0">
+                <a:solidFill>
+                  <a:srgbClr val="FF0000"/>
+                </a:solidFill>
+              </a:rPr>
+              <a:t>$</a:t>
+            </a:r>
+            <a:endParaRPr lang="en-US" sz="2000" dirty="0">
+              <a:solidFill>
+                <a:srgbClr val="FF0000"/>
+              </a:solidFill>
+            </a:endParaRPr>
+          </a:p>
+          <a:p>
+            <a:pPr lvl="0">
+              <a:lnSpc>
+                <a:spcPct val="75000"/>
+              </a:lnSpc>
+              <a:spcBef>
+                <a:spcPts val="1866"/>
+              </a:spcBef>
+              <a:buSzPct val="100000"/>
+            </a:pPr>
+            <a:r>
+              <a:rPr lang="hu-HU" sz="2000" dirty="0">
+                <a:solidFill>
+                  <a:srgbClr val="FF0000"/>
+                </a:solidFill>
+              </a:rPr>
+              <a:t>$$$$</a:t>
+            </a:r>
+            <a:endParaRPr lang="en-US" sz="2000" dirty="0">
+              <a:solidFill>
+                <a:srgbClr val="FF0000"/>
+              </a:solidFill>
+            </a:endParaRPr>
+          </a:p>
+          <a:p>
+            <a:pPr lvl="0">
+              <a:lnSpc>
+                <a:spcPct val="75000"/>
+              </a:lnSpc>
+              <a:spcBef>
+                <a:spcPts val="1866"/>
+              </a:spcBef>
+              <a:buSzPct val="100000"/>
+            </a:pPr>
+            <a:r>
+              <a:rPr lang="hu-HU" sz="2000" dirty="0">
+                <a:solidFill>
+                  <a:srgbClr val="FF0000"/>
+                </a:solidFill>
+              </a:rPr>
+              <a:t>$$$</a:t>
+            </a:r>
+            <a:endParaRPr lang="en-US" sz="2000" dirty="0">
+              <a:solidFill>
+                <a:srgbClr val="FF0000"/>
+              </a:solidFill>
+            </a:endParaRPr>
+          </a:p>
+          <a:p>
+            <a:pPr lvl="0">
+              <a:lnSpc>
+                <a:spcPct val="75000"/>
+              </a:lnSpc>
+              <a:spcBef>
+                <a:spcPts val="1866"/>
+              </a:spcBef>
+              <a:buSzPct val="100000"/>
+            </a:pPr>
+            <a:r>
+              <a:rPr lang="hu-HU" sz="2000" dirty="0">
+                <a:solidFill>
+                  <a:srgbClr val="FF0000"/>
+                </a:solidFill>
+              </a:rPr>
+              <a:t>$$</a:t>
+            </a:r>
+            <a:endParaRPr lang="en-US" sz="2000" dirty="0">
+              <a:solidFill>
+                <a:srgbClr val="FF0000"/>
+              </a:solidFill>
+            </a:endParaRPr>
+          </a:p>
+          <a:p>
+            <a:pPr lvl="0">
+              <a:lnSpc>
+                <a:spcPct val="75000"/>
+              </a:lnSpc>
+              <a:spcBef>
+                <a:spcPts val="1866"/>
+              </a:spcBef>
+              <a:buSzPct val="100000"/>
+            </a:pPr>
+            <a:r>
+              <a:rPr lang="hu-HU" sz="2000" dirty="0">
+                <a:solidFill>
+                  <a:srgbClr val="FF0000"/>
+                </a:solidFill>
+              </a:rPr>
+              <a:t>IP cím letiltás kockázata, ékezetproblémák (nem GUI-ban)</a:t>
+            </a:r>
+            <a:endParaRPr lang="en-US" sz="2000" dirty="0">
+              <a:solidFill>
+                <a:srgbClr val="FF0000"/>
+              </a:solidFill>
+            </a:endParaRPr>
+          </a:p>
+          <a:p>
+            <a:pPr lvl="0">
+              <a:lnSpc>
+                <a:spcPct val="75000"/>
+              </a:lnSpc>
+              <a:spcBef>
+                <a:spcPts val="1866"/>
+              </a:spcBef>
+              <a:buSzPct val="100000"/>
+            </a:pPr>
+            <a:r>
+              <a:rPr lang="hu-HU" sz="2000" dirty="0">
+                <a:solidFill>
+                  <a:srgbClr val="FF0000"/>
+                </a:solidFill>
+              </a:rPr>
+              <a:t>Nem nyelvfüggetlen (Python specifikus)</a:t>
+            </a:r>
+            <a:endParaRPr lang="en-US" sz="2000" dirty="0">
+              <a:solidFill>
+                <a:srgbClr val="FF0000"/>
+              </a:solidFill>
+            </a:endParaRPr>
+          </a:p>
+          <a:p>
+            <a:pPr marL="304747" indent="-304747">
+              <a:lnSpc>
+                <a:spcPct val="75000"/>
+              </a:lnSpc>
+              <a:spcBef>
+                <a:spcPts val="1866"/>
+              </a:spcBef>
+              <a:buSzPct val="100000"/>
+              <a:buFont typeface="Arial" pitchFamily="34" charset="0"/>
+              <a:buChar char="•"/>
+            </a:pPr>
+            <a:endParaRPr lang="hu-HU" sz="2000" dirty="0"/>
+          </a:p>
+          <a:p>
+            <a:endParaRPr lang="hu-HU" dirty="0"/>
+          </a:p>
+        </p:txBody>
+      </p:sp>
+    </p:spTree>
+    <p:extLst>
+      <p:ext uri="{BB962C8B-B14F-4D97-AF65-F5344CB8AC3E}">
+        <p14:creationId xmlns:p14="http://schemas.microsoft.com/office/powerpoint/2010/main" val="867232101"/>
+      </p:ext>
+    </p:extLst>
+  </p:cSld>
+  <p:clrMapOvr>
+    <a:masterClrMapping/>
+  </p:clrMapOvr>
+  <mc:AlternateContent xmlns:mc="http://schemas.openxmlformats.org/markup-compatibility/2006" xmlns:p14="http://schemas.microsoft.com/office/powerpoint/2010/main">
+    <mc:Choice Requires="p14">
+      <p:transition spd="med" p14:dur="700">
+        <p:fade/>
+      </p:transition>
+    </mc:Choice>
+    <mc:Fallback xmlns="">
+      <p:transition spd="med">
+        <p:fade/>
+      </p:transition>
+    </mc:Fallback>
+  </mc:AlternateContent>
+  <p:timing>
+    <p:tnLst>
+      <p:par>
+        <p:cTn id="1" dur="indefinite" restart="never" nodeType="tmRoot">
+          <p:childTnLst>
+            <p:seq concurrent="1" nextAc="seek">
+              <p:cTn id="2" dur="indefinite" nodeType="mainSeq">
+                <p:childTnLst>
+                  <p:par>
+                    <p:cTn id="3" fill="hold">
+                      <p:stCondLst>
+                        <p:cond delay="indefinite"/>
+                      </p:stCondLst>
+                      <p:childTnLst>
+                        <p:par>
+                          <p:cTn id="4" fill="hold">
+                            <p:stCondLst>
+                              <p:cond delay="0"/>
+                            </p:stCondLst>
+                            <p:childTnLst>
+                              <p:par>
+                                <p:cTn id="5" presetID="2" presetClass="entr" presetSubtype="2" fill="hold" grpId="0" nodeType="clickEffect">
+                                  <p:stCondLst>
+                                    <p:cond delay="0"/>
+                                  </p:stCondLst>
+                                  <p:childTnLst>
+                                    <p:set>
+                                      <p:cBhvr>
+                                        <p:cTn id="6" dur="1" fill="hold">
+                                          <p:stCondLst>
+                                            <p:cond delay="0"/>
+                                          </p:stCondLst>
+                                        </p:cTn>
+                                        <p:tgtEl>
+                                          <p:spTgt spid="5"/>
+                                        </p:tgtEl>
+                                        <p:attrNameLst>
+                                          <p:attrName>style.visibility</p:attrName>
+                                        </p:attrNameLst>
+                                      </p:cBhvr>
+                                      <p:to>
+                                        <p:strVal val="visible"/>
+                                      </p:to>
+                                    </p:set>
+                                    <p:anim calcmode="lin" valueType="num">
+                                      <p:cBhvr additive="base">
+                                        <p:cTn id="7" dur="2000" fill="hold"/>
+                                        <p:tgtEl>
+                                          <p:spTgt spid="5"/>
+                                        </p:tgtEl>
+                                        <p:attrNameLst>
+                                          <p:attrName>ppt_x</p:attrName>
+                                        </p:attrNameLst>
+                                      </p:cBhvr>
+                                      <p:tavLst>
+                                        <p:tav tm="0">
+                                          <p:val>
+                                            <p:strVal val="1+#ppt_w/2"/>
+                                          </p:val>
+                                        </p:tav>
+                                        <p:tav tm="100000">
+                                          <p:val>
+                                            <p:strVal val="#ppt_x"/>
+                                          </p:val>
+                                        </p:tav>
+                                      </p:tavLst>
+                                    </p:anim>
+                                    <p:anim calcmode="lin" valueType="num">
+                                      <p:cBhvr additive="base">
+                                        <p:cTn id="8" dur="2000" fill="hold"/>
+                                        <p:tgtEl>
+                                          <p:spTgt spid="5"/>
+                                        </p:tgtEl>
+                                        <p:attrNameLst>
+                                          <p:attrName>ppt_y</p:attrName>
+                                        </p:attrNameLst>
+                                      </p:cBhvr>
+                                      <p:tavLst>
+                                        <p:tav tm="0">
+                                          <p:val>
+                                            <p:strVal val="#ppt_y"/>
+                                          </p:val>
+                                        </p:tav>
+                                        <p:tav tm="100000">
+                                          <p:val>
+                                            <p:strVal val="#ppt_y"/>
+                                          </p:val>
+                                        </p:tav>
+                                      </p:tavLst>
+                                    </p:anim>
+                                  </p:childTnLst>
+                                </p:cTn>
+                              </p:par>
+                            </p:childTnLst>
+                          </p:cTn>
+                        </p:par>
+                      </p:childTnLst>
+                    </p:cTn>
+                  </p:par>
+                </p:childTnLst>
+              </p:cTn>
+              <p:prevCondLst>
+                <p:cond evt="onPrev" delay="0">
+                  <p:tgtEl>
+                    <p:sldTgt/>
+                  </p:tgtEl>
+                </p:cond>
+              </p:prevCondLst>
+              <p:nextCondLst>
+                <p:cond evt="onNext" delay="0">
+                  <p:tgtEl>
+                    <p:sldTgt/>
+                  </p:tgtEl>
+                </p:cond>
+              </p:nextCondLst>
+            </p:seq>
+          </p:childTnLst>
+        </p:cTn>
+      </p:par>
+    </p:tnLst>
+    <p:bldLst>
+      <p:bldP spid="5" grpId="0"/>
+    </p:bldLst>
+  </p:timing>
+</p:sld>
+</file>
+
+<file path=ppt/slides/slide11.xml><?xml version="1.0" encoding="utf-8"?>
+<p:sld xmlns:a="http://schemas.openxmlformats.org/drawingml/2006/main" xmlns:r="http://schemas.openxmlformats.org/officeDocument/2006/relationships" xmlns:p="http://schemas.openxmlformats.org/presentationml/2006/main">
+  <p:cSld>
+    <p:spTree>
+      <p:nvGrpSpPr>
+        <p:cNvPr id="1" name=""/>
+        <p:cNvGrpSpPr/>
+        <p:nvPr/>
+      </p:nvGrpSpPr>
+      <p:grpSpPr>
+        <a:xfrm>
+          <a:off x="0" y="0"/>
+          <a:ext cx="0" cy="0"/>
+          <a:chOff x="0" y="0"/>
+          <a:chExt cx="0" cy="0"/>
+        </a:xfrm>
+      </p:grpSpPr>
+      <p:sp>
+        <p:nvSpPr>
+          <p:cNvPr id="2" name="Cím 1">
+            <a:extLst>
+              <a:ext uri="{FF2B5EF4-FFF2-40B4-BE49-F238E27FC236}">
+                <a16:creationId xmlns:a16="http://schemas.microsoft.com/office/drawing/2014/main" id="{5CC86007-CC77-4239-AACF-ED0893073172}"/>
+              </a:ext>
+            </a:extLst>
+          </p:cNvPr>
+          <p:cNvSpPr>
+            <a:spLocks noGrp="1"/>
+          </p:cNvSpPr>
+          <p:nvPr>
+            <p:ph type="title"/>
+          </p:nvPr>
+        </p:nvSpPr>
+        <p:spPr/>
+        <p:txBody>
+          <a:bodyPr/>
+          <a:lstStyle/>
+          <a:p>
+            <a:r>
+              <a:rPr lang="hu-HU" dirty="0" err="1"/>
+              <a:t>Scholarly</a:t>
+            </a:r>
+            <a:r>
+              <a:rPr lang="hu-HU" dirty="0"/>
+              <a:t> – Python </a:t>
+            </a:r>
+            <a:r>
+              <a:rPr lang="hu-HU" dirty="0" err="1"/>
+              <a:t>RestAPI</a:t>
+            </a:r>
+            <a:endParaRPr lang="hu-HU" dirty="0"/>
+          </a:p>
+        </p:txBody>
+      </p:sp>
+      <p:sp>
+        <p:nvSpPr>
+          <p:cNvPr id="3" name="Tartalom helye 2">
+            <a:extLst>
+              <a:ext uri="{FF2B5EF4-FFF2-40B4-BE49-F238E27FC236}">
+                <a16:creationId xmlns:a16="http://schemas.microsoft.com/office/drawing/2014/main" id="{7571B6D9-B46C-463F-A6E4-DAB04674E8AB}"/>
+              </a:ext>
+            </a:extLst>
+          </p:cNvPr>
+          <p:cNvSpPr>
+            <a:spLocks noGrp="1"/>
+          </p:cNvSpPr>
+          <p:nvPr>
+            <p:ph idx="1"/>
+          </p:nvPr>
+        </p:nvSpPr>
+        <p:spPr>
+          <a:xfrm>
+            <a:off x="1117309" y="1701800"/>
+            <a:ext cx="5625175" cy="4470400"/>
+          </a:xfrm>
+        </p:spPr>
+        <p:txBody>
+          <a:bodyPr/>
+          <a:lstStyle/>
+          <a:p>
+            <a:pPr marL="0" indent="0">
+              <a:buNone/>
+            </a:pPr>
+            <a:r>
+              <a:rPr lang="hu-HU" dirty="0" err="1"/>
+              <a:t>Scholarly</a:t>
+            </a:r>
+            <a:r>
+              <a:rPr lang="hu-HU" dirty="0"/>
+              <a:t> keresés eredménye: </a:t>
+            </a:r>
+          </a:p>
+          <a:p>
+            <a:pPr marL="0" indent="0">
+              <a:buNone/>
+            </a:pPr>
+            <a:r>
+              <a:rPr lang="hu-HU" dirty="0"/>
+              <a:t>JSON válaszként</a:t>
+            </a:r>
+          </a:p>
+        </p:txBody>
+      </p:sp>
+      <p:pic>
+        <p:nvPicPr>
+          <p:cNvPr id="4" name="Kép 3">
+            <a:extLst>
+              <a:ext uri="{FF2B5EF4-FFF2-40B4-BE49-F238E27FC236}">
+                <a16:creationId xmlns:a16="http://schemas.microsoft.com/office/drawing/2014/main" id="{6E15AE58-3EFB-49E5-919A-D75E244019FD}"/>
+              </a:ext>
+            </a:extLst>
+          </p:cNvPr>
+          <p:cNvPicPr>
+            <a:picLocks noChangeAspect="1"/>
+          </p:cNvPicPr>
+          <p:nvPr/>
+        </p:nvPicPr>
+        <p:blipFill>
+          <a:blip r:embed="rId2"/>
+          <a:stretch>
+            <a:fillRect/>
+          </a:stretch>
+        </p:blipFill>
+        <p:spPr>
+          <a:xfrm>
+            <a:off x="2898660" y="3068960"/>
+            <a:ext cx="8376003" cy="3168352"/>
+          </a:xfrm>
+          <a:prstGeom prst="rect">
+            <a:avLst/>
+          </a:prstGeom>
+        </p:spPr>
+      </p:pic>
+    </p:spTree>
+    <p:extLst>
+      <p:ext uri="{BB962C8B-B14F-4D97-AF65-F5344CB8AC3E}">
+        <p14:creationId xmlns:p14="http://schemas.microsoft.com/office/powerpoint/2010/main" val="3511898306"/>
+      </p:ext>
+    </p:extLst>
+  </p:cSld>
+  <p:clrMapOvr>
+    <a:masterClrMapping/>
+  </p:clrMapOvr>
+  <mc:AlternateContent xmlns:mc="http://schemas.openxmlformats.org/markup-compatibility/2006" xmlns:p14="http://schemas.microsoft.com/office/powerpoint/2010/main">
+    <mc:Choice Requires="p14">
+      <p:transition spd="med" p14:dur="700">
+        <p:fade/>
+      </p:transition>
+    </mc:Choice>
+    <mc:Fallback xmlns="">
+      <p:transition spd="med">
+        <p:fade/>
+      </p:transition>
+    </mc:Fallback>
+  </mc:AlternateContent>
+</p:sld>
+</file>
+
+<file path=ppt/slides/slide12.xml><?xml version="1.0" encoding="utf-8"?>
+<p:sld xmlns:a="http://schemas.openxmlformats.org/drawingml/2006/main" xmlns:r="http://schemas.openxmlformats.org/officeDocument/2006/relationships" xmlns:p="http://schemas.openxmlformats.org/presentationml/2006/main">
+  <p:cSld>
+    <p:spTree>
+      <p:nvGrpSpPr>
+        <p:cNvPr id="1" name=""/>
+        <p:cNvGrpSpPr/>
+        <p:nvPr/>
+      </p:nvGrpSpPr>
+      <p:grpSpPr>
+        <a:xfrm>
+          <a:off x="0" y="0"/>
+          <a:ext cx="0" cy="0"/>
+          <a:chOff x="0" y="0"/>
+          <a:chExt cx="0" cy="0"/>
+        </a:xfrm>
+      </p:grpSpPr>
+      <p:sp>
+        <p:nvSpPr>
+          <p:cNvPr id="2" name="Cím 1">
+            <a:extLst>
+              <a:ext uri="{FF2B5EF4-FFF2-40B4-BE49-F238E27FC236}">
                 <a16:creationId xmlns:a16="http://schemas.microsoft.com/office/drawing/2014/main" id="{97B291C4-4296-411B-880E-8138EC713E56}"/>
               </a:ext>
             </a:extLst>
@@ -7639,7 +8308,7 @@
           <a:p>
             <a:r>
               <a:rPr lang="hu-HU" dirty="0"/>
-              <a:t>Működés</a:t>
+              <a:t>Program működése</a:t>
             </a:r>
           </a:p>
         </p:txBody>
@@ -7662,30 +8331,40 @@
         </p:nvSpPr>
         <p:spPr/>
         <p:txBody>
-          <a:bodyPr/>
+          <a:bodyPr>
+            <a:normAutofit/>
+          </a:bodyPr>
           <a:lstStyle/>
           <a:p>
             <a:r>
               <a:rPr lang="hu-HU" dirty="0"/>
-              <a:t>Keresés mindkét rendszerben egyszerre (külön szálon)</a:t>
+              <a:t>Keresés mindkét rendszerben egyszerre (két külön szálon – külön technológiával és programnyelven)</a:t>
             </a:r>
           </a:p>
           <a:p>
             <a:r>
               <a:rPr lang="hu-HU" dirty="0"/>
-              <a:t>Két különböző technológiájú és nyelvű keresés integrációja</a:t>
+              <a:t>Keresések során használt navigáció, böngésző, egyéb ablakok és műveletek elrejtése a felhasználó elől – minden a háttérben</a:t>
             </a:r>
           </a:p>
           <a:p>
             <a:r>
               <a:rPr lang="hu-HU" dirty="0"/>
-              <a:t>Adatok betöltése saját osztályokba</a:t>
+              <a:t>Találatok adatainak betöltése saját osztályokba</a:t>
             </a:r>
           </a:p>
           <a:p>
             <a:r>
               <a:rPr lang="hu-HU" dirty="0"/>
-              <a:t>Egyezések keresése a beállításoknak megfelelően</a:t>
+              <a:t>Egyezések keresése a beállításoknak megfelelően (MTMT cím alapján Google </a:t>
+            </a:r>
+            <a:r>
+              <a:rPr lang="hu-HU" dirty="0" err="1"/>
+              <a:t>Scholar</a:t>
+            </a:r>
+            <a:r>
+              <a:rPr lang="hu-HU" dirty="0"/>
+              <a:t> címben)</a:t>
             </a:r>
           </a:p>
           <a:p>
@@ -7702,6 +8381,42 @@
           </a:p>
         </p:txBody>
       </p:sp>
+      <p:pic>
+        <p:nvPicPr>
+          <p:cNvPr id="5" name="Kép 4">
+            <a:extLst>
+              <a:ext uri="{FF2B5EF4-FFF2-40B4-BE49-F238E27FC236}">
+                <a16:creationId xmlns:a16="http://schemas.microsoft.com/office/drawing/2014/main" id="{A1D993FE-8068-44DC-908F-12900D02099F}"/>
+              </a:ext>
+            </a:extLst>
+          </p:cNvPr>
+          <p:cNvPicPr>
+            <a:picLocks noChangeAspect="1"/>
+          </p:cNvPicPr>
+          <p:nvPr/>
+        </p:nvPicPr>
+        <p:blipFill>
+          <a:blip r:embed="rId2" cstate="print">
+            <a:extLst>
+              <a:ext uri="{28A0092B-C50C-407E-A947-70E740481C1C}">
+                <a14:useLocalDpi xmlns:a14="http://schemas.microsoft.com/office/drawing/2010/main" val="0"/>
+              </a:ext>
+            </a:extLst>
+          </a:blip>
+          <a:stretch>
+            <a:fillRect/>
+          </a:stretch>
+        </p:blipFill>
+        <p:spPr>
+          <a:xfrm>
+            <a:off x="9852755" y="4750292"/>
+            <a:ext cx="1421908" cy="1421908"/>
+          </a:xfrm>
+          <a:prstGeom prst="rect">
+            <a:avLst/>
+          </a:prstGeom>
+        </p:spPr>
+      </p:pic>
     </p:spTree>
     <p:extLst>
       <p:ext uri="{BB962C8B-B14F-4D97-AF65-F5344CB8AC3E}">
@@ -7727,7 +8442,1710 @@
 </p:sld>
 </file>
 
-<file path=ppt/slides/slide11.xml><?xml version="1.0" encoding="utf-8"?>
+<file path=ppt/slides/slide13.xml><?xml version="1.0" encoding="utf-8"?>
+<p:sld xmlns:a="http://schemas.openxmlformats.org/drawingml/2006/main" xmlns:r="http://schemas.openxmlformats.org/officeDocument/2006/relationships" xmlns:p="http://schemas.openxmlformats.org/presentationml/2006/main">
+  <p:cSld>
+    <p:spTree>
+      <p:nvGrpSpPr>
+        <p:cNvPr id="1" name=""/>
+        <p:cNvGrpSpPr/>
+        <p:nvPr/>
+      </p:nvGrpSpPr>
+      <p:grpSpPr>
+        <a:xfrm>
+          <a:off x="0" y="0"/>
+          <a:ext cx="0" cy="0"/>
+          <a:chOff x="0" y="0"/>
+          <a:chExt cx="0" cy="0"/>
+        </a:xfrm>
+      </p:grpSpPr>
+      <p:sp>
+        <p:nvSpPr>
+          <p:cNvPr id="2" name="Cím 1">
+            <a:extLst>
+              <a:ext uri="{FF2B5EF4-FFF2-40B4-BE49-F238E27FC236}">
+                <a16:creationId xmlns:a16="http://schemas.microsoft.com/office/drawing/2014/main" id="{A29295E7-FA67-4269-8768-3FCBF4E40396}"/>
+              </a:ext>
+            </a:extLst>
+          </p:cNvPr>
+          <p:cNvSpPr>
+            <a:spLocks noGrp="1"/>
+          </p:cNvSpPr>
+          <p:nvPr>
+            <p:ph type="title"/>
+          </p:nvPr>
+        </p:nvSpPr>
+        <p:spPr>
+          <a:xfrm>
+            <a:off x="1117309" y="76200"/>
+            <a:ext cx="10157354" cy="1397000"/>
+          </a:xfrm>
+        </p:spPr>
+        <p:txBody>
+          <a:bodyPr anchor="b">
+            <a:normAutofit/>
+          </a:bodyPr>
+          <a:lstStyle/>
+          <a:p>
+            <a:r>
+              <a:rPr lang="hu-HU" dirty="0"/>
+              <a:t>Teljes cím egyezőség keresés</a:t>
+            </a:r>
+          </a:p>
+        </p:txBody>
+      </p:sp>
+      <p:pic>
+        <p:nvPicPr>
+          <p:cNvPr id="9" name="Tartalom helye 8">
+            <a:extLst>
+              <a:ext uri="{FF2B5EF4-FFF2-40B4-BE49-F238E27FC236}">
+                <a16:creationId xmlns:a16="http://schemas.microsoft.com/office/drawing/2014/main" id="{7CD1CCBD-A9C0-474F-8511-E61FC88DB4C0}"/>
+              </a:ext>
+            </a:extLst>
+          </p:cNvPr>
+          <p:cNvPicPr>
+            <a:picLocks noGrp="1" noChangeAspect="1"/>
+          </p:cNvPicPr>
+          <p:nvPr>
+            <p:ph sz="half" idx="1"/>
+          </p:nvPr>
+        </p:nvPicPr>
+        <p:blipFill>
+          <a:blip r:embed="rId2"/>
+          <a:stretch>
+            <a:fillRect/>
+          </a:stretch>
+        </p:blipFill>
+        <p:spPr>
+          <a:xfrm>
+            <a:off x="1117309" y="2226120"/>
+            <a:ext cx="4977104" cy="3421759"/>
+          </a:xfrm>
+          <a:prstGeom prst="rect">
+            <a:avLst/>
+          </a:prstGeom>
+          <a:noFill/>
+        </p:spPr>
+      </p:pic>
+      <p:sp>
+        <p:nvSpPr>
+          <p:cNvPr id="3" name="Tartalom helye 2">
+            <a:extLst>
+              <a:ext uri="{FF2B5EF4-FFF2-40B4-BE49-F238E27FC236}">
+                <a16:creationId xmlns:a16="http://schemas.microsoft.com/office/drawing/2014/main" id="{D7EE7EA0-2C64-4789-BCB6-A765E9848849}"/>
+              </a:ext>
+            </a:extLst>
+          </p:cNvPr>
+          <p:cNvSpPr>
+            <a:spLocks noGrp="1"/>
+          </p:cNvSpPr>
+          <p:nvPr>
+            <p:ph sz="half" idx="2"/>
+          </p:nvPr>
+        </p:nvSpPr>
+        <p:spPr>
+          <a:xfrm>
+            <a:off x="6297559" y="1701800"/>
+            <a:ext cx="4977104" cy="2519288"/>
+          </a:xfrm>
+        </p:spPr>
+        <p:txBody>
+          <a:bodyPr>
+            <a:normAutofit/>
+          </a:bodyPr>
+          <a:lstStyle/>
+          <a:p>
+            <a:pPr marL="0" indent="0">
+              <a:buNone/>
+            </a:pPr>
+            <a:r>
+              <a:rPr lang="hu-HU" dirty="0"/>
+              <a:t>Ugyanazon szerzőhöz regisztrált műveinek teljes címét összehasonlítva külön színnel megjelenítjük az egyezőségeket és különbségeket.</a:t>
+            </a:r>
+          </a:p>
+        </p:txBody>
+      </p:sp>
+      <p:sp>
+        <p:nvSpPr>
+          <p:cNvPr id="4" name="Téglalap 3">
+            <a:extLst>
+              <a:ext uri="{FF2B5EF4-FFF2-40B4-BE49-F238E27FC236}">
+                <a16:creationId xmlns:a16="http://schemas.microsoft.com/office/drawing/2014/main" id="{4E2D6246-D920-4208-8FE2-855FCB020BEC}"/>
+              </a:ext>
+            </a:extLst>
+          </p:cNvPr>
+          <p:cNvSpPr/>
+          <p:nvPr/>
+        </p:nvSpPr>
+        <p:spPr>
+          <a:xfrm>
+            <a:off x="6297559" y="4239709"/>
+            <a:ext cx="5053437" cy="1938992"/>
+          </a:xfrm>
+          <a:prstGeom prst="rect">
+            <a:avLst/>
+          </a:prstGeom>
+        </p:spPr>
+        <p:txBody>
+          <a:bodyPr wrap="square">
+            <a:spAutoFit/>
+          </a:bodyPr>
+          <a:lstStyle/>
+          <a:p>
+            <a:r>
+              <a:rPr lang="hu-HU" dirty="0">
+                <a:solidFill>
+                  <a:srgbClr val="7030A0"/>
+                </a:solidFill>
+              </a:rPr>
+              <a:t>A szerző mező alatt a megtalált művek darabszámát is megmutatjuk mindkét rendszerben és az egyezéseket is.</a:t>
+            </a:r>
+          </a:p>
+        </p:txBody>
+      </p:sp>
+      <p:sp>
+        <p:nvSpPr>
+          <p:cNvPr id="5" name="Téglalap 4">
+            <a:extLst>
+              <a:ext uri="{FF2B5EF4-FFF2-40B4-BE49-F238E27FC236}">
+                <a16:creationId xmlns:a16="http://schemas.microsoft.com/office/drawing/2014/main" id="{F7554BF0-EFDC-4FCB-8D1C-CF7E4A67CB33}"/>
+              </a:ext>
+            </a:extLst>
+          </p:cNvPr>
+          <p:cNvSpPr/>
+          <p:nvPr/>
+        </p:nvSpPr>
+        <p:spPr>
+          <a:xfrm>
+            <a:off x="1269876" y="2780928"/>
+            <a:ext cx="2808312" cy="216024"/>
+          </a:xfrm>
+          <a:prstGeom prst="rect">
+            <a:avLst/>
+          </a:prstGeom>
+          <a:solidFill>
+            <a:srgbClr val="7030A0">
+              <a:alpha val="40000"/>
+            </a:srgbClr>
+          </a:solidFill>
+          <a:effectLst/>
+        </p:spPr>
+        <p:style>
+          <a:lnRef idx="2">
+            <a:schemeClr val="accent1">
+              <a:shade val="50000"/>
+            </a:schemeClr>
+          </a:lnRef>
+          <a:fillRef idx="1">
+            <a:schemeClr val="accent1"/>
+          </a:fillRef>
+          <a:effectRef idx="0">
+            <a:schemeClr val="accent1"/>
+          </a:effectRef>
+          <a:fontRef idx="minor">
+            <a:schemeClr val="lt1"/>
+          </a:fontRef>
+        </p:style>
+        <p:txBody>
+          <a:bodyPr rtlCol="0" anchor="ctr"/>
+          <a:lstStyle/>
+          <a:p>
+            <a:pPr algn="ctr"/>
+            <a:endParaRPr lang="hu-HU"/>
+          </a:p>
+        </p:txBody>
+      </p:sp>
+    </p:spTree>
+    <p:extLst>
+      <p:ext uri="{BB962C8B-B14F-4D97-AF65-F5344CB8AC3E}">
+        <p14:creationId xmlns:p14="http://schemas.microsoft.com/office/powerpoint/2010/main" val="3081552256"/>
+      </p:ext>
+    </p:extLst>
+  </p:cSld>
+  <p:clrMapOvr>
+    <a:masterClrMapping/>
+  </p:clrMapOvr>
+  <mc:AlternateContent xmlns:mc="http://schemas.openxmlformats.org/markup-compatibility/2006" xmlns:p14="http://schemas.microsoft.com/office/powerpoint/2010/main">
+    <mc:Choice Requires="p14">
+      <p:transition spd="med" p14:dur="700">
+        <p:fade/>
+      </p:transition>
+    </mc:Choice>
+    <mc:Fallback xmlns="">
+      <p:transition spd="med">
+        <p:fade/>
+      </p:transition>
+    </mc:Fallback>
+  </mc:AlternateContent>
+  <p:timing>
+    <p:tnLst>
+      <p:par>
+        <p:cTn id="1" dur="indefinite" restart="never" nodeType="tmRoot">
+          <p:childTnLst>
+            <p:seq concurrent="1" nextAc="seek">
+              <p:cTn id="2" dur="indefinite" nodeType="mainSeq">
+                <p:childTnLst>
+                  <p:par>
+                    <p:cTn id="3" fill="hold">
+                      <p:stCondLst>
+                        <p:cond delay="indefinite"/>
+                      </p:stCondLst>
+                      <p:childTnLst>
+                        <p:par>
+                          <p:cTn id="4" fill="hold">
+                            <p:stCondLst>
+                              <p:cond delay="0"/>
+                            </p:stCondLst>
+                            <p:childTnLst>
+                              <p:par>
+                                <p:cTn id="5" presetID="42" presetClass="entr" presetSubtype="0" fill="hold" grpId="0" nodeType="clickEffect">
+                                  <p:stCondLst>
+                                    <p:cond delay="0"/>
+                                  </p:stCondLst>
+                                  <p:childTnLst>
+                                    <p:set>
+                                      <p:cBhvr>
+                                        <p:cTn id="6" dur="1" fill="hold">
+                                          <p:stCondLst>
+                                            <p:cond delay="0"/>
+                                          </p:stCondLst>
+                                        </p:cTn>
+                                        <p:tgtEl>
+                                          <p:spTgt spid="5"/>
+                                        </p:tgtEl>
+                                        <p:attrNameLst>
+                                          <p:attrName>style.visibility</p:attrName>
+                                        </p:attrNameLst>
+                                      </p:cBhvr>
+                                      <p:to>
+                                        <p:strVal val="visible"/>
+                                      </p:to>
+                                    </p:set>
+                                    <p:animEffect transition="in" filter="fade">
+                                      <p:cBhvr>
+                                        <p:cTn id="7" dur="1000"/>
+                                        <p:tgtEl>
+                                          <p:spTgt spid="5"/>
+                                        </p:tgtEl>
+                                      </p:cBhvr>
+                                    </p:animEffect>
+                                    <p:anim calcmode="lin" valueType="num">
+                                      <p:cBhvr>
+                                        <p:cTn id="8" dur="1000" fill="hold"/>
+                                        <p:tgtEl>
+                                          <p:spTgt spid="5"/>
+                                        </p:tgtEl>
+                                        <p:attrNameLst>
+                                          <p:attrName>ppt_x</p:attrName>
+                                        </p:attrNameLst>
+                                      </p:cBhvr>
+                                      <p:tavLst>
+                                        <p:tav tm="0">
+                                          <p:val>
+                                            <p:strVal val="#ppt_x"/>
+                                          </p:val>
+                                        </p:tav>
+                                        <p:tav tm="100000">
+                                          <p:val>
+                                            <p:strVal val="#ppt_x"/>
+                                          </p:val>
+                                        </p:tav>
+                                      </p:tavLst>
+                                    </p:anim>
+                                    <p:anim calcmode="lin" valueType="num">
+                                      <p:cBhvr>
+                                        <p:cTn id="9" dur="1000" fill="hold"/>
+                                        <p:tgtEl>
+                                          <p:spTgt spid="5"/>
+                                        </p:tgtEl>
+                                        <p:attrNameLst>
+                                          <p:attrName>ppt_y</p:attrName>
+                                        </p:attrNameLst>
+                                      </p:cBhvr>
+                                      <p:tavLst>
+                                        <p:tav tm="0">
+                                          <p:val>
+                                            <p:strVal val="#ppt_y+.1"/>
+                                          </p:val>
+                                        </p:tav>
+                                        <p:tav tm="100000">
+                                          <p:val>
+                                            <p:strVal val="#ppt_y"/>
+                                          </p:val>
+                                        </p:tav>
+                                      </p:tavLst>
+                                    </p:anim>
+                                  </p:childTnLst>
+                                </p:cTn>
+                              </p:par>
+                              <p:par>
+                                <p:cTn id="10" presetID="42" presetClass="entr" presetSubtype="0" fill="hold" grpId="0" nodeType="withEffect">
+                                  <p:stCondLst>
+                                    <p:cond delay="0"/>
+                                  </p:stCondLst>
+                                  <p:childTnLst>
+                                    <p:set>
+                                      <p:cBhvr>
+                                        <p:cTn id="11" dur="1" fill="hold">
+                                          <p:stCondLst>
+                                            <p:cond delay="0"/>
+                                          </p:stCondLst>
+                                        </p:cTn>
+                                        <p:tgtEl>
+                                          <p:spTgt spid="4"/>
+                                        </p:tgtEl>
+                                        <p:attrNameLst>
+                                          <p:attrName>style.visibility</p:attrName>
+                                        </p:attrNameLst>
+                                      </p:cBhvr>
+                                      <p:to>
+                                        <p:strVal val="visible"/>
+                                      </p:to>
+                                    </p:set>
+                                    <p:animEffect transition="in" filter="fade">
+                                      <p:cBhvr>
+                                        <p:cTn id="12" dur="1000"/>
+                                        <p:tgtEl>
+                                          <p:spTgt spid="4"/>
+                                        </p:tgtEl>
+                                      </p:cBhvr>
+                                    </p:animEffect>
+                                    <p:anim calcmode="lin" valueType="num">
+                                      <p:cBhvr>
+                                        <p:cTn id="13" dur="1000" fill="hold"/>
+                                        <p:tgtEl>
+                                          <p:spTgt spid="4"/>
+                                        </p:tgtEl>
+                                        <p:attrNameLst>
+                                          <p:attrName>ppt_x</p:attrName>
+                                        </p:attrNameLst>
+                                      </p:cBhvr>
+                                      <p:tavLst>
+                                        <p:tav tm="0">
+                                          <p:val>
+                                            <p:strVal val="#ppt_x"/>
+                                          </p:val>
+                                        </p:tav>
+                                        <p:tav tm="100000">
+                                          <p:val>
+                                            <p:strVal val="#ppt_x"/>
+                                          </p:val>
+                                        </p:tav>
+                                      </p:tavLst>
+                                    </p:anim>
+                                    <p:anim calcmode="lin" valueType="num">
+                                      <p:cBhvr>
+                                        <p:cTn id="14" dur="1000" fill="hold"/>
+                                        <p:tgtEl>
+                                          <p:spTgt spid="4"/>
+                                        </p:tgtEl>
+                                        <p:attrNameLst>
+                                          <p:attrName>ppt_y</p:attrName>
+                                        </p:attrNameLst>
+                                      </p:cBhvr>
+                                      <p:tavLst>
+                                        <p:tav tm="0">
+                                          <p:val>
+                                            <p:strVal val="#ppt_y+.1"/>
+                                          </p:val>
+                                        </p:tav>
+                                        <p:tav tm="100000">
+                                          <p:val>
+                                            <p:strVal val="#ppt_y"/>
+                                          </p:val>
+                                        </p:tav>
+                                      </p:tavLst>
+                                    </p:anim>
+                                  </p:childTnLst>
+                                </p:cTn>
+                              </p:par>
+                            </p:childTnLst>
+                          </p:cTn>
+                        </p:par>
+                      </p:childTnLst>
+                    </p:cTn>
+                  </p:par>
+                </p:childTnLst>
+              </p:cTn>
+              <p:prevCondLst>
+                <p:cond evt="onPrev" delay="0">
+                  <p:tgtEl>
+                    <p:sldTgt/>
+                  </p:tgtEl>
+                </p:cond>
+              </p:prevCondLst>
+              <p:nextCondLst>
+                <p:cond evt="onNext" delay="0">
+                  <p:tgtEl>
+                    <p:sldTgt/>
+                  </p:tgtEl>
+                </p:cond>
+              </p:nextCondLst>
+            </p:seq>
+          </p:childTnLst>
+        </p:cTn>
+      </p:par>
+    </p:tnLst>
+    <p:bldLst>
+      <p:bldP spid="4" grpId="0"/>
+      <p:bldP spid="5" grpId="0" animBg="1"/>
+    </p:bldLst>
+  </p:timing>
+</p:sld>
+</file>
+
+<file path=ppt/slides/slide14.xml><?xml version="1.0" encoding="utf-8"?>
+<p:sld xmlns:a="http://schemas.openxmlformats.org/drawingml/2006/main" xmlns:r="http://schemas.openxmlformats.org/officeDocument/2006/relationships" xmlns:p="http://schemas.openxmlformats.org/presentationml/2006/main">
+  <p:cSld>
+    <p:spTree>
+      <p:nvGrpSpPr>
+        <p:cNvPr id="1" name=""/>
+        <p:cNvGrpSpPr/>
+        <p:nvPr/>
+      </p:nvGrpSpPr>
+      <p:grpSpPr>
+        <a:xfrm>
+          <a:off x="0" y="0"/>
+          <a:ext cx="0" cy="0"/>
+          <a:chOff x="0" y="0"/>
+          <a:chExt cx="0" cy="0"/>
+        </a:xfrm>
+      </p:grpSpPr>
+      <p:sp>
+        <p:nvSpPr>
+          <p:cNvPr id="2" name="Cím 1">
+            <a:extLst>
+              <a:ext uri="{FF2B5EF4-FFF2-40B4-BE49-F238E27FC236}">
+                <a16:creationId xmlns:a16="http://schemas.microsoft.com/office/drawing/2014/main" id="{CCFEEA44-A3E8-43DD-8668-FF9A754C28F4}"/>
+              </a:ext>
+            </a:extLst>
+          </p:cNvPr>
+          <p:cNvSpPr>
+            <a:spLocks noGrp="1"/>
+          </p:cNvSpPr>
+          <p:nvPr>
+            <p:ph type="title"/>
+          </p:nvPr>
+        </p:nvSpPr>
+        <p:spPr/>
+        <p:txBody>
+          <a:bodyPr/>
+          <a:lstStyle/>
+          <a:p>
+            <a:r>
+              <a:rPr lang="hu-HU" dirty="0"/>
+              <a:t>Részcím egyezőség vizsgálata</a:t>
+            </a:r>
+          </a:p>
+        </p:txBody>
+      </p:sp>
+      <p:sp>
+        <p:nvSpPr>
+          <p:cNvPr id="3" name="Tartalom helye 2">
+            <a:extLst>
+              <a:ext uri="{FF2B5EF4-FFF2-40B4-BE49-F238E27FC236}">
+                <a16:creationId xmlns:a16="http://schemas.microsoft.com/office/drawing/2014/main" id="{D0F817A8-F5DC-484E-AAB1-6DBDA448054D}"/>
+              </a:ext>
+            </a:extLst>
+          </p:cNvPr>
+          <p:cNvSpPr>
+            <a:spLocks noGrp="1"/>
+          </p:cNvSpPr>
+          <p:nvPr>
+            <p:ph sz="half" idx="1"/>
+          </p:nvPr>
+        </p:nvSpPr>
+        <p:spPr>
+          <a:xfrm>
+            <a:off x="1117308" y="1701800"/>
+            <a:ext cx="9009551" cy="4470400"/>
+          </a:xfrm>
+        </p:spPr>
+        <p:txBody>
+          <a:bodyPr/>
+          <a:lstStyle/>
+          <a:p>
+            <a:pPr marL="0" indent="0">
+              <a:buNone/>
+            </a:pPr>
+            <a:r>
+              <a:rPr lang="hu-HU" dirty="0"/>
+              <a:t>Lehetőség van csak az első megadott karakter egyezésének keresésére is, például:</a:t>
+            </a:r>
+          </a:p>
+        </p:txBody>
+      </p:sp>
+      <p:pic>
+        <p:nvPicPr>
+          <p:cNvPr id="5" name="Tartalom helye 4">
+            <a:extLst>
+              <a:ext uri="{FF2B5EF4-FFF2-40B4-BE49-F238E27FC236}">
+                <a16:creationId xmlns:a16="http://schemas.microsoft.com/office/drawing/2014/main" id="{BA02F233-AB63-42E8-9012-B2660DB2835D}"/>
+              </a:ext>
+            </a:extLst>
+          </p:cNvPr>
+          <p:cNvPicPr>
+            <a:picLocks noGrp="1" noChangeAspect="1"/>
+          </p:cNvPicPr>
+          <p:nvPr>
+            <p:ph sz="half" idx="2"/>
+          </p:nvPr>
+        </p:nvPicPr>
+        <p:blipFill>
+          <a:blip r:embed="rId2"/>
+          <a:stretch>
+            <a:fillRect/>
+          </a:stretch>
+        </p:blipFill>
+        <p:spPr>
+          <a:xfrm>
+            <a:off x="3066805" y="2636912"/>
+            <a:ext cx="8207858" cy="3664903"/>
+          </a:xfrm>
+          <a:prstGeom prst="rect">
+            <a:avLst/>
+          </a:prstGeom>
+        </p:spPr>
+      </p:pic>
+      <p:sp>
+        <p:nvSpPr>
+          <p:cNvPr id="6" name="Téglalap 5">
+            <a:extLst>
+              <a:ext uri="{FF2B5EF4-FFF2-40B4-BE49-F238E27FC236}">
+                <a16:creationId xmlns:a16="http://schemas.microsoft.com/office/drawing/2014/main" id="{520DFC66-EFE7-4572-A2AD-6AB6D4FD62C4}"/>
+              </a:ext>
+            </a:extLst>
+          </p:cNvPr>
+          <p:cNvSpPr/>
+          <p:nvPr/>
+        </p:nvSpPr>
+        <p:spPr>
+          <a:xfrm>
+            <a:off x="3574132" y="4005064"/>
+            <a:ext cx="7128792" cy="216024"/>
+          </a:xfrm>
+          <a:prstGeom prst="rect">
+            <a:avLst/>
+          </a:prstGeom>
+          <a:solidFill>
+            <a:srgbClr val="7030A0">
+              <a:alpha val="40000"/>
+            </a:srgbClr>
+          </a:solidFill>
+          <a:effectLst/>
+        </p:spPr>
+        <p:style>
+          <a:lnRef idx="2">
+            <a:schemeClr val="accent1">
+              <a:shade val="50000"/>
+            </a:schemeClr>
+          </a:lnRef>
+          <a:fillRef idx="1">
+            <a:schemeClr val="accent1"/>
+          </a:fillRef>
+          <a:effectRef idx="0">
+            <a:schemeClr val="accent1"/>
+          </a:effectRef>
+          <a:fontRef idx="minor">
+            <a:schemeClr val="lt1"/>
+          </a:fontRef>
+        </p:style>
+        <p:txBody>
+          <a:bodyPr rtlCol="0" anchor="ctr"/>
+          <a:lstStyle/>
+          <a:p>
+            <a:pPr algn="ctr"/>
+            <a:endParaRPr lang="hu-HU"/>
+          </a:p>
+        </p:txBody>
+      </p:sp>
+      <p:sp>
+        <p:nvSpPr>
+          <p:cNvPr id="7" name="Téglalap 6">
+            <a:extLst>
+              <a:ext uri="{FF2B5EF4-FFF2-40B4-BE49-F238E27FC236}">
+                <a16:creationId xmlns:a16="http://schemas.microsoft.com/office/drawing/2014/main" id="{5F4A9757-3F3E-413F-8DBE-CA9D331A7372}"/>
+              </a:ext>
+            </a:extLst>
+          </p:cNvPr>
+          <p:cNvSpPr/>
+          <p:nvPr/>
+        </p:nvSpPr>
+        <p:spPr>
+          <a:xfrm>
+            <a:off x="3574132" y="4581128"/>
+            <a:ext cx="7128792" cy="216024"/>
+          </a:xfrm>
+          <a:prstGeom prst="rect">
+            <a:avLst/>
+          </a:prstGeom>
+          <a:solidFill>
+            <a:srgbClr val="7030A0">
+              <a:alpha val="40000"/>
+            </a:srgbClr>
+          </a:solidFill>
+          <a:effectLst/>
+        </p:spPr>
+        <p:style>
+          <a:lnRef idx="2">
+            <a:schemeClr val="accent1">
+              <a:shade val="50000"/>
+            </a:schemeClr>
+          </a:lnRef>
+          <a:fillRef idx="1">
+            <a:schemeClr val="accent1"/>
+          </a:fillRef>
+          <a:effectRef idx="0">
+            <a:schemeClr val="accent1"/>
+          </a:effectRef>
+          <a:fontRef idx="minor">
+            <a:schemeClr val="lt1"/>
+          </a:fontRef>
+        </p:style>
+        <p:txBody>
+          <a:bodyPr rtlCol="0" anchor="ctr"/>
+          <a:lstStyle/>
+          <a:p>
+            <a:pPr algn="ctr"/>
+            <a:endParaRPr lang="hu-HU"/>
+          </a:p>
+        </p:txBody>
+      </p:sp>
+      <p:sp>
+        <p:nvSpPr>
+          <p:cNvPr id="8" name="Téglalap 7">
+            <a:extLst>
+              <a:ext uri="{FF2B5EF4-FFF2-40B4-BE49-F238E27FC236}">
+                <a16:creationId xmlns:a16="http://schemas.microsoft.com/office/drawing/2014/main" id="{ADF23B44-9F35-435C-8BC6-CA2947AB4C14}"/>
+              </a:ext>
+            </a:extLst>
+          </p:cNvPr>
+          <p:cNvSpPr/>
+          <p:nvPr/>
+        </p:nvSpPr>
+        <p:spPr>
+          <a:xfrm>
+            <a:off x="7030516" y="3212976"/>
+            <a:ext cx="864096" cy="216024"/>
+          </a:xfrm>
+          <a:prstGeom prst="rect">
+            <a:avLst/>
+          </a:prstGeom>
+          <a:solidFill>
+            <a:srgbClr val="7030A0">
+              <a:alpha val="40000"/>
+            </a:srgbClr>
+          </a:solidFill>
+          <a:effectLst/>
+        </p:spPr>
+        <p:style>
+          <a:lnRef idx="2">
+            <a:schemeClr val="accent1">
+              <a:shade val="50000"/>
+            </a:schemeClr>
+          </a:lnRef>
+          <a:fillRef idx="1">
+            <a:schemeClr val="accent1"/>
+          </a:fillRef>
+          <a:effectRef idx="0">
+            <a:schemeClr val="accent1"/>
+          </a:effectRef>
+          <a:fontRef idx="minor">
+            <a:schemeClr val="lt1"/>
+          </a:fontRef>
+        </p:style>
+        <p:txBody>
+          <a:bodyPr rtlCol="0" anchor="ctr"/>
+          <a:lstStyle/>
+          <a:p>
+            <a:pPr algn="ctr"/>
+            <a:endParaRPr lang="hu-HU"/>
+          </a:p>
+        </p:txBody>
+      </p:sp>
+    </p:spTree>
+    <p:extLst>
+      <p:ext uri="{BB962C8B-B14F-4D97-AF65-F5344CB8AC3E}">
+        <p14:creationId xmlns:p14="http://schemas.microsoft.com/office/powerpoint/2010/main" val="1798404776"/>
+      </p:ext>
+    </p:extLst>
+  </p:cSld>
+  <p:clrMapOvr>
+    <a:masterClrMapping/>
+  </p:clrMapOvr>
+  <mc:AlternateContent xmlns:mc="http://schemas.openxmlformats.org/markup-compatibility/2006" xmlns:p14="http://schemas.microsoft.com/office/powerpoint/2010/main">
+    <mc:Choice Requires="p14">
+      <p:transition spd="med" p14:dur="700">
+        <p:fade/>
+      </p:transition>
+    </mc:Choice>
+    <mc:Fallback xmlns="">
+      <p:transition spd="med">
+        <p:fade/>
+      </p:transition>
+    </mc:Fallback>
+  </mc:AlternateContent>
+  <p:timing>
+    <p:tnLst>
+      <p:par>
+        <p:cTn id="1" dur="indefinite" restart="never" nodeType="tmRoot">
+          <p:childTnLst>
+            <p:seq concurrent="1" nextAc="seek">
+              <p:cTn id="2" dur="indefinite" nodeType="mainSeq">
+                <p:childTnLst>
+                  <p:par>
+                    <p:cTn id="3" fill="hold">
+                      <p:stCondLst>
+                        <p:cond delay="indefinite"/>
+                        <p:cond evt="onBegin" delay="0">
+                          <p:tn val="2"/>
+                        </p:cond>
+                      </p:stCondLst>
+                      <p:childTnLst>
+                        <p:par>
+                          <p:cTn id="4" fill="hold">
+                            <p:stCondLst>
+                              <p:cond delay="0"/>
+                            </p:stCondLst>
+                            <p:childTnLst>
+                              <p:par>
+                                <p:cTn id="5" presetID="42" presetClass="entr" presetSubtype="0" fill="hold" grpId="0" nodeType="withEffect">
+                                  <p:stCondLst>
+                                    <p:cond delay="0"/>
+                                  </p:stCondLst>
+                                  <p:childTnLst>
+                                    <p:set>
+                                      <p:cBhvr>
+                                        <p:cTn id="6" dur="1" fill="hold">
+                                          <p:stCondLst>
+                                            <p:cond delay="0"/>
+                                          </p:stCondLst>
+                                        </p:cTn>
+                                        <p:tgtEl>
+                                          <p:spTgt spid="6"/>
+                                        </p:tgtEl>
+                                        <p:attrNameLst>
+                                          <p:attrName>style.visibility</p:attrName>
+                                        </p:attrNameLst>
+                                      </p:cBhvr>
+                                      <p:to>
+                                        <p:strVal val="visible"/>
+                                      </p:to>
+                                    </p:set>
+                                    <p:animEffect transition="in" filter="fade">
+                                      <p:cBhvr>
+                                        <p:cTn id="7" dur="1000"/>
+                                        <p:tgtEl>
+                                          <p:spTgt spid="6"/>
+                                        </p:tgtEl>
+                                      </p:cBhvr>
+                                    </p:animEffect>
+                                    <p:anim calcmode="lin" valueType="num">
+                                      <p:cBhvr>
+                                        <p:cTn id="8" dur="1000" fill="hold"/>
+                                        <p:tgtEl>
+                                          <p:spTgt spid="6"/>
+                                        </p:tgtEl>
+                                        <p:attrNameLst>
+                                          <p:attrName>ppt_x</p:attrName>
+                                        </p:attrNameLst>
+                                      </p:cBhvr>
+                                      <p:tavLst>
+                                        <p:tav tm="0">
+                                          <p:val>
+                                            <p:strVal val="#ppt_x"/>
+                                          </p:val>
+                                        </p:tav>
+                                        <p:tav tm="100000">
+                                          <p:val>
+                                            <p:strVal val="#ppt_x"/>
+                                          </p:val>
+                                        </p:tav>
+                                      </p:tavLst>
+                                    </p:anim>
+                                    <p:anim calcmode="lin" valueType="num">
+                                      <p:cBhvr>
+                                        <p:cTn id="9" dur="1000" fill="hold"/>
+                                        <p:tgtEl>
+                                          <p:spTgt spid="6"/>
+                                        </p:tgtEl>
+                                        <p:attrNameLst>
+                                          <p:attrName>ppt_y</p:attrName>
+                                        </p:attrNameLst>
+                                      </p:cBhvr>
+                                      <p:tavLst>
+                                        <p:tav tm="0">
+                                          <p:val>
+                                            <p:strVal val="#ppt_y+.1"/>
+                                          </p:val>
+                                        </p:tav>
+                                        <p:tav tm="100000">
+                                          <p:val>
+                                            <p:strVal val="#ppt_y"/>
+                                          </p:val>
+                                        </p:tav>
+                                      </p:tavLst>
+                                    </p:anim>
+                                  </p:childTnLst>
+                                </p:cTn>
+                              </p:par>
+                              <p:par>
+                                <p:cTn id="10" presetID="42" presetClass="entr" presetSubtype="0" fill="hold" grpId="0" nodeType="withEffect">
+                                  <p:stCondLst>
+                                    <p:cond delay="0"/>
+                                  </p:stCondLst>
+                                  <p:childTnLst>
+                                    <p:set>
+                                      <p:cBhvr>
+                                        <p:cTn id="11" dur="1" fill="hold">
+                                          <p:stCondLst>
+                                            <p:cond delay="0"/>
+                                          </p:stCondLst>
+                                        </p:cTn>
+                                        <p:tgtEl>
+                                          <p:spTgt spid="7"/>
+                                        </p:tgtEl>
+                                        <p:attrNameLst>
+                                          <p:attrName>style.visibility</p:attrName>
+                                        </p:attrNameLst>
+                                      </p:cBhvr>
+                                      <p:to>
+                                        <p:strVal val="visible"/>
+                                      </p:to>
+                                    </p:set>
+                                    <p:animEffect transition="in" filter="fade">
+                                      <p:cBhvr>
+                                        <p:cTn id="12" dur="1000"/>
+                                        <p:tgtEl>
+                                          <p:spTgt spid="7"/>
+                                        </p:tgtEl>
+                                      </p:cBhvr>
+                                    </p:animEffect>
+                                    <p:anim calcmode="lin" valueType="num">
+                                      <p:cBhvr>
+                                        <p:cTn id="13" dur="1000" fill="hold"/>
+                                        <p:tgtEl>
+                                          <p:spTgt spid="7"/>
+                                        </p:tgtEl>
+                                        <p:attrNameLst>
+                                          <p:attrName>ppt_x</p:attrName>
+                                        </p:attrNameLst>
+                                      </p:cBhvr>
+                                      <p:tavLst>
+                                        <p:tav tm="0">
+                                          <p:val>
+                                            <p:strVal val="#ppt_x"/>
+                                          </p:val>
+                                        </p:tav>
+                                        <p:tav tm="100000">
+                                          <p:val>
+                                            <p:strVal val="#ppt_x"/>
+                                          </p:val>
+                                        </p:tav>
+                                      </p:tavLst>
+                                    </p:anim>
+                                    <p:anim calcmode="lin" valueType="num">
+                                      <p:cBhvr>
+                                        <p:cTn id="14" dur="1000" fill="hold"/>
+                                        <p:tgtEl>
+                                          <p:spTgt spid="7"/>
+                                        </p:tgtEl>
+                                        <p:attrNameLst>
+                                          <p:attrName>ppt_y</p:attrName>
+                                        </p:attrNameLst>
+                                      </p:cBhvr>
+                                      <p:tavLst>
+                                        <p:tav tm="0">
+                                          <p:val>
+                                            <p:strVal val="#ppt_y+.1"/>
+                                          </p:val>
+                                        </p:tav>
+                                        <p:tav tm="100000">
+                                          <p:val>
+                                            <p:strVal val="#ppt_y"/>
+                                          </p:val>
+                                        </p:tav>
+                                      </p:tavLst>
+                                    </p:anim>
+                                  </p:childTnLst>
+                                </p:cTn>
+                              </p:par>
+                              <p:par>
+                                <p:cTn id="15" presetID="42" presetClass="entr" presetSubtype="0" fill="hold" grpId="0" nodeType="withEffect">
+                                  <p:stCondLst>
+                                    <p:cond delay="0"/>
+                                  </p:stCondLst>
+                                  <p:childTnLst>
+                                    <p:set>
+                                      <p:cBhvr>
+                                        <p:cTn id="16" dur="1" fill="hold">
+                                          <p:stCondLst>
+                                            <p:cond delay="0"/>
+                                          </p:stCondLst>
+                                        </p:cTn>
+                                        <p:tgtEl>
+                                          <p:spTgt spid="8"/>
+                                        </p:tgtEl>
+                                        <p:attrNameLst>
+                                          <p:attrName>style.visibility</p:attrName>
+                                        </p:attrNameLst>
+                                      </p:cBhvr>
+                                      <p:to>
+                                        <p:strVal val="visible"/>
+                                      </p:to>
+                                    </p:set>
+                                    <p:animEffect transition="in" filter="fade">
+                                      <p:cBhvr>
+                                        <p:cTn id="17" dur="1000"/>
+                                        <p:tgtEl>
+                                          <p:spTgt spid="8"/>
+                                        </p:tgtEl>
+                                      </p:cBhvr>
+                                    </p:animEffect>
+                                    <p:anim calcmode="lin" valueType="num">
+                                      <p:cBhvr>
+                                        <p:cTn id="18" dur="1000" fill="hold"/>
+                                        <p:tgtEl>
+                                          <p:spTgt spid="8"/>
+                                        </p:tgtEl>
+                                        <p:attrNameLst>
+                                          <p:attrName>ppt_x</p:attrName>
+                                        </p:attrNameLst>
+                                      </p:cBhvr>
+                                      <p:tavLst>
+                                        <p:tav tm="0">
+                                          <p:val>
+                                            <p:strVal val="#ppt_x"/>
+                                          </p:val>
+                                        </p:tav>
+                                        <p:tav tm="100000">
+                                          <p:val>
+                                            <p:strVal val="#ppt_x"/>
+                                          </p:val>
+                                        </p:tav>
+                                      </p:tavLst>
+                                    </p:anim>
+                                    <p:anim calcmode="lin" valueType="num">
+                                      <p:cBhvr>
+                                        <p:cTn id="19" dur="1000" fill="hold"/>
+                                        <p:tgtEl>
+                                          <p:spTgt spid="8"/>
+                                        </p:tgtEl>
+                                        <p:attrNameLst>
+                                          <p:attrName>ppt_y</p:attrName>
+                                        </p:attrNameLst>
+                                      </p:cBhvr>
+                                      <p:tavLst>
+                                        <p:tav tm="0">
+                                          <p:val>
+                                            <p:strVal val="#ppt_y+.1"/>
+                                          </p:val>
+                                        </p:tav>
+                                        <p:tav tm="100000">
+                                          <p:val>
+                                            <p:strVal val="#ppt_y"/>
+                                          </p:val>
+                                        </p:tav>
+                                      </p:tavLst>
+                                    </p:anim>
+                                  </p:childTnLst>
+                                </p:cTn>
+                              </p:par>
+                            </p:childTnLst>
+                          </p:cTn>
+                        </p:par>
+                      </p:childTnLst>
+                    </p:cTn>
+                  </p:par>
+                </p:childTnLst>
+              </p:cTn>
+              <p:prevCondLst>
+                <p:cond evt="onPrev" delay="0">
+                  <p:tgtEl>
+                    <p:sldTgt/>
+                  </p:tgtEl>
+                </p:cond>
+              </p:prevCondLst>
+              <p:nextCondLst>
+                <p:cond evt="onNext" delay="0">
+                  <p:tgtEl>
+                    <p:sldTgt/>
+                  </p:tgtEl>
+                </p:cond>
+              </p:nextCondLst>
+            </p:seq>
+          </p:childTnLst>
+        </p:cTn>
+      </p:par>
+    </p:tnLst>
+    <p:bldLst>
+      <p:bldP spid="6" grpId="0" animBg="1"/>
+      <p:bldP spid="7" grpId="0" animBg="1"/>
+      <p:bldP spid="8" grpId="0" animBg="1"/>
+    </p:bldLst>
+  </p:timing>
+</p:sld>
+</file>
+
+<file path=ppt/slides/slide15.xml><?xml version="1.0" encoding="utf-8"?>
+<p:sld xmlns:a="http://schemas.openxmlformats.org/drawingml/2006/main" xmlns:r="http://schemas.openxmlformats.org/officeDocument/2006/relationships" xmlns:p="http://schemas.openxmlformats.org/presentationml/2006/main">
+  <p:cSld>
+    <p:spTree>
+      <p:nvGrpSpPr>
+        <p:cNvPr id="1" name=""/>
+        <p:cNvGrpSpPr/>
+        <p:nvPr/>
+      </p:nvGrpSpPr>
+      <p:grpSpPr>
+        <a:xfrm>
+          <a:off x="0" y="0"/>
+          <a:ext cx="0" cy="0"/>
+          <a:chOff x="0" y="0"/>
+          <a:chExt cx="0" cy="0"/>
+        </a:xfrm>
+      </p:grpSpPr>
+      <p:sp>
+        <p:nvSpPr>
+          <p:cNvPr id="2" name="Cím 1">
+            <a:extLst>
+              <a:ext uri="{FF2B5EF4-FFF2-40B4-BE49-F238E27FC236}">
+                <a16:creationId xmlns:a16="http://schemas.microsoft.com/office/drawing/2014/main" id="{02AA0DA2-C084-4180-9A1D-D1716CD7C6E6}"/>
+              </a:ext>
+            </a:extLst>
+          </p:cNvPr>
+          <p:cNvSpPr>
+            <a:spLocks noGrp="1"/>
+          </p:cNvSpPr>
+          <p:nvPr>
+            <p:ph type="title"/>
+          </p:nvPr>
+        </p:nvSpPr>
+        <p:spPr/>
+        <p:txBody>
+          <a:bodyPr/>
+          <a:lstStyle/>
+          <a:p>
+            <a:r>
+              <a:rPr lang="hu-HU" dirty="0"/>
+              <a:t>Túl hosszú karaktersorozat egyezésének vizsgálata</a:t>
+            </a:r>
+          </a:p>
+        </p:txBody>
+      </p:sp>
+      <p:sp>
+        <p:nvSpPr>
+          <p:cNvPr id="3" name="Tartalom helye 2">
+            <a:extLst>
+              <a:ext uri="{FF2B5EF4-FFF2-40B4-BE49-F238E27FC236}">
+                <a16:creationId xmlns:a16="http://schemas.microsoft.com/office/drawing/2014/main" id="{A667B929-90AD-4337-AC3A-8308C5E46D9F}"/>
+              </a:ext>
+            </a:extLst>
+          </p:cNvPr>
+          <p:cNvSpPr>
+            <a:spLocks noGrp="1"/>
+          </p:cNvSpPr>
+          <p:nvPr>
+            <p:ph sz="half" idx="1"/>
+          </p:nvPr>
+        </p:nvSpPr>
+        <p:spPr/>
+        <p:txBody>
+          <a:bodyPr/>
+          <a:lstStyle/>
+          <a:p>
+            <a:pPr marL="0" indent="0">
+              <a:buNone/>
+            </a:pPr>
+            <a:endParaRPr lang="hu-HU" dirty="0"/>
+          </a:p>
+          <a:p>
+            <a:pPr marL="0" indent="0">
+              <a:buNone/>
+            </a:pPr>
+            <a:r>
+              <a:rPr lang="hu-HU" dirty="0"/>
+              <a:t>Ha a címnél hosszabb karakterszámot adnak a programnak az egyezőség keresésére, akkor a teljes címre keres.</a:t>
+            </a:r>
+          </a:p>
+        </p:txBody>
+      </p:sp>
+      <p:pic>
+        <p:nvPicPr>
+          <p:cNvPr id="5" name="Tartalom helye 4">
+            <a:extLst>
+              <a:ext uri="{FF2B5EF4-FFF2-40B4-BE49-F238E27FC236}">
+                <a16:creationId xmlns:a16="http://schemas.microsoft.com/office/drawing/2014/main" id="{D3D19894-F233-44EA-B6DC-261CB6CFE82E}"/>
+              </a:ext>
+            </a:extLst>
+          </p:cNvPr>
+          <p:cNvPicPr>
+            <a:picLocks noGrp="1" noChangeAspect="1"/>
+          </p:cNvPicPr>
+          <p:nvPr>
+            <p:ph sz="half" idx="2"/>
+          </p:nvPr>
+        </p:nvPicPr>
+        <p:blipFill>
+          <a:blip r:embed="rId2"/>
+          <a:stretch>
+            <a:fillRect/>
+          </a:stretch>
+        </p:blipFill>
+        <p:spPr>
+          <a:xfrm>
+            <a:off x="6297613" y="2206195"/>
+            <a:ext cx="4976812" cy="3461609"/>
+          </a:xfrm>
+          <a:prstGeom prst="rect">
+            <a:avLst/>
+          </a:prstGeom>
+        </p:spPr>
+      </p:pic>
+      <p:sp>
+        <p:nvSpPr>
+          <p:cNvPr id="6" name="Téglalap 5">
+            <a:extLst>
+              <a:ext uri="{FF2B5EF4-FFF2-40B4-BE49-F238E27FC236}">
+                <a16:creationId xmlns:a16="http://schemas.microsoft.com/office/drawing/2014/main" id="{62C0562B-3DAA-43D0-ACF6-A2C284B05F3A}"/>
+              </a:ext>
+            </a:extLst>
+          </p:cNvPr>
+          <p:cNvSpPr/>
+          <p:nvPr/>
+        </p:nvSpPr>
+        <p:spPr>
+          <a:xfrm>
+            <a:off x="9982844" y="2780928"/>
+            <a:ext cx="936104" cy="216024"/>
+          </a:xfrm>
+          <a:prstGeom prst="rect">
+            <a:avLst/>
+          </a:prstGeom>
+          <a:solidFill>
+            <a:srgbClr val="7030A0">
+              <a:alpha val="40000"/>
+            </a:srgbClr>
+          </a:solidFill>
+          <a:effectLst/>
+        </p:spPr>
+        <p:style>
+          <a:lnRef idx="2">
+            <a:schemeClr val="accent1">
+              <a:shade val="50000"/>
+            </a:schemeClr>
+          </a:lnRef>
+          <a:fillRef idx="1">
+            <a:schemeClr val="accent1"/>
+          </a:fillRef>
+          <a:effectRef idx="0">
+            <a:schemeClr val="accent1"/>
+          </a:effectRef>
+          <a:fontRef idx="minor">
+            <a:schemeClr val="lt1"/>
+          </a:fontRef>
+        </p:style>
+        <p:txBody>
+          <a:bodyPr rtlCol="0" anchor="ctr"/>
+          <a:lstStyle/>
+          <a:p>
+            <a:pPr algn="ctr"/>
+            <a:endParaRPr lang="hu-HU"/>
+          </a:p>
+        </p:txBody>
+      </p:sp>
+    </p:spTree>
+    <p:extLst>
+      <p:ext uri="{BB962C8B-B14F-4D97-AF65-F5344CB8AC3E}">
+        <p14:creationId xmlns:p14="http://schemas.microsoft.com/office/powerpoint/2010/main" val="3069579162"/>
+      </p:ext>
+    </p:extLst>
+  </p:cSld>
+  <p:clrMapOvr>
+    <a:masterClrMapping/>
+  </p:clrMapOvr>
+  <mc:AlternateContent xmlns:mc="http://schemas.openxmlformats.org/markup-compatibility/2006" xmlns:p14="http://schemas.microsoft.com/office/powerpoint/2010/main">
+    <mc:Choice Requires="p14">
+      <p:transition spd="med" p14:dur="700">
+        <p:fade/>
+      </p:transition>
+    </mc:Choice>
+    <mc:Fallback xmlns="">
+      <p:transition spd="med">
+        <p:fade/>
+      </p:transition>
+    </mc:Fallback>
+  </mc:AlternateContent>
+  <p:timing>
+    <p:tnLst>
+      <p:par>
+        <p:cTn id="1" dur="indefinite" restart="never" nodeType="tmRoot">
+          <p:childTnLst>
+            <p:seq concurrent="1" nextAc="seek">
+              <p:cTn id="2" dur="indefinite" nodeType="mainSeq">
+                <p:childTnLst>
+                  <p:par>
+                    <p:cTn id="3" fill="hold">
+                      <p:stCondLst>
+                        <p:cond delay="indefinite"/>
+                        <p:cond evt="onBegin" delay="0">
+                          <p:tn val="2"/>
+                        </p:cond>
+                      </p:stCondLst>
+                      <p:childTnLst>
+                        <p:par>
+                          <p:cTn id="4" fill="hold">
+                            <p:stCondLst>
+                              <p:cond delay="0"/>
+                            </p:stCondLst>
+                            <p:childTnLst>
+                              <p:par>
+                                <p:cTn id="5" presetID="42" presetClass="entr" presetSubtype="0" fill="hold" grpId="0" nodeType="withEffect">
+                                  <p:stCondLst>
+                                    <p:cond delay="0"/>
+                                  </p:stCondLst>
+                                  <p:childTnLst>
+                                    <p:set>
+                                      <p:cBhvr>
+                                        <p:cTn id="6" dur="1" fill="hold">
+                                          <p:stCondLst>
+                                            <p:cond delay="0"/>
+                                          </p:stCondLst>
+                                        </p:cTn>
+                                        <p:tgtEl>
+                                          <p:spTgt spid="6"/>
+                                        </p:tgtEl>
+                                        <p:attrNameLst>
+                                          <p:attrName>style.visibility</p:attrName>
+                                        </p:attrNameLst>
+                                      </p:cBhvr>
+                                      <p:to>
+                                        <p:strVal val="visible"/>
+                                      </p:to>
+                                    </p:set>
+                                    <p:animEffect transition="in" filter="fade">
+                                      <p:cBhvr>
+                                        <p:cTn id="7" dur="1000"/>
+                                        <p:tgtEl>
+                                          <p:spTgt spid="6"/>
+                                        </p:tgtEl>
+                                      </p:cBhvr>
+                                    </p:animEffect>
+                                    <p:anim calcmode="lin" valueType="num">
+                                      <p:cBhvr>
+                                        <p:cTn id="8" dur="1000" fill="hold"/>
+                                        <p:tgtEl>
+                                          <p:spTgt spid="6"/>
+                                        </p:tgtEl>
+                                        <p:attrNameLst>
+                                          <p:attrName>ppt_x</p:attrName>
+                                        </p:attrNameLst>
+                                      </p:cBhvr>
+                                      <p:tavLst>
+                                        <p:tav tm="0">
+                                          <p:val>
+                                            <p:strVal val="#ppt_x"/>
+                                          </p:val>
+                                        </p:tav>
+                                        <p:tav tm="100000">
+                                          <p:val>
+                                            <p:strVal val="#ppt_x"/>
+                                          </p:val>
+                                        </p:tav>
+                                      </p:tavLst>
+                                    </p:anim>
+                                    <p:anim calcmode="lin" valueType="num">
+                                      <p:cBhvr>
+                                        <p:cTn id="9" dur="1000" fill="hold"/>
+                                        <p:tgtEl>
+                                          <p:spTgt spid="6"/>
+                                        </p:tgtEl>
+                                        <p:attrNameLst>
+                                          <p:attrName>ppt_y</p:attrName>
+                                        </p:attrNameLst>
+                                      </p:cBhvr>
+                                      <p:tavLst>
+                                        <p:tav tm="0">
+                                          <p:val>
+                                            <p:strVal val="#ppt_y+.1"/>
+                                          </p:val>
+                                        </p:tav>
+                                        <p:tav tm="100000">
+                                          <p:val>
+                                            <p:strVal val="#ppt_y"/>
+                                          </p:val>
+                                        </p:tav>
+                                      </p:tavLst>
+                                    </p:anim>
+                                  </p:childTnLst>
+                                </p:cTn>
+                              </p:par>
+                            </p:childTnLst>
+                          </p:cTn>
+                        </p:par>
+                      </p:childTnLst>
+                    </p:cTn>
+                  </p:par>
+                </p:childTnLst>
+              </p:cTn>
+              <p:prevCondLst>
+                <p:cond evt="onPrev" delay="0">
+                  <p:tgtEl>
+                    <p:sldTgt/>
+                  </p:tgtEl>
+                </p:cond>
+              </p:prevCondLst>
+              <p:nextCondLst>
+                <p:cond evt="onNext" delay="0">
+                  <p:tgtEl>
+                    <p:sldTgt/>
+                  </p:tgtEl>
+                </p:cond>
+              </p:nextCondLst>
+            </p:seq>
+          </p:childTnLst>
+        </p:cTn>
+      </p:par>
+    </p:tnLst>
+    <p:bldLst>
+      <p:bldP spid="6" grpId="0" animBg="1"/>
+    </p:bldLst>
+  </p:timing>
+</p:sld>
+</file>
+
+<file path=ppt/slides/slide16.xml><?xml version="1.0" encoding="utf-8"?>
+<p:sld xmlns:a="http://schemas.openxmlformats.org/drawingml/2006/main" xmlns:r="http://schemas.openxmlformats.org/officeDocument/2006/relationships" xmlns:p="http://schemas.openxmlformats.org/presentationml/2006/main">
+  <p:cSld>
+    <p:spTree>
+      <p:nvGrpSpPr>
+        <p:cNvPr id="1" name=""/>
+        <p:cNvGrpSpPr/>
+        <p:nvPr/>
+      </p:nvGrpSpPr>
+      <p:grpSpPr>
+        <a:xfrm>
+          <a:off x="0" y="0"/>
+          <a:ext cx="0" cy="0"/>
+          <a:chOff x="0" y="0"/>
+          <a:chExt cx="0" cy="0"/>
+        </a:xfrm>
+      </p:grpSpPr>
+      <p:sp>
+        <p:nvSpPr>
+          <p:cNvPr id="2" name="Cím 1">
+            <a:extLst>
+              <a:ext uri="{FF2B5EF4-FFF2-40B4-BE49-F238E27FC236}">
+                <a16:creationId xmlns:a16="http://schemas.microsoft.com/office/drawing/2014/main" id="{DDC6C8C9-8BC4-405C-B8F8-DE93CC130207}"/>
+              </a:ext>
+            </a:extLst>
+          </p:cNvPr>
+          <p:cNvSpPr>
+            <a:spLocks noGrp="1"/>
+          </p:cNvSpPr>
+          <p:nvPr>
+            <p:ph type="title"/>
+          </p:nvPr>
+        </p:nvSpPr>
+        <p:spPr/>
+        <p:txBody>
+          <a:bodyPr/>
+          <a:lstStyle/>
+          <a:p>
+            <a:r>
+              <a:rPr lang="hu-HU" dirty="0"/>
+              <a:t>Késleltetés beállítás</a:t>
+            </a:r>
+          </a:p>
+        </p:txBody>
+      </p:sp>
+      <p:sp>
+        <p:nvSpPr>
+          <p:cNvPr id="3" name="Tartalom helye 2">
+            <a:extLst>
+              <a:ext uri="{FF2B5EF4-FFF2-40B4-BE49-F238E27FC236}">
+                <a16:creationId xmlns:a16="http://schemas.microsoft.com/office/drawing/2014/main" id="{5F930462-0DC3-41CC-B8BA-4A2FB9CF0C03}"/>
+              </a:ext>
+            </a:extLst>
+          </p:cNvPr>
+          <p:cNvSpPr>
+            <a:spLocks noGrp="1"/>
+          </p:cNvSpPr>
+          <p:nvPr>
+            <p:ph sz="half" idx="1"/>
+          </p:nvPr>
+        </p:nvSpPr>
+        <p:spPr/>
+        <p:txBody>
+          <a:bodyPr/>
+          <a:lstStyle/>
+          <a:p>
+            <a:pPr marL="0" indent="0">
+              <a:buNone/>
+            </a:pPr>
+            <a:r>
+              <a:rPr lang="hu-HU" dirty="0" err="1"/>
+              <a:t>Webscraping</a:t>
+            </a:r>
+            <a:r>
+              <a:rPr lang="hu-HU" dirty="0"/>
+              <a:t> technológia használatakor a hálózat/internet, szerver, </a:t>
+            </a:r>
+            <a:r>
+              <a:rPr lang="hu-HU" dirty="0" err="1"/>
+              <a:t>stb</a:t>
+            </a:r>
+            <a:r>
+              <a:rPr lang="hu-HU" dirty="0"/>
+              <a:t> terheltsége befolyásolja, hogy a megadott válaszidőn belül kapunk-e eredményt. Mivel ez több tényezőtől függ, így felhasználó által módosítható a késleltetés, hogy nagyobb terhelés esetén is megvárjuk a választ.</a:t>
+            </a:r>
+          </a:p>
+        </p:txBody>
+      </p:sp>
+      <p:pic>
+        <p:nvPicPr>
+          <p:cNvPr id="9" name="Tartalom helye 8">
+            <a:extLst>
+              <a:ext uri="{FF2B5EF4-FFF2-40B4-BE49-F238E27FC236}">
+                <a16:creationId xmlns:a16="http://schemas.microsoft.com/office/drawing/2014/main" id="{CC96BA58-96D8-47A0-A754-1F595CACE210}"/>
+              </a:ext>
+            </a:extLst>
+          </p:cNvPr>
+          <p:cNvPicPr>
+            <a:picLocks noGrp="1" noChangeAspect="1"/>
+          </p:cNvPicPr>
+          <p:nvPr>
+            <p:ph sz="half" idx="2"/>
+          </p:nvPr>
+        </p:nvPicPr>
+        <p:blipFill>
+          <a:blip r:embed="rId2"/>
+          <a:stretch>
+            <a:fillRect/>
+          </a:stretch>
+        </p:blipFill>
+        <p:spPr>
+          <a:xfrm>
+            <a:off x="6297613" y="2097049"/>
+            <a:ext cx="4976812" cy="3679902"/>
+          </a:xfrm>
+          <a:prstGeom prst="rect">
+            <a:avLst/>
+          </a:prstGeom>
+        </p:spPr>
+      </p:pic>
+      <p:sp>
+        <p:nvSpPr>
+          <p:cNvPr id="5" name="Téglalap 4">
+            <a:extLst>
+              <a:ext uri="{FF2B5EF4-FFF2-40B4-BE49-F238E27FC236}">
+                <a16:creationId xmlns:a16="http://schemas.microsoft.com/office/drawing/2014/main" id="{9CD1A120-F3AD-4FE7-A17D-F842DDA70E13}"/>
+              </a:ext>
+            </a:extLst>
+          </p:cNvPr>
+          <p:cNvSpPr/>
+          <p:nvPr/>
+        </p:nvSpPr>
+        <p:spPr>
+          <a:xfrm>
+            <a:off x="10270876" y="2492896"/>
+            <a:ext cx="936104" cy="216024"/>
+          </a:xfrm>
+          <a:prstGeom prst="rect">
+            <a:avLst/>
+          </a:prstGeom>
+          <a:solidFill>
+            <a:srgbClr val="7030A0">
+              <a:alpha val="40000"/>
+            </a:srgbClr>
+          </a:solidFill>
+          <a:effectLst/>
+        </p:spPr>
+        <p:style>
+          <a:lnRef idx="2">
+            <a:schemeClr val="accent1">
+              <a:shade val="50000"/>
+            </a:schemeClr>
+          </a:lnRef>
+          <a:fillRef idx="1">
+            <a:schemeClr val="accent1"/>
+          </a:fillRef>
+          <a:effectRef idx="0">
+            <a:schemeClr val="accent1"/>
+          </a:effectRef>
+          <a:fontRef idx="minor">
+            <a:schemeClr val="lt1"/>
+          </a:fontRef>
+        </p:style>
+        <p:txBody>
+          <a:bodyPr rtlCol="0" anchor="ctr"/>
+          <a:lstStyle/>
+          <a:p>
+            <a:pPr algn="ctr"/>
+            <a:endParaRPr lang="hu-HU"/>
+          </a:p>
+        </p:txBody>
+      </p:sp>
+    </p:spTree>
+    <p:extLst>
+      <p:ext uri="{BB962C8B-B14F-4D97-AF65-F5344CB8AC3E}">
+        <p14:creationId xmlns:p14="http://schemas.microsoft.com/office/powerpoint/2010/main" val="513559910"/>
+      </p:ext>
+    </p:extLst>
+  </p:cSld>
+  <p:clrMapOvr>
+    <a:masterClrMapping/>
+  </p:clrMapOvr>
+  <mc:AlternateContent xmlns:mc="http://schemas.openxmlformats.org/markup-compatibility/2006" xmlns:p14="http://schemas.microsoft.com/office/powerpoint/2010/main">
+    <mc:Choice Requires="p14">
+      <p:transition spd="med" p14:dur="700">
+        <p:fade/>
+      </p:transition>
+    </mc:Choice>
+    <mc:Fallback xmlns="">
+      <p:transition spd="med">
+        <p:fade/>
+      </p:transition>
+    </mc:Fallback>
+  </mc:AlternateContent>
+  <p:timing>
+    <p:tnLst>
+      <p:par>
+        <p:cTn id="1" dur="indefinite" restart="never" nodeType="tmRoot">
+          <p:childTnLst>
+            <p:seq concurrent="1" nextAc="seek">
+              <p:cTn id="2" dur="indefinite" nodeType="mainSeq">
+                <p:childTnLst>
+                  <p:par>
+                    <p:cTn id="3" fill="hold">
+                      <p:stCondLst>
+                        <p:cond delay="indefinite"/>
+                        <p:cond evt="onBegin" delay="0">
+                          <p:tn val="2"/>
+                        </p:cond>
+                      </p:stCondLst>
+                      <p:childTnLst>
+                        <p:par>
+                          <p:cTn id="4" fill="hold">
+                            <p:stCondLst>
+                              <p:cond delay="0"/>
+                            </p:stCondLst>
+                            <p:childTnLst>
+                              <p:par>
+                                <p:cTn id="5" presetID="42" presetClass="entr" presetSubtype="0" fill="hold" grpId="0" nodeType="withEffect">
+                                  <p:stCondLst>
+                                    <p:cond delay="0"/>
+                                  </p:stCondLst>
+                                  <p:childTnLst>
+                                    <p:set>
+                                      <p:cBhvr>
+                                        <p:cTn id="6" dur="1" fill="hold">
+                                          <p:stCondLst>
+                                            <p:cond delay="0"/>
+                                          </p:stCondLst>
+                                        </p:cTn>
+                                        <p:tgtEl>
+                                          <p:spTgt spid="5"/>
+                                        </p:tgtEl>
+                                        <p:attrNameLst>
+                                          <p:attrName>style.visibility</p:attrName>
+                                        </p:attrNameLst>
+                                      </p:cBhvr>
+                                      <p:to>
+                                        <p:strVal val="visible"/>
+                                      </p:to>
+                                    </p:set>
+                                    <p:animEffect transition="in" filter="fade">
+                                      <p:cBhvr>
+                                        <p:cTn id="7" dur="1000"/>
+                                        <p:tgtEl>
+                                          <p:spTgt spid="5"/>
+                                        </p:tgtEl>
+                                      </p:cBhvr>
+                                    </p:animEffect>
+                                    <p:anim calcmode="lin" valueType="num">
+                                      <p:cBhvr>
+                                        <p:cTn id="8" dur="1000" fill="hold"/>
+                                        <p:tgtEl>
+                                          <p:spTgt spid="5"/>
+                                        </p:tgtEl>
+                                        <p:attrNameLst>
+                                          <p:attrName>ppt_x</p:attrName>
+                                        </p:attrNameLst>
+                                      </p:cBhvr>
+                                      <p:tavLst>
+                                        <p:tav tm="0">
+                                          <p:val>
+                                            <p:strVal val="#ppt_x"/>
+                                          </p:val>
+                                        </p:tav>
+                                        <p:tav tm="100000">
+                                          <p:val>
+                                            <p:strVal val="#ppt_x"/>
+                                          </p:val>
+                                        </p:tav>
+                                      </p:tavLst>
+                                    </p:anim>
+                                    <p:anim calcmode="lin" valueType="num">
+                                      <p:cBhvr>
+                                        <p:cTn id="9" dur="1000" fill="hold"/>
+                                        <p:tgtEl>
+                                          <p:spTgt spid="5"/>
+                                        </p:tgtEl>
+                                        <p:attrNameLst>
+                                          <p:attrName>ppt_y</p:attrName>
+                                        </p:attrNameLst>
+                                      </p:cBhvr>
+                                      <p:tavLst>
+                                        <p:tav tm="0">
+                                          <p:val>
+                                            <p:strVal val="#ppt_y+.1"/>
+                                          </p:val>
+                                        </p:tav>
+                                        <p:tav tm="100000">
+                                          <p:val>
+                                            <p:strVal val="#ppt_y"/>
+                                          </p:val>
+                                        </p:tav>
+                                      </p:tavLst>
+                                    </p:anim>
+                                  </p:childTnLst>
+                                </p:cTn>
+                              </p:par>
+                            </p:childTnLst>
+                          </p:cTn>
+                        </p:par>
+                      </p:childTnLst>
+                    </p:cTn>
+                  </p:par>
+                </p:childTnLst>
+              </p:cTn>
+              <p:prevCondLst>
+                <p:cond evt="onPrev" delay="0">
+                  <p:tgtEl>
+                    <p:sldTgt/>
+                  </p:tgtEl>
+                </p:cond>
+              </p:prevCondLst>
+              <p:nextCondLst>
+                <p:cond evt="onNext" delay="0">
+                  <p:tgtEl>
+                    <p:sldTgt/>
+                  </p:tgtEl>
+                </p:cond>
+              </p:nextCondLst>
+            </p:seq>
+          </p:childTnLst>
+        </p:cTn>
+      </p:par>
+    </p:tnLst>
+    <p:bldLst>
+      <p:bldP spid="5" grpId="0" animBg="1"/>
+    </p:bldLst>
+  </p:timing>
+</p:sld>
+</file>
+
+<file path=ppt/slides/slide17.xml><?xml version="1.0" encoding="utf-8"?>
 <p:sld xmlns:a="http://schemas.openxmlformats.org/drawingml/2006/main" xmlns:r="http://schemas.openxmlformats.org/officeDocument/2006/relationships" xmlns:p="http://schemas.openxmlformats.org/presentationml/2006/main">
   <p:cSld>
     <p:spTree>
@@ -7804,7 +10222,20 @@
           <a:bodyPr/>
           <a:lstStyle/>
           <a:p>
-            <a:endParaRPr lang="en-US"/>
+            <a:pPr marL="0" indent="0">
+              <a:buNone/>
+            </a:pPr>
+            <a:endParaRPr lang="hu-HU" dirty="0"/>
+          </a:p>
+          <a:p>
+            <a:pPr marL="0" indent="0">
+              <a:buNone/>
+            </a:pPr>
+            <a:r>
+              <a:rPr lang="hu-HU" dirty="0"/>
+              <a:t>Hiba esetén hibaspecifikus hibaüzenetet jelenítünk meg, a hatékonyabb hibajavítás érdekében.</a:t>
+            </a:r>
+            <a:endParaRPr lang="en-US" dirty="0"/>
           </a:p>
         </p:txBody>
       </p:sp>
@@ -7864,7 +10295,7 @@
 </p:sld>
 </file>
 
-<file path=ppt/slides/slide12.xml><?xml version="1.0" encoding="utf-8"?>
+<file path=ppt/slides/slide18.xml><?xml version="1.0" encoding="utf-8"?>
 <p:sld xmlns:a="http://schemas.openxmlformats.org/drawingml/2006/main" xmlns:r="http://schemas.openxmlformats.org/officeDocument/2006/relationships" xmlns:p="http://schemas.openxmlformats.org/presentationml/2006/main">
   <p:cSld>
     <p:spTree>
@@ -7886,7 +10317,7 @@
           <p:cNvPr id="2" name="Cím 1">
             <a:extLst>
               <a:ext uri="{FF2B5EF4-FFF2-40B4-BE49-F238E27FC236}">
-                <a16:creationId xmlns:a16="http://schemas.microsoft.com/office/drawing/2014/main" id="{DDC6C8C9-8BC4-405C-B8F8-DE93CC130207}"/>
+                <a16:creationId xmlns:a16="http://schemas.microsoft.com/office/drawing/2014/main" id="{D4A34BA0-FDA6-4EA0-B475-47A8D547D787}"/>
               </a:ext>
             </a:extLst>
           </p:cNvPr>
@@ -7904,7 +10335,7 @@
           <a:p>
             <a:r>
               <a:rPr lang="hu-HU" dirty="0"/>
-              <a:t>Késleltetés beállítás</a:t>
+              <a:t>Alapértelmezett megjelenítésnél több találat kezelése</a:t>
             </a:r>
           </a:p>
         </p:txBody>
@@ -7914,7 +10345,7 @@
           <p:cNvPr id="3" name="Tartalom helye 2">
             <a:extLst>
               <a:ext uri="{FF2B5EF4-FFF2-40B4-BE49-F238E27FC236}">
-                <a16:creationId xmlns:a16="http://schemas.microsoft.com/office/drawing/2014/main" id="{5F930462-0DC3-41CC-B8BA-4A2FB9CF0C03}"/>
+                <a16:creationId xmlns:a16="http://schemas.microsoft.com/office/drawing/2014/main" id="{B05D33AB-225F-47D4-B5A4-D41EF0CE3570}"/>
               </a:ext>
             </a:extLst>
           </p:cNvPr>
@@ -7925,21 +10356,32 @@
             <p:ph sz="half" idx="1"/>
           </p:nvPr>
         </p:nvSpPr>
-        <p:spPr/>
+        <p:spPr>
+          <a:xfrm>
+            <a:off x="1117309" y="2852936"/>
+            <a:ext cx="4977104" cy="3319264"/>
+          </a:xfrm>
+        </p:spPr>
         <p:txBody>
           <a:bodyPr/>
           <a:lstStyle/>
           <a:p>
-            <a:endParaRPr lang="hu-HU"/>
+            <a:pPr marL="0" indent="0">
+              <a:buNone/>
+            </a:pPr>
+            <a:r>
+              <a:rPr lang="hu-HU" dirty="0"/>
+              <a:t>MTMT alapértelmezetten csak 20 művet jelenít meg. A több művet kiadott szerzők esetén, a többi találatot is külön le kell kérnünk.</a:t>
+            </a:r>
           </a:p>
         </p:txBody>
       </p:sp>
       <p:pic>
         <p:nvPicPr>
-          <p:cNvPr id="9" name="Tartalom helye 8">
+          <p:cNvPr id="5" name="Tartalom helye 4">
             <a:extLst>
               <a:ext uri="{FF2B5EF4-FFF2-40B4-BE49-F238E27FC236}">
-                <a16:creationId xmlns:a16="http://schemas.microsoft.com/office/drawing/2014/main" id="{CC96BA58-96D8-47A0-A754-1F595CACE210}"/>
+                <a16:creationId xmlns:a16="http://schemas.microsoft.com/office/drawing/2014/main" id="{A5F281E3-27C6-485E-87AC-9AD5C3326A92}"/>
               </a:ext>
             </a:extLst>
           </p:cNvPr>
@@ -7958,8 +10400,8 @@
         </p:blipFill>
         <p:spPr>
           <a:xfrm>
-            <a:off x="6297613" y="2097049"/>
-            <a:ext cx="4976812" cy="3679902"/>
+            <a:off x="6297613" y="2089235"/>
+            <a:ext cx="4976812" cy="3695530"/>
           </a:xfrm>
           <a:prstGeom prst="rect">
             <a:avLst/>
@@ -7969,7 +10411,7 @@
     </p:spTree>
     <p:extLst>
       <p:ext uri="{BB962C8B-B14F-4D97-AF65-F5344CB8AC3E}">
-        <p14:creationId xmlns:p14="http://schemas.microsoft.com/office/powerpoint/2010/main" val="513559910"/>
+        <p14:creationId xmlns:p14="http://schemas.microsoft.com/office/powerpoint/2010/main" val="1725682562"/>
       </p:ext>
     </p:extLst>
   </p:cSld>
@@ -7991,388 +10433,7 @@
 </p:sld>
 </file>
 
-<file path=ppt/slides/slide13.xml><?xml version="1.0" encoding="utf-8"?>
-<p:sld xmlns:a="http://schemas.openxmlformats.org/drawingml/2006/main" xmlns:r="http://schemas.openxmlformats.org/officeDocument/2006/relationships" xmlns:p="http://schemas.openxmlformats.org/presentationml/2006/main">
-  <p:cSld>
-    <p:spTree>
-      <p:nvGrpSpPr>
-        <p:cNvPr id="1" name=""/>
-        <p:cNvGrpSpPr/>
-        <p:nvPr/>
-      </p:nvGrpSpPr>
-      <p:grpSpPr>
-        <a:xfrm>
-          <a:off x="0" y="0"/>
-          <a:ext cx="0" cy="0"/>
-          <a:chOff x="0" y="0"/>
-          <a:chExt cx="0" cy="0"/>
-        </a:xfrm>
-      </p:grpSpPr>
-      <p:sp>
-        <p:nvSpPr>
-          <p:cNvPr id="2" name="Cím 1">
-            <a:extLst>
-              <a:ext uri="{FF2B5EF4-FFF2-40B4-BE49-F238E27FC236}">
-                <a16:creationId xmlns:a16="http://schemas.microsoft.com/office/drawing/2014/main" id="{A29295E7-FA67-4269-8768-3FCBF4E40396}"/>
-              </a:ext>
-            </a:extLst>
-          </p:cNvPr>
-          <p:cNvSpPr>
-            <a:spLocks noGrp="1"/>
-          </p:cNvSpPr>
-          <p:nvPr>
-            <p:ph type="title"/>
-          </p:nvPr>
-        </p:nvSpPr>
-        <p:spPr/>
-        <p:txBody>
-          <a:bodyPr/>
-          <a:lstStyle/>
-          <a:p>
-            <a:r>
-              <a:rPr lang="hu-HU" dirty="0"/>
-              <a:t>Teljes cím egyezőség keresés</a:t>
-            </a:r>
-          </a:p>
-        </p:txBody>
-      </p:sp>
-      <p:sp>
-        <p:nvSpPr>
-          <p:cNvPr id="3" name="Tartalom helye 2">
-            <a:extLst>
-              <a:ext uri="{FF2B5EF4-FFF2-40B4-BE49-F238E27FC236}">
-                <a16:creationId xmlns:a16="http://schemas.microsoft.com/office/drawing/2014/main" id="{D7EE7EA0-2C64-4789-BCB6-A765E9848849}"/>
-              </a:ext>
-            </a:extLst>
-          </p:cNvPr>
-          <p:cNvSpPr>
-            <a:spLocks noGrp="1"/>
-          </p:cNvSpPr>
-          <p:nvPr>
-            <p:ph sz="half" idx="1"/>
-          </p:nvPr>
-        </p:nvSpPr>
-        <p:spPr/>
-        <p:txBody>
-          <a:bodyPr/>
-          <a:lstStyle/>
-          <a:p>
-            <a:endParaRPr lang="hu-HU"/>
-          </a:p>
-        </p:txBody>
-      </p:sp>
-      <p:pic>
-        <p:nvPicPr>
-          <p:cNvPr id="9" name="Tartalom helye 8">
-            <a:extLst>
-              <a:ext uri="{FF2B5EF4-FFF2-40B4-BE49-F238E27FC236}">
-                <a16:creationId xmlns:a16="http://schemas.microsoft.com/office/drawing/2014/main" id="{7CD1CCBD-A9C0-474F-8511-E61FC88DB4C0}"/>
-              </a:ext>
-            </a:extLst>
-          </p:cNvPr>
-          <p:cNvPicPr>
-            <a:picLocks noGrp="1" noChangeAspect="1"/>
-          </p:cNvPicPr>
-          <p:nvPr>
-            <p:ph sz="half" idx="2"/>
-          </p:nvPr>
-        </p:nvPicPr>
-        <p:blipFill>
-          <a:blip r:embed="rId2"/>
-          <a:stretch>
-            <a:fillRect/>
-          </a:stretch>
-        </p:blipFill>
-        <p:spPr>
-          <a:xfrm>
-            <a:off x="6297613" y="2224549"/>
-            <a:ext cx="4976812" cy="3424902"/>
-          </a:xfrm>
-          <a:prstGeom prst="rect">
-            <a:avLst/>
-          </a:prstGeom>
-        </p:spPr>
-      </p:pic>
-    </p:spTree>
-    <p:extLst>
-      <p:ext uri="{BB962C8B-B14F-4D97-AF65-F5344CB8AC3E}">
-        <p14:creationId xmlns:p14="http://schemas.microsoft.com/office/powerpoint/2010/main" val="3081552256"/>
-      </p:ext>
-    </p:extLst>
-  </p:cSld>
-  <p:clrMapOvr>
-    <a:masterClrMapping/>
-  </p:clrMapOvr>
-  <mc:AlternateContent xmlns:mc="http://schemas.openxmlformats.org/markup-compatibility/2006" xmlns:p14="http://schemas.microsoft.com/office/powerpoint/2010/main">
-    <mc:Choice Requires="p14">
-      <p:transition spd="med" p14:dur="700">
-        <p:fade/>
-      </p:transition>
-    </mc:Choice>
-    <mc:Fallback xmlns="">
-      <p:transition spd="med">
-        <p:fade/>
-      </p:transition>
-    </mc:Fallback>
-  </mc:AlternateContent>
-</p:sld>
-</file>
-
-<file path=ppt/slides/slide14.xml><?xml version="1.0" encoding="utf-8"?>
-<p:sld xmlns:a="http://schemas.openxmlformats.org/drawingml/2006/main" xmlns:r="http://schemas.openxmlformats.org/officeDocument/2006/relationships" xmlns:p="http://schemas.openxmlformats.org/presentationml/2006/main">
-  <p:cSld>
-    <p:spTree>
-      <p:nvGrpSpPr>
-        <p:cNvPr id="1" name=""/>
-        <p:cNvGrpSpPr/>
-        <p:nvPr/>
-      </p:nvGrpSpPr>
-      <p:grpSpPr>
-        <a:xfrm>
-          <a:off x="0" y="0"/>
-          <a:ext cx="0" cy="0"/>
-          <a:chOff x="0" y="0"/>
-          <a:chExt cx="0" cy="0"/>
-        </a:xfrm>
-      </p:grpSpPr>
-      <p:sp>
-        <p:nvSpPr>
-          <p:cNvPr id="2" name="Cím 1">
-            <a:extLst>
-              <a:ext uri="{FF2B5EF4-FFF2-40B4-BE49-F238E27FC236}">
-                <a16:creationId xmlns:a16="http://schemas.microsoft.com/office/drawing/2014/main" id="{CCFEEA44-A3E8-43DD-8668-FF9A754C28F4}"/>
-              </a:ext>
-            </a:extLst>
-          </p:cNvPr>
-          <p:cNvSpPr>
-            <a:spLocks noGrp="1"/>
-          </p:cNvSpPr>
-          <p:nvPr>
-            <p:ph type="title"/>
-          </p:nvPr>
-        </p:nvSpPr>
-        <p:spPr/>
-        <p:txBody>
-          <a:bodyPr/>
-          <a:lstStyle/>
-          <a:p>
-            <a:r>
-              <a:rPr lang="hu-HU" dirty="0"/>
-              <a:t>Részcím egyezőség vizsgálata</a:t>
-            </a:r>
-          </a:p>
-        </p:txBody>
-      </p:sp>
-      <p:sp>
-        <p:nvSpPr>
-          <p:cNvPr id="3" name="Tartalom helye 2">
-            <a:extLst>
-              <a:ext uri="{FF2B5EF4-FFF2-40B4-BE49-F238E27FC236}">
-                <a16:creationId xmlns:a16="http://schemas.microsoft.com/office/drawing/2014/main" id="{D0F817A8-F5DC-484E-AAB1-6DBDA448054D}"/>
-              </a:ext>
-            </a:extLst>
-          </p:cNvPr>
-          <p:cNvSpPr>
-            <a:spLocks noGrp="1"/>
-          </p:cNvSpPr>
-          <p:nvPr>
-            <p:ph sz="half" idx="1"/>
-          </p:nvPr>
-        </p:nvSpPr>
-        <p:spPr/>
-        <p:txBody>
-          <a:bodyPr/>
-          <a:lstStyle/>
-          <a:p>
-            <a:endParaRPr lang="hu-HU"/>
-          </a:p>
-        </p:txBody>
-      </p:sp>
-      <p:pic>
-        <p:nvPicPr>
-          <p:cNvPr id="5" name="Tartalom helye 4">
-            <a:extLst>
-              <a:ext uri="{FF2B5EF4-FFF2-40B4-BE49-F238E27FC236}">
-                <a16:creationId xmlns:a16="http://schemas.microsoft.com/office/drawing/2014/main" id="{BA02F233-AB63-42E8-9012-B2660DB2835D}"/>
-              </a:ext>
-            </a:extLst>
-          </p:cNvPr>
-          <p:cNvPicPr>
-            <a:picLocks noGrp="1" noChangeAspect="1"/>
-          </p:cNvPicPr>
-          <p:nvPr>
-            <p:ph sz="half" idx="2"/>
-          </p:nvPr>
-        </p:nvPicPr>
-        <p:blipFill>
-          <a:blip r:embed="rId2"/>
-          <a:stretch>
-            <a:fillRect/>
-          </a:stretch>
-        </p:blipFill>
-        <p:spPr>
-          <a:xfrm>
-            <a:off x="3066806" y="2492896"/>
-            <a:ext cx="8207858" cy="3664903"/>
-          </a:xfrm>
-          <a:prstGeom prst="rect">
-            <a:avLst/>
-          </a:prstGeom>
-        </p:spPr>
-      </p:pic>
-    </p:spTree>
-    <p:extLst>
-      <p:ext uri="{BB962C8B-B14F-4D97-AF65-F5344CB8AC3E}">
-        <p14:creationId xmlns:p14="http://schemas.microsoft.com/office/powerpoint/2010/main" val="1798404776"/>
-      </p:ext>
-    </p:extLst>
-  </p:cSld>
-  <p:clrMapOvr>
-    <a:masterClrMapping/>
-  </p:clrMapOvr>
-  <mc:AlternateContent xmlns:mc="http://schemas.openxmlformats.org/markup-compatibility/2006" xmlns:p14="http://schemas.microsoft.com/office/powerpoint/2010/main">
-    <mc:Choice Requires="p14">
-      <p:transition spd="med" p14:dur="700">
-        <p:fade/>
-      </p:transition>
-    </mc:Choice>
-    <mc:Fallback xmlns="">
-      <p:transition spd="med">
-        <p:fade/>
-      </p:transition>
-    </mc:Fallback>
-  </mc:AlternateContent>
-</p:sld>
-</file>
-
-<file path=ppt/slides/slide15.xml><?xml version="1.0" encoding="utf-8"?>
-<p:sld xmlns:a="http://schemas.openxmlformats.org/drawingml/2006/main" xmlns:r="http://schemas.openxmlformats.org/officeDocument/2006/relationships" xmlns:p="http://schemas.openxmlformats.org/presentationml/2006/main">
-  <p:cSld>
-    <p:spTree>
-      <p:nvGrpSpPr>
-        <p:cNvPr id="1" name=""/>
-        <p:cNvGrpSpPr/>
-        <p:nvPr/>
-      </p:nvGrpSpPr>
-      <p:grpSpPr>
-        <a:xfrm>
-          <a:off x="0" y="0"/>
-          <a:ext cx="0" cy="0"/>
-          <a:chOff x="0" y="0"/>
-          <a:chExt cx="0" cy="0"/>
-        </a:xfrm>
-      </p:grpSpPr>
-      <p:sp>
-        <p:nvSpPr>
-          <p:cNvPr id="2" name="Cím 1">
-            <a:extLst>
-              <a:ext uri="{FF2B5EF4-FFF2-40B4-BE49-F238E27FC236}">
-                <a16:creationId xmlns:a16="http://schemas.microsoft.com/office/drawing/2014/main" id="{02AA0DA2-C084-4180-9A1D-D1716CD7C6E6}"/>
-              </a:ext>
-            </a:extLst>
-          </p:cNvPr>
-          <p:cNvSpPr>
-            <a:spLocks noGrp="1"/>
-          </p:cNvSpPr>
-          <p:nvPr>
-            <p:ph type="title"/>
-          </p:nvPr>
-        </p:nvSpPr>
-        <p:spPr/>
-        <p:txBody>
-          <a:bodyPr/>
-          <a:lstStyle/>
-          <a:p>
-            <a:r>
-              <a:rPr lang="hu-HU" dirty="0"/>
-              <a:t>Túl hosszú karaktersorozat egyezésének vizsgálata</a:t>
-            </a:r>
-          </a:p>
-        </p:txBody>
-      </p:sp>
-      <p:sp>
-        <p:nvSpPr>
-          <p:cNvPr id="3" name="Tartalom helye 2">
-            <a:extLst>
-              <a:ext uri="{FF2B5EF4-FFF2-40B4-BE49-F238E27FC236}">
-                <a16:creationId xmlns:a16="http://schemas.microsoft.com/office/drawing/2014/main" id="{A667B929-90AD-4337-AC3A-8308C5E46D9F}"/>
-              </a:ext>
-            </a:extLst>
-          </p:cNvPr>
-          <p:cNvSpPr>
-            <a:spLocks noGrp="1"/>
-          </p:cNvSpPr>
-          <p:nvPr>
-            <p:ph sz="half" idx="1"/>
-          </p:nvPr>
-        </p:nvSpPr>
-        <p:spPr/>
-        <p:txBody>
-          <a:bodyPr/>
-          <a:lstStyle/>
-          <a:p>
-            <a:endParaRPr lang="hu-HU"/>
-          </a:p>
-        </p:txBody>
-      </p:sp>
-      <p:pic>
-        <p:nvPicPr>
-          <p:cNvPr id="5" name="Tartalom helye 4">
-            <a:extLst>
-              <a:ext uri="{FF2B5EF4-FFF2-40B4-BE49-F238E27FC236}">
-                <a16:creationId xmlns:a16="http://schemas.microsoft.com/office/drawing/2014/main" id="{D3D19894-F233-44EA-B6DC-261CB6CFE82E}"/>
-              </a:ext>
-            </a:extLst>
-          </p:cNvPr>
-          <p:cNvPicPr>
-            <a:picLocks noGrp="1" noChangeAspect="1"/>
-          </p:cNvPicPr>
-          <p:nvPr>
-            <p:ph sz="half" idx="2"/>
-          </p:nvPr>
-        </p:nvPicPr>
-        <p:blipFill>
-          <a:blip r:embed="rId2"/>
-          <a:stretch>
-            <a:fillRect/>
-          </a:stretch>
-        </p:blipFill>
-        <p:spPr>
-          <a:xfrm>
-            <a:off x="6297613" y="2206195"/>
-            <a:ext cx="4976812" cy="3461609"/>
-          </a:xfrm>
-          <a:prstGeom prst="rect">
-            <a:avLst/>
-          </a:prstGeom>
-        </p:spPr>
-      </p:pic>
-    </p:spTree>
-    <p:extLst>
-      <p:ext uri="{BB962C8B-B14F-4D97-AF65-F5344CB8AC3E}">
-        <p14:creationId xmlns:p14="http://schemas.microsoft.com/office/powerpoint/2010/main" val="3069579162"/>
-      </p:ext>
-    </p:extLst>
-  </p:cSld>
-  <p:clrMapOvr>
-    <a:masterClrMapping/>
-  </p:clrMapOvr>
-  <mc:AlternateContent xmlns:mc="http://schemas.openxmlformats.org/markup-compatibility/2006" xmlns:p14="http://schemas.microsoft.com/office/powerpoint/2010/main">
-    <mc:Choice Requires="p14">
-      <p:transition spd="med" p14:dur="700">
-        <p:fade/>
-      </p:transition>
-    </mc:Choice>
-    <mc:Fallback xmlns="">
-      <p:transition spd="med">
-        <p:fade/>
-      </p:transition>
-    </mc:Fallback>
-  </mc:AlternateContent>
-</p:sld>
-</file>
-
-<file path=ppt/slides/slide16.xml><?xml version="1.0" encoding="utf-8"?>
+<file path=ppt/slides/slide19.xml><?xml version="1.0" encoding="utf-8"?>
 <p:sld xmlns:a="http://schemas.openxmlformats.org/drawingml/2006/main" xmlns:r="http://schemas.openxmlformats.org/officeDocument/2006/relationships" xmlns:p="http://schemas.openxmlformats.org/presentationml/2006/main">
   <p:cSld>
     <p:spTree>
@@ -8435,15 +10496,23 @@
         </p:nvSpPr>
         <p:spPr>
           <a:xfrm>
-            <a:off x="1117308" y="4856222"/>
-            <a:ext cx="5337143" cy="1315978"/>
+            <a:off x="683336" y="4722230"/>
+            <a:ext cx="5631393" cy="1567825"/>
           </a:xfrm>
         </p:spPr>
         <p:txBody>
-          <a:bodyPr/>
+          <a:bodyPr>
+            <a:normAutofit fontScale="92500" lnSpcReduction="10000"/>
+          </a:bodyPr>
           <a:lstStyle/>
           <a:p>
-            <a:endParaRPr lang="hu-HU" dirty="0"/>
+            <a:pPr marL="0" indent="0">
+              <a:buNone/>
+            </a:pPr>
+            <a:r>
+              <a:rPr lang="hu-HU" dirty="0"/>
+              <a:t>MTMT keresője ha több szerzőt talál, akkor erre szolgáló figyelmeztető üzenet jelenik meg, majd az első szerző műveire keresünk. Egy új kereséssel a szerző pontosítható.</a:t>
+            </a:r>
           </a:p>
         </p:txBody>
       </p:sp>
@@ -8534,7 +10603,7 @@
 </p:sld>
 </file>
 
-<file path=ppt/slides/slide17.xml><?xml version="1.0" encoding="utf-8"?>
+<file path=ppt/slides/slide2.xml><?xml version="1.0" encoding="utf-8"?>
 <p:sld xmlns:a="http://schemas.openxmlformats.org/drawingml/2006/main" xmlns:r="http://schemas.openxmlformats.org/officeDocument/2006/relationships" xmlns:p="http://schemas.openxmlformats.org/presentationml/2006/main">
   <p:cSld>
     <p:spTree>
@@ -8553,13 +10622,7 @@
       </p:grpSpPr>
       <p:sp>
         <p:nvSpPr>
-          <p:cNvPr id="2" name="Cím 1">
-            <a:extLst>
-              <a:ext uri="{FF2B5EF4-FFF2-40B4-BE49-F238E27FC236}">
-                <a16:creationId xmlns:a16="http://schemas.microsoft.com/office/drawing/2014/main" id="{D4A34BA0-FDA6-4EA0-B475-47A8D547D787}"/>
-              </a:ext>
-            </a:extLst>
-          </p:cNvPr>
+          <p:cNvPr id="13" name="Cím 12"/>
           <p:cNvSpPr>
             <a:spLocks noGrp="1"/>
           </p:cNvSpPr>
@@ -8569,77 +10632,73 @@
         </p:nvSpPr>
         <p:spPr/>
         <p:txBody>
-          <a:bodyPr/>
+          <a:bodyPr rtlCol="0"/>
           <a:lstStyle/>
           <a:p>
+            <a:pPr rtl="0"/>
             <a:r>
               <a:rPr lang="hu-HU" dirty="0"/>
-              <a:t>Alapértelmezett megjelenítésnél több találat kezelése</a:t>
+              <a:t>Feladatkiírás</a:t>
             </a:r>
           </a:p>
         </p:txBody>
       </p:sp>
       <p:sp>
         <p:nvSpPr>
-          <p:cNvPr id="3" name="Tartalom helye 2">
-            <a:extLst>
-              <a:ext uri="{FF2B5EF4-FFF2-40B4-BE49-F238E27FC236}">
-                <a16:creationId xmlns:a16="http://schemas.microsoft.com/office/drawing/2014/main" id="{B05D33AB-225F-47D4-B5A4-D41EF0CE3570}"/>
-              </a:ext>
-            </a:extLst>
-          </p:cNvPr>
+          <p:cNvPr id="14" name="Tartalom helye 13"/>
           <p:cNvSpPr>
             <a:spLocks noGrp="1"/>
           </p:cNvSpPr>
           <p:nvPr>
-            <p:ph sz="half" idx="1"/>
+            <p:ph idx="1"/>
           </p:nvPr>
         </p:nvSpPr>
-        <p:spPr/>
+        <p:spPr>
+          <a:xfrm>
+            <a:off x="1117309" y="1916832"/>
+            <a:ext cx="10157354" cy="4255368"/>
+          </a:xfrm>
+        </p:spPr>
         <p:txBody>
-          <a:bodyPr/>
+          <a:bodyPr rtlCol="0"/>
           <a:lstStyle/>
           <a:p>
-            <a:endParaRPr lang="hu-HU"/>
+            <a:pPr marL="0" indent="0" algn="just">
+              <a:buNone/>
+            </a:pPr>
+            <a:r>
+              <a:rPr lang="hu-HU" dirty="0"/>
+              <a:t>MTMT publikációs lista Google </a:t>
+            </a:r>
+            <a:r>
+              <a:rPr lang="hu-HU" dirty="0" err="1"/>
+              <a:t>Scholar</a:t>
+            </a:r>
+            <a:r>
+              <a:rPr lang="hu-HU" dirty="0"/>
+              <a:t> alapján történő manuális szinkronizációja időigényes feladat. A feladat egy olyan </a:t>
+            </a:r>
+            <a:r>
+              <a:rPr lang="hu-HU" dirty="0" err="1"/>
+              <a:t>framework</a:t>
+            </a:r>
+            <a:r>
+              <a:rPr lang="hu-HU" dirty="0"/>
+              <a:t> készítése, ami lehetővé teszi ennek automatizálását (adatok kigyűjtése, adatok összehasonlítása) és ellenőrzését egy felhasználóbarát felhasználói felület segítségével. A listák közötti különbségek rögzítése nem, csak azok felfedezése tartozik a feladatok közé.</a:t>
+            </a:r>
+          </a:p>
+          <a:p>
+            <a:pPr marL="0" indent="0" rtl="0">
+              <a:buNone/>
+            </a:pPr>
+            <a:endParaRPr lang="hu-HU" dirty="0"/>
           </a:p>
         </p:txBody>
       </p:sp>
-      <p:pic>
-        <p:nvPicPr>
-          <p:cNvPr id="5" name="Tartalom helye 4">
-            <a:extLst>
-              <a:ext uri="{FF2B5EF4-FFF2-40B4-BE49-F238E27FC236}">
-                <a16:creationId xmlns:a16="http://schemas.microsoft.com/office/drawing/2014/main" id="{A5F281E3-27C6-485E-87AC-9AD5C3326A92}"/>
-              </a:ext>
-            </a:extLst>
-          </p:cNvPr>
-          <p:cNvPicPr>
-            <a:picLocks noGrp="1" noChangeAspect="1"/>
-          </p:cNvPicPr>
-          <p:nvPr>
-            <p:ph sz="half" idx="2"/>
-          </p:nvPr>
-        </p:nvPicPr>
-        <p:blipFill>
-          <a:blip r:embed="rId2"/>
-          <a:stretch>
-            <a:fillRect/>
-          </a:stretch>
-        </p:blipFill>
-        <p:spPr>
-          <a:xfrm>
-            <a:off x="6297613" y="2089235"/>
-            <a:ext cx="4976812" cy="3695530"/>
-          </a:xfrm>
-          <a:prstGeom prst="rect">
-            <a:avLst/>
-          </a:prstGeom>
-        </p:spPr>
-      </p:pic>
     </p:spTree>
     <p:extLst>
       <p:ext uri="{BB962C8B-B14F-4D97-AF65-F5344CB8AC3E}">
-        <p14:creationId xmlns:p14="http://schemas.microsoft.com/office/powerpoint/2010/main" val="1725682562"/>
+        <p14:creationId xmlns:p14="http://schemas.microsoft.com/office/powerpoint/2010/main" val="711182959"/>
       </p:ext>
     </p:extLst>
   </p:cSld>
@@ -8661,7 +10720,7 @@
 </p:sld>
 </file>
 
-<file path=ppt/slides/slide18.xml><?xml version="1.0" encoding="utf-8"?>
+<file path=ppt/slides/slide20.xml><?xml version="1.0" encoding="utf-8"?>
 <p:sld xmlns:a="http://schemas.openxmlformats.org/drawingml/2006/main" xmlns:r="http://schemas.openxmlformats.org/officeDocument/2006/relationships" xmlns:p="http://schemas.openxmlformats.org/presentationml/2006/main">
   <p:cSld>
     <p:spTree>
@@ -8722,12 +10781,31 @@
             <p:ph sz="half" idx="1"/>
           </p:nvPr>
         </p:nvSpPr>
-        <p:spPr/>
+        <p:spPr>
+          <a:xfrm>
+            <a:off x="1117309" y="2132856"/>
+            <a:ext cx="4977104" cy="2088232"/>
+          </a:xfrm>
+        </p:spPr>
         <p:txBody>
           <a:bodyPr/>
           <a:lstStyle/>
           <a:p>
-            <a:endParaRPr lang="hu-HU"/>
+            <a:pPr marL="0" indent="0">
+              <a:buNone/>
+            </a:pPr>
+            <a:r>
+              <a:rPr lang="hu-HU" dirty="0"/>
+              <a:t>MTMT a kutatási területet a szerző mögött zárójelben jeleníti meg. Ezt a részt Google </a:t>
+            </a:r>
+            <a:r>
+              <a:rPr lang="hu-HU" dirty="0" err="1"/>
+              <a:t>Scholar</a:t>
+            </a:r>
+            <a:r>
+              <a:rPr lang="hu-HU" dirty="0"/>
+              <a:t> esetén nem szabad figyelembe vennünk.</a:t>
+            </a:r>
           </a:p>
         </p:txBody>
       </p:sp>
@@ -8755,8 +10833,38 @@
         </p:blipFill>
         <p:spPr>
           <a:xfrm>
-            <a:off x="6297613" y="2097049"/>
-            <a:ext cx="4976812" cy="3679902"/>
+            <a:off x="6670475" y="2060848"/>
+            <a:ext cx="4604187" cy="3404380"/>
+          </a:xfrm>
+          <a:prstGeom prst="rect">
+            <a:avLst/>
+          </a:prstGeom>
+        </p:spPr>
+      </p:pic>
+      <p:pic>
+        <p:nvPicPr>
+          <p:cNvPr id="4" name="Kép 3">
+            <a:extLst>
+              <a:ext uri="{FF2B5EF4-FFF2-40B4-BE49-F238E27FC236}">
+                <a16:creationId xmlns:a16="http://schemas.microsoft.com/office/drawing/2014/main" id="{846E5C99-1774-4F36-80FB-5847672FF80D}"/>
+              </a:ext>
+            </a:extLst>
+          </p:cNvPr>
+          <p:cNvPicPr>
+            <a:picLocks noChangeAspect="1"/>
+          </p:cNvPicPr>
+          <p:nvPr/>
+        </p:nvPicPr>
+        <p:blipFill>
+          <a:blip r:embed="rId3"/>
+          <a:stretch>
+            <a:fillRect/>
+          </a:stretch>
+        </p:blipFill>
+        <p:spPr>
+          <a:xfrm>
+            <a:off x="1117308" y="4068011"/>
+            <a:ext cx="3476063" cy="2088232"/>
           </a:xfrm>
           <a:prstGeom prst="rect">
             <a:avLst/>
@@ -8788,7 +10896,7 @@
 </p:sld>
 </file>
 
-<file path=ppt/slides/slide19.xml><?xml version="1.0" encoding="utf-8"?>
+<file path=ppt/slides/slide21.xml><?xml version="1.0" encoding="utf-8"?>
 <p:sld xmlns:a="http://schemas.openxmlformats.org/drawingml/2006/main" xmlns:r="http://schemas.openxmlformats.org/officeDocument/2006/relationships" xmlns:p="http://schemas.openxmlformats.org/presentationml/2006/main">
   <p:cSld>
     <p:spTree>
@@ -8856,7 +10964,7 @@
             <a:pPr rtl="0"/>
             <a:r>
               <a:rPr lang="hu-HU" dirty="0"/>
-              <a:t>Kérdésekre szívesen válaszolunk!</a:t>
+              <a:t>A felmerülő kérdésekre szívesen válaszolunk!</a:t>
             </a:r>
           </a:p>
         </p:txBody>
@@ -8865,123 +10973,6 @@
     <p:extLst>
       <p:ext uri="{BB962C8B-B14F-4D97-AF65-F5344CB8AC3E}">
         <p14:creationId xmlns:p14="http://schemas.microsoft.com/office/powerpoint/2010/main" val="1997697987"/>
-      </p:ext>
-    </p:extLst>
-  </p:cSld>
-  <p:clrMapOvr>
-    <a:masterClrMapping/>
-  </p:clrMapOvr>
-  <mc:AlternateContent xmlns:mc="http://schemas.openxmlformats.org/markup-compatibility/2006" xmlns:p14="http://schemas.microsoft.com/office/powerpoint/2010/main">
-    <mc:Choice Requires="p14">
-      <p:transition spd="med" p14:dur="700">
-        <p:fade/>
-      </p:transition>
-    </mc:Choice>
-    <mc:Fallback xmlns="">
-      <p:transition spd="med">
-        <p:fade/>
-      </p:transition>
-    </mc:Fallback>
-  </mc:AlternateContent>
-</p:sld>
-</file>
-
-<file path=ppt/slides/slide2.xml><?xml version="1.0" encoding="utf-8"?>
-<p:sld xmlns:a="http://schemas.openxmlformats.org/drawingml/2006/main" xmlns:r="http://schemas.openxmlformats.org/officeDocument/2006/relationships" xmlns:p="http://schemas.openxmlformats.org/presentationml/2006/main">
-  <p:cSld>
-    <p:spTree>
-      <p:nvGrpSpPr>
-        <p:cNvPr id="1" name=""/>
-        <p:cNvGrpSpPr/>
-        <p:nvPr/>
-      </p:nvGrpSpPr>
-      <p:grpSpPr>
-        <a:xfrm>
-          <a:off x="0" y="0"/>
-          <a:ext cx="0" cy="0"/>
-          <a:chOff x="0" y="0"/>
-          <a:chExt cx="0" cy="0"/>
-        </a:xfrm>
-      </p:grpSpPr>
-      <p:sp>
-        <p:nvSpPr>
-          <p:cNvPr id="13" name="Cím 12"/>
-          <p:cNvSpPr>
-            <a:spLocks noGrp="1"/>
-          </p:cNvSpPr>
-          <p:nvPr>
-            <p:ph type="title"/>
-          </p:nvPr>
-        </p:nvSpPr>
-        <p:spPr/>
-        <p:txBody>
-          <a:bodyPr rtlCol="0"/>
-          <a:lstStyle/>
-          <a:p>
-            <a:pPr rtl="0"/>
-            <a:r>
-              <a:rPr lang="hu-HU" dirty="0"/>
-              <a:t>Feladatkiírás</a:t>
-            </a:r>
-          </a:p>
-        </p:txBody>
-      </p:sp>
-      <p:sp>
-        <p:nvSpPr>
-          <p:cNvPr id="14" name="Tartalom helye 13"/>
-          <p:cNvSpPr>
-            <a:spLocks noGrp="1"/>
-          </p:cNvSpPr>
-          <p:nvPr>
-            <p:ph idx="1"/>
-          </p:nvPr>
-        </p:nvSpPr>
-        <p:spPr>
-          <a:xfrm>
-            <a:off x="1117309" y="1916832"/>
-            <a:ext cx="10157354" cy="4255368"/>
-          </a:xfrm>
-        </p:spPr>
-        <p:txBody>
-          <a:bodyPr rtlCol="0"/>
-          <a:lstStyle/>
-          <a:p>
-            <a:pPr marL="0" indent="0" algn="just">
-              <a:buNone/>
-            </a:pPr>
-            <a:r>
-              <a:rPr lang="hu-HU" dirty="0"/>
-              <a:t>MTMT publikációs lista Google </a:t>
-            </a:r>
-            <a:r>
-              <a:rPr lang="hu-HU" dirty="0" err="1"/>
-              <a:t>Scholar</a:t>
-            </a:r>
-            <a:r>
-              <a:rPr lang="hu-HU" dirty="0"/>
-              <a:t> alapján történő manuális szinkronizációja időigényes feladat. A feladat egy olyan </a:t>
-            </a:r>
-            <a:r>
-              <a:rPr lang="hu-HU" dirty="0" err="1"/>
-              <a:t>framework</a:t>
-            </a:r>
-            <a:r>
-              <a:rPr lang="hu-HU" dirty="0"/>
-              <a:t> készítése, ami lehetővé teszi ennek automatizálását (adatok kigyűjtése, adatok összehasonlítása) és ellenőrzését egy felhasználóbarát felhasználói felület segítségével. A listák közötti különbségek rögzítése nem, csak azok felfedezése tartozik a feladatok közé.</a:t>
-            </a:r>
-          </a:p>
-          <a:p>
-            <a:pPr marL="0" indent="0" rtl="0">
-              <a:buNone/>
-            </a:pPr>
-            <a:endParaRPr lang="hu-HU" dirty="0"/>
-          </a:p>
-        </p:txBody>
-      </p:sp>
-    </p:spTree>
-    <p:extLst>
-      <p:ext uri="{BB962C8B-B14F-4D97-AF65-F5344CB8AC3E}">
-        <p14:creationId xmlns:p14="http://schemas.microsoft.com/office/powerpoint/2010/main" val="711182959"/>
       </p:ext>
     </p:extLst>
   </p:cSld>
@@ -9117,6 +11108,287 @@
       </p:grpSpPr>
       <p:sp>
         <p:nvSpPr>
+          <p:cNvPr id="2" name="Cím 1">
+            <a:extLst>
+              <a:ext uri="{FF2B5EF4-FFF2-40B4-BE49-F238E27FC236}">
+                <a16:creationId xmlns:a16="http://schemas.microsoft.com/office/drawing/2014/main" id="{C9758DE3-2DCE-4B3F-9462-45C652C0CCD1}"/>
+              </a:ext>
+            </a:extLst>
+          </p:cNvPr>
+          <p:cNvSpPr>
+            <a:spLocks noGrp="1"/>
+          </p:cNvSpPr>
+          <p:nvPr>
+            <p:ph type="title"/>
+          </p:nvPr>
+        </p:nvSpPr>
+        <p:spPr/>
+        <p:txBody>
+          <a:bodyPr/>
+          <a:lstStyle/>
+          <a:p>
+            <a:r>
+              <a:rPr lang="hu-HU" dirty="0"/>
+              <a:t>MTMT és Google </a:t>
+            </a:r>
+            <a:r>
+              <a:rPr lang="hu-HU" dirty="0" err="1"/>
+              <a:t>Scholar</a:t>
+            </a:r>
+            <a:endParaRPr lang="hu-HU" dirty="0"/>
+          </a:p>
+        </p:txBody>
+      </p:sp>
+      <p:sp>
+        <p:nvSpPr>
+          <p:cNvPr id="3" name="Tartalom helye 2">
+            <a:extLst>
+              <a:ext uri="{FF2B5EF4-FFF2-40B4-BE49-F238E27FC236}">
+                <a16:creationId xmlns:a16="http://schemas.microsoft.com/office/drawing/2014/main" id="{BDD0F9AB-667B-4C00-A346-178518225E68}"/>
+              </a:ext>
+            </a:extLst>
+          </p:cNvPr>
+          <p:cNvSpPr>
+            <a:spLocks noGrp="1"/>
+          </p:cNvSpPr>
+          <p:nvPr>
+            <p:ph sz="half" idx="1"/>
+          </p:nvPr>
+        </p:nvSpPr>
+        <p:spPr/>
+        <p:txBody>
+          <a:bodyPr>
+            <a:normAutofit fontScale="92500"/>
+          </a:bodyPr>
+          <a:lstStyle/>
+          <a:p>
+            <a:pPr marL="0" indent="0">
+              <a:buNone/>
+            </a:pPr>
+            <a:r>
+              <a:rPr lang="hu-HU" dirty="0"/>
+              <a:t>A </a:t>
+            </a:r>
+            <a:r>
+              <a:rPr lang="hu-HU" b="1" dirty="0"/>
+              <a:t>Magyar Tudományos Művek Tára (MTMT)</a:t>
+            </a:r>
+            <a:r>
+              <a:rPr lang="hu-HU" dirty="0"/>
+              <a:t> egy sok célra hasznosítható nemzeti bibliográfiai adatbázis Magyarországon. A Magyar Tudományos Akadémia Elnökségének határozata alapján 2009. július 1-jével kezdte meg működését a </a:t>
+            </a:r>
+            <a:r>
+              <a:rPr lang="hu-HU" i="1" dirty="0"/>
+              <a:t>hazai tudományos kutatás</a:t>
+            </a:r>
+            <a:r>
+              <a:rPr lang="hu-HU" dirty="0"/>
+              <a:t> eredményeinek hiteles </a:t>
+            </a:r>
+            <a:r>
+              <a:rPr lang="hu-HU" i="1" dirty="0"/>
+              <a:t>nyilvántartására</a:t>
+            </a:r>
+            <a:r>
+              <a:rPr lang="hu-HU" dirty="0"/>
+              <a:t> és bemutatására létrehozott MTMT. </a:t>
+            </a:r>
+          </a:p>
+          <a:p>
+            <a:pPr marL="0" indent="0">
+              <a:buNone/>
+            </a:pPr>
+            <a:r>
+              <a:rPr lang="hu-HU" dirty="0">
+                <a:hlinkClick r:id="rId2"/>
+              </a:rPr>
+              <a:t>www.mtmt.hu</a:t>
+            </a:r>
+            <a:endParaRPr lang="hu-HU" dirty="0"/>
+          </a:p>
+          <a:p>
+            <a:pPr marL="0" indent="0">
+              <a:buNone/>
+            </a:pPr>
+            <a:endParaRPr lang="hu-HU" dirty="0"/>
+          </a:p>
+        </p:txBody>
+      </p:sp>
+      <p:sp>
+        <p:nvSpPr>
+          <p:cNvPr id="4" name="Tartalom helye 3">
+            <a:extLst>
+              <a:ext uri="{FF2B5EF4-FFF2-40B4-BE49-F238E27FC236}">
+                <a16:creationId xmlns:a16="http://schemas.microsoft.com/office/drawing/2014/main" id="{FCA32C23-6C4E-47A1-98C1-15690A4AC2AE}"/>
+              </a:ext>
+            </a:extLst>
+          </p:cNvPr>
+          <p:cNvSpPr>
+            <a:spLocks noGrp="1"/>
+          </p:cNvSpPr>
+          <p:nvPr>
+            <p:ph sz="half" idx="2"/>
+          </p:nvPr>
+        </p:nvSpPr>
+        <p:spPr/>
+        <p:txBody>
+          <a:bodyPr>
+            <a:normAutofit fontScale="92500"/>
+          </a:bodyPr>
+          <a:lstStyle/>
+          <a:p>
+            <a:pPr marL="0" indent="0">
+              <a:buNone/>
+            </a:pPr>
+            <a:r>
+              <a:rPr lang="hu-HU" dirty="0"/>
+              <a:t>A </a:t>
+            </a:r>
+            <a:r>
+              <a:rPr lang="hu-HU" b="1" dirty="0"/>
+              <a:t>Google Tudós </a:t>
+            </a:r>
+            <a:r>
+              <a:rPr lang="hu-HU" dirty="0"/>
+              <a:t>(eredetileg </a:t>
+            </a:r>
+            <a:r>
+              <a:rPr lang="hu-HU" i="1" dirty="0"/>
+              <a:t>Google </a:t>
+            </a:r>
+            <a:r>
+              <a:rPr lang="hu-HU" i="1" dirty="0" err="1"/>
+              <a:t>Scholar</a:t>
+            </a:r>
+            <a:r>
+              <a:rPr lang="hu-HU" dirty="0"/>
+              <a:t>) a Google tudományos keresője, amely különféle témájú és formájú tudományos publikációk között keres. 2004. november 18-án indult, mára szinte minden online elérhető referált folyóiratban keres. </a:t>
+            </a:r>
+          </a:p>
+          <a:p>
+            <a:pPr marL="0" indent="0">
+              <a:buNone/>
+            </a:pPr>
+            <a:r>
+              <a:rPr lang="hu-HU" dirty="0">
+                <a:hlinkClick r:id="rId3"/>
+              </a:rPr>
+              <a:t>https://scholar.google.com/</a:t>
+            </a:r>
+            <a:endParaRPr lang="hu-HU" dirty="0"/>
+          </a:p>
+          <a:p>
+            <a:pPr marL="0" indent="0">
+              <a:buNone/>
+            </a:pPr>
+            <a:endParaRPr lang="hu-HU" dirty="0"/>
+          </a:p>
+        </p:txBody>
+      </p:sp>
+      <p:pic>
+        <p:nvPicPr>
+          <p:cNvPr id="5" name="Kép 4">
+            <a:extLst>
+              <a:ext uri="{FF2B5EF4-FFF2-40B4-BE49-F238E27FC236}">
+                <a16:creationId xmlns:a16="http://schemas.microsoft.com/office/drawing/2014/main" id="{9A8D972F-8A8F-4775-9D07-8C2E2259866B}"/>
+              </a:ext>
+            </a:extLst>
+          </p:cNvPr>
+          <p:cNvPicPr>
+            <a:picLocks noChangeAspect="1"/>
+          </p:cNvPicPr>
+          <p:nvPr/>
+        </p:nvPicPr>
+        <p:blipFill>
+          <a:blip r:embed="rId4"/>
+          <a:stretch>
+            <a:fillRect/>
+          </a:stretch>
+        </p:blipFill>
+        <p:spPr>
+          <a:xfrm>
+            <a:off x="4222204" y="5661248"/>
+            <a:ext cx="1800225" cy="866775"/>
+          </a:xfrm>
+          <a:prstGeom prst="rect">
+            <a:avLst/>
+          </a:prstGeom>
+        </p:spPr>
+      </p:pic>
+      <p:pic>
+        <p:nvPicPr>
+          <p:cNvPr id="6" name="Kép 5">
+            <a:extLst>
+              <a:ext uri="{FF2B5EF4-FFF2-40B4-BE49-F238E27FC236}">
+                <a16:creationId xmlns:a16="http://schemas.microsoft.com/office/drawing/2014/main" id="{7EA5236D-9233-4973-82AE-530C24E810C3}"/>
+              </a:ext>
+            </a:extLst>
+          </p:cNvPr>
+          <p:cNvPicPr>
+            <a:picLocks noChangeAspect="1"/>
+          </p:cNvPicPr>
+          <p:nvPr/>
+        </p:nvPicPr>
+        <p:blipFill>
+          <a:blip r:embed="rId5"/>
+          <a:stretch>
+            <a:fillRect/>
+          </a:stretch>
+        </p:blipFill>
+        <p:spPr>
+          <a:xfrm>
+            <a:off x="6454452" y="5367211"/>
+            <a:ext cx="2884959" cy="1160812"/>
+          </a:xfrm>
+          <a:prstGeom prst="rect">
+            <a:avLst/>
+          </a:prstGeom>
+        </p:spPr>
+      </p:pic>
+    </p:spTree>
+    <p:extLst>
+      <p:ext uri="{BB962C8B-B14F-4D97-AF65-F5344CB8AC3E}">
+        <p14:creationId xmlns:p14="http://schemas.microsoft.com/office/powerpoint/2010/main" val="3631228035"/>
+      </p:ext>
+    </p:extLst>
+  </p:cSld>
+  <p:clrMapOvr>
+    <a:masterClrMapping/>
+  </p:clrMapOvr>
+  <mc:AlternateContent xmlns:mc="http://schemas.openxmlformats.org/markup-compatibility/2006" xmlns:p14="http://schemas.microsoft.com/office/powerpoint/2010/main">
+    <mc:Choice Requires="p14">
+      <p:transition spd="med" p14:dur="700">
+        <p:fade/>
+      </p:transition>
+    </mc:Choice>
+    <mc:Fallback xmlns="">
+      <p:transition spd="med">
+        <p:fade/>
+      </p:transition>
+    </mc:Fallback>
+  </mc:AlternateContent>
+</p:sld>
+</file>
+
+<file path=ppt/slides/slide5.xml><?xml version="1.0" encoding="utf-8"?>
+<p:sld xmlns:a="http://schemas.openxmlformats.org/drawingml/2006/main" xmlns:r="http://schemas.openxmlformats.org/officeDocument/2006/relationships" xmlns:p="http://schemas.openxmlformats.org/presentationml/2006/main">
+  <p:cSld>
+    <p:spTree>
+      <p:nvGrpSpPr>
+        <p:cNvPr id="1" name=""/>
+        <p:cNvGrpSpPr/>
+        <p:nvPr/>
+      </p:nvGrpSpPr>
+      <p:grpSpPr>
+        <a:xfrm>
+          <a:off x="0" y="0"/>
+          <a:ext cx="0" cy="0"/>
+          <a:chOff x="0" y="0"/>
+          <a:chExt cx="0" cy="0"/>
+        </a:xfrm>
+      </p:grpSpPr>
+      <p:sp>
+        <p:nvSpPr>
           <p:cNvPr id="9" name="Title 1">
             <a:extLst>
               <a:ext uri="{FF2B5EF4-FFF2-40B4-BE49-F238E27FC236}">
@@ -9212,6 +11484,40 @@
           </a:prstGeom>
         </p:spPr>
       </p:pic>
+      <p:sp>
+        <p:nvSpPr>
+          <p:cNvPr id="2" name="Téglalap 1">
+            <a:extLst>
+              <a:ext uri="{FF2B5EF4-FFF2-40B4-BE49-F238E27FC236}">
+                <a16:creationId xmlns:a16="http://schemas.microsoft.com/office/drawing/2014/main" id="{F20269D5-37F1-4988-839F-797131C77364}"/>
+              </a:ext>
+            </a:extLst>
+          </p:cNvPr>
+          <p:cNvSpPr/>
+          <p:nvPr/>
+        </p:nvSpPr>
+        <p:spPr>
+          <a:xfrm>
+            <a:off x="1053852" y="5940460"/>
+            <a:ext cx="6316153" cy="461665"/>
+          </a:xfrm>
+          <a:prstGeom prst="rect">
+            <a:avLst/>
+          </a:prstGeom>
+        </p:spPr>
+        <p:txBody>
+          <a:bodyPr wrap="none">
+            <a:spAutoFit/>
+          </a:bodyPr>
+          <a:lstStyle/>
+          <a:p>
+            <a:r>
+              <a:rPr lang="hu-HU" dirty="0"/>
+              <a:t>Már a kezdőlapon szerzőre is kereshetünk</a:t>
+            </a:r>
+          </a:p>
+        </p:txBody>
+      </p:sp>
     </p:spTree>
     <p:extLst>
       <p:ext uri="{BB962C8B-B14F-4D97-AF65-F5344CB8AC3E}">
@@ -9237,7 +11543,7 @@
 </p:sld>
 </file>
 
-<file path=ppt/slides/slide5.xml><?xml version="1.0" encoding="utf-8"?>
+<file path=ppt/slides/slide6.xml><?xml version="1.0" encoding="utf-8"?>
 <p:sld xmlns:a="http://schemas.openxmlformats.org/drawingml/2006/main" xmlns:r="http://schemas.openxmlformats.org/officeDocument/2006/relationships" xmlns:p="http://schemas.openxmlformats.org/presentationml/2006/main">
   <p:cSld>
     <p:spTree>
@@ -9300,15 +11606,21 @@
         </p:nvSpPr>
         <p:spPr>
           <a:xfrm>
-            <a:off x="1117309" y="1701800"/>
-            <a:ext cx="4689071" cy="4470400"/>
+            <a:off x="1117309" y="3140968"/>
+            <a:ext cx="2672847" cy="3031232"/>
           </a:xfrm>
         </p:spPr>
         <p:txBody>
           <a:bodyPr/>
           <a:lstStyle/>
           <a:p>
-            <a:endParaRPr lang="hu-HU" dirty="0"/>
+            <a:pPr marL="0" indent="0">
+              <a:buNone/>
+            </a:pPr>
+            <a:r>
+              <a:rPr lang="hu-HU" dirty="0"/>
+              <a:t>Megtalált művek listája a kapcsolódó adatokkal:</a:t>
+            </a:r>
           </a:p>
         </p:txBody>
       </p:sp>
@@ -9334,8 +11646,8 @@
         </p:blipFill>
         <p:spPr>
           <a:xfrm>
-            <a:off x="4806713" y="1824836"/>
-            <a:ext cx="6476572" cy="4347364"/>
+            <a:off x="4285590" y="1608564"/>
+            <a:ext cx="6989073" cy="4691378"/>
           </a:xfrm>
           <a:prstGeom prst="rect">
             <a:avLst/>
@@ -9367,7 +11679,7 @@
 </p:sld>
 </file>
 
-<file path=ppt/slides/slide6.xml><?xml version="1.0" encoding="utf-8"?>
+<file path=ppt/slides/slide7.xml><?xml version="1.0" encoding="utf-8"?>
 <p:sld xmlns:a="http://schemas.openxmlformats.org/drawingml/2006/main" xmlns:r="http://schemas.openxmlformats.org/officeDocument/2006/relationships" xmlns:p="http://schemas.openxmlformats.org/presentationml/2006/main">
   <p:cSld>
     <p:spTree>
@@ -9444,14 +11756,29 @@
         </p:nvSpPr>
         <p:spPr>
           <a:xfrm>
-            <a:off x="1117309" y="1701800"/>
-            <a:ext cx="4977104" cy="4470400"/>
+            <a:off x="1117309" y="2780928"/>
+            <a:ext cx="4977104" cy="3391272"/>
           </a:xfrm>
         </p:spPr>
         <p:txBody>
           <a:bodyPr/>
           <a:lstStyle/>
           <a:p>
+            <a:pPr marL="0" indent="0">
+              <a:buNone/>
+            </a:pPr>
+            <a:r>
+              <a:rPr lang="hu-HU" dirty="0"/>
+              <a:t>Ugyanazon szerzőre keresve – találati lista Google </a:t>
+            </a:r>
+            <a:r>
+              <a:rPr lang="hu-HU" dirty="0" err="1"/>
+              <a:t>Scholar-on</a:t>
+            </a:r>
+            <a:r>
+              <a:rPr lang="hu-HU" dirty="0"/>
+              <a:t>:</a:t>
+            </a:r>
             <a:endParaRPr lang="en-US" dirty="0"/>
           </a:p>
         </p:txBody>
@@ -9512,7 +11839,7 @@
 </p:sld>
 </file>
 
-<file path=ppt/slides/slide7.xml><?xml version="1.0" encoding="utf-8"?>
+<file path=ppt/slides/slide8.xml><?xml version="1.0" encoding="utf-8"?>
 <p:sld xmlns:a="http://schemas.openxmlformats.org/drawingml/2006/main" xmlns:r="http://schemas.openxmlformats.org/officeDocument/2006/relationships" xmlns:p="http://schemas.openxmlformats.org/presentationml/2006/main">
   <p:cSld>
     <p:spTree>
@@ -9581,34 +11908,49 @@
         <p:spPr>
           <a:xfrm>
             <a:off x="1117309" y="1701800"/>
-            <a:ext cx="6273247" cy="2591296"/>
+            <a:ext cx="6345256" cy="2591296"/>
           </a:xfrm>
         </p:spPr>
         <p:txBody>
           <a:bodyPr>
-            <a:normAutofit/>
+            <a:normAutofit lnSpcReduction="10000"/>
           </a:bodyPr>
           <a:lstStyle/>
           <a:p>
             <a:r>
               <a:rPr lang="hu-HU" dirty="0"/>
-              <a:t>API használata (MTMT-</a:t>
+              <a:t>API használata</a:t>
+            </a:r>
+          </a:p>
+          <a:p>
+            <a:pPr lvl="1"/>
+            <a:r>
+              <a:rPr lang="hu-HU" dirty="0"/>
+              <a:t>MTMT-</a:t>
             </a:r>
             <a:r>
               <a:rPr lang="hu-HU" dirty="0" err="1"/>
-              <a:t>nek</a:t>
+              <a:t>hez</a:t>
             </a:r>
             <a:r>
               <a:rPr lang="hu-HU" dirty="0"/>
-              <a:t> nincs) </a:t>
-            </a:r>
-            <a:r>
-              <a:rPr lang="hu-HU" dirty="0">
-                <a:sym typeface="Wingdings" panose="05000000000000000000" pitchFamily="2" charset="2"/>
-              </a:rPr>
-              <a:t></a:t>
-            </a:r>
-            <a:endParaRPr lang="hu-HU" dirty="0"/>
+              <a:t> nincs</a:t>
+            </a:r>
+          </a:p>
+          <a:p>
+            <a:pPr lvl="1"/>
+            <a:r>
+              <a:rPr lang="hu-HU" dirty="0"/>
+              <a:t>Google </a:t>
+            </a:r>
+            <a:r>
+              <a:rPr lang="hu-HU" dirty="0" err="1"/>
+              <a:t>Scholar</a:t>
+            </a:r>
+            <a:r>
+              <a:rPr lang="hu-HU" dirty="0"/>
+              <a:t>-hoz Google nem biztosít (más szolgáltatók igen)</a:t>
+            </a:r>
           </a:p>
           <a:p>
             <a:r>
@@ -9616,6 +11958,13 @@
               <a:t>Webscraping</a:t>
             </a:r>
             <a:endParaRPr lang="hu-HU" dirty="0"/>
+          </a:p>
+          <a:p>
+            <a:pPr lvl="1"/>
+            <a:r>
+              <a:rPr lang="hu-HU" dirty="0"/>
+              <a:t>MTMT-nél nincs más lehetőség</a:t>
+            </a:r>
           </a:p>
         </p:txBody>
       </p:sp>
@@ -9646,8 +11995,8 @@
         </p:blipFill>
         <p:spPr bwMode="auto">
           <a:xfrm>
-            <a:off x="5950396" y="3014945"/>
-            <a:ext cx="3220085" cy="2414270"/>
+            <a:off x="7318548" y="4015372"/>
+            <a:ext cx="3043207" cy="2281656"/>
           </a:xfrm>
           <a:prstGeom prst="rect">
             <a:avLst/>
@@ -9658,113 +12007,46 @@
           </a:ln>
         </p:spPr>
       </p:pic>
+      <p:pic>
+        <p:nvPicPr>
+          <p:cNvPr id="6" name="Kép 5">
+            <a:extLst>
+              <a:ext uri="{FF2B5EF4-FFF2-40B4-BE49-F238E27FC236}">
+                <a16:creationId xmlns:a16="http://schemas.microsoft.com/office/drawing/2014/main" id="{6046B91A-9B9D-4320-ABC2-F79E1570CE57}"/>
+              </a:ext>
+            </a:extLst>
+          </p:cNvPr>
+          <p:cNvPicPr>
+            <a:picLocks noChangeAspect="1"/>
+          </p:cNvPicPr>
+          <p:nvPr/>
+        </p:nvPicPr>
+        <p:blipFill>
+          <a:blip r:embed="rId3">
+            <a:extLst>
+              <a:ext uri="{28A0092B-C50C-407E-A947-70E740481C1C}">
+                <a14:useLocalDpi xmlns:a14="http://schemas.microsoft.com/office/drawing/2010/main" val="0"/>
+              </a:ext>
+            </a:extLst>
+          </a:blip>
+          <a:stretch>
+            <a:fillRect/>
+          </a:stretch>
+        </p:blipFill>
+        <p:spPr>
+          <a:xfrm>
+            <a:off x="7318548" y="1696526"/>
+            <a:ext cx="3187224" cy="1732474"/>
+          </a:xfrm>
+          <a:prstGeom prst="rect">
+            <a:avLst/>
+          </a:prstGeom>
+        </p:spPr>
+      </p:pic>
     </p:spTree>
     <p:extLst>
       <p:ext uri="{BB962C8B-B14F-4D97-AF65-F5344CB8AC3E}">
         <p14:creationId xmlns:p14="http://schemas.microsoft.com/office/powerpoint/2010/main" val="2359164768"/>
-      </p:ext>
-    </p:extLst>
-  </p:cSld>
-  <p:clrMapOvr>
-    <a:masterClrMapping/>
-  </p:clrMapOvr>
-  <mc:AlternateContent xmlns:mc="http://schemas.openxmlformats.org/markup-compatibility/2006" xmlns:p14="http://schemas.microsoft.com/office/powerpoint/2010/main">
-    <mc:Choice Requires="p14">
-      <p:transition spd="med" p14:dur="700">
-        <p:fade/>
-      </p:transition>
-    </mc:Choice>
-    <mc:Fallback xmlns="">
-      <p:transition spd="med">
-        <p:fade/>
-      </p:transition>
-    </mc:Fallback>
-  </mc:AlternateContent>
-</p:sld>
-</file>
-
-<file path=ppt/slides/slide8.xml><?xml version="1.0" encoding="utf-8"?>
-<p:sld xmlns:a="http://schemas.openxmlformats.org/drawingml/2006/main" xmlns:r="http://schemas.openxmlformats.org/officeDocument/2006/relationships" xmlns:p="http://schemas.openxmlformats.org/presentationml/2006/main">
-  <p:cSld>
-    <p:spTree>
-      <p:nvGrpSpPr>
-        <p:cNvPr id="1" name=""/>
-        <p:cNvGrpSpPr/>
-        <p:nvPr/>
-      </p:nvGrpSpPr>
-      <p:grpSpPr>
-        <a:xfrm>
-          <a:off x="0" y="0"/>
-          <a:ext cx="0" cy="0"/>
-          <a:chOff x="0" y="0"/>
-          <a:chExt cx="0" cy="0"/>
-        </a:xfrm>
-      </p:grpSpPr>
-      <p:sp>
-        <p:nvSpPr>
-          <p:cNvPr id="2" name="Cím 1">
-            <a:extLst>
-              <a:ext uri="{FF2B5EF4-FFF2-40B4-BE49-F238E27FC236}">
-                <a16:creationId xmlns:a16="http://schemas.microsoft.com/office/drawing/2014/main" id="{2CBFBA75-F042-45B2-BA06-922B7870523F}"/>
-              </a:ext>
-            </a:extLst>
-          </p:cNvPr>
-          <p:cNvSpPr>
-            <a:spLocks noGrp="1"/>
-          </p:cNvSpPr>
-          <p:nvPr>
-            <p:ph type="title"/>
-          </p:nvPr>
-        </p:nvSpPr>
-        <p:spPr/>
-        <p:txBody>
-          <a:bodyPr/>
-          <a:lstStyle/>
-          <a:p>
-            <a:r>
-              <a:rPr lang="hu-HU" dirty="0"/>
-              <a:t>Google </a:t>
-            </a:r>
-            <a:r>
-              <a:rPr lang="hu-HU" dirty="0" err="1"/>
-              <a:t>Scholar</a:t>
-            </a:r>
-            <a:r>
-              <a:rPr lang="hu-HU" dirty="0"/>
-              <a:t> API-ok kiértékelése</a:t>
-            </a:r>
-          </a:p>
-        </p:txBody>
-      </p:sp>
-      <p:sp>
-        <p:nvSpPr>
-          <p:cNvPr id="3" name="Tartalom helye 2">
-            <a:extLst>
-              <a:ext uri="{FF2B5EF4-FFF2-40B4-BE49-F238E27FC236}">
-                <a16:creationId xmlns:a16="http://schemas.microsoft.com/office/drawing/2014/main" id="{381468CC-012A-4B49-A333-417C095C7720}"/>
-              </a:ext>
-            </a:extLst>
-          </p:cNvPr>
-          <p:cNvSpPr>
-            <a:spLocks noGrp="1"/>
-          </p:cNvSpPr>
-          <p:nvPr>
-            <p:ph idx="1"/>
-          </p:nvPr>
-        </p:nvSpPr>
-        <p:spPr/>
-        <p:txBody>
-          <a:bodyPr/>
-          <a:lstStyle/>
-          <a:p>
-            <a:endParaRPr lang="hu-HU"/>
-          </a:p>
-        </p:txBody>
-      </p:sp>
-    </p:spTree>
-    <p:extLst>
-      <p:ext uri="{BB962C8B-B14F-4D97-AF65-F5344CB8AC3E}">
-        <p14:creationId xmlns:p14="http://schemas.microsoft.com/office/powerpoint/2010/main" val="867232101"/>
       </p:ext>
     </p:extLst>
   </p:cSld>
@@ -9805,10 +12087,10 @@
       </p:grpSpPr>
       <p:sp>
         <p:nvSpPr>
-          <p:cNvPr id="2" name="Cím 1">
+          <p:cNvPr id="9" name="Title 1">
             <a:extLst>
               <a:ext uri="{FF2B5EF4-FFF2-40B4-BE49-F238E27FC236}">
-                <a16:creationId xmlns:a16="http://schemas.microsoft.com/office/drawing/2014/main" id="{5CC86007-CC77-4239-AACF-ED0893073172}"/>
+                <a16:creationId xmlns:a16="http://schemas.microsoft.com/office/drawing/2014/main" id="{AD1E8785-BD43-45C5-A5D5-CE08E52AF56F}"/>
               </a:ext>
             </a:extLst>
           </p:cNvPr>
@@ -9819,41 +12101,46 @@
             <p:ph type="title"/>
           </p:nvPr>
         </p:nvSpPr>
-        <p:spPr/>
+        <p:spPr>
+          <a:xfrm>
+            <a:off x="1117309" y="76200"/>
+            <a:ext cx="10157354" cy="1007120"/>
+          </a:xfrm>
+        </p:spPr>
         <p:txBody>
           <a:bodyPr/>
           <a:lstStyle/>
           <a:p>
             <a:r>
               <a:rPr lang="hu-HU" dirty="0" err="1"/>
-              <a:t>Scholarly</a:t>
+              <a:t>Publish</a:t>
             </a:r>
             <a:r>
               <a:rPr lang="hu-HU" dirty="0"/>
-              <a:t> – </a:t>
+              <a:t> </a:t>
             </a:r>
             <a:r>
               <a:rPr lang="hu-HU" dirty="0" err="1"/>
-              <a:t>Flask</a:t>
+              <a:t>or</a:t>
             </a:r>
             <a:r>
               <a:rPr lang="hu-HU" dirty="0"/>
-              <a:t> Python </a:t>
+              <a:t> </a:t>
             </a:r>
             <a:r>
               <a:rPr lang="hu-HU" dirty="0" err="1"/>
-              <a:t>RestAPI</a:t>
-            </a:r>
-            <a:endParaRPr lang="hu-HU" dirty="0"/>
+              <a:t>Perish</a:t>
+            </a:r>
+            <a:endParaRPr lang="en-US" dirty="0"/>
           </a:p>
         </p:txBody>
       </p:sp>
       <p:sp>
         <p:nvSpPr>
-          <p:cNvPr id="3" name="Tartalom helye 2">
+          <p:cNvPr id="11" name="Content Placeholder 2">
             <a:extLst>
               <a:ext uri="{FF2B5EF4-FFF2-40B4-BE49-F238E27FC236}">
-                <a16:creationId xmlns:a16="http://schemas.microsoft.com/office/drawing/2014/main" id="{7571B6D9-B46C-463F-A6E4-DAB04674E8AB}"/>
+                <a16:creationId xmlns:a16="http://schemas.microsoft.com/office/drawing/2014/main" id="{D36EDF52-7B93-42FC-8188-C78262B2E973}"/>
               </a:ext>
             </a:extLst>
           </p:cNvPr>
@@ -9861,29 +12148,55 @@
             <a:spLocks noGrp="1"/>
           </p:cNvSpPr>
           <p:nvPr>
-            <p:ph idx="1"/>
+            <p:ph sz="half" idx="1"/>
           </p:nvPr>
         </p:nvSpPr>
         <p:spPr>
           <a:xfrm>
-            <a:off x="1117309" y="1701800"/>
-            <a:ext cx="5625175" cy="4470400"/>
+            <a:off x="1128901" y="1268760"/>
+            <a:ext cx="8649511" cy="1007120"/>
           </a:xfrm>
         </p:spPr>
         <p:txBody>
-          <a:bodyPr/>
+          <a:bodyPr>
+            <a:normAutofit lnSpcReduction="10000"/>
+          </a:bodyPr>
           <a:lstStyle/>
           <a:p>
-            <a:endParaRPr lang="hu-HU" dirty="0"/>
+            <a:pPr marL="0" indent="0">
+              <a:buNone/>
+            </a:pPr>
+            <a:r>
+              <a:rPr lang="hu-HU" dirty="0"/>
+              <a:t>Hasonló, már elérhető megoldás:</a:t>
+            </a:r>
+          </a:p>
+          <a:p>
+            <a:pPr marL="0" indent="0">
+              <a:buNone/>
+            </a:pPr>
+            <a:r>
+              <a:rPr lang="hu-HU" dirty="0"/>
+              <a:t>(kizárólag Google </a:t>
+            </a:r>
+            <a:r>
+              <a:rPr lang="hu-HU" dirty="0" err="1"/>
+              <a:t>Scholar</a:t>
+            </a:r>
+            <a:r>
+              <a:rPr lang="hu-HU" dirty="0"/>
+              <a:t>-ban keres)</a:t>
+            </a:r>
+            <a:endParaRPr lang="en-US" dirty="0"/>
           </a:p>
         </p:txBody>
       </p:sp>
       <p:pic>
         <p:nvPicPr>
-          <p:cNvPr id="4" name="Kép 3">
+          <p:cNvPr id="7" name="Kép 6">
             <a:extLst>
               <a:ext uri="{FF2B5EF4-FFF2-40B4-BE49-F238E27FC236}">
-                <a16:creationId xmlns:a16="http://schemas.microsoft.com/office/drawing/2014/main" id="{6E15AE58-3EFB-49E5-919A-D75E244019FD}"/>
+                <a16:creationId xmlns:a16="http://schemas.microsoft.com/office/drawing/2014/main" id="{DEC9394F-2301-4676-934B-FD741EA090F5}"/>
               </a:ext>
             </a:extLst>
           </p:cNvPr>
@@ -9900,8 +12213,8 @@
         </p:blipFill>
         <p:spPr>
           <a:xfrm>
-            <a:off x="3929896" y="3429000"/>
-            <a:ext cx="7556515" cy="2858368"/>
+            <a:off x="1095900" y="2428388"/>
+            <a:ext cx="10050415" cy="3841735"/>
           </a:xfrm>
           <a:prstGeom prst="rect">
             <a:avLst/>
@@ -9911,7 +12224,7 @@
     </p:spTree>
     <p:extLst>
       <p:ext uri="{BB962C8B-B14F-4D97-AF65-F5344CB8AC3E}">
-        <p14:creationId xmlns:p14="http://schemas.microsoft.com/office/powerpoint/2010/main" val="3511898306"/>
+        <p14:creationId xmlns:p14="http://schemas.microsoft.com/office/powerpoint/2010/main" val="1402551847"/>
       </p:ext>
     </p:extLst>
   </p:cSld>
@@ -10743,139 +13056,12 @@
 </file>
 
 <file path=customXml/item1.xml><?xml version="1.0" encoding="utf-8"?>
-<p:properties xmlns:p="http://schemas.microsoft.com/office/2006/metadata/properties" xmlns:xsi="http://www.w3.org/2001/XMLSchema-instance" xmlns:pc="http://schemas.microsoft.com/office/infopath/2007/PartnerControls">
-  <documentManagement>
-    <LocPublishedLinkedAssetsLookup xmlns="4873beb7-5857-4685-be1f-d57550cc96cc" xsi:nil="true"/>
-    <ApprovalStatus xmlns="4873beb7-5857-4685-be1f-d57550cc96cc">InProgress</ApprovalStatus>
-    <MarketSpecific xmlns="4873beb7-5857-4685-be1f-d57550cc96cc">false</MarketSpecific>
-    <LocComments xmlns="4873beb7-5857-4685-be1f-d57550cc96cc" xsi:nil="true"/>
-    <LocLastLocAttemptVersionTypeLookup xmlns="4873beb7-5857-4685-be1f-d57550cc96cc" xsi:nil="true"/>
-    <DirectSourceMarket xmlns="4873beb7-5857-4685-be1f-d57550cc96cc" xsi:nil="true"/>
-    <ThumbnailAssetId xmlns="4873beb7-5857-4685-be1f-d57550cc96cc" xsi:nil="true"/>
-    <PrimaryImageGen xmlns="4873beb7-5857-4685-be1f-d57550cc96cc">false</PrimaryImageGen>
-    <LocNewPublishedVersionLookup xmlns="4873beb7-5857-4685-be1f-d57550cc96cc" xsi:nil="true"/>
-    <LegacyData xmlns="4873beb7-5857-4685-be1f-d57550cc96cc" xsi:nil="true"/>
-    <LocRecommendedHandoff xmlns="4873beb7-5857-4685-be1f-d57550cc96cc" xsi:nil="true"/>
-    <BusinessGroup xmlns="4873beb7-5857-4685-be1f-d57550cc96cc" xsi:nil="true"/>
-    <BlockPublish xmlns="4873beb7-5857-4685-be1f-d57550cc96cc">false</BlockPublish>
-    <TPFriendlyName xmlns="4873beb7-5857-4685-be1f-d57550cc96cc" xsi:nil="true"/>
-    <LocOverallPublishStatusLookup xmlns="4873beb7-5857-4685-be1f-d57550cc96cc" xsi:nil="true"/>
-    <NumericId xmlns="4873beb7-5857-4685-be1f-d57550cc96cc" xsi:nil="true"/>
-    <APEditor xmlns="4873beb7-5857-4685-be1f-d57550cc96cc">
-      <UserInfo>
-        <DisplayName/>
-        <AccountId xsi:nil="true"/>
-        <AccountType/>
-      </UserInfo>
-    </APEditor>
-    <SourceTitle xmlns="4873beb7-5857-4685-be1f-d57550cc96cc" xsi:nil="true"/>
-    <OpenTemplate xmlns="4873beb7-5857-4685-be1f-d57550cc96cc">true</OpenTemplate>
-    <LocOverallLocStatusLookup xmlns="4873beb7-5857-4685-be1f-d57550cc96cc" xsi:nil="true"/>
-    <UALocComments xmlns="4873beb7-5857-4685-be1f-d57550cc96cc" xsi:nil="true"/>
-    <ParentAssetId xmlns="4873beb7-5857-4685-be1f-d57550cc96cc" xsi:nil="true"/>
-    <IntlLangReviewDate xmlns="4873beb7-5857-4685-be1f-d57550cc96cc" xsi:nil="true"/>
-    <FeatureTagsTaxHTField0 xmlns="4873beb7-5857-4685-be1f-d57550cc96cc">
-      <Terms xmlns="http://schemas.microsoft.com/office/infopath/2007/PartnerControls"/>
-    </FeatureTagsTaxHTField0>
-    <PublishStatusLookup xmlns="4873beb7-5857-4685-be1f-d57550cc96cc">
-      <Value>1345039</Value>
-    </PublishStatusLookup>
-    <Providers xmlns="4873beb7-5857-4685-be1f-d57550cc96cc" xsi:nil="true"/>
-    <MachineTranslated xmlns="4873beb7-5857-4685-be1f-d57550cc96cc">false</MachineTranslated>
-    <OriginalSourceMarket xmlns="4873beb7-5857-4685-be1f-d57550cc96cc" xsi:nil="true"/>
-    <APDescription xmlns="4873beb7-5857-4685-be1f-d57550cc96cc">The bookstacks present on most slides  make this a good choice for students, teachers, reading enthusiasts, and others in education. This presentation template contains multiple slide layouts in widescreen format (16x9) and includes a sample table and chart that you can easily  modify.</APDescription>
-    <ClipArtFilename xmlns="4873beb7-5857-4685-be1f-d57550cc96cc" xsi:nil="true"/>
-    <ContentItem xmlns="4873beb7-5857-4685-be1f-d57550cc96cc" xsi:nil="true"/>
-    <TPInstallLocation xmlns="4873beb7-5857-4685-be1f-d57550cc96cc" xsi:nil="true"/>
-    <PublishTargets xmlns="4873beb7-5857-4685-be1f-d57550cc96cc">OfficeOnlineVNext</PublishTargets>
-    <TimesCloned xmlns="4873beb7-5857-4685-be1f-d57550cc96cc" xsi:nil="true"/>
-    <AssetStart xmlns="4873beb7-5857-4685-be1f-d57550cc96cc">2011-11-26T00:00:00+00:00</AssetStart>
-    <Provider xmlns="4873beb7-5857-4685-be1f-d57550cc96cc" xsi:nil="true"/>
-    <AcquiredFrom xmlns="4873beb7-5857-4685-be1f-d57550cc96cc">Internal MS</AcquiredFrom>
-    <FriendlyTitle xmlns="4873beb7-5857-4685-be1f-d57550cc96cc" xsi:nil="true"/>
-    <LastHandOff xmlns="4873beb7-5857-4685-be1f-d57550cc96cc" xsi:nil="true"/>
-    <TPClientViewer xmlns="4873beb7-5857-4685-be1f-d57550cc96cc" xsi:nil="true"/>
-    <TemplateStatus xmlns="4873beb7-5857-4685-be1f-d57550cc96cc">Complete</TemplateStatus>
-    <Downloads xmlns="4873beb7-5857-4685-be1f-d57550cc96cc">0</Downloads>
-    <OOCacheId xmlns="4873beb7-5857-4685-be1f-d57550cc96cc" xsi:nil="true"/>
-    <IsDeleted xmlns="4873beb7-5857-4685-be1f-d57550cc96cc">false</IsDeleted>
-    <LocPublishedDependentAssetsLookup xmlns="4873beb7-5857-4685-be1f-d57550cc96cc" xsi:nil="true"/>
-    <AssetExpire xmlns="4873beb7-5857-4685-be1f-d57550cc96cc">2029-05-12T07:00:00+00:00</AssetExpire>
-    <DSATActionTaken xmlns="4873beb7-5857-4685-be1f-d57550cc96cc" xsi:nil="true"/>
-    <CSXSubmissionMarket xmlns="4873beb7-5857-4685-be1f-d57550cc96cc" xsi:nil="true"/>
-    <TPExecutable xmlns="4873beb7-5857-4685-be1f-d57550cc96cc" xsi:nil="true"/>
-    <EditorialTags xmlns="4873beb7-5857-4685-be1f-d57550cc96cc" xsi:nil="true"/>
-    <SubmitterId xmlns="4873beb7-5857-4685-be1f-d57550cc96cc" xsi:nil="true"/>
-    <ApprovalLog xmlns="4873beb7-5857-4685-be1f-d57550cc96cc" xsi:nil="true"/>
-    <AssetType xmlns="4873beb7-5857-4685-be1f-d57550cc96cc">TP</AssetType>
-    <BugNumber xmlns="4873beb7-5857-4685-be1f-d57550cc96cc" xsi:nil="true"/>
-    <CSXSubmissionDate xmlns="4873beb7-5857-4685-be1f-d57550cc96cc" xsi:nil="true"/>
-    <CSXUpdate xmlns="4873beb7-5857-4685-be1f-d57550cc96cc">false</CSXUpdate>
-    <Milestone xmlns="4873beb7-5857-4685-be1f-d57550cc96cc" xsi:nil="true"/>
-    <RecommendationsModifier xmlns="4873beb7-5857-4685-be1f-d57550cc96cc" xsi:nil="true"/>
-    <OriginAsset xmlns="4873beb7-5857-4685-be1f-d57550cc96cc" xsi:nil="true"/>
-    <TPComponent xmlns="4873beb7-5857-4685-be1f-d57550cc96cc" xsi:nil="true"/>
-    <AssetId xmlns="4873beb7-5857-4685-be1f-d57550cc96cc">TP102787939</AssetId>
-    <IntlLocPriority xmlns="4873beb7-5857-4685-be1f-d57550cc96cc" xsi:nil="true"/>
-    <PolicheckWords xmlns="4873beb7-5857-4685-be1f-d57550cc96cc" xsi:nil="true"/>
-    <TPLaunchHelpLink xmlns="4873beb7-5857-4685-be1f-d57550cc96cc" xsi:nil="true"/>
-    <TPApplication xmlns="4873beb7-5857-4685-be1f-d57550cc96cc" xsi:nil="true"/>
-    <CrawlForDependencies xmlns="4873beb7-5857-4685-be1f-d57550cc96cc">false</CrawlForDependencies>
-    <HandoffToMSDN xmlns="4873beb7-5857-4685-be1f-d57550cc96cc" xsi:nil="true"/>
-    <PlannedPubDate xmlns="4873beb7-5857-4685-be1f-d57550cc96cc" xsi:nil="true"/>
-    <IntlLangReviewer xmlns="4873beb7-5857-4685-be1f-d57550cc96cc" xsi:nil="true"/>
-    <TrustLevel xmlns="4873beb7-5857-4685-be1f-d57550cc96cc">1 Microsoft Managed Content</TrustLevel>
-    <LocLastLocAttemptVersionLookup xmlns="4873beb7-5857-4685-be1f-d57550cc96cc">694216</LocLastLocAttemptVersionLookup>
-    <LocProcessedForHandoffsLookup xmlns="4873beb7-5857-4685-be1f-d57550cc96cc" xsi:nil="true"/>
-    <IsSearchable xmlns="4873beb7-5857-4685-be1f-d57550cc96cc">true</IsSearchable>
-    <TemplateTemplateType xmlns="4873beb7-5857-4685-be1f-d57550cc96cc">PowerPoint Presentation Template</TemplateTemplateType>
-    <CampaignTagsTaxHTField0 xmlns="4873beb7-5857-4685-be1f-d57550cc96cc">
-      <Terms xmlns="http://schemas.microsoft.com/office/infopath/2007/PartnerControls"/>
-    </CampaignTagsTaxHTField0>
-    <TPNamespace xmlns="4873beb7-5857-4685-be1f-d57550cc96cc" xsi:nil="true"/>
-    <LocOverallPreviewStatusLookup xmlns="4873beb7-5857-4685-be1f-d57550cc96cc" xsi:nil="true"/>
-    <TaxCatchAll xmlns="4873beb7-5857-4685-be1f-d57550cc96cc"/>
-    <Markets xmlns="4873beb7-5857-4685-be1f-d57550cc96cc"/>
-    <UAProjectedTotalWords xmlns="4873beb7-5857-4685-be1f-d57550cc96cc" xsi:nil="true"/>
-    <IntlLangReview xmlns="4873beb7-5857-4685-be1f-d57550cc96cc" xsi:nil="true"/>
-    <OutputCachingOn xmlns="4873beb7-5857-4685-be1f-d57550cc96cc">false</OutputCachingOn>
-    <AverageRating xmlns="4873beb7-5857-4685-be1f-d57550cc96cc" xsi:nil="true"/>
-    <APAuthor xmlns="4873beb7-5857-4685-be1f-d57550cc96cc">
-      <UserInfo>
-        <DisplayName>REDMOND\kristaa</DisplayName>
-        <AccountId>136</AccountId>
-        <AccountType/>
-      </UserInfo>
-    </APAuthor>
-    <LocManualTestRequired xmlns="4873beb7-5857-4685-be1f-d57550cc96cc">false</LocManualTestRequired>
-    <TPCommandLine xmlns="4873beb7-5857-4685-be1f-d57550cc96cc" xsi:nil="true"/>
-    <TPAppVersion xmlns="4873beb7-5857-4685-be1f-d57550cc96cc" xsi:nil="true"/>
-    <EditorialStatus xmlns="4873beb7-5857-4685-be1f-d57550cc96cc">Complete</EditorialStatus>
-    <LastModifiedDateTime xmlns="4873beb7-5857-4685-be1f-d57550cc96cc" xsi:nil="true"/>
-    <ScenarioTagsTaxHTField0 xmlns="4873beb7-5857-4685-be1f-d57550cc96cc">
-      <Terms xmlns="http://schemas.microsoft.com/office/infopath/2007/PartnerControls"/>
-    </ScenarioTagsTaxHTField0>
-    <LocProcessedForMarketsLookup xmlns="4873beb7-5857-4685-be1f-d57550cc96cc" xsi:nil="true"/>
-    <TPLaunchHelpLinkType xmlns="4873beb7-5857-4685-be1f-d57550cc96cc">Template</TPLaunchHelpLinkType>
-    <OriginalRelease xmlns="4873beb7-5857-4685-be1f-d57550cc96cc">15</OriginalRelease>
-    <LocalizationTagsTaxHTField0 xmlns="4873beb7-5857-4685-be1f-d57550cc96cc">
-      <Terms xmlns="http://schemas.microsoft.com/office/infopath/2007/PartnerControls"/>
-    </LocalizationTagsTaxHTField0>
-    <UACurrentWords xmlns="4873beb7-5857-4685-be1f-d57550cc96cc" xsi:nil="true"/>
-    <ArtSampleDocs xmlns="4873beb7-5857-4685-be1f-d57550cc96cc" xsi:nil="true"/>
-    <UALocRecommendation xmlns="4873beb7-5857-4685-be1f-d57550cc96cc">Localize</UALocRecommendation>
-    <Manager xmlns="4873beb7-5857-4685-be1f-d57550cc96cc" xsi:nil="true"/>
-    <LocOverallHandbackStatusLookup xmlns="4873beb7-5857-4685-be1f-d57550cc96cc" xsi:nil="true"/>
-    <ShowIn xmlns="4873beb7-5857-4685-be1f-d57550cc96cc">Show everywhere</ShowIn>
-    <UANotes xmlns="4873beb7-5857-4685-be1f-d57550cc96cc" xsi:nil="true"/>
-    <InternalTagsTaxHTField0 xmlns="4873beb7-5857-4685-be1f-d57550cc96cc">
-      <Terms xmlns="http://schemas.microsoft.com/office/infopath/2007/PartnerControls"/>
-    </InternalTagsTaxHTField0>
-    <CSXHash xmlns="4873beb7-5857-4685-be1f-d57550cc96cc" xsi:nil="true"/>
-    <VoteCount xmlns="4873beb7-5857-4685-be1f-d57550cc96cc" xsi:nil="true"/>
-    <LocMarketGroupTiers2 xmlns="4873beb7-5857-4685-be1f-d57550cc96cc" xsi:nil="true"/>
-  </documentManagement>
-</p:properties>
+<?mso-contentType ?>
+<FormTemplates xmlns="http://schemas.microsoft.com/sharepoint/v3/contenttype/forms">
+  <Display>DocumentLibraryForm</Display>
+  <Edit>AssetEditForm</Edit>
+  <New>DocumentLibraryForm</New>
+</FormTemplates>
 </file>
 
 <file path=customXml/item2.xml><?xml version="1.0" encoding="utf-8"?>
@@ -11919,20 +14105,145 @@
 </file>
 
 <file path=customXml/item3.xml><?xml version="1.0" encoding="utf-8"?>
-<?mso-contentType ?>
-<FormTemplates xmlns="http://schemas.microsoft.com/sharepoint/v3/contenttype/forms">
-  <Display>DocumentLibraryForm</Display>
-  <Edit>AssetEditForm</Edit>
-  <New>DocumentLibraryForm</New>
-</FormTemplates>
+<p:properties xmlns:p="http://schemas.microsoft.com/office/2006/metadata/properties" xmlns:xsi="http://www.w3.org/2001/XMLSchema-instance" xmlns:pc="http://schemas.microsoft.com/office/infopath/2007/PartnerControls">
+  <documentManagement>
+    <LocPublishedLinkedAssetsLookup xmlns="4873beb7-5857-4685-be1f-d57550cc96cc" xsi:nil="true"/>
+    <ApprovalStatus xmlns="4873beb7-5857-4685-be1f-d57550cc96cc">InProgress</ApprovalStatus>
+    <MarketSpecific xmlns="4873beb7-5857-4685-be1f-d57550cc96cc">false</MarketSpecific>
+    <LocComments xmlns="4873beb7-5857-4685-be1f-d57550cc96cc" xsi:nil="true"/>
+    <LocLastLocAttemptVersionTypeLookup xmlns="4873beb7-5857-4685-be1f-d57550cc96cc" xsi:nil="true"/>
+    <DirectSourceMarket xmlns="4873beb7-5857-4685-be1f-d57550cc96cc" xsi:nil="true"/>
+    <ThumbnailAssetId xmlns="4873beb7-5857-4685-be1f-d57550cc96cc" xsi:nil="true"/>
+    <PrimaryImageGen xmlns="4873beb7-5857-4685-be1f-d57550cc96cc">false</PrimaryImageGen>
+    <LocNewPublishedVersionLookup xmlns="4873beb7-5857-4685-be1f-d57550cc96cc" xsi:nil="true"/>
+    <LegacyData xmlns="4873beb7-5857-4685-be1f-d57550cc96cc" xsi:nil="true"/>
+    <LocRecommendedHandoff xmlns="4873beb7-5857-4685-be1f-d57550cc96cc" xsi:nil="true"/>
+    <BusinessGroup xmlns="4873beb7-5857-4685-be1f-d57550cc96cc" xsi:nil="true"/>
+    <BlockPublish xmlns="4873beb7-5857-4685-be1f-d57550cc96cc">false</BlockPublish>
+    <TPFriendlyName xmlns="4873beb7-5857-4685-be1f-d57550cc96cc" xsi:nil="true"/>
+    <LocOverallPublishStatusLookup xmlns="4873beb7-5857-4685-be1f-d57550cc96cc" xsi:nil="true"/>
+    <NumericId xmlns="4873beb7-5857-4685-be1f-d57550cc96cc" xsi:nil="true"/>
+    <APEditor xmlns="4873beb7-5857-4685-be1f-d57550cc96cc">
+      <UserInfo>
+        <DisplayName/>
+        <AccountId xsi:nil="true"/>
+        <AccountType/>
+      </UserInfo>
+    </APEditor>
+    <SourceTitle xmlns="4873beb7-5857-4685-be1f-d57550cc96cc" xsi:nil="true"/>
+    <OpenTemplate xmlns="4873beb7-5857-4685-be1f-d57550cc96cc">true</OpenTemplate>
+    <LocOverallLocStatusLookup xmlns="4873beb7-5857-4685-be1f-d57550cc96cc" xsi:nil="true"/>
+    <UALocComments xmlns="4873beb7-5857-4685-be1f-d57550cc96cc" xsi:nil="true"/>
+    <ParentAssetId xmlns="4873beb7-5857-4685-be1f-d57550cc96cc" xsi:nil="true"/>
+    <IntlLangReviewDate xmlns="4873beb7-5857-4685-be1f-d57550cc96cc" xsi:nil="true"/>
+    <FeatureTagsTaxHTField0 xmlns="4873beb7-5857-4685-be1f-d57550cc96cc">
+      <Terms xmlns="http://schemas.microsoft.com/office/infopath/2007/PartnerControls"/>
+    </FeatureTagsTaxHTField0>
+    <PublishStatusLookup xmlns="4873beb7-5857-4685-be1f-d57550cc96cc">
+      <Value>1345039</Value>
+    </PublishStatusLookup>
+    <Providers xmlns="4873beb7-5857-4685-be1f-d57550cc96cc" xsi:nil="true"/>
+    <MachineTranslated xmlns="4873beb7-5857-4685-be1f-d57550cc96cc">false</MachineTranslated>
+    <OriginalSourceMarket xmlns="4873beb7-5857-4685-be1f-d57550cc96cc" xsi:nil="true"/>
+    <APDescription xmlns="4873beb7-5857-4685-be1f-d57550cc96cc">The bookstacks present on most slides  make this a good choice for students, teachers, reading enthusiasts, and others in education. This presentation template contains multiple slide layouts in widescreen format (16x9) and includes a sample table and chart that you can easily  modify.</APDescription>
+    <ClipArtFilename xmlns="4873beb7-5857-4685-be1f-d57550cc96cc" xsi:nil="true"/>
+    <ContentItem xmlns="4873beb7-5857-4685-be1f-d57550cc96cc" xsi:nil="true"/>
+    <TPInstallLocation xmlns="4873beb7-5857-4685-be1f-d57550cc96cc" xsi:nil="true"/>
+    <PublishTargets xmlns="4873beb7-5857-4685-be1f-d57550cc96cc">OfficeOnlineVNext</PublishTargets>
+    <TimesCloned xmlns="4873beb7-5857-4685-be1f-d57550cc96cc" xsi:nil="true"/>
+    <AssetStart xmlns="4873beb7-5857-4685-be1f-d57550cc96cc">2011-11-26T00:00:00+00:00</AssetStart>
+    <Provider xmlns="4873beb7-5857-4685-be1f-d57550cc96cc" xsi:nil="true"/>
+    <AcquiredFrom xmlns="4873beb7-5857-4685-be1f-d57550cc96cc">Internal MS</AcquiredFrom>
+    <FriendlyTitle xmlns="4873beb7-5857-4685-be1f-d57550cc96cc" xsi:nil="true"/>
+    <LastHandOff xmlns="4873beb7-5857-4685-be1f-d57550cc96cc" xsi:nil="true"/>
+    <TPClientViewer xmlns="4873beb7-5857-4685-be1f-d57550cc96cc" xsi:nil="true"/>
+    <TemplateStatus xmlns="4873beb7-5857-4685-be1f-d57550cc96cc">Complete</TemplateStatus>
+    <Downloads xmlns="4873beb7-5857-4685-be1f-d57550cc96cc">0</Downloads>
+    <OOCacheId xmlns="4873beb7-5857-4685-be1f-d57550cc96cc" xsi:nil="true"/>
+    <IsDeleted xmlns="4873beb7-5857-4685-be1f-d57550cc96cc">false</IsDeleted>
+    <LocPublishedDependentAssetsLookup xmlns="4873beb7-5857-4685-be1f-d57550cc96cc" xsi:nil="true"/>
+    <AssetExpire xmlns="4873beb7-5857-4685-be1f-d57550cc96cc">2029-05-12T07:00:00+00:00</AssetExpire>
+    <DSATActionTaken xmlns="4873beb7-5857-4685-be1f-d57550cc96cc" xsi:nil="true"/>
+    <CSXSubmissionMarket xmlns="4873beb7-5857-4685-be1f-d57550cc96cc" xsi:nil="true"/>
+    <TPExecutable xmlns="4873beb7-5857-4685-be1f-d57550cc96cc" xsi:nil="true"/>
+    <EditorialTags xmlns="4873beb7-5857-4685-be1f-d57550cc96cc" xsi:nil="true"/>
+    <SubmitterId xmlns="4873beb7-5857-4685-be1f-d57550cc96cc" xsi:nil="true"/>
+    <ApprovalLog xmlns="4873beb7-5857-4685-be1f-d57550cc96cc" xsi:nil="true"/>
+    <AssetType xmlns="4873beb7-5857-4685-be1f-d57550cc96cc">TP</AssetType>
+    <BugNumber xmlns="4873beb7-5857-4685-be1f-d57550cc96cc" xsi:nil="true"/>
+    <CSXSubmissionDate xmlns="4873beb7-5857-4685-be1f-d57550cc96cc" xsi:nil="true"/>
+    <CSXUpdate xmlns="4873beb7-5857-4685-be1f-d57550cc96cc">false</CSXUpdate>
+    <Milestone xmlns="4873beb7-5857-4685-be1f-d57550cc96cc" xsi:nil="true"/>
+    <RecommendationsModifier xmlns="4873beb7-5857-4685-be1f-d57550cc96cc" xsi:nil="true"/>
+    <OriginAsset xmlns="4873beb7-5857-4685-be1f-d57550cc96cc" xsi:nil="true"/>
+    <TPComponent xmlns="4873beb7-5857-4685-be1f-d57550cc96cc" xsi:nil="true"/>
+    <AssetId xmlns="4873beb7-5857-4685-be1f-d57550cc96cc">TP102787939</AssetId>
+    <IntlLocPriority xmlns="4873beb7-5857-4685-be1f-d57550cc96cc" xsi:nil="true"/>
+    <PolicheckWords xmlns="4873beb7-5857-4685-be1f-d57550cc96cc" xsi:nil="true"/>
+    <TPLaunchHelpLink xmlns="4873beb7-5857-4685-be1f-d57550cc96cc" xsi:nil="true"/>
+    <TPApplication xmlns="4873beb7-5857-4685-be1f-d57550cc96cc" xsi:nil="true"/>
+    <CrawlForDependencies xmlns="4873beb7-5857-4685-be1f-d57550cc96cc">false</CrawlForDependencies>
+    <HandoffToMSDN xmlns="4873beb7-5857-4685-be1f-d57550cc96cc" xsi:nil="true"/>
+    <PlannedPubDate xmlns="4873beb7-5857-4685-be1f-d57550cc96cc" xsi:nil="true"/>
+    <IntlLangReviewer xmlns="4873beb7-5857-4685-be1f-d57550cc96cc" xsi:nil="true"/>
+    <TrustLevel xmlns="4873beb7-5857-4685-be1f-d57550cc96cc">1 Microsoft Managed Content</TrustLevel>
+    <LocLastLocAttemptVersionLookup xmlns="4873beb7-5857-4685-be1f-d57550cc96cc">694216</LocLastLocAttemptVersionLookup>
+    <LocProcessedForHandoffsLookup xmlns="4873beb7-5857-4685-be1f-d57550cc96cc" xsi:nil="true"/>
+    <IsSearchable xmlns="4873beb7-5857-4685-be1f-d57550cc96cc">true</IsSearchable>
+    <TemplateTemplateType xmlns="4873beb7-5857-4685-be1f-d57550cc96cc">PowerPoint Presentation Template</TemplateTemplateType>
+    <CampaignTagsTaxHTField0 xmlns="4873beb7-5857-4685-be1f-d57550cc96cc">
+      <Terms xmlns="http://schemas.microsoft.com/office/infopath/2007/PartnerControls"/>
+    </CampaignTagsTaxHTField0>
+    <TPNamespace xmlns="4873beb7-5857-4685-be1f-d57550cc96cc" xsi:nil="true"/>
+    <LocOverallPreviewStatusLookup xmlns="4873beb7-5857-4685-be1f-d57550cc96cc" xsi:nil="true"/>
+    <TaxCatchAll xmlns="4873beb7-5857-4685-be1f-d57550cc96cc"/>
+    <Markets xmlns="4873beb7-5857-4685-be1f-d57550cc96cc"/>
+    <UAProjectedTotalWords xmlns="4873beb7-5857-4685-be1f-d57550cc96cc" xsi:nil="true"/>
+    <IntlLangReview xmlns="4873beb7-5857-4685-be1f-d57550cc96cc" xsi:nil="true"/>
+    <OutputCachingOn xmlns="4873beb7-5857-4685-be1f-d57550cc96cc">false</OutputCachingOn>
+    <AverageRating xmlns="4873beb7-5857-4685-be1f-d57550cc96cc" xsi:nil="true"/>
+    <APAuthor xmlns="4873beb7-5857-4685-be1f-d57550cc96cc">
+      <UserInfo>
+        <DisplayName>REDMOND\kristaa</DisplayName>
+        <AccountId>136</AccountId>
+        <AccountType/>
+      </UserInfo>
+    </APAuthor>
+    <LocManualTestRequired xmlns="4873beb7-5857-4685-be1f-d57550cc96cc">false</LocManualTestRequired>
+    <TPCommandLine xmlns="4873beb7-5857-4685-be1f-d57550cc96cc" xsi:nil="true"/>
+    <TPAppVersion xmlns="4873beb7-5857-4685-be1f-d57550cc96cc" xsi:nil="true"/>
+    <EditorialStatus xmlns="4873beb7-5857-4685-be1f-d57550cc96cc">Complete</EditorialStatus>
+    <LastModifiedDateTime xmlns="4873beb7-5857-4685-be1f-d57550cc96cc" xsi:nil="true"/>
+    <ScenarioTagsTaxHTField0 xmlns="4873beb7-5857-4685-be1f-d57550cc96cc">
+      <Terms xmlns="http://schemas.microsoft.com/office/infopath/2007/PartnerControls"/>
+    </ScenarioTagsTaxHTField0>
+    <LocProcessedForMarketsLookup xmlns="4873beb7-5857-4685-be1f-d57550cc96cc" xsi:nil="true"/>
+    <TPLaunchHelpLinkType xmlns="4873beb7-5857-4685-be1f-d57550cc96cc">Template</TPLaunchHelpLinkType>
+    <OriginalRelease xmlns="4873beb7-5857-4685-be1f-d57550cc96cc">15</OriginalRelease>
+    <LocalizationTagsTaxHTField0 xmlns="4873beb7-5857-4685-be1f-d57550cc96cc">
+      <Terms xmlns="http://schemas.microsoft.com/office/infopath/2007/PartnerControls"/>
+    </LocalizationTagsTaxHTField0>
+    <UACurrentWords xmlns="4873beb7-5857-4685-be1f-d57550cc96cc" xsi:nil="true"/>
+    <ArtSampleDocs xmlns="4873beb7-5857-4685-be1f-d57550cc96cc" xsi:nil="true"/>
+    <UALocRecommendation xmlns="4873beb7-5857-4685-be1f-d57550cc96cc">Localize</UALocRecommendation>
+    <Manager xmlns="4873beb7-5857-4685-be1f-d57550cc96cc" xsi:nil="true"/>
+    <LocOverallHandbackStatusLookup xmlns="4873beb7-5857-4685-be1f-d57550cc96cc" xsi:nil="true"/>
+    <ShowIn xmlns="4873beb7-5857-4685-be1f-d57550cc96cc">Show everywhere</ShowIn>
+    <UANotes xmlns="4873beb7-5857-4685-be1f-d57550cc96cc" xsi:nil="true"/>
+    <InternalTagsTaxHTField0 xmlns="4873beb7-5857-4685-be1f-d57550cc96cc">
+      <Terms xmlns="http://schemas.microsoft.com/office/infopath/2007/PartnerControls"/>
+    </InternalTagsTaxHTField0>
+    <CSXHash xmlns="4873beb7-5857-4685-be1f-d57550cc96cc" xsi:nil="true"/>
+    <VoteCount xmlns="4873beb7-5857-4685-be1f-d57550cc96cc" xsi:nil="true"/>
+    <LocMarketGroupTiers2 xmlns="4873beb7-5857-4685-be1f-d57550cc96cc" xsi:nil="true"/>
+  </documentManagement>
+</p:properties>
 </file>
 
 <file path=customXml/itemProps1.xml><?xml version="1.0" encoding="utf-8"?>
-<ds:datastoreItem xmlns:ds="http://schemas.openxmlformats.org/officeDocument/2006/customXml" ds:itemID="{F301D382-32B0-43EE-932C-28906AF37617}">
+<ds:datastoreItem xmlns:ds="http://schemas.openxmlformats.org/officeDocument/2006/customXml" ds:itemID="{E1B558C7-619B-49BE-9097-7FCBDADD4ECE}">
   <ds:schemaRefs>
-    <ds:schemaRef ds:uri="http://schemas.microsoft.com/office/2006/metadata/properties"/>
-    <ds:schemaRef ds:uri="http://schemas.microsoft.com/office/infopath/2007/PartnerControls"/>
-    <ds:schemaRef ds:uri="4873beb7-5857-4685-be1f-d57550cc96cc"/>
+    <ds:schemaRef ds:uri="http://schemas.microsoft.com/sharepoint/v3/contenttype/forms"/>
   </ds:schemaRefs>
 </ds:datastoreItem>
 </file>
@@ -11956,9 +14267,11 @@
 </file>
 
 <file path=customXml/itemProps3.xml><?xml version="1.0" encoding="utf-8"?>
-<ds:datastoreItem xmlns:ds="http://schemas.openxmlformats.org/officeDocument/2006/customXml" ds:itemID="{E1B558C7-619B-49BE-9097-7FCBDADD4ECE}">
+<ds:datastoreItem xmlns:ds="http://schemas.openxmlformats.org/officeDocument/2006/customXml" ds:itemID="{F301D382-32B0-43EE-932C-28906AF37617}">
   <ds:schemaRefs>
-    <ds:schemaRef ds:uri="http://schemas.microsoft.com/sharepoint/v3/contenttype/forms"/>
+    <ds:schemaRef ds:uri="http://schemas.microsoft.com/office/2006/metadata/properties"/>
+    <ds:schemaRef ds:uri="http://schemas.microsoft.com/office/infopath/2007/PartnerControls"/>
+    <ds:schemaRef ds:uri="4873beb7-5857-4685-be1f-d57550cc96cc"/>
   </ds:schemaRefs>
 </ds:datastoreItem>
 </file>
--- a/Publikációs listák szinkronizálása.pptx
+++ b/Publikációs listák szinkronizálása.pptx
@@ -1,6 +1,6 @@
 
 <file path=ppt/presentation.xml><?xml version="1.0" encoding="utf-8"?>
-<p:presentation xmlns:a="http://schemas.openxmlformats.org/drawingml/2006/main" xmlns:r="http://schemas.openxmlformats.org/officeDocument/2006/relationships" xmlns:p="http://schemas.openxmlformats.org/presentationml/2006/main" saveSubsetFonts="1">
+<p:presentation xmlns:a="http://schemas.openxmlformats.org/drawingml/2006/main" xmlns:r="http://schemas.openxmlformats.org/officeDocument/2006/relationships" xmlns:p="http://schemas.openxmlformats.org/presentationml/2006/main" firstSlideNum="0" saveSubsetFonts="1">
   <p:sldMasterIdLst>
     <p:sldMasterId id="2147483660" r:id="rId4"/>
   </p:sldMasterIdLst>
@@ -3371,7 +3371,7 @@
                 </a:solidFill>
               </a:rPr>
               <a:pPr algn="r" rtl="0"/>
-              <a:t>2021. 05. 09.</a:t>
+              <a:t>2021. 05. 12.</a:t>
             </a:fld>
             <a:endParaRPr lang="hu-HU" dirty="0">
               <a:solidFill>
@@ -3566,7 +3566,7 @@
             <a:fld id="{6648EB40-417A-43B6-8398-70047EA5A74C}" type="datetime1">
               <a:rPr lang="hu-HU" smtClean="0"/>
               <a:pPr/>
-              <a:t>2021. 05. 09.</a:t>
+              <a:t>2021. 05. 12.</a:t>
             </a:fld>
             <a:endParaRPr lang="hu-HU" dirty="0"/>
           </a:p>
@@ -3911,7 +3911,7 @@
             <a:fld id="{B8796F01-7154-41E0-B48B-A6921757531A}" type="slidenum">
               <a:rPr lang="hu-HU" smtClean="0"/>
               <a:pPr/>
-              <a:t>1</a:t>
+              <a:t>0</a:t>
             </a:fld>
             <a:endParaRPr lang="hu-HU" dirty="0"/>
           </a:p>
@@ -4022,7 +4022,7 @@
             <a:fld id="{B8796F01-7154-41E0-B48B-A6921757531A}" type="slidenum">
               <a:rPr lang="hu-HU" smtClean="0"/>
               <a:pPr/>
-              <a:t>2</a:t>
+              <a:t>1</a:t>
             </a:fld>
             <a:endParaRPr lang="hu-HU" dirty="0"/>
           </a:p>
@@ -4058,6 +4058,111 @@
     <p:extLst>
       <p:ext uri="{BB962C8B-B14F-4D97-AF65-F5344CB8AC3E}">
         <p14:creationId xmlns:p14="http://schemas.microsoft.com/office/powerpoint/2010/main" val="54592459"/>
+      </p:ext>
+    </p:extLst>
+  </p:cSld>
+  <p:clrMapOvr>
+    <a:masterClrMapping/>
+  </p:clrMapOvr>
+</p:notes>
+</file>
+
+<file path=ppt/notesSlides/notesSlide3.xml><?xml version="1.0" encoding="utf-8"?>
+<p:notes xmlns:a="http://schemas.openxmlformats.org/drawingml/2006/main" xmlns:r="http://schemas.openxmlformats.org/officeDocument/2006/relationships" xmlns:p="http://schemas.openxmlformats.org/presentationml/2006/main">
+  <p:cSld>
+    <p:spTree>
+      <p:nvGrpSpPr>
+        <p:cNvPr id="1" name=""/>
+        <p:cNvGrpSpPr/>
+        <p:nvPr/>
+      </p:nvGrpSpPr>
+      <p:grpSpPr>
+        <a:xfrm>
+          <a:off x="0" y="0"/>
+          <a:ext cx="0" cy="0"/>
+          <a:chOff x="0" y="0"/>
+          <a:chExt cx="0" cy="0"/>
+        </a:xfrm>
+      </p:grpSpPr>
+      <p:sp>
+        <p:nvSpPr>
+          <p:cNvPr id="2" name="Diakép helye 1"/>
+          <p:cNvSpPr>
+            <a:spLocks noGrp="1" noRot="1" noChangeAspect="1"/>
+          </p:cNvSpPr>
+          <p:nvPr>
+            <p:ph type="sldImg"/>
+          </p:nvPr>
+        </p:nvSpPr>
+        <p:spPr/>
+      </p:sp>
+      <p:sp>
+        <p:nvSpPr>
+          <p:cNvPr id="3" name="Jegyzetek helye 2"/>
+          <p:cNvSpPr>
+            <a:spLocks noGrp="1"/>
+          </p:cNvSpPr>
+          <p:nvPr>
+            <p:ph type="body" idx="1"/>
+          </p:nvPr>
+        </p:nvSpPr>
+        <p:spPr/>
+        <p:txBody>
+          <a:bodyPr/>
+          <a:lstStyle/>
+          <a:p>
+            <a:endParaRPr lang="hu-HU"/>
+          </a:p>
+        </p:txBody>
+      </p:sp>
+      <p:sp>
+        <p:nvSpPr>
+          <p:cNvPr id="4" name="Élőláb helye 3"/>
+          <p:cNvSpPr>
+            <a:spLocks noGrp="1"/>
+          </p:cNvSpPr>
+          <p:nvPr>
+            <p:ph type="ftr" sz="quarter" idx="4"/>
+          </p:nvPr>
+        </p:nvSpPr>
+        <p:spPr/>
+        <p:txBody>
+          <a:bodyPr/>
+          <a:lstStyle/>
+          <a:p>
+            <a:pPr rtl="0"/>
+            <a:endParaRPr lang="hu-HU" dirty="0"/>
+          </a:p>
+        </p:txBody>
+      </p:sp>
+      <p:sp>
+        <p:nvSpPr>
+          <p:cNvPr id="5" name="Dia számának helye 4"/>
+          <p:cNvSpPr>
+            <a:spLocks noGrp="1"/>
+          </p:cNvSpPr>
+          <p:nvPr>
+            <p:ph type="sldNum" sz="quarter" idx="5"/>
+          </p:nvPr>
+        </p:nvSpPr>
+        <p:spPr/>
+        <p:txBody>
+          <a:bodyPr/>
+          <a:lstStyle/>
+          <a:p>
+            <a:fld id="{B8796F01-7154-41E0-B48B-A6921757531A}" type="slidenum">
+              <a:rPr lang="hu-HU" smtClean="0"/>
+              <a:pPr/>
+              <a:t>19</a:t>
+            </a:fld>
+            <a:endParaRPr lang="hu-HU" dirty="0"/>
+          </a:p>
+        </p:txBody>
+      </p:sp>
+    </p:spTree>
+    <p:extLst>
+      <p:ext uri="{BB962C8B-B14F-4D97-AF65-F5344CB8AC3E}">
+        <p14:creationId xmlns:p14="http://schemas.microsoft.com/office/powerpoint/2010/main" val="101813688"/>
       </p:ext>
     </p:extLst>
   </p:cSld>
@@ -4284,406 +4389,8 @@
 </p:sldLayout>
 </file>
 
-<file path=ppt/slideLayouts/slideLayout10.xml><?xml version="1.0" encoding="utf-8"?>
-<p:sldLayout xmlns:a="http://schemas.openxmlformats.org/drawingml/2006/main" xmlns:r="http://schemas.openxmlformats.org/officeDocument/2006/relationships" xmlns:p="http://schemas.openxmlformats.org/presentationml/2006/main" type="vertTx" preserve="1">
-  <p:cSld name="Cím és függőleges szöveg">
-    <p:spTree>
-      <p:nvGrpSpPr>
-        <p:cNvPr id="1" name=""/>
-        <p:cNvGrpSpPr/>
-        <p:nvPr/>
-      </p:nvGrpSpPr>
-      <p:grpSpPr>
-        <a:xfrm>
-          <a:off x="0" y="0"/>
-          <a:ext cx="0" cy="0"/>
-          <a:chOff x="0" y="0"/>
-          <a:chExt cx="0" cy="0"/>
-        </a:xfrm>
-      </p:grpSpPr>
-      <p:sp>
-        <p:nvSpPr>
-          <p:cNvPr id="2" name="Cím 1"/>
-          <p:cNvSpPr>
-            <a:spLocks noGrp="1"/>
-          </p:cNvSpPr>
-          <p:nvPr>
-            <p:ph type="title"/>
-          </p:nvPr>
-        </p:nvSpPr>
-        <p:spPr/>
-        <p:txBody>
-          <a:bodyPr rtlCol="0"/>
-          <a:lstStyle>
-            <a:lvl1pPr rtl="0">
-              <a:defRPr/>
-            </a:lvl1pPr>
-          </a:lstStyle>
-          <a:p>
-            <a:pPr rtl="0"/>
-            <a:r>
-              <a:rPr lang="hu-HU"/>
-              <a:t>Mintacím szerkesztése</a:t>
-            </a:r>
-            <a:endParaRPr lang="hu-HU" dirty="0"/>
-          </a:p>
-        </p:txBody>
-      </p:sp>
-      <p:sp>
-        <p:nvSpPr>
-          <p:cNvPr id="3" name="Függőleges szöveg helye 2"/>
-          <p:cNvSpPr>
-            <a:spLocks noGrp="1"/>
-          </p:cNvSpPr>
-          <p:nvPr>
-            <p:ph type="body" orient="vert" idx="1"/>
-          </p:nvPr>
-        </p:nvSpPr>
-        <p:spPr/>
-        <p:txBody>
-          <a:bodyPr vert="eaVert" rtlCol="0"/>
-          <a:lstStyle/>
-          <a:p>
-            <a:pPr lvl="0" rtl="0"/>
-            <a:r>
-              <a:rPr lang="hu-HU"/>
-              <a:t>Mintaszöveg szerkesztése</a:t>
-            </a:r>
-          </a:p>
-          <a:p>
-            <a:pPr lvl="1" rtl="0"/>
-            <a:r>
-              <a:rPr lang="hu-HU"/>
-              <a:t>Második szint</a:t>
-            </a:r>
-          </a:p>
-          <a:p>
-            <a:pPr lvl="2" rtl="0"/>
-            <a:r>
-              <a:rPr lang="hu-HU"/>
-              <a:t>Harmadik szint</a:t>
-            </a:r>
-          </a:p>
-          <a:p>
-            <a:pPr lvl="3" rtl="0"/>
-            <a:r>
-              <a:rPr lang="hu-HU"/>
-              <a:t>Negyedik szint</a:t>
-            </a:r>
-          </a:p>
-          <a:p>
-            <a:pPr lvl="4" rtl="0"/>
-            <a:r>
-              <a:rPr lang="hu-HU"/>
-              <a:t>Ötödik szint</a:t>
-            </a:r>
-            <a:endParaRPr lang="hu-HU" dirty="0"/>
-          </a:p>
-        </p:txBody>
-      </p:sp>
-      <p:sp>
-        <p:nvSpPr>
-          <p:cNvPr id="4" name="Dátum helye 3"/>
-          <p:cNvSpPr>
-            <a:spLocks noGrp="1"/>
-          </p:cNvSpPr>
-          <p:nvPr>
-            <p:ph type="dt" sz="half" idx="10"/>
-          </p:nvPr>
-        </p:nvSpPr>
-        <p:spPr/>
-        <p:txBody>
-          <a:bodyPr rtlCol="0"/>
-          <a:lstStyle>
-            <a:lvl1pPr>
-              <a:defRPr/>
-            </a:lvl1pPr>
-          </a:lstStyle>
-          <a:p>
-            <a:fld id="{56E2763D-E032-4DFF-B0B3-3D8422FFCF0E}" type="datetime1">
-              <a:rPr lang="hu-HU" smtClean="0"/>
-              <a:pPr/>
-              <a:t>2021. 05. 09.</a:t>
-            </a:fld>
-            <a:endParaRPr lang="hu-HU" dirty="0"/>
-          </a:p>
-        </p:txBody>
-      </p:sp>
-      <p:sp>
-        <p:nvSpPr>
-          <p:cNvPr id="5" name="Élőláb helye 4"/>
-          <p:cNvSpPr>
-            <a:spLocks noGrp="1"/>
-          </p:cNvSpPr>
-          <p:nvPr>
-            <p:ph type="ftr" sz="quarter" idx="11"/>
-          </p:nvPr>
-        </p:nvSpPr>
-        <p:spPr/>
-        <p:txBody>
-          <a:bodyPr rtlCol="0"/>
-          <a:lstStyle/>
-          <a:p>
-            <a:pPr rtl="0"/>
-            <a:endParaRPr lang="hu-HU" dirty="0"/>
-          </a:p>
-        </p:txBody>
-      </p:sp>
-      <p:sp>
-        <p:nvSpPr>
-          <p:cNvPr id="6" name="Dia számának helye 5"/>
-          <p:cNvSpPr>
-            <a:spLocks noGrp="1"/>
-          </p:cNvSpPr>
-          <p:nvPr>
-            <p:ph type="sldNum" sz="quarter" idx="12"/>
-          </p:nvPr>
-        </p:nvSpPr>
-        <p:spPr/>
-        <p:txBody>
-          <a:bodyPr rtlCol="0"/>
-          <a:lstStyle/>
-          <a:p>
-            <a:pPr rtl="0"/>
-            <a:fld id="{591C5AD9-787D-40FA-8A4D-16A055B9AF81}" type="slidenum">
-              <a:rPr lang="hu-HU" smtClean="0"/>
-              <a:t>‹#›</a:t>
-            </a:fld>
-            <a:endParaRPr lang="hu-HU" dirty="0"/>
-          </a:p>
-        </p:txBody>
-      </p:sp>
-    </p:spTree>
-    <p:extLst>
-      <p:ext uri="{BB962C8B-B14F-4D97-AF65-F5344CB8AC3E}">
-        <p14:creationId xmlns:p14="http://schemas.microsoft.com/office/powerpoint/2010/main" val="1010434712"/>
-      </p:ext>
-    </p:extLst>
-  </p:cSld>
-  <p:clrMapOvr>
-    <a:masterClrMapping/>
-  </p:clrMapOvr>
-  <mc:AlternateContent xmlns:mc="http://schemas.openxmlformats.org/markup-compatibility/2006" xmlns:p14="http://schemas.microsoft.com/office/powerpoint/2010/main">
-    <mc:Choice Requires="p14">
-      <p:transition spd="med" p14:dur="700">
-        <p:fade/>
-      </p:transition>
-    </mc:Choice>
-    <mc:Fallback xmlns="">
-      <p:transition spd="med">
-        <p:fade/>
-      </p:transition>
-    </mc:Fallback>
-  </mc:AlternateContent>
-</p:sldLayout>
-</file>
-
-<file path=ppt/slideLayouts/slideLayout11.xml><?xml version="1.0" encoding="utf-8"?>
-<p:sldLayout xmlns:a="http://schemas.openxmlformats.org/drawingml/2006/main" xmlns:r="http://schemas.openxmlformats.org/officeDocument/2006/relationships" xmlns:p="http://schemas.openxmlformats.org/presentationml/2006/main" type="vertTitleAndTx" preserve="1">
-  <p:cSld name="Függőleges cím és szöveg">
-    <p:spTree>
-      <p:nvGrpSpPr>
-        <p:cNvPr id="1" name=""/>
-        <p:cNvGrpSpPr/>
-        <p:nvPr/>
-      </p:nvGrpSpPr>
-      <p:grpSpPr>
-        <a:xfrm>
-          <a:off x="0" y="0"/>
-          <a:ext cx="0" cy="0"/>
-          <a:chOff x="0" y="0"/>
-          <a:chExt cx="0" cy="0"/>
-        </a:xfrm>
-      </p:grpSpPr>
-      <p:sp>
-        <p:nvSpPr>
-          <p:cNvPr id="2" name="Függőleges cím 1"/>
-          <p:cNvSpPr>
-            <a:spLocks noGrp="1"/>
-          </p:cNvSpPr>
-          <p:nvPr>
-            <p:ph type="title" orient="vert"/>
-          </p:nvPr>
-        </p:nvSpPr>
-        <p:spPr>
-          <a:xfrm>
-            <a:off x="9852633" y="274638"/>
-            <a:ext cx="1422030" cy="5897561"/>
-          </a:xfrm>
-        </p:spPr>
-        <p:txBody>
-          <a:bodyPr vert="eaVert" rtlCol="0"/>
-          <a:lstStyle>
-            <a:lvl1pPr rtl="0">
-              <a:defRPr/>
-            </a:lvl1pPr>
-          </a:lstStyle>
-          <a:p>
-            <a:pPr rtl="0"/>
-            <a:r>
-              <a:rPr lang="hu-HU"/>
-              <a:t>Mintacím szerkesztése</a:t>
-            </a:r>
-            <a:endParaRPr lang="hu-HU" dirty="0"/>
-          </a:p>
-        </p:txBody>
-      </p:sp>
-      <p:sp>
-        <p:nvSpPr>
-          <p:cNvPr id="3" name="Függőleges szöveg helye 2"/>
-          <p:cNvSpPr>
-            <a:spLocks noGrp="1"/>
-          </p:cNvSpPr>
-          <p:nvPr>
-            <p:ph type="body" orient="vert" idx="1"/>
-          </p:nvPr>
-        </p:nvSpPr>
-        <p:spPr>
-          <a:xfrm>
-            <a:off x="1117309" y="274638"/>
-            <a:ext cx="8532178" cy="5897561"/>
-          </a:xfrm>
-        </p:spPr>
-        <p:txBody>
-          <a:bodyPr vert="eaVert" rtlCol="0"/>
-          <a:lstStyle/>
-          <a:p>
-            <a:pPr lvl="0" rtl="0"/>
-            <a:r>
-              <a:rPr lang="hu-HU"/>
-              <a:t>Mintaszöveg szerkesztése</a:t>
-            </a:r>
-          </a:p>
-          <a:p>
-            <a:pPr lvl="1" rtl="0"/>
-            <a:r>
-              <a:rPr lang="hu-HU"/>
-              <a:t>Második szint</a:t>
-            </a:r>
-          </a:p>
-          <a:p>
-            <a:pPr lvl="2" rtl="0"/>
-            <a:r>
-              <a:rPr lang="hu-HU"/>
-              <a:t>Harmadik szint</a:t>
-            </a:r>
-          </a:p>
-          <a:p>
-            <a:pPr lvl="3" rtl="0"/>
-            <a:r>
-              <a:rPr lang="hu-HU"/>
-              <a:t>Negyedik szint</a:t>
-            </a:r>
-          </a:p>
-          <a:p>
-            <a:pPr lvl="4" rtl="0"/>
-            <a:r>
-              <a:rPr lang="hu-HU"/>
-              <a:t>Ötödik szint</a:t>
-            </a:r>
-            <a:endParaRPr lang="hu-HU" dirty="0"/>
-          </a:p>
-        </p:txBody>
-      </p:sp>
-      <p:sp>
-        <p:nvSpPr>
-          <p:cNvPr id="4" name="Dátum helye 3"/>
-          <p:cNvSpPr>
-            <a:spLocks noGrp="1"/>
-          </p:cNvSpPr>
-          <p:nvPr>
-            <p:ph type="dt" sz="half" idx="10"/>
-          </p:nvPr>
-        </p:nvSpPr>
-        <p:spPr/>
-        <p:txBody>
-          <a:bodyPr rtlCol="0"/>
-          <a:lstStyle>
-            <a:lvl1pPr>
-              <a:defRPr/>
-            </a:lvl1pPr>
-          </a:lstStyle>
-          <a:p>
-            <a:fld id="{457ABD3E-B90B-44E6-BFFE-432971789295}" type="datetime1">
-              <a:rPr lang="hu-HU" smtClean="0"/>
-              <a:pPr/>
-              <a:t>2021. 05. 09.</a:t>
-            </a:fld>
-            <a:endParaRPr lang="hu-HU" dirty="0"/>
-          </a:p>
-        </p:txBody>
-      </p:sp>
-      <p:sp>
-        <p:nvSpPr>
-          <p:cNvPr id="5" name="Élőláb helye 4"/>
-          <p:cNvSpPr>
-            <a:spLocks noGrp="1"/>
-          </p:cNvSpPr>
-          <p:nvPr>
-            <p:ph type="ftr" sz="quarter" idx="11"/>
-          </p:nvPr>
-        </p:nvSpPr>
-        <p:spPr/>
-        <p:txBody>
-          <a:bodyPr rtlCol="0"/>
-          <a:lstStyle/>
-          <a:p>
-            <a:pPr rtl="0"/>
-            <a:endParaRPr lang="hu-HU" dirty="0"/>
-          </a:p>
-        </p:txBody>
-      </p:sp>
-      <p:sp>
-        <p:nvSpPr>
-          <p:cNvPr id="6" name="Dia számának helye 5"/>
-          <p:cNvSpPr>
-            <a:spLocks noGrp="1"/>
-          </p:cNvSpPr>
-          <p:nvPr>
-            <p:ph type="sldNum" sz="quarter" idx="12"/>
-          </p:nvPr>
-        </p:nvSpPr>
-        <p:spPr/>
-        <p:txBody>
-          <a:bodyPr rtlCol="0"/>
-          <a:lstStyle/>
-          <a:p>
-            <a:pPr rtl="0"/>
-            <a:fld id="{591C5AD9-787D-40FA-8A4D-16A055B9AF81}" type="slidenum">
-              <a:rPr lang="hu-HU" smtClean="0"/>
-              <a:t>‹#›</a:t>
-            </a:fld>
-            <a:endParaRPr lang="hu-HU" dirty="0"/>
-          </a:p>
-        </p:txBody>
-      </p:sp>
-    </p:spTree>
-    <p:extLst>
-      <p:ext uri="{BB962C8B-B14F-4D97-AF65-F5344CB8AC3E}">
-        <p14:creationId xmlns:p14="http://schemas.microsoft.com/office/powerpoint/2010/main" val="3650715339"/>
-      </p:ext>
-    </p:extLst>
-  </p:cSld>
-  <p:clrMapOvr>
-    <a:masterClrMapping/>
-  </p:clrMapOvr>
-  <mc:AlternateContent xmlns:mc="http://schemas.openxmlformats.org/markup-compatibility/2006" xmlns:p14="http://schemas.microsoft.com/office/powerpoint/2010/main">
-    <mc:Choice Requires="p14">
-      <p:transition spd="med" p14:dur="700">
-        <p:fade/>
-      </p:transition>
-    </mc:Choice>
-    <mc:Fallback xmlns="">
-      <p:transition spd="med">
-        <p:fade/>
-      </p:transition>
-    </mc:Fallback>
-  </mc:AlternateContent>
-</p:sldLayout>
-</file>
-
 <file path=ppt/slideLayouts/slideLayout2.xml><?xml version="1.0" encoding="utf-8"?>
-<p:sldLayout xmlns:a="http://schemas.openxmlformats.org/drawingml/2006/main" xmlns:r="http://schemas.openxmlformats.org/officeDocument/2006/relationships" xmlns:p="http://schemas.openxmlformats.org/presentationml/2006/main" type="obj" preserve="1">
+<p:sldLayout xmlns:a="http://schemas.openxmlformats.org/drawingml/2006/main" xmlns:r="http://schemas.openxmlformats.org/officeDocument/2006/relationships" xmlns:p="http://schemas.openxmlformats.org/presentationml/2006/main" showMasterSp="0" preserve="1" userDrawn="1">
   <p:cSld name="Cím és tartalom">
     <p:spTree>
       <p:nvGrpSpPr>
@@ -4791,6 +4498,132 @@
               <a:t>Ötödik szint</a:t>
             </a:r>
             <a:endParaRPr lang="hu-HU" dirty="0"/>
+          </a:p>
+        </p:txBody>
+      </p:sp>
+      <p:sp>
+        <p:nvSpPr>
+          <p:cNvPr id="6" name="Dátum helye 5">
+            <a:extLst>
+              <a:ext uri="{FF2B5EF4-FFF2-40B4-BE49-F238E27FC236}">
+                <a16:creationId xmlns:a16="http://schemas.microsoft.com/office/drawing/2014/main" id="{B6D31643-7128-4C3D-A666-6662465F0230}"/>
+              </a:ext>
+            </a:extLst>
+          </p:cNvPr>
+          <p:cNvSpPr>
+            <a:spLocks noGrp="1"/>
+          </p:cNvSpPr>
+          <p:nvPr>
+            <p:ph type="dt" sz="half" idx="10"/>
+          </p:nvPr>
+        </p:nvSpPr>
+        <p:spPr/>
+        <p:txBody>
+          <a:bodyPr/>
+          <a:lstStyle/>
+          <a:p>
+            <a:r>
+              <a:rPr lang="hu-HU" dirty="0"/>
+              <a:t>2021.05.15</a:t>
+            </a:r>
+          </a:p>
+        </p:txBody>
+      </p:sp>
+      <p:sp>
+        <p:nvSpPr>
+          <p:cNvPr id="7" name="Élőláb helye 6">
+            <a:extLst>
+              <a:ext uri="{FF2B5EF4-FFF2-40B4-BE49-F238E27FC236}">
+                <a16:creationId xmlns:a16="http://schemas.microsoft.com/office/drawing/2014/main" id="{273A8368-8EED-4805-97D2-8DCDB42E7A3F}"/>
+              </a:ext>
+            </a:extLst>
+          </p:cNvPr>
+          <p:cNvSpPr>
+            <a:spLocks noGrp="1"/>
+          </p:cNvSpPr>
+          <p:nvPr>
+            <p:ph type="ftr" sz="quarter" idx="11"/>
+          </p:nvPr>
+        </p:nvSpPr>
+        <p:spPr/>
+        <p:txBody>
+          <a:bodyPr/>
+          <a:lstStyle/>
+          <a:p>
+            <a:pPr rtl="0"/>
+            <a:endParaRPr lang="hu-HU" dirty="0"/>
+          </a:p>
+        </p:txBody>
+      </p:sp>
+      <p:sp>
+        <p:nvSpPr>
+          <p:cNvPr id="8" name="Dia számának helye 7">
+            <a:extLst>
+              <a:ext uri="{FF2B5EF4-FFF2-40B4-BE49-F238E27FC236}">
+                <a16:creationId xmlns:a16="http://schemas.microsoft.com/office/drawing/2014/main" id="{C8530E86-23AC-4850-A4B5-17D25AD6BAB1}"/>
+              </a:ext>
+            </a:extLst>
+          </p:cNvPr>
+          <p:cNvSpPr>
+            <a:spLocks noGrp="1"/>
+          </p:cNvSpPr>
+          <p:nvPr>
+            <p:ph type="sldNum" sz="quarter" idx="12"/>
+          </p:nvPr>
+        </p:nvSpPr>
+        <p:spPr/>
+        <p:txBody>
+          <a:bodyPr/>
+          <a:lstStyle/>
+          <a:p>
+            <a:fld id="{EB37DED6-D4C7-42EE-AB49-D2E39E64FDE4}" type="slidenum">
+              <a:rPr lang="hu-HU" smtClean="0"/>
+              <a:pPr/>
+              <a:t>‹#›</a:t>
+            </a:fld>
+            <a:r>
+              <a:rPr lang="hu-HU" dirty="0"/>
+              <a:t>/19</a:t>
+            </a:r>
+          </a:p>
+        </p:txBody>
+      </p:sp>
+      <p:sp>
+        <p:nvSpPr>
+          <p:cNvPr id="9" name="Szövegdoboz 8">
+            <a:extLst>
+              <a:ext uri="{FF2B5EF4-FFF2-40B4-BE49-F238E27FC236}">
+                <a16:creationId xmlns:a16="http://schemas.microsoft.com/office/drawing/2014/main" id="{12C503AA-E998-4B05-9E89-B426F6430C8C}"/>
+              </a:ext>
+            </a:extLst>
+          </p:cNvPr>
+          <p:cNvSpPr txBox="1"/>
+          <p:nvPr userDrawn="1"/>
+        </p:nvSpPr>
+        <p:spPr>
+          <a:xfrm>
+            <a:off x="10031375" y="6400801"/>
+            <a:ext cx="1243287" cy="461665"/>
+          </a:xfrm>
+          <a:prstGeom prst="rect">
+            <a:avLst/>
+          </a:prstGeom>
+          <a:noFill/>
+        </p:spPr>
+        <p:txBody>
+          <a:bodyPr wrap="square" rtlCol="0">
+            <a:spAutoFit/>
+          </a:bodyPr>
+          <a:lstStyle/>
+          <a:p>
+            <a:fld id="{A7E5F6A5-11E8-4435-8552-4908EFD1040B}" type="slidenum">
+              <a:rPr lang="hu-HU" smtClean="0"/>
+              <a:t>‹#›</a:t>
+            </a:fld>
+            <a:r>
+              <a:rPr lang="hu-HU" dirty="0"/>
+              <a:t>/19</a:t>
+            </a:r>
           </a:p>
         </p:txBody>
       </p:sp>
@@ -5251,34 +5084,6 @@
           </a:p>
         </p:txBody>
       </p:sp>
-      <p:sp>
-        <p:nvSpPr>
-          <p:cNvPr id="5" name="Dátum helye 4"/>
-          <p:cNvSpPr>
-            <a:spLocks noGrp="1"/>
-          </p:cNvSpPr>
-          <p:nvPr>
-            <p:ph type="dt" sz="half" idx="10"/>
-          </p:nvPr>
-        </p:nvSpPr>
-        <p:spPr/>
-        <p:txBody>
-          <a:bodyPr rtlCol="0"/>
-          <a:lstStyle>
-            <a:lvl1pPr>
-              <a:defRPr/>
-            </a:lvl1pPr>
-          </a:lstStyle>
-          <a:p>
-            <a:fld id="{3A8FF994-63F4-4649-B3EC-87876C8F5873}" type="datetime1">
-              <a:rPr lang="hu-HU" smtClean="0"/>
-              <a:pPr/>
-              <a:t>2021. 05. 09.</a:t>
-            </a:fld>
-            <a:endParaRPr lang="hu-HU" dirty="0"/>
-          </a:p>
-        </p:txBody>
-      </p:sp>
     </p:spTree>
     <p:extLst>
       <p:ext uri="{BB962C8B-B14F-4D97-AF65-F5344CB8AC3E}">
@@ -5681,7 +5486,7 @@
             <a:fld id="{DBE2DD76-DA38-4175-BA3B-63CD08093EE0}" type="datetime1">
               <a:rPr lang="hu-HU" smtClean="0"/>
               <a:pPr/>
-              <a:t>2021. 05. 09.</a:t>
+              <a:t>2021. 05. 12.</a:t>
             </a:fld>
             <a:endParaRPr lang="hu-HU" dirty="0"/>
           </a:p>
@@ -5781,78 +5586,6 @@
           </a:p>
         </p:txBody>
       </p:sp>
-      <p:sp>
-        <p:nvSpPr>
-          <p:cNvPr id="3" name="Dátum helye 2"/>
-          <p:cNvSpPr>
-            <a:spLocks noGrp="1"/>
-          </p:cNvSpPr>
-          <p:nvPr>
-            <p:ph type="dt" sz="half" idx="10"/>
-          </p:nvPr>
-        </p:nvSpPr>
-        <p:spPr/>
-        <p:txBody>
-          <a:bodyPr rtlCol="0"/>
-          <a:lstStyle>
-            <a:lvl1pPr>
-              <a:defRPr/>
-            </a:lvl1pPr>
-          </a:lstStyle>
-          <a:p>
-            <a:fld id="{7A77CE3F-4691-403E-A0B4-65592C908B08}" type="datetime1">
-              <a:rPr lang="hu-HU" smtClean="0"/>
-              <a:pPr/>
-              <a:t>2021. 05. 09.</a:t>
-            </a:fld>
-            <a:endParaRPr lang="hu-HU" dirty="0"/>
-          </a:p>
-        </p:txBody>
-      </p:sp>
-      <p:sp>
-        <p:nvSpPr>
-          <p:cNvPr id="4" name="Élőláb helye 3"/>
-          <p:cNvSpPr>
-            <a:spLocks noGrp="1"/>
-          </p:cNvSpPr>
-          <p:nvPr>
-            <p:ph type="ftr" sz="quarter" idx="11"/>
-          </p:nvPr>
-        </p:nvSpPr>
-        <p:spPr/>
-        <p:txBody>
-          <a:bodyPr rtlCol="0"/>
-          <a:lstStyle/>
-          <a:p>
-            <a:pPr rtl="0"/>
-            <a:endParaRPr lang="hu-HU" dirty="0"/>
-          </a:p>
-        </p:txBody>
-      </p:sp>
-      <p:sp>
-        <p:nvSpPr>
-          <p:cNvPr id="5" name="Dia számának helye 4"/>
-          <p:cNvSpPr>
-            <a:spLocks noGrp="1"/>
-          </p:cNvSpPr>
-          <p:nvPr>
-            <p:ph type="sldNum" sz="quarter" idx="12"/>
-          </p:nvPr>
-        </p:nvSpPr>
-        <p:spPr/>
-        <p:txBody>
-          <a:bodyPr rtlCol="0"/>
-          <a:lstStyle/>
-          <a:p>
-            <a:pPr rtl="0"/>
-            <a:fld id="{EB37DED6-D4C7-42EE-AB49-D2E39E64FDE4}" type="slidenum">
-              <a:rPr lang="hu-HU" smtClean="0"/>
-              <a:t>‹#›</a:t>
-            </a:fld>
-            <a:endParaRPr lang="hu-HU" dirty="0"/>
-          </a:p>
-        </p:txBody>
-      </p:sp>
     </p:spTree>
     <p:extLst>
       <p:ext uri="{BB962C8B-B14F-4D97-AF65-F5344CB8AC3E}">
@@ -5879,8 +5612,8 @@
 </file>
 
 <file path=ppt/slideLayouts/slideLayout7.xml><?xml version="1.0" encoding="utf-8"?>
-<p:sldLayout xmlns:a="http://schemas.openxmlformats.org/drawingml/2006/main" xmlns:r="http://schemas.openxmlformats.org/officeDocument/2006/relationships" xmlns:p="http://schemas.openxmlformats.org/presentationml/2006/main" showMasterSp="0" type="blank" preserve="1">
-  <p:cSld name="Üres">
+<p:sldLayout xmlns:a="http://schemas.openxmlformats.org/drawingml/2006/main" xmlns:r="http://schemas.openxmlformats.org/officeDocument/2006/relationships" xmlns:p="http://schemas.openxmlformats.org/presentationml/2006/main" type="vertTitleAndTx" preserve="1">
+  <p:cSld name="Függőleges cím és szöveg">
     <p:spTree>
       <p:nvGrpSpPr>
         <p:cNvPr id="1" name=""/>
@@ -5897,7 +5630,97 @@
       </p:grpSpPr>
       <p:sp>
         <p:nvSpPr>
-          <p:cNvPr id="2" name="Dátum helye 1"/>
+          <p:cNvPr id="2" name="Függőleges cím 1"/>
+          <p:cNvSpPr>
+            <a:spLocks noGrp="1"/>
+          </p:cNvSpPr>
+          <p:nvPr>
+            <p:ph type="title" orient="vert"/>
+          </p:nvPr>
+        </p:nvSpPr>
+        <p:spPr>
+          <a:xfrm>
+            <a:off x="9852633" y="274638"/>
+            <a:ext cx="1422030" cy="5897561"/>
+          </a:xfrm>
+        </p:spPr>
+        <p:txBody>
+          <a:bodyPr vert="eaVert" rtlCol="0"/>
+          <a:lstStyle>
+            <a:lvl1pPr rtl="0">
+              <a:defRPr/>
+            </a:lvl1pPr>
+          </a:lstStyle>
+          <a:p>
+            <a:pPr rtl="0"/>
+            <a:r>
+              <a:rPr lang="hu-HU"/>
+              <a:t>Mintacím szerkesztése</a:t>
+            </a:r>
+            <a:endParaRPr lang="hu-HU" dirty="0"/>
+          </a:p>
+        </p:txBody>
+      </p:sp>
+      <p:sp>
+        <p:nvSpPr>
+          <p:cNvPr id="3" name="Függőleges szöveg helye 2"/>
+          <p:cNvSpPr>
+            <a:spLocks noGrp="1"/>
+          </p:cNvSpPr>
+          <p:nvPr>
+            <p:ph type="body" orient="vert" idx="1"/>
+          </p:nvPr>
+        </p:nvSpPr>
+        <p:spPr>
+          <a:xfrm>
+            <a:off x="1117309" y="274638"/>
+            <a:ext cx="8532178" cy="5897561"/>
+          </a:xfrm>
+        </p:spPr>
+        <p:txBody>
+          <a:bodyPr vert="eaVert" rtlCol="0"/>
+          <a:lstStyle/>
+          <a:p>
+            <a:pPr lvl="0" rtl="0"/>
+            <a:r>
+              <a:rPr lang="hu-HU"/>
+              <a:t>Mintaszöveg szerkesztése</a:t>
+            </a:r>
+          </a:p>
+          <a:p>
+            <a:pPr lvl="1" rtl="0"/>
+            <a:r>
+              <a:rPr lang="hu-HU"/>
+              <a:t>Második szint</a:t>
+            </a:r>
+          </a:p>
+          <a:p>
+            <a:pPr lvl="2" rtl="0"/>
+            <a:r>
+              <a:rPr lang="hu-HU"/>
+              <a:t>Harmadik szint</a:t>
+            </a:r>
+          </a:p>
+          <a:p>
+            <a:pPr lvl="3" rtl="0"/>
+            <a:r>
+              <a:rPr lang="hu-HU"/>
+              <a:t>Negyedik szint</a:t>
+            </a:r>
+          </a:p>
+          <a:p>
+            <a:pPr lvl="4" rtl="0"/>
+            <a:r>
+              <a:rPr lang="hu-HU"/>
+              <a:t>Ötödik szint</a:t>
+            </a:r>
+            <a:endParaRPr lang="hu-HU" dirty="0"/>
+          </a:p>
+        </p:txBody>
+      </p:sp>
+      <p:sp>
+        <p:nvSpPr>
+          <p:cNvPr id="4" name="Dátum helye 3"/>
           <p:cNvSpPr>
             <a:spLocks noGrp="1"/>
           </p:cNvSpPr>
@@ -5914,10 +5737,10 @@
             </a:lvl1pPr>
           </a:lstStyle>
           <a:p>
-            <a:fld id="{24C7133D-4DC0-4E2A-8D81-F8B473E814B4}" type="datetime1">
+            <a:fld id="{457ABD3E-B90B-44E6-BFFE-432971789295}" type="datetime1">
               <a:rPr lang="hu-HU" smtClean="0"/>
               <a:pPr/>
-              <a:t>2021. 05. 09.</a:t>
+              <a:t>2021. 05. 12.</a:t>
             </a:fld>
             <a:endParaRPr lang="hu-HU" dirty="0"/>
           </a:p>
@@ -5925,7 +5748,7 @@
       </p:sp>
       <p:sp>
         <p:nvSpPr>
-          <p:cNvPr id="3" name="Élőláb helye 2"/>
+          <p:cNvPr id="5" name="Élőláb helye 4"/>
           <p:cNvSpPr>
             <a:spLocks noGrp="1"/>
           </p:cNvSpPr>
@@ -5945,7 +5768,7 @@
       </p:sp>
       <p:sp>
         <p:nvSpPr>
-          <p:cNvPr id="4" name="Dia számának helye 3"/>
+          <p:cNvPr id="6" name="Dia számának helye 5"/>
           <p:cNvSpPr>
             <a:spLocks noGrp="1"/>
           </p:cNvSpPr>
@@ -5959,7 +5782,7 @@
           <a:lstStyle/>
           <a:p>
             <a:pPr rtl="0"/>
-            <a:fld id="{EB37DED6-D4C7-42EE-AB49-D2E39E64FDE4}" type="slidenum">
+            <a:fld id="{591C5AD9-787D-40FA-8A4D-16A055B9AF81}" type="slidenum">
               <a:rPr lang="hu-HU" smtClean="0"/>
               <a:t>‹#›</a:t>
             </a:fld>
@@ -5970,718 +5793,7 @@
     </p:spTree>
     <p:extLst>
       <p:ext uri="{BB962C8B-B14F-4D97-AF65-F5344CB8AC3E}">
-        <p14:creationId xmlns:p14="http://schemas.microsoft.com/office/powerpoint/2010/main" val="2068731853"/>
-      </p:ext>
-    </p:extLst>
-  </p:cSld>
-  <p:clrMapOvr>
-    <a:masterClrMapping/>
-  </p:clrMapOvr>
-  <mc:AlternateContent xmlns:mc="http://schemas.openxmlformats.org/markup-compatibility/2006" xmlns:p14="http://schemas.microsoft.com/office/powerpoint/2010/main">
-    <mc:Choice Requires="p14">
-      <p:transition spd="med" p14:dur="700">
-        <p:fade/>
-      </p:transition>
-    </mc:Choice>
-    <mc:Fallback xmlns="">
-      <p:transition spd="med">
-        <p:fade/>
-      </p:transition>
-    </mc:Fallback>
-  </mc:AlternateContent>
-</p:sldLayout>
-</file>
-
-<file path=ppt/slideLayouts/slideLayout8.xml><?xml version="1.0" encoding="utf-8"?>
-<p:sldLayout xmlns:a="http://schemas.openxmlformats.org/drawingml/2006/main" xmlns:r="http://schemas.openxmlformats.org/officeDocument/2006/relationships" xmlns:p="http://schemas.openxmlformats.org/presentationml/2006/main" showMasterSp="0" type="objTx" preserve="1">
-  <p:cSld name="Tartalomrész képaláírással">
-    <p:spTree>
-      <p:nvGrpSpPr>
-        <p:cNvPr id="1" name=""/>
-        <p:cNvGrpSpPr/>
-        <p:nvPr/>
-      </p:nvGrpSpPr>
-      <p:grpSpPr>
-        <a:xfrm>
-          <a:off x="0" y="0"/>
-          <a:ext cx="0" cy="0"/>
-          <a:chOff x="0" y="0"/>
-          <a:chExt cx="0" cy="0"/>
-        </a:xfrm>
-      </p:grpSpPr>
-      <p:sp>
-        <p:nvSpPr>
-          <p:cNvPr id="8" name="Téglalap 7"/>
-          <p:cNvSpPr/>
-          <p:nvPr/>
-        </p:nvSpPr>
-        <p:spPr>
-          <a:xfrm>
-            <a:off x="3961368" y="0"/>
-            <a:ext cx="7922736" cy="6858000"/>
-          </a:xfrm>
-          <a:prstGeom prst="rect">
-            <a:avLst/>
-          </a:prstGeom>
-          <a:gradFill flip="none" rotWithShape="1">
-            <a:gsLst>
-              <a:gs pos="0">
-                <a:schemeClr val="bg1">
-                  <a:alpha val="0"/>
-                </a:schemeClr>
-              </a:gs>
-              <a:gs pos="100000">
-                <a:schemeClr val="bg1">
-                  <a:alpha val="55000"/>
-                </a:schemeClr>
-              </a:gs>
-            </a:gsLst>
-            <a:lin ang="7800000" scaled="0"/>
-            <a:tileRect/>
-          </a:gradFill>
-          <a:ln>
-            <a:noFill/>
-          </a:ln>
-        </p:spPr>
-        <p:style>
-          <a:lnRef idx="2">
-            <a:schemeClr val="accent1">
-              <a:shade val="50000"/>
-            </a:schemeClr>
-          </a:lnRef>
-          <a:fillRef idx="1">
-            <a:schemeClr val="accent1"/>
-          </a:fillRef>
-          <a:effectRef idx="0">
-            <a:schemeClr val="accent1"/>
-          </a:effectRef>
-          <a:fontRef idx="minor">
-            <a:schemeClr val="lt1"/>
-          </a:fontRef>
-        </p:style>
-        <p:txBody>
-          <a:bodyPr lIns="121899" tIns="60949" rIns="121899" bIns="60949" rtlCol="0" anchor="ctr"/>
-          <a:lstStyle/>
-          <a:p>
-            <a:pPr algn="ctr" rtl="0"/>
-            <a:endParaRPr lang="hu-HU" dirty="0"/>
-          </a:p>
-        </p:txBody>
-      </p:sp>
-      <p:sp>
-        <p:nvSpPr>
-          <p:cNvPr id="2" name="Cím 1"/>
-          <p:cNvSpPr>
-            <a:spLocks noGrp="1"/>
-          </p:cNvSpPr>
-          <p:nvPr>
-            <p:ph type="title"/>
-          </p:nvPr>
-        </p:nvSpPr>
-        <p:spPr>
-          <a:xfrm>
-            <a:off x="304721" y="1701800"/>
-            <a:ext cx="3351927" cy="2844800"/>
-          </a:xfrm>
-        </p:spPr>
-        <p:txBody>
-          <a:bodyPr rtlCol="0" anchor="b">
-            <a:normAutofit/>
-          </a:bodyPr>
-          <a:lstStyle>
-            <a:lvl1pPr algn="l" rtl="0">
-              <a:defRPr sz="2000" b="1"/>
-            </a:lvl1pPr>
-          </a:lstStyle>
-          <a:p>
-            <a:pPr rtl="0"/>
-            <a:r>
-              <a:rPr lang="hu-HU"/>
-              <a:t>Mintacím szerkesztése</a:t>
-            </a:r>
-            <a:endParaRPr lang="hu-HU" dirty="0"/>
-          </a:p>
-        </p:txBody>
-      </p:sp>
-      <p:sp>
-        <p:nvSpPr>
-          <p:cNvPr id="3" name="Tartalom helye 2"/>
-          <p:cNvSpPr>
-            <a:spLocks noGrp="1"/>
-          </p:cNvSpPr>
-          <p:nvPr>
-            <p:ph idx="1"/>
-          </p:nvPr>
-        </p:nvSpPr>
-        <p:spPr>
-          <a:xfrm>
-            <a:off x="4469236" y="482600"/>
-            <a:ext cx="6805427" cy="5892800"/>
-          </a:xfrm>
-        </p:spPr>
-        <p:txBody>
-          <a:bodyPr rtlCol="0">
-            <a:normAutofit/>
-          </a:bodyPr>
-          <a:lstStyle>
-            <a:lvl1pPr algn="l" rtl="0">
-              <a:defRPr sz="2400"/>
-            </a:lvl1pPr>
-            <a:lvl2pPr algn="l" rtl="0">
-              <a:defRPr sz="2000"/>
-            </a:lvl2pPr>
-            <a:lvl3pPr algn="l" rtl="0">
-              <a:defRPr sz="1800"/>
-            </a:lvl3pPr>
-            <a:lvl4pPr algn="l" rtl="0">
-              <a:defRPr sz="1800"/>
-            </a:lvl4pPr>
-            <a:lvl5pPr algn="l" rtl="0">
-              <a:defRPr sz="1800"/>
-            </a:lvl5pPr>
-            <a:lvl6pPr algn="l" rtl="0">
-              <a:defRPr sz="1800"/>
-            </a:lvl6pPr>
-            <a:lvl7pPr algn="l" rtl="0">
-              <a:defRPr sz="1800"/>
-            </a:lvl7pPr>
-            <a:lvl8pPr algn="l" rtl="0">
-              <a:defRPr sz="1800"/>
-            </a:lvl8pPr>
-            <a:lvl9pPr algn="l" rtl="0">
-              <a:defRPr sz="1800"/>
-            </a:lvl9pPr>
-          </a:lstStyle>
-          <a:p>
-            <a:pPr lvl="0" rtl="0"/>
-            <a:r>
-              <a:rPr lang="hu-HU"/>
-              <a:t>Mintaszöveg szerkesztése</a:t>
-            </a:r>
-          </a:p>
-          <a:p>
-            <a:pPr lvl="1" rtl="0"/>
-            <a:r>
-              <a:rPr lang="hu-HU"/>
-              <a:t>Második szint</a:t>
-            </a:r>
-          </a:p>
-          <a:p>
-            <a:pPr lvl="2" rtl="0"/>
-            <a:r>
-              <a:rPr lang="hu-HU"/>
-              <a:t>Harmadik szint</a:t>
-            </a:r>
-          </a:p>
-          <a:p>
-            <a:pPr lvl="3" rtl="0"/>
-            <a:r>
-              <a:rPr lang="hu-HU"/>
-              <a:t>Negyedik szint</a:t>
-            </a:r>
-          </a:p>
-          <a:p>
-            <a:pPr lvl="4" rtl="0"/>
-            <a:r>
-              <a:rPr lang="hu-HU"/>
-              <a:t>Ötödik szint</a:t>
-            </a:r>
-            <a:endParaRPr lang="hu-HU" dirty="0"/>
-          </a:p>
-        </p:txBody>
-      </p:sp>
-      <p:sp>
-        <p:nvSpPr>
-          <p:cNvPr id="4" name="Szöveg helye 3"/>
-          <p:cNvSpPr>
-            <a:spLocks noGrp="1"/>
-          </p:cNvSpPr>
-          <p:nvPr>
-            <p:ph type="body" sz="half" idx="2"/>
-          </p:nvPr>
-        </p:nvSpPr>
-        <p:spPr>
-          <a:xfrm>
-            <a:off x="304721" y="4648200"/>
-            <a:ext cx="3351927" cy="1727200"/>
-          </a:xfrm>
-        </p:spPr>
-        <p:txBody>
-          <a:bodyPr rtlCol="0">
-            <a:normAutofit/>
-          </a:bodyPr>
-          <a:lstStyle>
-            <a:lvl1pPr marL="0" indent="0" algn="l" rtl="0">
-              <a:spcBef>
-                <a:spcPts val="1200"/>
-              </a:spcBef>
-              <a:buNone/>
-              <a:defRPr sz="1600"/>
-            </a:lvl1pPr>
-            <a:lvl2pPr marL="609493" indent="0" algn="l" rtl="0">
-              <a:buNone/>
-              <a:defRPr sz="1600"/>
-            </a:lvl2pPr>
-            <a:lvl3pPr marL="1218987" indent="0" algn="l" rtl="0">
-              <a:buNone/>
-              <a:defRPr sz="1300"/>
-            </a:lvl3pPr>
-            <a:lvl4pPr marL="1828480" indent="0" algn="l" rtl="0">
-              <a:buNone/>
-              <a:defRPr sz="1200"/>
-            </a:lvl4pPr>
-            <a:lvl5pPr marL="2437973" indent="0" algn="l" rtl="0">
-              <a:buNone/>
-              <a:defRPr sz="1200"/>
-            </a:lvl5pPr>
-            <a:lvl6pPr marL="3047467" indent="0" algn="l" rtl="0">
-              <a:buNone/>
-              <a:defRPr sz="1200"/>
-            </a:lvl6pPr>
-            <a:lvl7pPr marL="3656960" indent="0" algn="l" rtl="0">
-              <a:buNone/>
-              <a:defRPr sz="1200"/>
-            </a:lvl7pPr>
-            <a:lvl8pPr marL="4266453" indent="0" algn="l" rtl="0">
-              <a:buNone/>
-              <a:defRPr sz="1200"/>
-            </a:lvl8pPr>
-            <a:lvl9pPr marL="4875947" indent="0" algn="l" rtl="0">
-              <a:buNone/>
-              <a:defRPr sz="1200"/>
-            </a:lvl9pPr>
-          </a:lstStyle>
-          <a:p>
-            <a:pPr lvl="0" rtl="0"/>
-            <a:r>
-              <a:rPr lang="hu-HU"/>
-              <a:t>Mintaszöveg szerkesztése</a:t>
-            </a:r>
-          </a:p>
-        </p:txBody>
-      </p:sp>
-      <p:sp>
-        <p:nvSpPr>
-          <p:cNvPr id="5" name="Dátum helye 4"/>
-          <p:cNvSpPr>
-            <a:spLocks noGrp="1"/>
-          </p:cNvSpPr>
-          <p:nvPr>
-            <p:ph type="dt" sz="half" idx="10"/>
-          </p:nvPr>
-        </p:nvSpPr>
-        <p:spPr/>
-        <p:txBody>
-          <a:bodyPr rtlCol="0"/>
-          <a:lstStyle>
-            <a:lvl1pPr>
-              <a:defRPr/>
-            </a:lvl1pPr>
-          </a:lstStyle>
-          <a:p>
-            <a:fld id="{D378BBDA-88A6-480E-A129-7B2F79ABA348}" type="datetime1">
-              <a:rPr lang="hu-HU" smtClean="0"/>
-              <a:pPr/>
-              <a:t>2021. 05. 09.</a:t>
-            </a:fld>
-            <a:endParaRPr lang="hu-HU" dirty="0"/>
-          </a:p>
-        </p:txBody>
-      </p:sp>
-      <p:sp>
-        <p:nvSpPr>
-          <p:cNvPr id="6" name="Élőláb helye 5"/>
-          <p:cNvSpPr>
-            <a:spLocks noGrp="1"/>
-          </p:cNvSpPr>
-          <p:nvPr>
-            <p:ph type="ftr" sz="quarter" idx="11"/>
-          </p:nvPr>
-        </p:nvSpPr>
-        <p:spPr/>
-        <p:txBody>
-          <a:bodyPr rtlCol="0"/>
-          <a:lstStyle/>
-          <a:p>
-            <a:pPr rtl="0"/>
-            <a:endParaRPr lang="hu-HU" dirty="0"/>
-          </a:p>
-        </p:txBody>
-      </p:sp>
-      <p:sp>
-        <p:nvSpPr>
-          <p:cNvPr id="7" name="Dia számának helye 6"/>
-          <p:cNvSpPr>
-            <a:spLocks noGrp="1"/>
-          </p:cNvSpPr>
-          <p:nvPr>
-            <p:ph type="sldNum" sz="quarter" idx="12"/>
-          </p:nvPr>
-        </p:nvSpPr>
-        <p:spPr/>
-        <p:txBody>
-          <a:bodyPr rtlCol="0"/>
-          <a:lstStyle/>
-          <a:p>
-            <a:pPr rtl="0"/>
-            <a:fld id="{2DFBB78A-01B4-41F2-96B0-677A4A282832}" type="slidenum">
-              <a:rPr lang="hu-HU" smtClean="0"/>
-              <a:t>‹#›</a:t>
-            </a:fld>
-            <a:endParaRPr lang="hu-HU" dirty="0"/>
-          </a:p>
-        </p:txBody>
-      </p:sp>
-    </p:spTree>
-    <p:extLst>
-      <p:ext uri="{BB962C8B-B14F-4D97-AF65-F5344CB8AC3E}">
-        <p14:creationId xmlns:p14="http://schemas.microsoft.com/office/powerpoint/2010/main" val="1968072039"/>
-      </p:ext>
-    </p:extLst>
-  </p:cSld>
-  <p:clrMapOvr>
-    <a:masterClrMapping/>
-  </p:clrMapOvr>
-  <mc:AlternateContent xmlns:mc="http://schemas.openxmlformats.org/markup-compatibility/2006" xmlns:p14="http://schemas.microsoft.com/office/powerpoint/2010/main">
-    <mc:Choice Requires="p14">
-      <p:transition spd="med" p14:dur="700">
-        <p:fade/>
-      </p:transition>
-    </mc:Choice>
-    <mc:Fallback xmlns="">
-      <p:transition spd="med">
-        <p:fade/>
-      </p:transition>
-    </mc:Fallback>
-  </mc:AlternateContent>
-</p:sldLayout>
-</file>
-
-<file path=ppt/slideLayouts/slideLayout9.xml><?xml version="1.0" encoding="utf-8"?>
-<p:sldLayout xmlns:a="http://schemas.openxmlformats.org/drawingml/2006/main" xmlns:r="http://schemas.openxmlformats.org/officeDocument/2006/relationships" xmlns:p="http://schemas.openxmlformats.org/presentationml/2006/main" showMasterSp="0" type="picTx" preserve="1">
-  <p:cSld name="Kép képaláírással">
-    <p:spTree>
-      <p:nvGrpSpPr>
-        <p:cNvPr id="1" name=""/>
-        <p:cNvGrpSpPr/>
-        <p:nvPr/>
-      </p:nvGrpSpPr>
-      <p:grpSpPr>
-        <a:xfrm>
-          <a:off x="0" y="0"/>
-          <a:ext cx="0" cy="0"/>
-          <a:chOff x="0" y="0"/>
-          <a:chExt cx="0" cy="0"/>
-        </a:xfrm>
-      </p:grpSpPr>
-      <p:sp>
-        <p:nvSpPr>
-          <p:cNvPr id="8" name="Téglalap 7"/>
-          <p:cNvSpPr/>
-          <p:nvPr/>
-        </p:nvSpPr>
-        <p:spPr>
-          <a:xfrm>
-            <a:off x="2082258" y="0"/>
-            <a:ext cx="8024310" cy="6858000"/>
-          </a:xfrm>
-          <a:prstGeom prst="rect">
-            <a:avLst/>
-          </a:prstGeom>
-          <a:gradFill flip="none" rotWithShape="1">
-            <a:gsLst>
-              <a:gs pos="0">
-                <a:schemeClr val="bg1">
-                  <a:alpha val="0"/>
-                </a:schemeClr>
-              </a:gs>
-              <a:gs pos="100000">
-                <a:schemeClr val="bg1">
-                  <a:alpha val="55000"/>
-                </a:schemeClr>
-              </a:gs>
-            </a:gsLst>
-            <a:lin ang="7800000" scaled="0"/>
-            <a:tileRect/>
-          </a:gradFill>
-          <a:ln>
-            <a:noFill/>
-          </a:ln>
-        </p:spPr>
-        <p:style>
-          <a:lnRef idx="2">
-            <a:schemeClr val="accent1">
-              <a:shade val="50000"/>
-            </a:schemeClr>
-          </a:lnRef>
-          <a:fillRef idx="1">
-            <a:schemeClr val="accent1"/>
-          </a:fillRef>
-          <a:effectRef idx="0">
-            <a:schemeClr val="accent1"/>
-          </a:effectRef>
-          <a:fontRef idx="minor">
-            <a:schemeClr val="lt1"/>
-          </a:fontRef>
-        </p:style>
-        <p:txBody>
-          <a:bodyPr lIns="121899" tIns="60949" rIns="121899" bIns="60949" rtlCol="0" anchor="ctr"/>
-          <a:lstStyle/>
-          <a:p>
-            <a:pPr algn="ctr" rtl="0"/>
-            <a:endParaRPr lang="hu-HU" dirty="0"/>
-          </a:p>
-        </p:txBody>
-      </p:sp>
-      <p:sp>
-        <p:nvSpPr>
-          <p:cNvPr id="2" name="Cím 1"/>
-          <p:cNvSpPr>
-            <a:spLocks noGrp="1"/>
-          </p:cNvSpPr>
-          <p:nvPr>
-            <p:ph type="title"/>
-          </p:nvPr>
-        </p:nvSpPr>
-        <p:spPr>
-          <a:xfrm>
-            <a:off x="2437765" y="4800600"/>
-            <a:ext cx="7313295" cy="762000"/>
-          </a:xfrm>
-        </p:spPr>
-        <p:txBody>
-          <a:bodyPr rtlCol="0" anchor="b">
-            <a:normAutofit/>
-          </a:bodyPr>
-          <a:lstStyle>
-            <a:lvl1pPr algn="l" rtl="0">
-              <a:defRPr sz="2000" b="1"/>
-            </a:lvl1pPr>
-          </a:lstStyle>
-          <a:p>
-            <a:pPr rtl="0"/>
-            <a:r>
-              <a:rPr lang="hu-HU"/>
-              <a:t>Mintacím szerkesztése</a:t>
-            </a:r>
-            <a:endParaRPr lang="hu-HU" dirty="0"/>
-          </a:p>
-        </p:txBody>
-      </p:sp>
-      <p:sp>
-        <p:nvSpPr>
-          <p:cNvPr id="3" name="Kép helye 2"/>
-          <p:cNvSpPr>
-            <a:spLocks noGrp="1"/>
-          </p:cNvSpPr>
-          <p:nvPr>
-            <p:ph type="pic" idx="1"/>
-          </p:nvPr>
-        </p:nvSpPr>
-        <p:spPr>
-          <a:xfrm>
-            <a:off x="2437765" y="279401"/>
-            <a:ext cx="7313295" cy="4448175"/>
-          </a:xfrm>
-        </p:spPr>
-        <p:txBody>
-          <a:bodyPr rtlCol="0">
-            <a:normAutofit/>
-          </a:bodyPr>
-          <a:lstStyle>
-            <a:lvl1pPr marL="0" indent="0" algn="l" rtl="0">
-              <a:buNone/>
-              <a:defRPr sz="2800"/>
-            </a:lvl1pPr>
-            <a:lvl2pPr marL="609493" indent="0" algn="l" rtl="0">
-              <a:buNone/>
-              <a:defRPr sz="3700"/>
-            </a:lvl2pPr>
-            <a:lvl3pPr marL="1218987" indent="0" algn="l" rtl="0">
-              <a:buNone/>
-              <a:defRPr sz="3200"/>
-            </a:lvl3pPr>
-            <a:lvl4pPr marL="1828480" indent="0" algn="l" rtl="0">
-              <a:buNone/>
-              <a:defRPr sz="2700"/>
-            </a:lvl4pPr>
-            <a:lvl5pPr marL="2437973" indent="0" algn="l" rtl="0">
-              <a:buNone/>
-              <a:defRPr sz="2700"/>
-            </a:lvl5pPr>
-            <a:lvl6pPr marL="3047467" indent="0" algn="l" rtl="0">
-              <a:buNone/>
-              <a:defRPr sz="2700"/>
-            </a:lvl6pPr>
-            <a:lvl7pPr marL="3656960" indent="0" algn="l" rtl="0">
-              <a:buNone/>
-              <a:defRPr sz="2700"/>
-            </a:lvl7pPr>
-            <a:lvl8pPr marL="4266453" indent="0" algn="l" rtl="0">
-              <a:buNone/>
-              <a:defRPr sz="2700"/>
-            </a:lvl8pPr>
-            <a:lvl9pPr marL="4875947" indent="0" algn="l" rtl="0">
-              <a:buNone/>
-              <a:defRPr sz="2700"/>
-            </a:lvl9pPr>
-          </a:lstStyle>
-          <a:p>
-            <a:pPr rtl="0"/>
-            <a:r>
-              <a:rPr lang="hu-HU"/>
-              <a:t>Kép beszúrásához kattintson az ikonra</a:t>
-            </a:r>
-            <a:endParaRPr lang="hu-HU" dirty="0"/>
-          </a:p>
-        </p:txBody>
-      </p:sp>
-      <p:sp>
-        <p:nvSpPr>
-          <p:cNvPr id="4" name="Szöveg helye 3"/>
-          <p:cNvSpPr>
-            <a:spLocks noGrp="1"/>
-          </p:cNvSpPr>
-          <p:nvPr>
-            <p:ph type="body" sz="half" idx="2"/>
-          </p:nvPr>
-        </p:nvSpPr>
-        <p:spPr>
-          <a:xfrm>
-            <a:off x="2437765" y="5562600"/>
-            <a:ext cx="7313295" cy="812800"/>
-          </a:xfrm>
-        </p:spPr>
-        <p:txBody>
-          <a:bodyPr rtlCol="0">
-            <a:normAutofit/>
-          </a:bodyPr>
-          <a:lstStyle>
-            <a:lvl1pPr marL="0" indent="0" algn="l" rtl="0">
-              <a:spcBef>
-                <a:spcPts val="0"/>
-              </a:spcBef>
-              <a:buNone/>
-              <a:defRPr sz="1600"/>
-            </a:lvl1pPr>
-            <a:lvl2pPr marL="609493" indent="0" algn="l" rtl="0">
-              <a:buNone/>
-              <a:defRPr sz="1600"/>
-            </a:lvl2pPr>
-            <a:lvl3pPr marL="1218987" indent="0" algn="l" rtl="0">
-              <a:buNone/>
-              <a:defRPr sz="1300"/>
-            </a:lvl3pPr>
-            <a:lvl4pPr marL="1828480" indent="0" algn="l" rtl="0">
-              <a:buNone/>
-              <a:defRPr sz="1200"/>
-            </a:lvl4pPr>
-            <a:lvl5pPr marL="2437973" indent="0" algn="l" rtl="0">
-              <a:buNone/>
-              <a:defRPr sz="1200"/>
-            </a:lvl5pPr>
-            <a:lvl6pPr marL="3047467" indent="0" algn="l" rtl="0">
-              <a:buNone/>
-              <a:defRPr sz="1200"/>
-            </a:lvl6pPr>
-            <a:lvl7pPr marL="3656960" indent="0" algn="l" rtl="0">
-              <a:buNone/>
-              <a:defRPr sz="1200"/>
-            </a:lvl7pPr>
-            <a:lvl8pPr marL="4266453" indent="0" algn="l" rtl="0">
-              <a:buNone/>
-              <a:defRPr sz="1200"/>
-            </a:lvl8pPr>
-            <a:lvl9pPr marL="4875947" indent="0" algn="l" rtl="0">
-              <a:buNone/>
-              <a:defRPr sz="1200"/>
-            </a:lvl9pPr>
-          </a:lstStyle>
-          <a:p>
-            <a:pPr lvl="0" rtl="0"/>
-            <a:r>
-              <a:rPr lang="hu-HU"/>
-              <a:t>Mintaszöveg szerkesztése</a:t>
-            </a:r>
-          </a:p>
-        </p:txBody>
-      </p:sp>
-      <p:sp>
-        <p:nvSpPr>
-          <p:cNvPr id="5" name="Dátum helye 4"/>
-          <p:cNvSpPr>
-            <a:spLocks noGrp="1"/>
-          </p:cNvSpPr>
-          <p:nvPr>
-            <p:ph type="dt" sz="half" idx="10"/>
-          </p:nvPr>
-        </p:nvSpPr>
-        <p:spPr/>
-        <p:txBody>
-          <a:bodyPr rtlCol="0"/>
-          <a:lstStyle>
-            <a:lvl1pPr>
-              <a:defRPr/>
-            </a:lvl1pPr>
-          </a:lstStyle>
-          <a:p>
-            <a:fld id="{9A81C038-294F-4567-9ADB-CFB54F107354}" type="datetime1">
-              <a:rPr lang="hu-HU" smtClean="0"/>
-              <a:pPr/>
-              <a:t>2021. 05. 09.</a:t>
-            </a:fld>
-            <a:endParaRPr lang="hu-HU" dirty="0"/>
-          </a:p>
-        </p:txBody>
-      </p:sp>
-      <p:sp>
-        <p:nvSpPr>
-          <p:cNvPr id="6" name="Élőláb helye 5"/>
-          <p:cNvSpPr>
-            <a:spLocks noGrp="1"/>
-          </p:cNvSpPr>
-          <p:nvPr>
-            <p:ph type="ftr" sz="quarter" idx="11"/>
-          </p:nvPr>
-        </p:nvSpPr>
-        <p:spPr/>
-        <p:txBody>
-          <a:bodyPr rtlCol="0"/>
-          <a:lstStyle/>
-          <a:p>
-            <a:pPr rtl="0"/>
-            <a:endParaRPr lang="hu-HU" dirty="0"/>
-          </a:p>
-        </p:txBody>
-      </p:sp>
-      <p:sp>
-        <p:nvSpPr>
-          <p:cNvPr id="7" name="Dia számának helye 6"/>
-          <p:cNvSpPr>
-            <a:spLocks noGrp="1"/>
-          </p:cNvSpPr>
-          <p:nvPr>
-            <p:ph type="sldNum" sz="quarter" idx="12"/>
-          </p:nvPr>
-        </p:nvSpPr>
-        <p:spPr/>
-        <p:txBody>
-          <a:bodyPr rtlCol="0"/>
-          <a:lstStyle/>
-          <a:p>
-            <a:pPr rtl="0"/>
-            <a:fld id="{2DFBB78A-01B4-41F2-96B0-677A4A282832}" type="slidenum">
-              <a:rPr lang="hu-HU" smtClean="0"/>
-              <a:t>‹#›</a:t>
-            </a:fld>
-            <a:endParaRPr lang="hu-HU" dirty="0"/>
-          </a:p>
-        </p:txBody>
-      </p:sp>
-    </p:spTree>
-    <p:extLst>
-      <p:ext uri="{BB962C8B-B14F-4D97-AF65-F5344CB8AC3E}">
-        <p14:creationId xmlns:p14="http://schemas.microsoft.com/office/powerpoint/2010/main" val="1221337468"/>
+        <p14:creationId xmlns:p14="http://schemas.microsoft.com/office/powerpoint/2010/main" val="3650715339"/>
       </p:ext>
     </p:extLst>
   </p:cSld>
@@ -6704,12 +5816,12 @@
 </file>
 
 <file path=ppt/slideMasters/slideMaster1.xml><?xml version="1.0" encoding="utf-8"?>
-<p:sldMaster xmlns:a="http://schemas.openxmlformats.org/drawingml/2006/main" xmlns:r="http://schemas.openxmlformats.org/officeDocument/2006/relationships" xmlns:p="http://schemas.openxmlformats.org/presentationml/2006/main">
+<p:sldMaster xmlns:a="http://schemas.openxmlformats.org/drawingml/2006/main" xmlns:r="http://schemas.openxmlformats.org/officeDocument/2006/relationships" xmlns:p="http://schemas.openxmlformats.org/presentationml/2006/main" preserve="1">
   <p:cSld>
     <p:bg bwMode="auto">
       <p:bgPr>
         <a:blipFill dpi="0" rotWithShape="1">
-          <a:blip r:embed="rId13">
+          <a:blip r:embed="rId9">
             <a:lum/>
           </a:blip>
           <a:srcRect/>
@@ -6924,7 +6036,7 @@
             <a:fld id="{982AADB5-EBED-4173-BC4E-244A8186BD03}" type="datetime1">
               <a:rPr lang="hu-HU" smtClean="0"/>
               <a:pPr/>
-              <a:t>2021. 05. 09.</a:t>
+              <a:t>2021. 05. 12.</a:t>
             </a:fld>
             <a:endParaRPr lang="hu-HU" dirty="0"/>
           </a:p>
@@ -7046,17 +6158,17 @@
             </a:fld>
             <a:r>
               <a:rPr lang="hu-HU" dirty="0"/>
-              <a:t>/21</a:t>
+              <a:t>/19</a:t>
             </a:r>
           </a:p>
         </p:txBody>
       </p:sp>
       <p:sp>
         <p:nvSpPr>
-          <p:cNvPr id="14" name="MSIPCMContentMarking" descr="{&quot;HashCode&quot;:-1739798571,&quot;Placement&quot;:&quot;Footer&quot;,&quot;Top&quot;:519.343,&quot;Left&quot;:430.9267,&quot;SlideWidth&quot;:959,&quot;SlideHeight&quot;:540}">
+          <p:cNvPr id="11" name="MSIPCMContentMarking" descr="{&quot;HashCode&quot;:-1739798571,&quot;Placement&quot;:&quot;Footer&quot;,&quot;Top&quot;:519.343,&quot;Left&quot;:430.9267,&quot;SlideWidth&quot;:959,&quot;SlideHeight&quot;:540}">
             <a:extLst>
               <a:ext uri="{FF2B5EF4-FFF2-40B4-BE49-F238E27FC236}">
-                <a16:creationId xmlns:a16="http://schemas.microsoft.com/office/drawing/2014/main" id="{A90D8C65-D390-4872-B284-EF1907C217C2}"/>
+                <a16:creationId xmlns:a16="http://schemas.microsoft.com/office/drawing/2014/main" id="{8D47721A-071F-4543-A322-7BF8B561267F}"/>
               </a:ext>
             </a:extLst>
           </p:cNvPr>
@@ -7114,11 +6226,7 @@
     <p:sldLayoutId id="2147483664" r:id="rId4"/>
     <p:sldLayoutId id="2147483665" r:id="rId5"/>
     <p:sldLayoutId id="2147483666" r:id="rId6"/>
-    <p:sldLayoutId id="2147483667" r:id="rId7"/>
-    <p:sldLayoutId id="2147483675" r:id="rId8"/>
-    <p:sldLayoutId id="2147483676" r:id="rId9"/>
-    <p:sldLayoutId id="2147483677" r:id="rId10"/>
-    <p:sldLayoutId id="2147483678" r:id="rId11"/>
+    <p:sldLayoutId id="2147483678" r:id="rId7"/>
   </p:sldLayoutIdLst>
   <mc:AlternateContent xmlns:mc="http://schemas.openxmlformats.org/markup-compatibility/2006" xmlns:p14="http://schemas.microsoft.com/office/powerpoint/2010/main">
     <mc:Choice Requires="p14">
@@ -8970,7 +8078,7 @@
             </a:pPr>
             <a:r>
               <a:rPr lang="hu-HU" dirty="0"/>
-              <a:t>Lehetőség van csak az első megadott karakter egyezésének keresésére is, például:</a:t>
+              <a:t>Lehetőség van csak az első megadott számú karakter egyezésének keresésére is, például:</a:t>
             </a:r>
           </a:p>
         </p:txBody>
@@ -10826,7 +9934,7 @@
           </p:nvPr>
         </p:nvPicPr>
         <p:blipFill>
-          <a:blip r:embed="rId2"/>
+          <a:blip r:embed="rId3"/>
           <a:stretch>
             <a:fillRect/>
           </a:stretch>
@@ -10856,7 +9964,7 @@
           <p:nvPr/>
         </p:nvPicPr>
         <p:blipFill>
-          <a:blip r:embed="rId3"/>
+          <a:blip r:embed="rId4"/>
           <a:stretch>
             <a:fillRect/>
           </a:stretch>
@@ -10953,18 +10061,55 @@
         </p:nvSpPr>
         <p:spPr>
           <a:xfrm>
-            <a:off x="721502" y="4580706"/>
+            <a:off x="765820" y="4580706"/>
             <a:ext cx="7008574" cy="1296987"/>
           </a:xfrm>
         </p:spPr>
         <p:txBody>
-          <a:bodyPr rtlCol="0"/>
+          <a:bodyPr rtlCol="0">
+            <a:normAutofit/>
+          </a:bodyPr>
           <a:lstStyle/>
           <a:p>
             <a:pPr rtl="0"/>
             <a:r>
+              <a:rPr lang="hu-HU" sz="2400" dirty="0"/>
+              <a:t>A felmerülő kérdésekre szívesen válaszolunk!</a:t>
+            </a:r>
+          </a:p>
+        </p:txBody>
+      </p:sp>
+      <p:sp>
+        <p:nvSpPr>
+          <p:cNvPr id="4" name="Szövegdoboz 3">
+            <a:extLst>
+              <a:ext uri="{FF2B5EF4-FFF2-40B4-BE49-F238E27FC236}">
+                <a16:creationId xmlns:a16="http://schemas.microsoft.com/office/drawing/2014/main" id="{0E5246C0-50CF-4F15-A99B-ED08EDB2D03E}"/>
+              </a:ext>
+            </a:extLst>
+          </p:cNvPr>
+          <p:cNvSpPr txBox="1"/>
+          <p:nvPr/>
+        </p:nvSpPr>
+        <p:spPr>
+          <a:xfrm>
+            <a:off x="765820" y="3501008"/>
+            <a:ext cx="5760640" cy="830997"/>
+          </a:xfrm>
+          <a:prstGeom prst="rect">
+            <a:avLst/>
+          </a:prstGeom>
+          <a:noFill/>
+        </p:spPr>
+        <p:txBody>
+          <a:bodyPr wrap="square" rtlCol="0">
+            <a:spAutoFit/>
+          </a:bodyPr>
+          <a:lstStyle/>
+          <a:p>
+            <a:r>
               <a:rPr lang="hu-HU" dirty="0"/>
-              <a:t>A felmerülő kérdésekre szívesen válaszolunk!</a:t>
+              <a:t>Köszönjük Szekér Szabolcs témavezetőnknek a támogatását!</a:t>
             </a:r>
           </a:p>
         </p:txBody>
@@ -13056,12 +12201,139 @@
 </file>
 
 <file path=customXml/item1.xml><?xml version="1.0" encoding="utf-8"?>
-<?mso-contentType ?>
-<FormTemplates xmlns="http://schemas.microsoft.com/sharepoint/v3/contenttype/forms">
-  <Display>DocumentLibraryForm</Display>
-  <Edit>AssetEditForm</Edit>
-  <New>DocumentLibraryForm</New>
-</FormTemplates>
+<p:properties xmlns:p="http://schemas.microsoft.com/office/2006/metadata/properties" xmlns:xsi="http://www.w3.org/2001/XMLSchema-instance" xmlns:pc="http://schemas.microsoft.com/office/infopath/2007/PartnerControls">
+  <documentManagement>
+    <LocPublishedLinkedAssetsLookup xmlns="4873beb7-5857-4685-be1f-d57550cc96cc" xsi:nil="true"/>
+    <ApprovalStatus xmlns="4873beb7-5857-4685-be1f-d57550cc96cc">InProgress</ApprovalStatus>
+    <MarketSpecific xmlns="4873beb7-5857-4685-be1f-d57550cc96cc">false</MarketSpecific>
+    <LocComments xmlns="4873beb7-5857-4685-be1f-d57550cc96cc" xsi:nil="true"/>
+    <LocLastLocAttemptVersionTypeLookup xmlns="4873beb7-5857-4685-be1f-d57550cc96cc" xsi:nil="true"/>
+    <DirectSourceMarket xmlns="4873beb7-5857-4685-be1f-d57550cc96cc" xsi:nil="true"/>
+    <ThumbnailAssetId xmlns="4873beb7-5857-4685-be1f-d57550cc96cc" xsi:nil="true"/>
+    <PrimaryImageGen xmlns="4873beb7-5857-4685-be1f-d57550cc96cc">false</PrimaryImageGen>
+    <LocNewPublishedVersionLookup xmlns="4873beb7-5857-4685-be1f-d57550cc96cc" xsi:nil="true"/>
+    <LegacyData xmlns="4873beb7-5857-4685-be1f-d57550cc96cc" xsi:nil="true"/>
+    <LocRecommendedHandoff xmlns="4873beb7-5857-4685-be1f-d57550cc96cc" xsi:nil="true"/>
+    <BusinessGroup xmlns="4873beb7-5857-4685-be1f-d57550cc96cc" xsi:nil="true"/>
+    <BlockPublish xmlns="4873beb7-5857-4685-be1f-d57550cc96cc">false</BlockPublish>
+    <TPFriendlyName xmlns="4873beb7-5857-4685-be1f-d57550cc96cc" xsi:nil="true"/>
+    <LocOverallPublishStatusLookup xmlns="4873beb7-5857-4685-be1f-d57550cc96cc" xsi:nil="true"/>
+    <NumericId xmlns="4873beb7-5857-4685-be1f-d57550cc96cc" xsi:nil="true"/>
+    <APEditor xmlns="4873beb7-5857-4685-be1f-d57550cc96cc">
+      <UserInfo>
+        <DisplayName/>
+        <AccountId xsi:nil="true"/>
+        <AccountType/>
+      </UserInfo>
+    </APEditor>
+    <SourceTitle xmlns="4873beb7-5857-4685-be1f-d57550cc96cc" xsi:nil="true"/>
+    <OpenTemplate xmlns="4873beb7-5857-4685-be1f-d57550cc96cc">true</OpenTemplate>
+    <LocOverallLocStatusLookup xmlns="4873beb7-5857-4685-be1f-d57550cc96cc" xsi:nil="true"/>
+    <UALocComments xmlns="4873beb7-5857-4685-be1f-d57550cc96cc" xsi:nil="true"/>
+    <ParentAssetId xmlns="4873beb7-5857-4685-be1f-d57550cc96cc" xsi:nil="true"/>
+    <IntlLangReviewDate xmlns="4873beb7-5857-4685-be1f-d57550cc96cc" xsi:nil="true"/>
+    <FeatureTagsTaxHTField0 xmlns="4873beb7-5857-4685-be1f-d57550cc96cc">
+      <Terms xmlns="http://schemas.microsoft.com/office/infopath/2007/PartnerControls"/>
+    </FeatureTagsTaxHTField0>
+    <PublishStatusLookup xmlns="4873beb7-5857-4685-be1f-d57550cc96cc">
+      <Value>1345039</Value>
+    </PublishStatusLookup>
+    <Providers xmlns="4873beb7-5857-4685-be1f-d57550cc96cc" xsi:nil="true"/>
+    <MachineTranslated xmlns="4873beb7-5857-4685-be1f-d57550cc96cc">false</MachineTranslated>
+    <OriginalSourceMarket xmlns="4873beb7-5857-4685-be1f-d57550cc96cc" xsi:nil="true"/>
+    <APDescription xmlns="4873beb7-5857-4685-be1f-d57550cc96cc">The bookstacks present on most slides  make this a good choice for students, teachers, reading enthusiasts, and others in education. This presentation template contains multiple slide layouts in widescreen format (16x9) and includes a sample table and chart that you can easily  modify.</APDescription>
+    <ClipArtFilename xmlns="4873beb7-5857-4685-be1f-d57550cc96cc" xsi:nil="true"/>
+    <ContentItem xmlns="4873beb7-5857-4685-be1f-d57550cc96cc" xsi:nil="true"/>
+    <TPInstallLocation xmlns="4873beb7-5857-4685-be1f-d57550cc96cc" xsi:nil="true"/>
+    <PublishTargets xmlns="4873beb7-5857-4685-be1f-d57550cc96cc">OfficeOnlineVNext</PublishTargets>
+    <TimesCloned xmlns="4873beb7-5857-4685-be1f-d57550cc96cc" xsi:nil="true"/>
+    <AssetStart xmlns="4873beb7-5857-4685-be1f-d57550cc96cc">2011-11-26T00:00:00+00:00</AssetStart>
+    <Provider xmlns="4873beb7-5857-4685-be1f-d57550cc96cc" xsi:nil="true"/>
+    <AcquiredFrom xmlns="4873beb7-5857-4685-be1f-d57550cc96cc">Internal MS</AcquiredFrom>
+    <FriendlyTitle xmlns="4873beb7-5857-4685-be1f-d57550cc96cc" xsi:nil="true"/>
+    <LastHandOff xmlns="4873beb7-5857-4685-be1f-d57550cc96cc" xsi:nil="true"/>
+    <TPClientViewer xmlns="4873beb7-5857-4685-be1f-d57550cc96cc" xsi:nil="true"/>
+    <TemplateStatus xmlns="4873beb7-5857-4685-be1f-d57550cc96cc">Complete</TemplateStatus>
+    <Downloads xmlns="4873beb7-5857-4685-be1f-d57550cc96cc">0</Downloads>
+    <OOCacheId xmlns="4873beb7-5857-4685-be1f-d57550cc96cc" xsi:nil="true"/>
+    <IsDeleted xmlns="4873beb7-5857-4685-be1f-d57550cc96cc">false</IsDeleted>
+    <LocPublishedDependentAssetsLookup xmlns="4873beb7-5857-4685-be1f-d57550cc96cc" xsi:nil="true"/>
+    <AssetExpire xmlns="4873beb7-5857-4685-be1f-d57550cc96cc">2029-05-12T07:00:00+00:00</AssetExpire>
+    <DSATActionTaken xmlns="4873beb7-5857-4685-be1f-d57550cc96cc" xsi:nil="true"/>
+    <CSXSubmissionMarket xmlns="4873beb7-5857-4685-be1f-d57550cc96cc" xsi:nil="true"/>
+    <TPExecutable xmlns="4873beb7-5857-4685-be1f-d57550cc96cc" xsi:nil="true"/>
+    <EditorialTags xmlns="4873beb7-5857-4685-be1f-d57550cc96cc" xsi:nil="true"/>
+    <SubmitterId xmlns="4873beb7-5857-4685-be1f-d57550cc96cc" xsi:nil="true"/>
+    <ApprovalLog xmlns="4873beb7-5857-4685-be1f-d57550cc96cc" xsi:nil="true"/>
+    <AssetType xmlns="4873beb7-5857-4685-be1f-d57550cc96cc">TP</AssetType>
+    <BugNumber xmlns="4873beb7-5857-4685-be1f-d57550cc96cc" xsi:nil="true"/>
+    <CSXSubmissionDate xmlns="4873beb7-5857-4685-be1f-d57550cc96cc" xsi:nil="true"/>
+    <CSXUpdate xmlns="4873beb7-5857-4685-be1f-d57550cc96cc">false</CSXUpdate>
+    <Milestone xmlns="4873beb7-5857-4685-be1f-d57550cc96cc" xsi:nil="true"/>
+    <RecommendationsModifier xmlns="4873beb7-5857-4685-be1f-d57550cc96cc" xsi:nil="true"/>
+    <OriginAsset xmlns="4873beb7-5857-4685-be1f-d57550cc96cc" xsi:nil="true"/>
+    <TPComponent xmlns="4873beb7-5857-4685-be1f-d57550cc96cc" xsi:nil="true"/>
+    <AssetId xmlns="4873beb7-5857-4685-be1f-d57550cc96cc">TP102787939</AssetId>
+    <IntlLocPriority xmlns="4873beb7-5857-4685-be1f-d57550cc96cc" xsi:nil="true"/>
+    <PolicheckWords xmlns="4873beb7-5857-4685-be1f-d57550cc96cc" xsi:nil="true"/>
+    <TPLaunchHelpLink xmlns="4873beb7-5857-4685-be1f-d57550cc96cc" xsi:nil="true"/>
+    <TPApplication xmlns="4873beb7-5857-4685-be1f-d57550cc96cc" xsi:nil="true"/>
+    <CrawlForDependencies xmlns="4873beb7-5857-4685-be1f-d57550cc96cc">false</CrawlForDependencies>
+    <HandoffToMSDN xmlns="4873beb7-5857-4685-be1f-d57550cc96cc" xsi:nil="true"/>
+    <PlannedPubDate xmlns="4873beb7-5857-4685-be1f-d57550cc96cc" xsi:nil="true"/>
+    <IntlLangReviewer xmlns="4873beb7-5857-4685-be1f-d57550cc96cc" xsi:nil="true"/>
+    <TrustLevel xmlns="4873beb7-5857-4685-be1f-d57550cc96cc">1 Microsoft Managed Content</TrustLevel>
+    <LocLastLocAttemptVersionLookup xmlns="4873beb7-5857-4685-be1f-d57550cc96cc">694216</LocLastLocAttemptVersionLookup>
+    <LocProcessedForHandoffsLookup xmlns="4873beb7-5857-4685-be1f-d57550cc96cc" xsi:nil="true"/>
+    <IsSearchable xmlns="4873beb7-5857-4685-be1f-d57550cc96cc">true</IsSearchable>
+    <TemplateTemplateType xmlns="4873beb7-5857-4685-be1f-d57550cc96cc">PowerPoint Presentation Template</TemplateTemplateType>
+    <CampaignTagsTaxHTField0 xmlns="4873beb7-5857-4685-be1f-d57550cc96cc">
+      <Terms xmlns="http://schemas.microsoft.com/office/infopath/2007/PartnerControls"/>
+    </CampaignTagsTaxHTField0>
+    <TPNamespace xmlns="4873beb7-5857-4685-be1f-d57550cc96cc" xsi:nil="true"/>
+    <LocOverallPreviewStatusLookup xmlns="4873beb7-5857-4685-be1f-d57550cc96cc" xsi:nil="true"/>
+    <TaxCatchAll xmlns="4873beb7-5857-4685-be1f-d57550cc96cc"/>
+    <Markets xmlns="4873beb7-5857-4685-be1f-d57550cc96cc"/>
+    <UAProjectedTotalWords xmlns="4873beb7-5857-4685-be1f-d57550cc96cc" xsi:nil="true"/>
+    <IntlLangReview xmlns="4873beb7-5857-4685-be1f-d57550cc96cc" xsi:nil="true"/>
+    <OutputCachingOn xmlns="4873beb7-5857-4685-be1f-d57550cc96cc">false</OutputCachingOn>
+    <AverageRating xmlns="4873beb7-5857-4685-be1f-d57550cc96cc" xsi:nil="true"/>
+    <APAuthor xmlns="4873beb7-5857-4685-be1f-d57550cc96cc">
+      <UserInfo>
+        <DisplayName>REDMOND\kristaa</DisplayName>
+        <AccountId>136</AccountId>
+        <AccountType/>
+      </UserInfo>
+    </APAuthor>
+    <LocManualTestRequired xmlns="4873beb7-5857-4685-be1f-d57550cc96cc">false</LocManualTestRequired>
+    <TPCommandLine xmlns="4873beb7-5857-4685-be1f-d57550cc96cc" xsi:nil="true"/>
+    <TPAppVersion xmlns="4873beb7-5857-4685-be1f-d57550cc96cc" xsi:nil="true"/>
+    <EditorialStatus xmlns="4873beb7-5857-4685-be1f-d57550cc96cc">Complete</EditorialStatus>
+    <LastModifiedDateTime xmlns="4873beb7-5857-4685-be1f-d57550cc96cc" xsi:nil="true"/>
+    <ScenarioTagsTaxHTField0 xmlns="4873beb7-5857-4685-be1f-d57550cc96cc">
+      <Terms xmlns="http://schemas.microsoft.com/office/infopath/2007/PartnerControls"/>
+    </ScenarioTagsTaxHTField0>
+    <LocProcessedForMarketsLookup xmlns="4873beb7-5857-4685-be1f-d57550cc96cc" xsi:nil="true"/>
+    <TPLaunchHelpLinkType xmlns="4873beb7-5857-4685-be1f-d57550cc96cc">Template</TPLaunchHelpLinkType>
+    <OriginalRelease xmlns="4873beb7-5857-4685-be1f-d57550cc96cc">15</OriginalRelease>
+    <LocalizationTagsTaxHTField0 xmlns="4873beb7-5857-4685-be1f-d57550cc96cc">
+      <Terms xmlns="http://schemas.microsoft.com/office/infopath/2007/PartnerControls"/>
+    </LocalizationTagsTaxHTField0>
+    <UACurrentWords xmlns="4873beb7-5857-4685-be1f-d57550cc96cc" xsi:nil="true"/>
+    <ArtSampleDocs xmlns="4873beb7-5857-4685-be1f-d57550cc96cc" xsi:nil="true"/>
+    <UALocRecommendation xmlns="4873beb7-5857-4685-be1f-d57550cc96cc">Localize</UALocRecommendation>
+    <Manager xmlns="4873beb7-5857-4685-be1f-d57550cc96cc" xsi:nil="true"/>
+    <LocOverallHandbackStatusLookup xmlns="4873beb7-5857-4685-be1f-d57550cc96cc" xsi:nil="true"/>
+    <ShowIn xmlns="4873beb7-5857-4685-be1f-d57550cc96cc">Show everywhere</ShowIn>
+    <UANotes xmlns="4873beb7-5857-4685-be1f-d57550cc96cc" xsi:nil="true"/>
+    <InternalTagsTaxHTField0 xmlns="4873beb7-5857-4685-be1f-d57550cc96cc">
+      <Terms xmlns="http://schemas.microsoft.com/office/infopath/2007/PartnerControls"/>
+    </InternalTagsTaxHTField0>
+    <CSXHash xmlns="4873beb7-5857-4685-be1f-d57550cc96cc" xsi:nil="true"/>
+    <VoteCount xmlns="4873beb7-5857-4685-be1f-d57550cc96cc" xsi:nil="true"/>
+    <LocMarketGroupTiers2 xmlns="4873beb7-5857-4685-be1f-d57550cc96cc" xsi:nil="true"/>
+  </documentManagement>
+</p:properties>
 </file>
 
 <file path=customXml/item2.xml><?xml version="1.0" encoding="utf-8"?>
@@ -14105,145 +13377,20 @@
 </file>
 
 <file path=customXml/item3.xml><?xml version="1.0" encoding="utf-8"?>
-<p:properties xmlns:p="http://schemas.microsoft.com/office/2006/metadata/properties" xmlns:xsi="http://www.w3.org/2001/XMLSchema-instance" xmlns:pc="http://schemas.microsoft.com/office/infopath/2007/PartnerControls">
-  <documentManagement>
-    <LocPublishedLinkedAssetsLookup xmlns="4873beb7-5857-4685-be1f-d57550cc96cc" xsi:nil="true"/>
-    <ApprovalStatus xmlns="4873beb7-5857-4685-be1f-d57550cc96cc">InProgress</ApprovalStatus>
-    <MarketSpecific xmlns="4873beb7-5857-4685-be1f-d57550cc96cc">false</MarketSpecific>
-    <LocComments xmlns="4873beb7-5857-4685-be1f-d57550cc96cc" xsi:nil="true"/>
-    <LocLastLocAttemptVersionTypeLookup xmlns="4873beb7-5857-4685-be1f-d57550cc96cc" xsi:nil="true"/>
-    <DirectSourceMarket xmlns="4873beb7-5857-4685-be1f-d57550cc96cc" xsi:nil="true"/>
-    <ThumbnailAssetId xmlns="4873beb7-5857-4685-be1f-d57550cc96cc" xsi:nil="true"/>
-    <PrimaryImageGen xmlns="4873beb7-5857-4685-be1f-d57550cc96cc">false</PrimaryImageGen>
-    <LocNewPublishedVersionLookup xmlns="4873beb7-5857-4685-be1f-d57550cc96cc" xsi:nil="true"/>
-    <LegacyData xmlns="4873beb7-5857-4685-be1f-d57550cc96cc" xsi:nil="true"/>
-    <LocRecommendedHandoff xmlns="4873beb7-5857-4685-be1f-d57550cc96cc" xsi:nil="true"/>
-    <BusinessGroup xmlns="4873beb7-5857-4685-be1f-d57550cc96cc" xsi:nil="true"/>
-    <BlockPublish xmlns="4873beb7-5857-4685-be1f-d57550cc96cc">false</BlockPublish>
-    <TPFriendlyName xmlns="4873beb7-5857-4685-be1f-d57550cc96cc" xsi:nil="true"/>
-    <LocOverallPublishStatusLookup xmlns="4873beb7-5857-4685-be1f-d57550cc96cc" xsi:nil="true"/>
-    <NumericId xmlns="4873beb7-5857-4685-be1f-d57550cc96cc" xsi:nil="true"/>
-    <APEditor xmlns="4873beb7-5857-4685-be1f-d57550cc96cc">
-      <UserInfo>
-        <DisplayName/>
-        <AccountId xsi:nil="true"/>
-        <AccountType/>
-      </UserInfo>
-    </APEditor>
-    <SourceTitle xmlns="4873beb7-5857-4685-be1f-d57550cc96cc" xsi:nil="true"/>
-    <OpenTemplate xmlns="4873beb7-5857-4685-be1f-d57550cc96cc">true</OpenTemplate>
-    <LocOverallLocStatusLookup xmlns="4873beb7-5857-4685-be1f-d57550cc96cc" xsi:nil="true"/>
-    <UALocComments xmlns="4873beb7-5857-4685-be1f-d57550cc96cc" xsi:nil="true"/>
-    <ParentAssetId xmlns="4873beb7-5857-4685-be1f-d57550cc96cc" xsi:nil="true"/>
-    <IntlLangReviewDate xmlns="4873beb7-5857-4685-be1f-d57550cc96cc" xsi:nil="true"/>
-    <FeatureTagsTaxHTField0 xmlns="4873beb7-5857-4685-be1f-d57550cc96cc">
-      <Terms xmlns="http://schemas.microsoft.com/office/infopath/2007/PartnerControls"/>
-    </FeatureTagsTaxHTField0>
-    <PublishStatusLookup xmlns="4873beb7-5857-4685-be1f-d57550cc96cc">
-      <Value>1345039</Value>
-    </PublishStatusLookup>
-    <Providers xmlns="4873beb7-5857-4685-be1f-d57550cc96cc" xsi:nil="true"/>
-    <MachineTranslated xmlns="4873beb7-5857-4685-be1f-d57550cc96cc">false</MachineTranslated>
-    <OriginalSourceMarket xmlns="4873beb7-5857-4685-be1f-d57550cc96cc" xsi:nil="true"/>
-    <APDescription xmlns="4873beb7-5857-4685-be1f-d57550cc96cc">The bookstacks present on most slides  make this a good choice for students, teachers, reading enthusiasts, and others in education. This presentation template contains multiple slide layouts in widescreen format (16x9) and includes a sample table and chart that you can easily  modify.</APDescription>
-    <ClipArtFilename xmlns="4873beb7-5857-4685-be1f-d57550cc96cc" xsi:nil="true"/>
-    <ContentItem xmlns="4873beb7-5857-4685-be1f-d57550cc96cc" xsi:nil="true"/>
-    <TPInstallLocation xmlns="4873beb7-5857-4685-be1f-d57550cc96cc" xsi:nil="true"/>
-    <PublishTargets xmlns="4873beb7-5857-4685-be1f-d57550cc96cc">OfficeOnlineVNext</PublishTargets>
-    <TimesCloned xmlns="4873beb7-5857-4685-be1f-d57550cc96cc" xsi:nil="true"/>
-    <AssetStart xmlns="4873beb7-5857-4685-be1f-d57550cc96cc">2011-11-26T00:00:00+00:00</AssetStart>
-    <Provider xmlns="4873beb7-5857-4685-be1f-d57550cc96cc" xsi:nil="true"/>
-    <AcquiredFrom xmlns="4873beb7-5857-4685-be1f-d57550cc96cc">Internal MS</AcquiredFrom>
-    <FriendlyTitle xmlns="4873beb7-5857-4685-be1f-d57550cc96cc" xsi:nil="true"/>
-    <LastHandOff xmlns="4873beb7-5857-4685-be1f-d57550cc96cc" xsi:nil="true"/>
-    <TPClientViewer xmlns="4873beb7-5857-4685-be1f-d57550cc96cc" xsi:nil="true"/>
-    <TemplateStatus xmlns="4873beb7-5857-4685-be1f-d57550cc96cc">Complete</TemplateStatus>
-    <Downloads xmlns="4873beb7-5857-4685-be1f-d57550cc96cc">0</Downloads>
-    <OOCacheId xmlns="4873beb7-5857-4685-be1f-d57550cc96cc" xsi:nil="true"/>
-    <IsDeleted xmlns="4873beb7-5857-4685-be1f-d57550cc96cc">false</IsDeleted>
-    <LocPublishedDependentAssetsLookup xmlns="4873beb7-5857-4685-be1f-d57550cc96cc" xsi:nil="true"/>
-    <AssetExpire xmlns="4873beb7-5857-4685-be1f-d57550cc96cc">2029-05-12T07:00:00+00:00</AssetExpire>
-    <DSATActionTaken xmlns="4873beb7-5857-4685-be1f-d57550cc96cc" xsi:nil="true"/>
-    <CSXSubmissionMarket xmlns="4873beb7-5857-4685-be1f-d57550cc96cc" xsi:nil="true"/>
-    <TPExecutable xmlns="4873beb7-5857-4685-be1f-d57550cc96cc" xsi:nil="true"/>
-    <EditorialTags xmlns="4873beb7-5857-4685-be1f-d57550cc96cc" xsi:nil="true"/>
-    <SubmitterId xmlns="4873beb7-5857-4685-be1f-d57550cc96cc" xsi:nil="true"/>
-    <ApprovalLog xmlns="4873beb7-5857-4685-be1f-d57550cc96cc" xsi:nil="true"/>
-    <AssetType xmlns="4873beb7-5857-4685-be1f-d57550cc96cc">TP</AssetType>
-    <BugNumber xmlns="4873beb7-5857-4685-be1f-d57550cc96cc" xsi:nil="true"/>
-    <CSXSubmissionDate xmlns="4873beb7-5857-4685-be1f-d57550cc96cc" xsi:nil="true"/>
-    <CSXUpdate xmlns="4873beb7-5857-4685-be1f-d57550cc96cc">false</CSXUpdate>
-    <Milestone xmlns="4873beb7-5857-4685-be1f-d57550cc96cc" xsi:nil="true"/>
-    <RecommendationsModifier xmlns="4873beb7-5857-4685-be1f-d57550cc96cc" xsi:nil="true"/>
-    <OriginAsset xmlns="4873beb7-5857-4685-be1f-d57550cc96cc" xsi:nil="true"/>
-    <TPComponent xmlns="4873beb7-5857-4685-be1f-d57550cc96cc" xsi:nil="true"/>
-    <AssetId xmlns="4873beb7-5857-4685-be1f-d57550cc96cc">TP102787939</AssetId>
-    <IntlLocPriority xmlns="4873beb7-5857-4685-be1f-d57550cc96cc" xsi:nil="true"/>
-    <PolicheckWords xmlns="4873beb7-5857-4685-be1f-d57550cc96cc" xsi:nil="true"/>
-    <TPLaunchHelpLink xmlns="4873beb7-5857-4685-be1f-d57550cc96cc" xsi:nil="true"/>
-    <TPApplication xmlns="4873beb7-5857-4685-be1f-d57550cc96cc" xsi:nil="true"/>
-    <CrawlForDependencies xmlns="4873beb7-5857-4685-be1f-d57550cc96cc">false</CrawlForDependencies>
-    <HandoffToMSDN xmlns="4873beb7-5857-4685-be1f-d57550cc96cc" xsi:nil="true"/>
-    <PlannedPubDate xmlns="4873beb7-5857-4685-be1f-d57550cc96cc" xsi:nil="true"/>
-    <IntlLangReviewer xmlns="4873beb7-5857-4685-be1f-d57550cc96cc" xsi:nil="true"/>
-    <TrustLevel xmlns="4873beb7-5857-4685-be1f-d57550cc96cc">1 Microsoft Managed Content</TrustLevel>
-    <LocLastLocAttemptVersionLookup xmlns="4873beb7-5857-4685-be1f-d57550cc96cc">694216</LocLastLocAttemptVersionLookup>
-    <LocProcessedForHandoffsLookup xmlns="4873beb7-5857-4685-be1f-d57550cc96cc" xsi:nil="true"/>
-    <IsSearchable xmlns="4873beb7-5857-4685-be1f-d57550cc96cc">true</IsSearchable>
-    <TemplateTemplateType xmlns="4873beb7-5857-4685-be1f-d57550cc96cc">PowerPoint Presentation Template</TemplateTemplateType>
-    <CampaignTagsTaxHTField0 xmlns="4873beb7-5857-4685-be1f-d57550cc96cc">
-      <Terms xmlns="http://schemas.microsoft.com/office/infopath/2007/PartnerControls"/>
-    </CampaignTagsTaxHTField0>
-    <TPNamespace xmlns="4873beb7-5857-4685-be1f-d57550cc96cc" xsi:nil="true"/>
-    <LocOverallPreviewStatusLookup xmlns="4873beb7-5857-4685-be1f-d57550cc96cc" xsi:nil="true"/>
-    <TaxCatchAll xmlns="4873beb7-5857-4685-be1f-d57550cc96cc"/>
-    <Markets xmlns="4873beb7-5857-4685-be1f-d57550cc96cc"/>
-    <UAProjectedTotalWords xmlns="4873beb7-5857-4685-be1f-d57550cc96cc" xsi:nil="true"/>
-    <IntlLangReview xmlns="4873beb7-5857-4685-be1f-d57550cc96cc" xsi:nil="true"/>
-    <OutputCachingOn xmlns="4873beb7-5857-4685-be1f-d57550cc96cc">false</OutputCachingOn>
-    <AverageRating xmlns="4873beb7-5857-4685-be1f-d57550cc96cc" xsi:nil="true"/>
-    <APAuthor xmlns="4873beb7-5857-4685-be1f-d57550cc96cc">
-      <UserInfo>
-        <DisplayName>REDMOND\kristaa</DisplayName>
-        <AccountId>136</AccountId>
-        <AccountType/>
-      </UserInfo>
-    </APAuthor>
-    <LocManualTestRequired xmlns="4873beb7-5857-4685-be1f-d57550cc96cc">false</LocManualTestRequired>
-    <TPCommandLine xmlns="4873beb7-5857-4685-be1f-d57550cc96cc" xsi:nil="true"/>
-    <TPAppVersion xmlns="4873beb7-5857-4685-be1f-d57550cc96cc" xsi:nil="true"/>
-    <EditorialStatus xmlns="4873beb7-5857-4685-be1f-d57550cc96cc">Complete</EditorialStatus>
-    <LastModifiedDateTime xmlns="4873beb7-5857-4685-be1f-d57550cc96cc" xsi:nil="true"/>
-    <ScenarioTagsTaxHTField0 xmlns="4873beb7-5857-4685-be1f-d57550cc96cc">
-      <Terms xmlns="http://schemas.microsoft.com/office/infopath/2007/PartnerControls"/>
-    </ScenarioTagsTaxHTField0>
-    <LocProcessedForMarketsLookup xmlns="4873beb7-5857-4685-be1f-d57550cc96cc" xsi:nil="true"/>
-    <TPLaunchHelpLinkType xmlns="4873beb7-5857-4685-be1f-d57550cc96cc">Template</TPLaunchHelpLinkType>
-    <OriginalRelease xmlns="4873beb7-5857-4685-be1f-d57550cc96cc">15</OriginalRelease>
-    <LocalizationTagsTaxHTField0 xmlns="4873beb7-5857-4685-be1f-d57550cc96cc">
-      <Terms xmlns="http://schemas.microsoft.com/office/infopath/2007/PartnerControls"/>
-    </LocalizationTagsTaxHTField0>
-    <UACurrentWords xmlns="4873beb7-5857-4685-be1f-d57550cc96cc" xsi:nil="true"/>
-    <ArtSampleDocs xmlns="4873beb7-5857-4685-be1f-d57550cc96cc" xsi:nil="true"/>
-    <UALocRecommendation xmlns="4873beb7-5857-4685-be1f-d57550cc96cc">Localize</UALocRecommendation>
-    <Manager xmlns="4873beb7-5857-4685-be1f-d57550cc96cc" xsi:nil="true"/>
-    <LocOverallHandbackStatusLookup xmlns="4873beb7-5857-4685-be1f-d57550cc96cc" xsi:nil="true"/>
-    <ShowIn xmlns="4873beb7-5857-4685-be1f-d57550cc96cc">Show everywhere</ShowIn>
-    <UANotes xmlns="4873beb7-5857-4685-be1f-d57550cc96cc" xsi:nil="true"/>
-    <InternalTagsTaxHTField0 xmlns="4873beb7-5857-4685-be1f-d57550cc96cc">
-      <Terms xmlns="http://schemas.microsoft.com/office/infopath/2007/PartnerControls"/>
-    </InternalTagsTaxHTField0>
-    <CSXHash xmlns="4873beb7-5857-4685-be1f-d57550cc96cc" xsi:nil="true"/>
-    <VoteCount xmlns="4873beb7-5857-4685-be1f-d57550cc96cc" xsi:nil="true"/>
-    <LocMarketGroupTiers2 xmlns="4873beb7-5857-4685-be1f-d57550cc96cc" xsi:nil="true"/>
-  </documentManagement>
-</p:properties>
+<?mso-contentType ?>
+<FormTemplates xmlns="http://schemas.microsoft.com/sharepoint/v3/contenttype/forms">
+  <Display>DocumentLibraryForm</Display>
+  <Edit>AssetEditForm</Edit>
+  <New>DocumentLibraryForm</New>
+</FormTemplates>
 </file>
 
 <file path=customXml/itemProps1.xml><?xml version="1.0" encoding="utf-8"?>
-<ds:datastoreItem xmlns:ds="http://schemas.openxmlformats.org/officeDocument/2006/customXml" ds:itemID="{E1B558C7-619B-49BE-9097-7FCBDADD4ECE}">
+<ds:datastoreItem xmlns:ds="http://schemas.openxmlformats.org/officeDocument/2006/customXml" ds:itemID="{F301D382-32B0-43EE-932C-28906AF37617}">
   <ds:schemaRefs>
-    <ds:schemaRef ds:uri="http://schemas.microsoft.com/sharepoint/v3/contenttype/forms"/>
+    <ds:schemaRef ds:uri="http://schemas.microsoft.com/office/2006/metadata/properties"/>
+    <ds:schemaRef ds:uri="http://schemas.microsoft.com/office/infopath/2007/PartnerControls"/>
+    <ds:schemaRef ds:uri="4873beb7-5857-4685-be1f-d57550cc96cc"/>
   </ds:schemaRefs>
 </ds:datastoreItem>
 </file>
@@ -14267,11 +13414,9 @@
 </file>
 
 <file path=customXml/itemProps3.xml><?xml version="1.0" encoding="utf-8"?>
-<ds:datastoreItem xmlns:ds="http://schemas.openxmlformats.org/officeDocument/2006/customXml" ds:itemID="{F301D382-32B0-43EE-932C-28906AF37617}">
+<ds:datastoreItem xmlns:ds="http://schemas.openxmlformats.org/officeDocument/2006/customXml" ds:itemID="{E1B558C7-619B-49BE-9097-7FCBDADD4ECE}">
   <ds:schemaRefs>
-    <ds:schemaRef ds:uri="http://schemas.microsoft.com/office/2006/metadata/properties"/>
-    <ds:schemaRef ds:uri="http://schemas.microsoft.com/office/infopath/2007/PartnerControls"/>
-    <ds:schemaRef ds:uri="4873beb7-5857-4685-be1f-d57550cc96cc"/>
+    <ds:schemaRef ds:uri="http://schemas.microsoft.com/sharepoint/v3/contenttype/forms"/>
   </ds:schemaRefs>
 </ds:datastoreItem>
 </file>